--- a/Final-Group-Presentation/Group7.pptx
+++ b/Final-Group-Presentation/Group7.pptx
@@ -15,6 +15,24 @@
     <p:sldId id="264" r:id="rId9"/>
     <p:sldId id="263" r:id="rId10"/>
     <p:sldId id="265" r:id="rId11"/>
+    <p:sldId id="266" r:id="rId12"/>
+    <p:sldId id="267" r:id="rId13"/>
+    <p:sldId id="268" r:id="rId14"/>
+    <p:sldId id="269" r:id="rId15"/>
+    <p:sldId id="270" r:id="rId16"/>
+    <p:sldId id="271" r:id="rId17"/>
+    <p:sldId id="272" r:id="rId18"/>
+    <p:sldId id="273" r:id="rId19"/>
+    <p:sldId id="274" r:id="rId20"/>
+    <p:sldId id="275" r:id="rId21"/>
+    <p:sldId id="276" r:id="rId22"/>
+    <p:sldId id="277" r:id="rId23"/>
+    <p:sldId id="278" r:id="rId24"/>
+    <p:sldId id="279" r:id="rId25"/>
+    <p:sldId id="280" r:id="rId26"/>
+    <p:sldId id="281" r:id="rId27"/>
+    <p:sldId id="282" r:id="rId28"/>
+    <p:sldId id="283" r:id="rId29"/>
   </p:sldIdLst>
   <p:sldSz cx="12192000" cy="6858000"/>
   <p:notesSz cx="6858000" cy="9144000"/>
@@ -114,6 +132,3165 @@
     </a:lvl9pPr>
   </p:defaultTextStyle>
 </p:presentation>
+</file>
+
+<file path=ppt/charts/chart1.xml><?xml version="1.0" encoding="utf-8"?>
+<c:chartSpace xmlns:c="http://schemas.openxmlformats.org/drawingml/2006/chart" xmlns:a="http://schemas.openxmlformats.org/drawingml/2006/main" xmlns:r="http://schemas.openxmlformats.org/officeDocument/2006/relationships" xmlns:c16r2="http://schemas.microsoft.com/office/drawing/2015/06/chart">
+  <c:date1904 val="0"/>
+  <c:lang val="en-US"/>
+  <c:roundedCorners val="0"/>
+  <mc:AlternateContent xmlns:mc="http://schemas.openxmlformats.org/markup-compatibility/2006">
+    <mc:Choice xmlns:c14="http://schemas.microsoft.com/office/drawing/2007/8/2/chart" Requires="c14">
+      <c14:style val="102"/>
+    </mc:Choice>
+    <mc:Fallback>
+      <c:style val="2"/>
+    </mc:Fallback>
+  </mc:AlternateContent>
+  <c:clrMapOvr bg1="lt1" tx1="dk1" bg2="lt2" tx2="dk2" accent1="accent1" accent2="accent2" accent3="accent3" accent4="accent4" accent5="accent5" accent6="accent6" hlink="hlink" folHlink="folHlink"/>
+  <c:chart>
+    <c:title>
+      <c:tx>
+        <c:rich>
+          <a:bodyPr rot="0" spcFirstLastPara="1" vertOverflow="ellipsis" vert="horz" wrap="square" anchor="ctr" anchorCtr="1"/>
+          <a:lstStyle/>
+          <a:p>
+            <a:pPr>
+              <a:defRPr sz="1400" b="0" i="0" u="none" strike="noStrike" kern="1200" spc="0" baseline="0">
+                <a:solidFill>
+                  <a:schemeClr val="tx1">
+                    <a:lumMod val="65000"/>
+                    <a:lumOff val="35000"/>
+                  </a:schemeClr>
+                </a:solidFill>
+                <a:latin typeface="+mn-lt"/>
+                <a:ea typeface="+mn-ea"/>
+                <a:cs typeface="+mn-cs"/>
+              </a:defRPr>
+            </a:pPr>
+            <a:r>
+              <a:rPr lang="en-US"/>
+              <a:t>ConvNet48_DropOut3,</a:t>
+            </a:r>
+            <a:r>
+              <a:rPr lang="en-US" baseline="0"/>
+              <a:t> SGD</a:t>
+            </a:r>
+            <a:endParaRPr lang="en-US"/>
+          </a:p>
+        </c:rich>
+      </c:tx>
+      <c:overlay val="0"/>
+      <c:spPr>
+        <a:noFill/>
+        <a:ln>
+          <a:noFill/>
+        </a:ln>
+        <a:effectLst/>
+      </c:spPr>
+      <c:txPr>
+        <a:bodyPr rot="0" spcFirstLastPara="1" vertOverflow="ellipsis" vert="horz" wrap="square" anchor="ctr" anchorCtr="1"/>
+        <a:lstStyle/>
+        <a:p>
+          <a:pPr>
+            <a:defRPr sz="1400" b="0" i="0" u="none" strike="noStrike" kern="1200" spc="0" baseline="0">
+              <a:solidFill>
+                <a:schemeClr val="tx1">
+                  <a:lumMod val="65000"/>
+                  <a:lumOff val="35000"/>
+                </a:schemeClr>
+              </a:solidFill>
+              <a:latin typeface="+mn-lt"/>
+              <a:ea typeface="+mn-ea"/>
+              <a:cs typeface="+mn-cs"/>
+            </a:defRPr>
+          </a:pPr>
+          <a:endParaRPr lang="en-US"/>
+        </a:p>
+      </c:txPr>
+    </c:title>
+    <c:autoTitleDeleted val="0"/>
+    <c:plotArea>
+      <c:layout>
+        <c:manualLayout>
+          <c:layoutTarget val="inner"/>
+          <c:xMode val="edge"/>
+          <c:yMode val="edge"/>
+          <c:x val="8.9124890638670184E-2"/>
+          <c:y val="0.15317147856517935"/>
+          <c:w val="0.82255577427821525"/>
+          <c:h val="0.6236796442111403"/>
+        </c:manualLayout>
+      </c:layout>
+      <c:lineChart>
+        <c:grouping val="standard"/>
+        <c:varyColors val="0"/>
+        <c:ser>
+          <c:idx val="0"/>
+          <c:order val="0"/>
+          <c:tx>
+            <c:strRef>
+              <c:f>Ctrain_predictor_1209_182340_me!$B$1</c:f>
+              <c:strCache>
+                <c:ptCount val="1"/>
+                <c:pt idx="0">
+                  <c:v>Loss</c:v>
+                </c:pt>
+              </c:strCache>
+            </c:strRef>
+          </c:tx>
+          <c:spPr>
+            <a:ln w="28575" cap="rnd">
+              <a:solidFill>
+                <a:schemeClr val="accent1"/>
+              </a:solidFill>
+              <a:round/>
+            </a:ln>
+            <a:effectLst/>
+          </c:spPr>
+          <c:marker>
+            <c:symbol val="none"/>
+          </c:marker>
+          <c:val>
+            <c:numRef>
+              <c:f>Ctrain_predictor_1209_182340_me!$B$2:$B$101</c:f>
+              <c:numCache>
+                <c:formatCode>General</c:formatCode>
+                <c:ptCount val="100"/>
+                <c:pt idx="0">
+                  <c:v>2456.8452432751601</c:v>
+                </c:pt>
+                <c:pt idx="1">
+                  <c:v>1561.11894257366</c:v>
+                </c:pt>
+                <c:pt idx="2">
+                  <c:v>1403.46234340965</c:v>
+                </c:pt>
+                <c:pt idx="3">
+                  <c:v>1306.7674301862701</c:v>
+                </c:pt>
+                <c:pt idx="4">
+                  <c:v>1238.6596536263801</c:v>
+                </c:pt>
+                <c:pt idx="5">
+                  <c:v>1192.6281198337599</c:v>
+                </c:pt>
+                <c:pt idx="6">
+                  <c:v>1141.19855336099</c:v>
+                </c:pt>
+                <c:pt idx="7">
+                  <c:v>1102.7973721027299</c:v>
+                </c:pt>
+                <c:pt idx="8">
+                  <c:v>1070.2642321288499</c:v>
+                </c:pt>
+                <c:pt idx="9">
+                  <c:v>1047.25357401371</c:v>
+                </c:pt>
+                <c:pt idx="10">
+                  <c:v>1020.61070816218</c:v>
+                </c:pt>
+                <c:pt idx="11">
+                  <c:v>1000.37144182622</c:v>
+                </c:pt>
+                <c:pt idx="12">
+                  <c:v>975.71055525541306</c:v>
+                </c:pt>
+                <c:pt idx="13">
+                  <c:v>962.96970503032196</c:v>
+                </c:pt>
+                <c:pt idx="14">
+                  <c:v>941.94457892328501</c:v>
+                </c:pt>
+                <c:pt idx="15">
+                  <c:v>932.87252102047205</c:v>
+                </c:pt>
+                <c:pt idx="16">
+                  <c:v>915.58844186365604</c:v>
+                </c:pt>
+                <c:pt idx="17">
+                  <c:v>895.75792150199402</c:v>
+                </c:pt>
+                <c:pt idx="18">
+                  <c:v>889.22729072719801</c:v>
+                </c:pt>
+                <c:pt idx="19">
+                  <c:v>877.37584569305102</c:v>
+                </c:pt>
+                <c:pt idx="20">
+                  <c:v>867.82358662038996</c:v>
+                </c:pt>
+                <c:pt idx="21">
+                  <c:v>857.28557486459601</c:v>
+                </c:pt>
+                <c:pt idx="22">
+                  <c:v>845.50118156522501</c:v>
+                </c:pt>
+                <c:pt idx="23">
+                  <c:v>842.85493861883799</c:v>
+                </c:pt>
+                <c:pt idx="24">
+                  <c:v>835.40654724836304</c:v>
+                </c:pt>
+                <c:pt idx="25">
+                  <c:v>825.35630539804697</c:v>
+                </c:pt>
+                <c:pt idx="26">
+                  <c:v>815.29692068695999</c:v>
+                </c:pt>
+                <c:pt idx="27">
+                  <c:v>810.12996340542998</c:v>
+                </c:pt>
+                <c:pt idx="28">
+                  <c:v>803.84724381566002</c:v>
+                </c:pt>
+                <c:pt idx="29">
+                  <c:v>803.14184363186303</c:v>
+                </c:pt>
+                <c:pt idx="30">
+                  <c:v>791.14447593688897</c:v>
+                </c:pt>
+                <c:pt idx="31">
+                  <c:v>781.48092126101199</c:v>
+                </c:pt>
+                <c:pt idx="32">
+                  <c:v>779.83584290742795</c:v>
+                </c:pt>
+                <c:pt idx="33">
+                  <c:v>770.67169083654801</c:v>
+                </c:pt>
+                <c:pt idx="34">
+                  <c:v>766.31263981759503</c:v>
+                </c:pt>
+                <c:pt idx="35">
+                  <c:v>759.68575724214304</c:v>
+                </c:pt>
+                <c:pt idx="36">
+                  <c:v>754.71198064088799</c:v>
+                </c:pt>
+                <c:pt idx="37">
+                  <c:v>758.55223558097998</c:v>
+                </c:pt>
+                <c:pt idx="38">
+                  <c:v>745.5931892246</c:v>
+                </c:pt>
+                <c:pt idx="39">
+                  <c:v>742.09503936767499</c:v>
+                </c:pt>
+                <c:pt idx="40">
+                  <c:v>743.53832102566901</c:v>
+                </c:pt>
+                <c:pt idx="41">
+                  <c:v>731.00844360142901</c:v>
+                </c:pt>
+                <c:pt idx="42">
+                  <c:v>729.309820137918</c:v>
+                </c:pt>
+                <c:pt idx="43">
+                  <c:v>720.58423447608902</c:v>
+                </c:pt>
+                <c:pt idx="44">
+                  <c:v>722.08958606421902</c:v>
+                </c:pt>
+                <c:pt idx="45">
+                  <c:v>724.60323298722506</c:v>
+                </c:pt>
+                <c:pt idx="46">
+                  <c:v>717.33128166943698</c:v>
+                </c:pt>
+                <c:pt idx="47">
+                  <c:v>716.85211813449803</c:v>
+                </c:pt>
+                <c:pt idx="48">
+                  <c:v>718.90545649826504</c:v>
+                </c:pt>
+                <c:pt idx="49">
+                  <c:v>701.163306396454</c:v>
+                </c:pt>
+                <c:pt idx="50">
+                  <c:v>704.09729272499601</c:v>
+                </c:pt>
+                <c:pt idx="51">
+                  <c:v>702.03947630524601</c:v>
+                </c:pt>
+                <c:pt idx="52">
+                  <c:v>699.77102708816506</c:v>
+                </c:pt>
+                <c:pt idx="53">
+                  <c:v>693.96627784520297</c:v>
+                </c:pt>
+                <c:pt idx="54">
+                  <c:v>691.42801730334702</c:v>
+                </c:pt>
+                <c:pt idx="55">
+                  <c:v>690.02299903705705</c:v>
+                </c:pt>
+                <c:pt idx="56">
+                  <c:v>685.09321805834702</c:v>
+                </c:pt>
+                <c:pt idx="57">
+                  <c:v>680.12117317318905</c:v>
+                </c:pt>
+                <c:pt idx="58">
+                  <c:v>676.39891923591495</c:v>
+                </c:pt>
+                <c:pt idx="59">
+                  <c:v>681.13099117576996</c:v>
+                </c:pt>
+                <c:pt idx="60">
+                  <c:v>677.20263460650995</c:v>
+                </c:pt>
+                <c:pt idx="61">
+                  <c:v>672.71760144829705</c:v>
+                </c:pt>
+                <c:pt idx="62">
+                  <c:v>671.05178700387398</c:v>
+                </c:pt>
+                <c:pt idx="63">
+                  <c:v>669.87182145565703</c:v>
+                </c:pt>
+                <c:pt idx="64">
+                  <c:v>673.42709809169105</c:v>
+                </c:pt>
+                <c:pt idx="65">
+                  <c:v>668.57194528728701</c:v>
+                </c:pt>
+                <c:pt idx="66">
+                  <c:v>664.75310932844798</c:v>
+                </c:pt>
+                <c:pt idx="67">
+                  <c:v>662.35876236110903</c:v>
+                </c:pt>
+                <c:pt idx="68">
+                  <c:v>658.54602219164303</c:v>
+                </c:pt>
+                <c:pt idx="69">
+                  <c:v>662.74109134450498</c:v>
+                </c:pt>
+                <c:pt idx="70">
+                  <c:v>652.60236118733803</c:v>
+                </c:pt>
+                <c:pt idx="71">
+                  <c:v>648.36182096228004</c:v>
+                </c:pt>
+                <c:pt idx="72">
+                  <c:v>650.13875389099098</c:v>
+                </c:pt>
+                <c:pt idx="73">
+                  <c:v>650.82706038653805</c:v>
+                </c:pt>
+                <c:pt idx="74">
+                  <c:v>644.59100185334603</c:v>
+                </c:pt>
+                <c:pt idx="75">
+                  <c:v>648.12297551520101</c:v>
+                </c:pt>
+                <c:pt idx="76">
+                  <c:v>642.89457008987597</c:v>
+                </c:pt>
+                <c:pt idx="77">
+                  <c:v>639.17351320385899</c:v>
+                </c:pt>
+                <c:pt idx="78">
+                  <c:v>646.93699546158302</c:v>
+                </c:pt>
+                <c:pt idx="79">
+                  <c:v>642.76859526336102</c:v>
+                </c:pt>
+                <c:pt idx="80">
+                  <c:v>639.78746013715795</c:v>
+                </c:pt>
+                <c:pt idx="81">
+                  <c:v>636.89849953353405</c:v>
+                </c:pt>
+                <c:pt idx="82">
+                  <c:v>636.69932174682594</c:v>
+                </c:pt>
+                <c:pt idx="83">
+                  <c:v>632.81102889403701</c:v>
+                </c:pt>
+                <c:pt idx="84">
+                  <c:v>630.96484462171702</c:v>
+                </c:pt>
+                <c:pt idx="85">
+                  <c:v>631.67452228069305</c:v>
+                </c:pt>
+                <c:pt idx="86">
+                  <c:v>623.78798801451899</c:v>
+                </c:pt>
+                <c:pt idx="87">
+                  <c:v>628.82261309027604</c:v>
+                </c:pt>
+                <c:pt idx="88">
+                  <c:v>627.31392826698698</c:v>
+                </c:pt>
+                <c:pt idx="89">
+                  <c:v>622.51789712533298</c:v>
+                </c:pt>
+                <c:pt idx="90">
+                  <c:v>620.10996785759903</c:v>
+                </c:pt>
+                <c:pt idx="91">
+                  <c:v>619.926047511398</c:v>
+                </c:pt>
+                <c:pt idx="92">
+                  <c:v>617.44180176779605</c:v>
+                </c:pt>
+                <c:pt idx="93">
+                  <c:v>616.89220375567595</c:v>
+                </c:pt>
+                <c:pt idx="94">
+                  <c:v>619.10376548394504</c:v>
+                </c:pt>
+                <c:pt idx="95">
+                  <c:v>612.65613990276995</c:v>
+                </c:pt>
+                <c:pt idx="96">
+                  <c:v>614.95193484425499</c:v>
+                </c:pt>
+                <c:pt idx="97">
+                  <c:v>613.39241762831796</c:v>
+                </c:pt>
+                <c:pt idx="98">
+                  <c:v>611.67688056081499</c:v>
+                </c:pt>
+                <c:pt idx="99">
+                  <c:v>608.55398750305096</c:v>
+                </c:pt>
+              </c:numCache>
+            </c:numRef>
+          </c:val>
+          <c:smooth val="0"/>
+          <c:extLst>
+            <c:ext xmlns:c16="http://schemas.microsoft.com/office/drawing/2014/chart" uri="{C3380CC4-5D6E-409C-BE32-E72D297353CC}">
+              <c16:uniqueId val="{00000000-8D5C-3D46-9811-08D1955D8B3B}"/>
+            </c:ext>
+          </c:extLst>
+        </c:ser>
+        <c:dLbls>
+          <c:showLegendKey val="0"/>
+          <c:showVal val="0"/>
+          <c:showCatName val="0"/>
+          <c:showSerName val="0"/>
+          <c:showPercent val="0"/>
+          <c:showBubbleSize val="0"/>
+        </c:dLbls>
+        <c:marker val="1"/>
+        <c:smooth val="0"/>
+        <c:axId val="642199480"/>
+        <c:axId val="642198168"/>
+      </c:lineChart>
+      <c:lineChart>
+        <c:grouping val="standard"/>
+        <c:varyColors val="0"/>
+        <c:ser>
+          <c:idx val="1"/>
+          <c:order val="1"/>
+          <c:tx>
+            <c:strRef>
+              <c:f>Ctrain_predictor_1209_182340_me!$C$1</c:f>
+              <c:strCache>
+                <c:ptCount val="1"/>
+                <c:pt idx="0">
+                  <c:v>Val Accuracy</c:v>
+                </c:pt>
+              </c:strCache>
+            </c:strRef>
+          </c:tx>
+          <c:spPr>
+            <a:ln w="28575" cap="rnd">
+              <a:solidFill>
+                <a:schemeClr val="accent2"/>
+              </a:solidFill>
+              <a:round/>
+            </a:ln>
+            <a:effectLst/>
+          </c:spPr>
+          <c:marker>
+            <c:symbol val="none"/>
+          </c:marker>
+          <c:val>
+            <c:numRef>
+              <c:f>Ctrain_predictor_1209_182340_me!$C$2:$C$101</c:f>
+              <c:numCache>
+                <c:formatCode>General</c:formatCode>
+                <c:ptCount val="100"/>
+                <c:pt idx="0">
+                  <c:v>0.78125</c:v>
+                </c:pt>
+                <c:pt idx="1">
+                  <c:v>0.80294585987261102</c:v>
+                </c:pt>
+                <c:pt idx="2">
+                  <c:v>0.82205414012738798</c:v>
+                </c:pt>
+                <c:pt idx="3">
+                  <c:v>0.84613853503184699</c:v>
+                </c:pt>
+                <c:pt idx="4">
+                  <c:v>0.84156050955413997</c:v>
+                </c:pt>
+                <c:pt idx="5">
+                  <c:v>0.80772292993630501</c:v>
+                </c:pt>
+                <c:pt idx="6">
+                  <c:v>0.85668789808917201</c:v>
+                </c:pt>
+                <c:pt idx="7">
+                  <c:v>0.86265923566878899</c:v>
+                </c:pt>
+                <c:pt idx="8">
+                  <c:v>0.84394904458598696</c:v>
+                </c:pt>
+                <c:pt idx="9">
+                  <c:v>0.86405254777069995</c:v>
+                </c:pt>
+                <c:pt idx="10">
+                  <c:v>0.86902866242038201</c:v>
+                </c:pt>
+                <c:pt idx="11">
+                  <c:v>0.87141719745222901</c:v>
+                </c:pt>
+                <c:pt idx="12">
+                  <c:v>0.87699044585987196</c:v>
+                </c:pt>
+                <c:pt idx="13">
+                  <c:v>0.87738853503184699</c:v>
+                </c:pt>
+                <c:pt idx="14">
+                  <c:v>0.86664012738853502</c:v>
+                </c:pt>
+                <c:pt idx="15">
+                  <c:v>0.88455414012738798</c:v>
+                </c:pt>
+                <c:pt idx="16">
+                  <c:v>0.88216560509554098</c:v>
+                </c:pt>
+                <c:pt idx="17">
+                  <c:v>0.88156847133757898</c:v>
+                </c:pt>
+                <c:pt idx="18">
+                  <c:v>0.88594745222929905</c:v>
+                </c:pt>
+                <c:pt idx="19">
+                  <c:v>0.89072452229299304</c:v>
+                </c:pt>
+                <c:pt idx="20">
+                  <c:v>0.88296178343949006</c:v>
+                </c:pt>
+                <c:pt idx="21">
+                  <c:v>0.88992834394904397</c:v>
+                </c:pt>
+                <c:pt idx="22">
+                  <c:v>0.89191878980891703</c:v>
+                </c:pt>
+                <c:pt idx="23">
+                  <c:v>0.889132165605095</c:v>
+                </c:pt>
+                <c:pt idx="24">
+                  <c:v>0.89311305732484003</c:v>
+                </c:pt>
+                <c:pt idx="25">
+                  <c:v>0.89351114649681496</c:v>
+                </c:pt>
+                <c:pt idx="26">
+                  <c:v>0.89291401273885296</c:v>
+                </c:pt>
+                <c:pt idx="27">
+                  <c:v>0.89669585987261102</c:v>
+                </c:pt>
+                <c:pt idx="28">
+                  <c:v>0.89828821656050895</c:v>
+                </c:pt>
+                <c:pt idx="29">
+                  <c:v>0.89410828025477695</c:v>
+                </c:pt>
+                <c:pt idx="30">
+                  <c:v>0.89729299363057302</c:v>
+                </c:pt>
+                <c:pt idx="31">
+                  <c:v>0.89948248407643305</c:v>
+                </c:pt>
+                <c:pt idx="32">
+                  <c:v>0.89510350318471299</c:v>
+                </c:pt>
+                <c:pt idx="33">
+                  <c:v>0.89191878980891703</c:v>
+                </c:pt>
+                <c:pt idx="34">
+                  <c:v>0.89808917197452198</c:v>
+                </c:pt>
+                <c:pt idx="35">
+                  <c:v>0.890326433121019</c:v>
+                </c:pt>
+                <c:pt idx="36">
+                  <c:v>0.90266719745222901</c:v>
+                </c:pt>
+                <c:pt idx="37">
+                  <c:v>0.89988057324840698</c:v>
+                </c:pt>
+                <c:pt idx="38">
+                  <c:v>0.90067675159235605</c:v>
+                </c:pt>
+                <c:pt idx="39">
+                  <c:v>0.90286624203821597</c:v>
+                </c:pt>
+                <c:pt idx="40">
+                  <c:v>0.90585191082802496</c:v>
+                </c:pt>
+                <c:pt idx="41">
+                  <c:v>0.90525477707006297</c:v>
+                </c:pt>
+                <c:pt idx="42">
+                  <c:v>0.90485668789808904</c:v>
+                </c:pt>
+                <c:pt idx="43">
+                  <c:v>0.90425955414012704</c:v>
+                </c:pt>
+                <c:pt idx="44">
+                  <c:v>0.90027866242038201</c:v>
+                </c:pt>
+                <c:pt idx="45">
+                  <c:v>0.90286624203821597</c:v>
+                </c:pt>
+                <c:pt idx="46">
+                  <c:v>0.89988057324840698</c:v>
+                </c:pt>
+                <c:pt idx="47">
+                  <c:v>0.90485668789808904</c:v>
+                </c:pt>
+                <c:pt idx="48">
+                  <c:v>0.90764331210190996</c:v>
+                </c:pt>
+                <c:pt idx="49">
+                  <c:v>0.90863853503184699</c:v>
+                </c:pt>
+                <c:pt idx="50">
+                  <c:v>0.905652866242038</c:v>
+                </c:pt>
+                <c:pt idx="51">
+                  <c:v>0.90724522292993603</c:v>
+                </c:pt>
+                <c:pt idx="52">
+                  <c:v>0.90644904458598696</c:v>
+                </c:pt>
+                <c:pt idx="53">
+                  <c:v>0.90824044585987196</c:v>
+                </c:pt>
+                <c:pt idx="54">
+                  <c:v>0.905055732484076</c:v>
+                </c:pt>
+                <c:pt idx="55">
+                  <c:v>0.90963375796178303</c:v>
+                </c:pt>
+                <c:pt idx="56">
+                  <c:v>0.90963375796178303</c:v>
+                </c:pt>
+                <c:pt idx="57">
+                  <c:v>0.91023089171974503</c:v>
+                </c:pt>
+                <c:pt idx="58">
+                  <c:v>0.91202229299363002</c:v>
+                </c:pt>
+                <c:pt idx="59">
+                  <c:v>0.91102707006369399</c:v>
+                </c:pt>
+                <c:pt idx="60">
+                  <c:v>0.90883757961783396</c:v>
+                </c:pt>
+                <c:pt idx="61">
+                  <c:v>0.91003184713375795</c:v>
+                </c:pt>
+                <c:pt idx="62">
+                  <c:v>0.91182324840764295</c:v>
+                </c:pt>
+                <c:pt idx="63">
+                  <c:v>0.91222133757961699</c:v>
+                </c:pt>
+                <c:pt idx="64">
+                  <c:v>0.90704617834394896</c:v>
+                </c:pt>
+                <c:pt idx="65">
+                  <c:v>0.91242038216560495</c:v>
+                </c:pt>
+                <c:pt idx="66">
+                  <c:v>0.91142515923566803</c:v>
+                </c:pt>
+                <c:pt idx="67">
+                  <c:v>0.90485668789808904</c:v>
+                </c:pt>
+                <c:pt idx="68">
+                  <c:v>0.91062898089171895</c:v>
+                </c:pt>
+                <c:pt idx="69">
+                  <c:v>0.91202229299363002</c:v>
+                </c:pt>
+                <c:pt idx="70">
+                  <c:v>0.91042993630573199</c:v>
+                </c:pt>
+                <c:pt idx="71">
+                  <c:v>0.91042993630573199</c:v>
+                </c:pt>
+                <c:pt idx="72">
+                  <c:v>0.91062898089171895</c:v>
+                </c:pt>
+                <c:pt idx="73">
+                  <c:v>0.91540605095541405</c:v>
+                </c:pt>
+                <c:pt idx="74">
+                  <c:v>0.91202229299363002</c:v>
+                </c:pt>
+                <c:pt idx="75">
+                  <c:v>0.91321656050955402</c:v>
+                </c:pt>
+                <c:pt idx="76">
+                  <c:v>0.91799363057324801</c:v>
+                </c:pt>
+                <c:pt idx="77">
+                  <c:v>0.91441082802547702</c:v>
+                </c:pt>
+                <c:pt idx="78">
+                  <c:v>0.91222133757961699</c:v>
+                </c:pt>
+                <c:pt idx="79">
+                  <c:v>0.91560509554140102</c:v>
+                </c:pt>
+                <c:pt idx="80">
+                  <c:v>0.91441082802547702</c:v>
+                </c:pt>
+                <c:pt idx="81">
+                  <c:v>0.91719745222929905</c:v>
+                </c:pt>
+                <c:pt idx="82">
+                  <c:v>0.91958598726114604</c:v>
+                </c:pt>
+                <c:pt idx="83">
+                  <c:v>0.91560509554140102</c:v>
+                </c:pt>
+                <c:pt idx="84">
+                  <c:v>0.91660031847133705</c:v>
+                </c:pt>
+                <c:pt idx="85">
+                  <c:v>0.91719745222929905</c:v>
+                </c:pt>
+                <c:pt idx="86">
+                  <c:v>0.91719745222929905</c:v>
+                </c:pt>
+                <c:pt idx="87">
+                  <c:v>0.91261942675159202</c:v>
+                </c:pt>
+                <c:pt idx="88">
+                  <c:v>0.91878980891719697</c:v>
+                </c:pt>
+                <c:pt idx="89">
+                  <c:v>0.91520700636942598</c:v>
+                </c:pt>
+                <c:pt idx="90">
+                  <c:v>0.91480891719745205</c:v>
+                </c:pt>
+                <c:pt idx="91">
+                  <c:v>0.91520700636942598</c:v>
+                </c:pt>
+                <c:pt idx="92">
+                  <c:v>0.91679936305732401</c:v>
+                </c:pt>
+                <c:pt idx="93">
+                  <c:v>0.91859076433121001</c:v>
+                </c:pt>
+                <c:pt idx="94">
+                  <c:v>0.91859076433121001</c:v>
+                </c:pt>
+                <c:pt idx="95">
+                  <c:v>0.91839171974522205</c:v>
+                </c:pt>
+                <c:pt idx="96">
+                  <c:v>0.91600318471337505</c:v>
+                </c:pt>
+                <c:pt idx="97">
+                  <c:v>0.91719745222929905</c:v>
+                </c:pt>
+                <c:pt idx="98">
+                  <c:v>0.91679936305732401</c:v>
+                </c:pt>
+                <c:pt idx="99">
+                  <c:v>0.91759554140127297</c:v>
+                </c:pt>
+              </c:numCache>
+            </c:numRef>
+          </c:val>
+          <c:smooth val="0"/>
+          <c:extLst>
+            <c:ext xmlns:c16="http://schemas.microsoft.com/office/drawing/2014/chart" uri="{C3380CC4-5D6E-409C-BE32-E72D297353CC}">
+              <c16:uniqueId val="{00000001-8D5C-3D46-9811-08D1955D8B3B}"/>
+            </c:ext>
+          </c:extLst>
+        </c:ser>
+        <c:dLbls>
+          <c:showLegendKey val="0"/>
+          <c:showVal val="0"/>
+          <c:showCatName val="0"/>
+          <c:showSerName val="0"/>
+          <c:showPercent val="0"/>
+          <c:showBubbleSize val="0"/>
+        </c:dLbls>
+        <c:marker val="1"/>
+        <c:smooth val="0"/>
+        <c:axId val="739169816"/>
+        <c:axId val="739168504"/>
+      </c:lineChart>
+      <c:catAx>
+        <c:axId val="642199480"/>
+        <c:scaling>
+          <c:orientation val="minMax"/>
+        </c:scaling>
+        <c:delete val="0"/>
+        <c:axPos val="b"/>
+        <c:majorTickMark val="none"/>
+        <c:minorTickMark val="none"/>
+        <c:tickLblPos val="nextTo"/>
+        <c:spPr>
+          <a:noFill/>
+          <a:ln w="9525" cap="flat" cmpd="sng" algn="ctr">
+            <a:solidFill>
+              <a:schemeClr val="tx1">
+                <a:lumMod val="15000"/>
+                <a:lumOff val="85000"/>
+              </a:schemeClr>
+            </a:solidFill>
+            <a:round/>
+          </a:ln>
+          <a:effectLst/>
+        </c:spPr>
+        <c:txPr>
+          <a:bodyPr rot="-60000000" spcFirstLastPara="1" vertOverflow="ellipsis" vert="horz" wrap="square" anchor="ctr" anchorCtr="1"/>
+          <a:lstStyle/>
+          <a:p>
+            <a:pPr>
+              <a:defRPr sz="900" b="0" i="0" u="none" strike="noStrike" kern="1200" baseline="0">
+                <a:solidFill>
+                  <a:schemeClr val="tx1">
+                    <a:lumMod val="65000"/>
+                    <a:lumOff val="35000"/>
+                  </a:schemeClr>
+                </a:solidFill>
+                <a:latin typeface="+mn-lt"/>
+                <a:ea typeface="+mn-ea"/>
+                <a:cs typeface="+mn-cs"/>
+              </a:defRPr>
+            </a:pPr>
+            <a:endParaRPr lang="en-US"/>
+          </a:p>
+        </c:txPr>
+        <c:crossAx val="642198168"/>
+        <c:crosses val="autoZero"/>
+        <c:auto val="1"/>
+        <c:lblAlgn val="ctr"/>
+        <c:lblOffset val="100"/>
+        <c:noMultiLvlLbl val="0"/>
+      </c:catAx>
+      <c:valAx>
+        <c:axId val="642198168"/>
+        <c:scaling>
+          <c:orientation val="minMax"/>
+        </c:scaling>
+        <c:delete val="0"/>
+        <c:axPos val="l"/>
+        <c:majorGridlines>
+          <c:spPr>
+            <a:ln w="9525" cap="flat" cmpd="sng" algn="ctr">
+              <a:solidFill>
+                <a:schemeClr val="tx1">
+                  <a:lumMod val="15000"/>
+                  <a:lumOff val="85000"/>
+                </a:schemeClr>
+              </a:solidFill>
+              <a:round/>
+            </a:ln>
+            <a:effectLst/>
+          </c:spPr>
+        </c:majorGridlines>
+        <c:numFmt formatCode="General" sourceLinked="1"/>
+        <c:majorTickMark val="none"/>
+        <c:minorTickMark val="none"/>
+        <c:tickLblPos val="nextTo"/>
+        <c:spPr>
+          <a:noFill/>
+          <a:ln>
+            <a:noFill/>
+          </a:ln>
+          <a:effectLst/>
+        </c:spPr>
+        <c:txPr>
+          <a:bodyPr rot="-60000000" spcFirstLastPara="1" vertOverflow="ellipsis" vert="horz" wrap="square" anchor="ctr" anchorCtr="1"/>
+          <a:lstStyle/>
+          <a:p>
+            <a:pPr>
+              <a:defRPr sz="900" b="0" i="0" u="none" strike="noStrike" kern="1200" baseline="0">
+                <a:solidFill>
+                  <a:schemeClr val="tx1">
+                    <a:lumMod val="65000"/>
+                    <a:lumOff val="35000"/>
+                  </a:schemeClr>
+                </a:solidFill>
+                <a:latin typeface="+mn-lt"/>
+                <a:ea typeface="+mn-ea"/>
+                <a:cs typeface="+mn-cs"/>
+              </a:defRPr>
+            </a:pPr>
+            <a:endParaRPr lang="en-US"/>
+          </a:p>
+        </c:txPr>
+        <c:crossAx val="642199480"/>
+        <c:crosses val="autoZero"/>
+        <c:crossBetween val="between"/>
+      </c:valAx>
+      <c:valAx>
+        <c:axId val="739168504"/>
+        <c:scaling>
+          <c:orientation val="minMax"/>
+        </c:scaling>
+        <c:delete val="0"/>
+        <c:axPos val="r"/>
+        <c:numFmt formatCode="General" sourceLinked="1"/>
+        <c:majorTickMark val="out"/>
+        <c:minorTickMark val="none"/>
+        <c:tickLblPos val="nextTo"/>
+        <c:spPr>
+          <a:noFill/>
+          <a:ln>
+            <a:noFill/>
+          </a:ln>
+          <a:effectLst/>
+        </c:spPr>
+        <c:txPr>
+          <a:bodyPr rot="-60000000" spcFirstLastPara="1" vertOverflow="ellipsis" vert="horz" wrap="square" anchor="ctr" anchorCtr="1"/>
+          <a:lstStyle/>
+          <a:p>
+            <a:pPr>
+              <a:defRPr sz="900" b="0" i="0" u="none" strike="noStrike" kern="1200" baseline="0">
+                <a:solidFill>
+                  <a:schemeClr val="tx1">
+                    <a:lumMod val="65000"/>
+                    <a:lumOff val="35000"/>
+                  </a:schemeClr>
+                </a:solidFill>
+                <a:latin typeface="+mn-lt"/>
+                <a:ea typeface="+mn-ea"/>
+                <a:cs typeface="+mn-cs"/>
+              </a:defRPr>
+            </a:pPr>
+            <a:endParaRPr lang="en-US"/>
+          </a:p>
+        </c:txPr>
+        <c:crossAx val="739169816"/>
+        <c:crosses val="max"/>
+        <c:crossBetween val="between"/>
+      </c:valAx>
+      <c:catAx>
+        <c:axId val="739169816"/>
+        <c:scaling>
+          <c:orientation val="minMax"/>
+        </c:scaling>
+        <c:delete val="1"/>
+        <c:axPos val="b"/>
+        <c:majorTickMark val="out"/>
+        <c:minorTickMark val="none"/>
+        <c:tickLblPos val="nextTo"/>
+        <c:crossAx val="739168504"/>
+        <c:crosses val="autoZero"/>
+        <c:auto val="1"/>
+        <c:lblAlgn val="ctr"/>
+        <c:lblOffset val="100"/>
+        <c:noMultiLvlLbl val="0"/>
+      </c:catAx>
+      <c:spPr>
+        <a:noFill/>
+        <a:ln>
+          <a:noFill/>
+        </a:ln>
+        <a:effectLst/>
+      </c:spPr>
+    </c:plotArea>
+    <c:legend>
+      <c:legendPos val="b"/>
+      <c:overlay val="0"/>
+      <c:spPr>
+        <a:noFill/>
+        <a:ln>
+          <a:noFill/>
+        </a:ln>
+        <a:effectLst/>
+      </c:spPr>
+      <c:txPr>
+        <a:bodyPr rot="0" spcFirstLastPara="1" vertOverflow="ellipsis" vert="horz" wrap="square" anchor="ctr" anchorCtr="1"/>
+        <a:lstStyle/>
+        <a:p>
+          <a:pPr>
+            <a:defRPr sz="900" b="0" i="0" u="none" strike="noStrike" kern="1200" baseline="0">
+              <a:solidFill>
+                <a:schemeClr val="tx1">
+                  <a:lumMod val="65000"/>
+                  <a:lumOff val="35000"/>
+                </a:schemeClr>
+              </a:solidFill>
+              <a:latin typeface="+mn-lt"/>
+              <a:ea typeface="+mn-ea"/>
+              <a:cs typeface="+mn-cs"/>
+            </a:defRPr>
+          </a:pPr>
+          <a:endParaRPr lang="en-US"/>
+        </a:p>
+      </c:txPr>
+    </c:legend>
+    <c:plotVisOnly val="1"/>
+    <c:dispBlanksAs val="gap"/>
+    <c:extLst>
+      <c:ext xmlns:c16r3="http://schemas.microsoft.com/office/drawing/2017/03/chart" uri="{56B9EC1D-385E-4148-901F-78D8002777C0}">
+        <c16r3:dataDisplayOptions16>
+          <c16r3:dispNaAsBlank val="1"/>
+        </c16r3:dataDisplayOptions16>
+      </c:ext>
+    </c:extLst>
+    <c:showDLblsOverMax val="0"/>
+  </c:chart>
+  <c:spPr>
+    <a:noFill/>
+    <a:ln>
+      <a:noFill/>
+    </a:ln>
+    <a:effectLst/>
+  </c:spPr>
+  <c:txPr>
+    <a:bodyPr/>
+    <a:lstStyle/>
+    <a:p>
+      <a:pPr>
+        <a:defRPr/>
+      </a:pPr>
+      <a:endParaRPr lang="en-US"/>
+    </a:p>
+  </c:txPr>
+  <c:externalData r:id="rId4">
+    <c:autoUpdate val="0"/>
+  </c:externalData>
+</c:chartSpace>
+</file>
+
+<file path=ppt/charts/chart2.xml><?xml version="1.0" encoding="utf-8"?>
+<c:chartSpace xmlns:c="http://schemas.openxmlformats.org/drawingml/2006/chart" xmlns:a="http://schemas.openxmlformats.org/drawingml/2006/main" xmlns:r="http://schemas.openxmlformats.org/officeDocument/2006/relationships" xmlns:c16r2="http://schemas.microsoft.com/office/drawing/2015/06/chart">
+  <c:date1904 val="0"/>
+  <c:lang val="en-US"/>
+  <c:roundedCorners val="0"/>
+  <mc:AlternateContent xmlns:mc="http://schemas.openxmlformats.org/markup-compatibility/2006">
+    <mc:Choice xmlns:c14="http://schemas.microsoft.com/office/drawing/2007/8/2/chart" Requires="c14">
+      <c14:style val="102"/>
+    </mc:Choice>
+    <mc:Fallback>
+      <c:style val="2"/>
+    </mc:Fallback>
+  </mc:AlternateContent>
+  <c:chart>
+    <c:title>
+      <c:tx>
+        <c:rich>
+          <a:bodyPr rot="0" spcFirstLastPara="1" vertOverflow="ellipsis" vert="horz" wrap="square" anchor="ctr" anchorCtr="1"/>
+          <a:lstStyle/>
+          <a:p>
+            <a:pPr>
+              <a:defRPr sz="1400" b="0" i="0" u="none" strike="noStrike" kern="1200" spc="0" baseline="0">
+                <a:solidFill>
+                  <a:schemeClr val="tx1">
+                    <a:lumMod val="65000"/>
+                    <a:lumOff val="35000"/>
+                  </a:schemeClr>
+                </a:solidFill>
+                <a:latin typeface="+mn-lt"/>
+                <a:ea typeface="+mn-ea"/>
+                <a:cs typeface="+mn-cs"/>
+              </a:defRPr>
+            </a:pPr>
+            <a:r>
+              <a:rPr lang="en-US"/>
+              <a:t>ConvNet48,</a:t>
+            </a:r>
+            <a:r>
+              <a:rPr lang="en-US" baseline="0"/>
+              <a:t> SGD</a:t>
+            </a:r>
+            <a:endParaRPr lang="en-US"/>
+          </a:p>
+        </c:rich>
+      </c:tx>
+      <c:overlay val="0"/>
+      <c:spPr>
+        <a:noFill/>
+        <a:ln>
+          <a:noFill/>
+        </a:ln>
+        <a:effectLst/>
+      </c:spPr>
+      <c:txPr>
+        <a:bodyPr rot="0" spcFirstLastPara="1" vertOverflow="ellipsis" vert="horz" wrap="square" anchor="ctr" anchorCtr="1"/>
+        <a:lstStyle/>
+        <a:p>
+          <a:pPr>
+            <a:defRPr sz="1400" b="0" i="0" u="none" strike="noStrike" kern="1200" spc="0" baseline="0">
+              <a:solidFill>
+                <a:schemeClr val="tx1">
+                  <a:lumMod val="65000"/>
+                  <a:lumOff val="35000"/>
+                </a:schemeClr>
+              </a:solidFill>
+              <a:latin typeface="+mn-lt"/>
+              <a:ea typeface="+mn-ea"/>
+              <a:cs typeface="+mn-cs"/>
+            </a:defRPr>
+          </a:pPr>
+          <a:endParaRPr lang="en-US"/>
+        </a:p>
+      </c:txPr>
+    </c:title>
+    <c:autoTitleDeleted val="0"/>
+    <c:plotArea>
+      <c:layout/>
+      <c:lineChart>
+        <c:grouping val="standard"/>
+        <c:varyColors val="0"/>
+        <c:ser>
+          <c:idx val="0"/>
+          <c:order val="0"/>
+          <c:tx>
+            <c:strRef>
+              <c:f>train_predictor_1208_230417_mea!$B$1</c:f>
+              <c:strCache>
+                <c:ptCount val="1"/>
+                <c:pt idx="0">
+                  <c:v>Loss</c:v>
+                </c:pt>
+              </c:strCache>
+            </c:strRef>
+          </c:tx>
+          <c:spPr>
+            <a:ln w="28575" cap="rnd">
+              <a:solidFill>
+                <a:schemeClr val="accent1"/>
+              </a:solidFill>
+              <a:round/>
+            </a:ln>
+            <a:effectLst/>
+          </c:spPr>
+          <c:marker>
+            <c:symbol val="none"/>
+          </c:marker>
+          <c:val>
+            <c:numRef>
+              <c:f>train_predictor_1208_230417_mea!$B$2:$B$101</c:f>
+              <c:numCache>
+                <c:formatCode>General</c:formatCode>
+                <c:ptCount val="100"/>
+                <c:pt idx="0">
+                  <c:v>1285.6103810593399</c:v>
+                </c:pt>
+                <c:pt idx="1">
+                  <c:v>855.65651958063199</c:v>
+                </c:pt>
+                <c:pt idx="2">
+                  <c:v>763.21332820877399</c:v>
+                </c:pt>
+                <c:pt idx="3">
+                  <c:v>704.07114830613102</c:v>
+                </c:pt>
+                <c:pt idx="4">
+                  <c:v>665.16864849999502</c:v>
+                </c:pt>
+                <c:pt idx="5">
+                  <c:v>631.77557250484801</c:v>
+                </c:pt>
+                <c:pt idx="6">
+                  <c:v>605.29083096608497</c:v>
+                </c:pt>
+                <c:pt idx="7">
+                  <c:v>583.70201126485995</c:v>
+                </c:pt>
+                <c:pt idx="8">
+                  <c:v>563.584135524928</c:v>
+                </c:pt>
+                <c:pt idx="9">
+                  <c:v>547.24278603494099</c:v>
+                </c:pt>
+                <c:pt idx="10">
+                  <c:v>533.38948772475101</c:v>
+                </c:pt>
+                <c:pt idx="11">
+                  <c:v>517.98428013920704</c:v>
+                </c:pt>
+                <c:pt idx="12">
+                  <c:v>505.84878960996798</c:v>
+                </c:pt>
+                <c:pt idx="13">
+                  <c:v>492.40112468227699</c:v>
+                </c:pt>
+                <c:pt idx="14">
+                  <c:v>482.80611123144598</c:v>
+                </c:pt>
+                <c:pt idx="15">
+                  <c:v>472.84432706981897</c:v>
+                </c:pt>
+                <c:pt idx="16">
+                  <c:v>462.26552247256001</c:v>
+                </c:pt>
+                <c:pt idx="17">
+                  <c:v>453.57400157302601</c:v>
+                </c:pt>
+                <c:pt idx="18">
+                  <c:v>445.55355398915702</c:v>
+                </c:pt>
+                <c:pt idx="19">
+                  <c:v>437.535168718546</c:v>
+                </c:pt>
+                <c:pt idx="20">
+                  <c:v>428.33478509262198</c:v>
+                </c:pt>
+                <c:pt idx="21">
+                  <c:v>419.57788614742401</c:v>
+                </c:pt>
+                <c:pt idx="22">
+                  <c:v>413.84880805946801</c:v>
+                </c:pt>
+                <c:pt idx="23">
+                  <c:v>406.04294033720998</c:v>
+                </c:pt>
+                <c:pt idx="24">
+                  <c:v>400.22438423149202</c:v>
+                </c:pt>
+                <c:pt idx="25">
+                  <c:v>393.30076271109198</c:v>
+                </c:pt>
+                <c:pt idx="26">
+                  <c:v>388.016556667163</c:v>
+                </c:pt>
+                <c:pt idx="27">
+                  <c:v>380.77109880559101</c:v>
+                </c:pt>
+                <c:pt idx="28">
+                  <c:v>375.33443584037002</c:v>
+                </c:pt>
+                <c:pt idx="29">
+                  <c:v>369.180483689531</c:v>
+                </c:pt>
+                <c:pt idx="30">
+                  <c:v>363.15922431088899</c:v>
+                </c:pt>
+                <c:pt idx="31">
+                  <c:v>359.16266373544897</c:v>
+                </c:pt>
+                <c:pt idx="32">
+                  <c:v>353.47357367910399</c:v>
+                </c:pt>
+                <c:pt idx="33">
+                  <c:v>350.28958162665299</c:v>
+                </c:pt>
+                <c:pt idx="34">
+                  <c:v>344.38922758214102</c:v>
+                </c:pt>
+                <c:pt idx="35">
+                  <c:v>339.49458419158998</c:v>
+                </c:pt>
+                <c:pt idx="36">
+                  <c:v>334.29108710028203</c:v>
+                </c:pt>
+                <c:pt idx="37">
+                  <c:v>330.96656787954203</c:v>
+                </c:pt>
+                <c:pt idx="38">
+                  <c:v>326.87002944573698</c:v>
+                </c:pt>
+                <c:pt idx="39">
+                  <c:v>322.32327095791698</c:v>
+                </c:pt>
+                <c:pt idx="40">
+                  <c:v>317.92726748995398</c:v>
+                </c:pt>
+                <c:pt idx="41">
+                  <c:v>313.89429895579798</c:v>
+                </c:pt>
+                <c:pt idx="42">
+                  <c:v>309.78268592059601</c:v>
+                </c:pt>
+                <c:pt idx="43">
+                  <c:v>305.14356069266699</c:v>
+                </c:pt>
+                <c:pt idx="44">
+                  <c:v>301.726388556882</c:v>
+                </c:pt>
+                <c:pt idx="45">
+                  <c:v>298.10281138122002</c:v>
+                </c:pt>
+                <c:pt idx="46">
+                  <c:v>294.847161326557</c:v>
+                </c:pt>
+                <c:pt idx="47">
+                  <c:v>292.23898022901199</c:v>
+                </c:pt>
+                <c:pt idx="48">
+                  <c:v>287.86849344847701</c:v>
+                </c:pt>
+                <c:pt idx="49">
+                  <c:v>285.35520010627801</c:v>
+                </c:pt>
+                <c:pt idx="50">
+                  <c:v>281.619379892013</c:v>
+                </c:pt>
+                <c:pt idx="51">
+                  <c:v>278.31115242466302</c:v>
+                </c:pt>
+                <c:pt idx="52">
+                  <c:v>275.67271787347198</c:v>
+                </c:pt>
+                <c:pt idx="53">
+                  <c:v>271.393254678696</c:v>
+                </c:pt>
+                <c:pt idx="54">
+                  <c:v>267.33334707655001</c:v>
+                </c:pt>
+                <c:pt idx="55">
+                  <c:v>265.22221433650702</c:v>
+                </c:pt>
+                <c:pt idx="56">
+                  <c:v>262.21727661602199</c:v>
+                </c:pt>
+                <c:pt idx="57">
+                  <c:v>259.52227480243801</c:v>
+                </c:pt>
+                <c:pt idx="58">
+                  <c:v>257.84980086050899</c:v>
+                </c:pt>
+                <c:pt idx="59">
+                  <c:v>252.70277463830999</c:v>
+                </c:pt>
+                <c:pt idx="60">
+                  <c:v>251.53906061034601</c:v>
+                </c:pt>
+                <c:pt idx="61">
+                  <c:v>248.28248119633599</c:v>
+                </c:pt>
+                <c:pt idx="62">
+                  <c:v>245.66200733650399</c:v>
+                </c:pt>
+                <c:pt idx="63">
+                  <c:v>242.865621303208</c:v>
+                </c:pt>
+                <c:pt idx="64">
+                  <c:v>239.86366080492701</c:v>
+                </c:pt>
+                <c:pt idx="65">
+                  <c:v>238.34925253223599</c:v>
+                </c:pt>
+                <c:pt idx="66">
+                  <c:v>235.58230750076399</c:v>
+                </c:pt>
+                <c:pt idx="67">
+                  <c:v>232.68224349338499</c:v>
+                </c:pt>
+                <c:pt idx="68">
+                  <c:v>230.48267365992001</c:v>
+                </c:pt>
+                <c:pt idx="69">
+                  <c:v>226.78701880387899</c:v>
+                </c:pt>
+                <c:pt idx="70">
+                  <c:v>225.655633508693</c:v>
+                </c:pt>
+                <c:pt idx="71">
+                  <c:v>222.888375593349</c:v>
+                </c:pt>
+                <c:pt idx="72">
+                  <c:v>220.54354224167699</c:v>
+                </c:pt>
+                <c:pt idx="73">
+                  <c:v>218.302915289998</c:v>
+                </c:pt>
+                <c:pt idx="74">
+                  <c:v>216.03633990418101</c:v>
+                </c:pt>
+                <c:pt idx="75">
+                  <c:v>215.12245960254199</c:v>
+                </c:pt>
+                <c:pt idx="76">
+                  <c:v>212.81075939536001</c:v>
+                </c:pt>
+                <c:pt idx="77">
+                  <c:v>211.52681480906901</c:v>
+                </c:pt>
+                <c:pt idx="78">
+                  <c:v>206.85508068930301</c:v>
+                </c:pt>
+                <c:pt idx="79">
+                  <c:v>204.68454613070901</c:v>
+                </c:pt>
+                <c:pt idx="80">
+                  <c:v>203.939924221485</c:v>
+                </c:pt>
+                <c:pt idx="81">
+                  <c:v>200.911849362775</c:v>
+                </c:pt>
+                <c:pt idx="82">
+                  <c:v>199.38337455876101</c:v>
+                </c:pt>
+                <c:pt idx="83">
+                  <c:v>198.897475177887</c:v>
+                </c:pt>
+                <c:pt idx="84">
+                  <c:v>196.77503265440399</c:v>
+                </c:pt>
+                <c:pt idx="85">
+                  <c:v>193.27734521729801</c:v>
+                </c:pt>
+                <c:pt idx="86">
+                  <c:v>191.52427711803401</c:v>
+                </c:pt>
+                <c:pt idx="87">
+                  <c:v>189.56698138732401</c:v>
+                </c:pt>
+                <c:pt idx="88">
+                  <c:v>189.511016140691</c:v>
+                </c:pt>
+                <c:pt idx="89">
+                  <c:v>187.251658031251</c:v>
+                </c:pt>
+                <c:pt idx="90">
+                  <c:v>184.41739169135599</c:v>
+                </c:pt>
+                <c:pt idx="91">
+                  <c:v>181.85975116142001</c:v>
+                </c:pt>
+                <c:pt idx="92">
+                  <c:v>180.54313051793699</c:v>
+                </c:pt>
+                <c:pt idx="93">
+                  <c:v>178.87064618337899</c:v>
+                </c:pt>
+                <c:pt idx="94">
+                  <c:v>176.96260792389501</c:v>
+                </c:pt>
+                <c:pt idx="95">
+                  <c:v>176.11943820118901</c:v>
+                </c:pt>
+                <c:pt idx="96">
+                  <c:v>173.30360138555901</c:v>
+                </c:pt>
+                <c:pt idx="97">
+                  <c:v>173.52651672158299</c:v>
+                </c:pt>
+                <c:pt idx="98">
+                  <c:v>171.06542185228301</c:v>
+                </c:pt>
+                <c:pt idx="99">
+                  <c:v>169.48096169158799</c:v>
+                </c:pt>
+              </c:numCache>
+            </c:numRef>
+          </c:val>
+          <c:smooth val="0"/>
+          <c:extLst>
+            <c:ext xmlns:c16="http://schemas.microsoft.com/office/drawing/2014/chart" uri="{C3380CC4-5D6E-409C-BE32-E72D297353CC}">
+              <c16:uniqueId val="{00000000-6967-214E-8A99-64CD545DAF67}"/>
+            </c:ext>
+          </c:extLst>
+        </c:ser>
+        <c:dLbls>
+          <c:showLegendKey val="0"/>
+          <c:showVal val="0"/>
+          <c:showCatName val="0"/>
+          <c:showSerName val="0"/>
+          <c:showPercent val="0"/>
+          <c:showBubbleSize val="0"/>
+        </c:dLbls>
+        <c:marker val="1"/>
+        <c:smooth val="0"/>
+        <c:axId val="733864800"/>
+        <c:axId val="733857912"/>
+      </c:lineChart>
+      <c:lineChart>
+        <c:grouping val="standard"/>
+        <c:varyColors val="0"/>
+        <c:ser>
+          <c:idx val="1"/>
+          <c:order val="1"/>
+          <c:tx>
+            <c:strRef>
+              <c:f>train_predictor_1208_230417_mea!$C$1</c:f>
+              <c:strCache>
+                <c:ptCount val="1"/>
+                <c:pt idx="0">
+                  <c:v>Val Accuracy</c:v>
+                </c:pt>
+              </c:strCache>
+            </c:strRef>
+          </c:tx>
+          <c:spPr>
+            <a:ln w="28575" cap="rnd">
+              <a:solidFill>
+                <a:schemeClr val="accent2"/>
+              </a:solidFill>
+              <a:round/>
+            </a:ln>
+            <a:effectLst/>
+          </c:spPr>
+          <c:marker>
+            <c:symbol val="none"/>
+          </c:marker>
+          <c:val>
+            <c:numRef>
+              <c:f>train_predictor_1208_230417_mea!$C$2:$C$101</c:f>
+              <c:numCache>
+                <c:formatCode>General</c:formatCode>
+                <c:ptCount val="100"/>
+                <c:pt idx="0">
+                  <c:v>0.86265923566878899</c:v>
+                </c:pt>
+                <c:pt idx="1">
+                  <c:v>0.87400477707006297</c:v>
+                </c:pt>
+                <c:pt idx="2">
+                  <c:v>0.88654458598726105</c:v>
+                </c:pt>
+                <c:pt idx="3">
+                  <c:v>0.891520700636942</c:v>
+                </c:pt>
+                <c:pt idx="4">
+                  <c:v>0.89550159235668703</c:v>
+                </c:pt>
+                <c:pt idx="5">
+                  <c:v>0.89550159235668703</c:v>
+                </c:pt>
+                <c:pt idx="6">
+                  <c:v>0.89988057324840698</c:v>
+                </c:pt>
+                <c:pt idx="7">
+                  <c:v>0.89828821656050895</c:v>
+                </c:pt>
+                <c:pt idx="8">
+                  <c:v>0.90366242038216504</c:v>
+                </c:pt>
+                <c:pt idx="9">
+                  <c:v>0.90047770700636898</c:v>
+                </c:pt>
+                <c:pt idx="10">
+                  <c:v>0.90585191082802496</c:v>
+                </c:pt>
+                <c:pt idx="11">
+                  <c:v>0.906847133757961</c:v>
+                </c:pt>
+                <c:pt idx="12">
+                  <c:v>0.90983280254776999</c:v>
+                </c:pt>
+                <c:pt idx="13">
+                  <c:v>0.90465764331210097</c:v>
+                </c:pt>
+                <c:pt idx="14">
+                  <c:v>0.91082802547770703</c:v>
+                </c:pt>
+                <c:pt idx="15">
+                  <c:v>0.908041401273885</c:v>
+                </c:pt>
+                <c:pt idx="16">
+                  <c:v>0.907444267515923</c:v>
+                </c:pt>
+                <c:pt idx="17">
+                  <c:v>0.90824044585987196</c:v>
+                </c:pt>
+                <c:pt idx="18">
+                  <c:v>0.90764331210190996</c:v>
+                </c:pt>
+                <c:pt idx="19">
+                  <c:v>0.91122611464968095</c:v>
+                </c:pt>
+                <c:pt idx="20">
+                  <c:v>0.91023089171974503</c:v>
+                </c:pt>
+                <c:pt idx="21">
+                  <c:v>0.91301751592356595</c:v>
+                </c:pt>
+                <c:pt idx="22">
+                  <c:v>0.91182324840764295</c:v>
+                </c:pt>
+                <c:pt idx="23">
+                  <c:v>0.91281847133757898</c:v>
+                </c:pt>
+                <c:pt idx="24">
+                  <c:v>0.91003184713375795</c:v>
+                </c:pt>
+                <c:pt idx="25">
+                  <c:v>0.91082802547770703</c:v>
+                </c:pt>
+                <c:pt idx="26">
+                  <c:v>0.91023089171974503</c:v>
+                </c:pt>
+                <c:pt idx="27">
+                  <c:v>0.91222133757961699</c:v>
+                </c:pt>
+                <c:pt idx="28">
+                  <c:v>0.91500796178343902</c:v>
+                </c:pt>
+                <c:pt idx="29">
+                  <c:v>0.91281847133757898</c:v>
+                </c:pt>
+                <c:pt idx="30">
+                  <c:v>0.91381369426751502</c:v>
+                </c:pt>
+                <c:pt idx="31">
+                  <c:v>0.91361464968152795</c:v>
+                </c:pt>
+                <c:pt idx="32">
+                  <c:v>0.91281847133757898</c:v>
+                </c:pt>
+                <c:pt idx="33">
+                  <c:v>0.91381369426751502</c:v>
+                </c:pt>
+                <c:pt idx="34">
+                  <c:v>0.91401273885350298</c:v>
+                </c:pt>
+                <c:pt idx="35">
+                  <c:v>0.91082802547770703</c:v>
+                </c:pt>
+                <c:pt idx="36">
+                  <c:v>0.91142515923566803</c:v>
+                </c:pt>
+                <c:pt idx="37">
+                  <c:v>0.91401273885350298</c:v>
+                </c:pt>
+                <c:pt idx="38">
+                  <c:v>0.91520700636942598</c:v>
+                </c:pt>
+                <c:pt idx="39">
+                  <c:v>0.91142515923566803</c:v>
+                </c:pt>
+                <c:pt idx="40">
+                  <c:v>0.91421178343949006</c:v>
+                </c:pt>
+                <c:pt idx="41">
+                  <c:v>0.91261942675159202</c:v>
+                </c:pt>
+                <c:pt idx="42">
+                  <c:v>0.91401273885350298</c:v>
+                </c:pt>
+                <c:pt idx="43">
+                  <c:v>0.91162420382165599</c:v>
+                </c:pt>
+                <c:pt idx="44">
+                  <c:v>0.91341560509554098</c:v>
+                </c:pt>
+                <c:pt idx="45">
+                  <c:v>0.90963375796178303</c:v>
+                </c:pt>
+                <c:pt idx="46">
+                  <c:v>0.91281847133757898</c:v>
+                </c:pt>
+                <c:pt idx="47">
+                  <c:v>0.91242038216560495</c:v>
+                </c:pt>
+                <c:pt idx="48">
+                  <c:v>0.91301751592356595</c:v>
+                </c:pt>
+                <c:pt idx="49">
+                  <c:v>0.91301751592356595</c:v>
+                </c:pt>
+                <c:pt idx="50">
+                  <c:v>0.91003184713375795</c:v>
+                </c:pt>
+                <c:pt idx="51">
+                  <c:v>0.91162420382165599</c:v>
+                </c:pt>
+                <c:pt idx="52">
+                  <c:v>0.91281847133757898</c:v>
+                </c:pt>
+                <c:pt idx="53">
+                  <c:v>0.91560509554140102</c:v>
+                </c:pt>
+                <c:pt idx="54">
+                  <c:v>0.91242038216560495</c:v>
+                </c:pt>
+                <c:pt idx="55">
+                  <c:v>0.91381369426751502</c:v>
+                </c:pt>
+                <c:pt idx="56">
+                  <c:v>0.91242038216560495</c:v>
+                </c:pt>
+                <c:pt idx="57">
+                  <c:v>0.90923566878980799</c:v>
+                </c:pt>
+                <c:pt idx="58">
+                  <c:v>0.91242038216560495</c:v>
+                </c:pt>
+                <c:pt idx="59">
+                  <c:v>0.91301751592356595</c:v>
+                </c:pt>
+                <c:pt idx="60">
+                  <c:v>0.91281847133757898</c:v>
+                </c:pt>
+                <c:pt idx="61">
+                  <c:v>0.91242038216560495</c:v>
+                </c:pt>
+                <c:pt idx="62">
+                  <c:v>0.91162420382165599</c:v>
+                </c:pt>
+                <c:pt idx="63">
+                  <c:v>0.907444267515923</c:v>
+                </c:pt>
+                <c:pt idx="64">
+                  <c:v>0.91122611464968095</c:v>
+                </c:pt>
+                <c:pt idx="65">
+                  <c:v>0.91142515923566803</c:v>
+                </c:pt>
+                <c:pt idx="66">
+                  <c:v>0.90963375796178303</c:v>
+                </c:pt>
+                <c:pt idx="67">
+                  <c:v>0.91301751592356595</c:v>
+                </c:pt>
+                <c:pt idx="68">
+                  <c:v>0.90983280254776999</c:v>
+                </c:pt>
+                <c:pt idx="69">
+                  <c:v>0.91122611464968095</c:v>
+                </c:pt>
+                <c:pt idx="70">
+                  <c:v>0.91162420382165599</c:v>
+                </c:pt>
+                <c:pt idx="71">
+                  <c:v>0.91421178343949006</c:v>
+                </c:pt>
+                <c:pt idx="72">
+                  <c:v>0.91261942675159202</c:v>
+                </c:pt>
+                <c:pt idx="73">
+                  <c:v>0.91042993630573199</c:v>
+                </c:pt>
+                <c:pt idx="74">
+                  <c:v>0.91062898089171895</c:v>
+                </c:pt>
+                <c:pt idx="75">
+                  <c:v>0.90923566878980799</c:v>
+                </c:pt>
+                <c:pt idx="76">
+                  <c:v>0.91003184713375795</c:v>
+                </c:pt>
+                <c:pt idx="77">
+                  <c:v>0.91062898089171895</c:v>
+                </c:pt>
+                <c:pt idx="78">
+                  <c:v>0.91301751592356595</c:v>
+                </c:pt>
+                <c:pt idx="79">
+                  <c:v>0.90963375796178303</c:v>
+                </c:pt>
+                <c:pt idx="80">
+                  <c:v>0.90983280254776999</c:v>
+                </c:pt>
+                <c:pt idx="81">
+                  <c:v>0.91142515923566803</c:v>
+                </c:pt>
+                <c:pt idx="82">
+                  <c:v>0.91142515923566803</c:v>
+                </c:pt>
+                <c:pt idx="83">
+                  <c:v>0.91102707006369399</c:v>
+                </c:pt>
+                <c:pt idx="84">
+                  <c:v>0.91102707006369399</c:v>
+                </c:pt>
+                <c:pt idx="85">
+                  <c:v>0.91003184713375795</c:v>
+                </c:pt>
+                <c:pt idx="86">
+                  <c:v>0.91062898089171895</c:v>
+                </c:pt>
+                <c:pt idx="87">
+                  <c:v>0.91082802547770703</c:v>
+                </c:pt>
+                <c:pt idx="88">
+                  <c:v>0.91042993630573199</c:v>
+                </c:pt>
+                <c:pt idx="89">
+                  <c:v>0.90923566878980799</c:v>
+                </c:pt>
+                <c:pt idx="90">
+                  <c:v>0.91122611464968095</c:v>
+                </c:pt>
+                <c:pt idx="91">
+                  <c:v>0.91023089171974503</c:v>
+                </c:pt>
+                <c:pt idx="92">
+                  <c:v>0.91242038216560495</c:v>
+                </c:pt>
+                <c:pt idx="93">
+                  <c:v>0.90923566878980799</c:v>
+                </c:pt>
+                <c:pt idx="94">
+                  <c:v>0.90943471337579596</c:v>
+                </c:pt>
+                <c:pt idx="95">
+                  <c:v>0.90983280254776999</c:v>
+                </c:pt>
+                <c:pt idx="96">
+                  <c:v>0.90963375796178303</c:v>
+                </c:pt>
+                <c:pt idx="97">
+                  <c:v>0.91182324840764295</c:v>
+                </c:pt>
+                <c:pt idx="98">
+                  <c:v>0.90923566878980799</c:v>
+                </c:pt>
+                <c:pt idx="99">
+                  <c:v>0.90863853503184699</c:v>
+                </c:pt>
+              </c:numCache>
+            </c:numRef>
+          </c:val>
+          <c:smooth val="0"/>
+          <c:extLst>
+            <c:ext xmlns:c16="http://schemas.microsoft.com/office/drawing/2014/chart" uri="{C3380CC4-5D6E-409C-BE32-E72D297353CC}">
+              <c16:uniqueId val="{00000001-6967-214E-8A99-64CD545DAF67}"/>
+            </c:ext>
+          </c:extLst>
+        </c:ser>
+        <c:dLbls>
+          <c:showLegendKey val="0"/>
+          <c:showVal val="0"/>
+          <c:showCatName val="0"/>
+          <c:showSerName val="0"/>
+          <c:showPercent val="0"/>
+          <c:showBubbleSize val="0"/>
+        </c:dLbls>
+        <c:marker val="1"/>
+        <c:smooth val="0"/>
+        <c:axId val="736043272"/>
+        <c:axId val="736042944"/>
+      </c:lineChart>
+      <c:catAx>
+        <c:axId val="733864800"/>
+        <c:scaling>
+          <c:orientation val="minMax"/>
+        </c:scaling>
+        <c:delete val="0"/>
+        <c:axPos val="b"/>
+        <c:majorTickMark val="none"/>
+        <c:minorTickMark val="none"/>
+        <c:tickLblPos val="nextTo"/>
+        <c:spPr>
+          <a:noFill/>
+          <a:ln w="9525" cap="flat" cmpd="sng" algn="ctr">
+            <a:solidFill>
+              <a:schemeClr val="tx1">
+                <a:lumMod val="15000"/>
+                <a:lumOff val="85000"/>
+              </a:schemeClr>
+            </a:solidFill>
+            <a:round/>
+          </a:ln>
+          <a:effectLst/>
+        </c:spPr>
+        <c:txPr>
+          <a:bodyPr rot="-60000000" spcFirstLastPara="1" vertOverflow="ellipsis" vert="horz" wrap="square" anchor="ctr" anchorCtr="1"/>
+          <a:lstStyle/>
+          <a:p>
+            <a:pPr>
+              <a:defRPr sz="900" b="0" i="0" u="none" strike="noStrike" kern="1200" baseline="0">
+                <a:solidFill>
+                  <a:schemeClr val="tx1">
+                    <a:lumMod val="65000"/>
+                    <a:lumOff val="35000"/>
+                  </a:schemeClr>
+                </a:solidFill>
+                <a:latin typeface="+mn-lt"/>
+                <a:ea typeface="+mn-ea"/>
+                <a:cs typeface="+mn-cs"/>
+              </a:defRPr>
+            </a:pPr>
+            <a:endParaRPr lang="en-US"/>
+          </a:p>
+        </c:txPr>
+        <c:crossAx val="733857912"/>
+        <c:crosses val="autoZero"/>
+        <c:auto val="1"/>
+        <c:lblAlgn val="ctr"/>
+        <c:lblOffset val="100"/>
+        <c:noMultiLvlLbl val="0"/>
+      </c:catAx>
+      <c:valAx>
+        <c:axId val="733857912"/>
+        <c:scaling>
+          <c:orientation val="minMax"/>
+        </c:scaling>
+        <c:delete val="0"/>
+        <c:axPos val="l"/>
+        <c:majorGridlines>
+          <c:spPr>
+            <a:ln w="9525" cap="flat" cmpd="sng" algn="ctr">
+              <a:solidFill>
+                <a:schemeClr val="tx1">
+                  <a:lumMod val="15000"/>
+                  <a:lumOff val="85000"/>
+                </a:schemeClr>
+              </a:solidFill>
+              <a:round/>
+            </a:ln>
+            <a:effectLst/>
+          </c:spPr>
+        </c:majorGridlines>
+        <c:numFmt formatCode="General" sourceLinked="1"/>
+        <c:majorTickMark val="none"/>
+        <c:minorTickMark val="none"/>
+        <c:tickLblPos val="nextTo"/>
+        <c:spPr>
+          <a:noFill/>
+          <a:ln>
+            <a:noFill/>
+          </a:ln>
+          <a:effectLst/>
+        </c:spPr>
+        <c:txPr>
+          <a:bodyPr rot="-60000000" spcFirstLastPara="1" vertOverflow="ellipsis" vert="horz" wrap="square" anchor="ctr" anchorCtr="1"/>
+          <a:lstStyle/>
+          <a:p>
+            <a:pPr>
+              <a:defRPr sz="900" b="0" i="0" u="none" strike="noStrike" kern="1200" baseline="0">
+                <a:solidFill>
+                  <a:schemeClr val="tx1">
+                    <a:lumMod val="65000"/>
+                    <a:lumOff val="35000"/>
+                  </a:schemeClr>
+                </a:solidFill>
+                <a:latin typeface="+mn-lt"/>
+                <a:ea typeface="+mn-ea"/>
+                <a:cs typeface="+mn-cs"/>
+              </a:defRPr>
+            </a:pPr>
+            <a:endParaRPr lang="en-US"/>
+          </a:p>
+        </c:txPr>
+        <c:crossAx val="733864800"/>
+        <c:crosses val="autoZero"/>
+        <c:crossBetween val="between"/>
+      </c:valAx>
+      <c:valAx>
+        <c:axId val="736042944"/>
+        <c:scaling>
+          <c:orientation val="minMax"/>
+        </c:scaling>
+        <c:delete val="0"/>
+        <c:axPos val="r"/>
+        <c:numFmt formatCode="General" sourceLinked="1"/>
+        <c:majorTickMark val="out"/>
+        <c:minorTickMark val="none"/>
+        <c:tickLblPos val="nextTo"/>
+        <c:spPr>
+          <a:noFill/>
+          <a:ln>
+            <a:noFill/>
+          </a:ln>
+          <a:effectLst/>
+        </c:spPr>
+        <c:txPr>
+          <a:bodyPr rot="-60000000" spcFirstLastPara="1" vertOverflow="ellipsis" vert="horz" wrap="square" anchor="ctr" anchorCtr="1"/>
+          <a:lstStyle/>
+          <a:p>
+            <a:pPr>
+              <a:defRPr sz="900" b="0" i="0" u="none" strike="noStrike" kern="1200" baseline="0">
+                <a:solidFill>
+                  <a:schemeClr val="tx1">
+                    <a:lumMod val="65000"/>
+                    <a:lumOff val="35000"/>
+                  </a:schemeClr>
+                </a:solidFill>
+                <a:latin typeface="+mn-lt"/>
+                <a:ea typeface="+mn-ea"/>
+                <a:cs typeface="+mn-cs"/>
+              </a:defRPr>
+            </a:pPr>
+            <a:endParaRPr lang="en-US"/>
+          </a:p>
+        </c:txPr>
+        <c:crossAx val="736043272"/>
+        <c:crosses val="max"/>
+        <c:crossBetween val="between"/>
+      </c:valAx>
+      <c:catAx>
+        <c:axId val="736043272"/>
+        <c:scaling>
+          <c:orientation val="minMax"/>
+        </c:scaling>
+        <c:delete val="1"/>
+        <c:axPos val="b"/>
+        <c:majorTickMark val="out"/>
+        <c:minorTickMark val="none"/>
+        <c:tickLblPos val="nextTo"/>
+        <c:crossAx val="736042944"/>
+        <c:crosses val="autoZero"/>
+        <c:auto val="1"/>
+        <c:lblAlgn val="ctr"/>
+        <c:lblOffset val="100"/>
+        <c:noMultiLvlLbl val="0"/>
+      </c:catAx>
+      <c:spPr>
+        <a:noFill/>
+        <a:ln>
+          <a:noFill/>
+        </a:ln>
+        <a:effectLst/>
+      </c:spPr>
+    </c:plotArea>
+    <c:legend>
+      <c:legendPos val="b"/>
+      <c:overlay val="0"/>
+      <c:spPr>
+        <a:noFill/>
+        <a:ln>
+          <a:noFill/>
+        </a:ln>
+        <a:effectLst/>
+      </c:spPr>
+      <c:txPr>
+        <a:bodyPr rot="0" spcFirstLastPara="1" vertOverflow="ellipsis" vert="horz" wrap="square" anchor="ctr" anchorCtr="1"/>
+        <a:lstStyle/>
+        <a:p>
+          <a:pPr>
+            <a:defRPr sz="900" b="0" i="0" u="none" strike="noStrike" kern="1200" baseline="0">
+              <a:solidFill>
+                <a:schemeClr val="tx1">
+                  <a:lumMod val="65000"/>
+                  <a:lumOff val="35000"/>
+                </a:schemeClr>
+              </a:solidFill>
+              <a:latin typeface="+mn-lt"/>
+              <a:ea typeface="+mn-ea"/>
+              <a:cs typeface="+mn-cs"/>
+            </a:defRPr>
+          </a:pPr>
+          <a:endParaRPr lang="en-US"/>
+        </a:p>
+      </c:txPr>
+    </c:legend>
+    <c:plotVisOnly val="1"/>
+    <c:dispBlanksAs val="gap"/>
+    <c:extLst>
+      <c:ext xmlns:c16r3="http://schemas.microsoft.com/office/drawing/2017/03/chart" uri="{56B9EC1D-385E-4148-901F-78D8002777C0}">
+        <c16r3:dataDisplayOptions16>
+          <c16r3:dispNaAsBlank val="1"/>
+        </c16r3:dataDisplayOptions16>
+      </c:ext>
+    </c:extLst>
+    <c:showDLblsOverMax val="0"/>
+  </c:chart>
+  <c:spPr>
+    <a:noFill/>
+    <a:ln>
+      <a:noFill/>
+    </a:ln>
+    <a:effectLst/>
+  </c:spPr>
+  <c:txPr>
+    <a:bodyPr/>
+    <a:lstStyle/>
+    <a:p>
+      <a:pPr>
+        <a:defRPr/>
+      </a:pPr>
+      <a:endParaRPr lang="en-US"/>
+    </a:p>
+  </c:txPr>
+  <c:externalData r:id="rId3">
+    <c:autoUpdate val="0"/>
+  </c:externalData>
+</c:chartSpace>
+</file>
+
+<file path=ppt/charts/colors1.xml><?xml version="1.0" encoding="utf-8"?>
+<cs:colorStyle xmlns:cs="http://schemas.microsoft.com/office/drawing/2012/chartStyle" xmlns:a="http://schemas.openxmlformats.org/drawingml/2006/main" meth="cycle" id="10">
+  <a:schemeClr val="accent1"/>
+  <a:schemeClr val="accent2"/>
+  <a:schemeClr val="accent3"/>
+  <a:schemeClr val="accent4"/>
+  <a:schemeClr val="accent5"/>
+  <a:schemeClr val="accent6"/>
+  <cs:variation/>
+  <cs:variation>
+    <a:lumMod val="60000"/>
+  </cs:variation>
+  <cs:variation>
+    <a:lumMod val="80000"/>
+    <a:lumOff val="20000"/>
+  </cs:variation>
+  <cs:variation>
+    <a:lumMod val="80000"/>
+  </cs:variation>
+  <cs:variation>
+    <a:lumMod val="60000"/>
+    <a:lumOff val="40000"/>
+  </cs:variation>
+  <cs:variation>
+    <a:lumMod val="50000"/>
+  </cs:variation>
+  <cs:variation>
+    <a:lumMod val="70000"/>
+    <a:lumOff val="30000"/>
+  </cs:variation>
+  <cs:variation>
+    <a:lumMod val="70000"/>
+  </cs:variation>
+  <cs:variation>
+    <a:lumMod val="50000"/>
+    <a:lumOff val="50000"/>
+  </cs:variation>
+</cs:colorStyle>
+</file>
+
+<file path=ppt/charts/colors2.xml><?xml version="1.0" encoding="utf-8"?>
+<cs:colorStyle xmlns:cs="http://schemas.microsoft.com/office/drawing/2012/chartStyle" xmlns:a="http://schemas.openxmlformats.org/drawingml/2006/main" meth="cycle" id="10">
+  <a:schemeClr val="accent1"/>
+  <a:schemeClr val="accent2"/>
+  <a:schemeClr val="accent3"/>
+  <a:schemeClr val="accent4"/>
+  <a:schemeClr val="accent5"/>
+  <a:schemeClr val="accent6"/>
+  <cs:variation/>
+  <cs:variation>
+    <a:lumMod val="60000"/>
+  </cs:variation>
+  <cs:variation>
+    <a:lumMod val="80000"/>
+    <a:lumOff val="20000"/>
+  </cs:variation>
+  <cs:variation>
+    <a:lumMod val="80000"/>
+  </cs:variation>
+  <cs:variation>
+    <a:lumMod val="60000"/>
+    <a:lumOff val="40000"/>
+  </cs:variation>
+  <cs:variation>
+    <a:lumMod val="50000"/>
+  </cs:variation>
+  <cs:variation>
+    <a:lumMod val="70000"/>
+    <a:lumOff val="30000"/>
+  </cs:variation>
+  <cs:variation>
+    <a:lumMod val="70000"/>
+  </cs:variation>
+  <cs:variation>
+    <a:lumMod val="50000"/>
+    <a:lumOff val="50000"/>
+  </cs:variation>
+</cs:colorStyle>
+</file>
+
+<file path=ppt/charts/style1.xml><?xml version="1.0" encoding="utf-8"?>
+<cs:chartStyle xmlns:cs="http://schemas.microsoft.com/office/drawing/2012/chartStyle" xmlns:a="http://schemas.openxmlformats.org/drawingml/2006/main" id="201">
+  <cs:axisTitle>
+    <cs:lnRef idx="0"/>
+    <cs:fillRef idx="0"/>
+    <cs:effectRef idx="0"/>
+    <cs:fontRef idx="minor">
+      <a:schemeClr val="tx1">
+        <a:lumMod val="65000"/>
+        <a:lumOff val="35000"/>
+      </a:schemeClr>
+    </cs:fontRef>
+    <cs:defRPr sz="1000" kern="1200"/>
+  </cs:axisTitle>
+  <cs:categoryAxis>
+    <cs:lnRef idx="0"/>
+    <cs:fillRef idx="0"/>
+    <cs:effectRef idx="0"/>
+    <cs:fontRef idx="minor">
+      <a:schemeClr val="tx1">
+        <a:lumMod val="65000"/>
+        <a:lumOff val="35000"/>
+      </a:schemeClr>
+    </cs:fontRef>
+    <cs:spPr>
+      <a:ln w="9525" cap="flat" cmpd="sng" algn="ctr">
+        <a:solidFill>
+          <a:schemeClr val="tx1">
+            <a:lumMod val="15000"/>
+            <a:lumOff val="85000"/>
+          </a:schemeClr>
+        </a:solidFill>
+        <a:round/>
+      </a:ln>
+    </cs:spPr>
+    <cs:defRPr sz="900" kern="1200"/>
+  </cs:categoryAxis>
+  <cs:chartArea mods="allowNoFillOverride allowNoLineOverride">
+    <cs:lnRef idx="0"/>
+    <cs:fillRef idx="0"/>
+    <cs:effectRef idx="0"/>
+    <cs:fontRef idx="minor">
+      <a:schemeClr val="tx1"/>
+    </cs:fontRef>
+    <cs:spPr>
+      <a:solidFill>
+        <a:schemeClr val="bg1"/>
+      </a:solidFill>
+      <a:ln w="9525" cap="flat" cmpd="sng" algn="ctr">
+        <a:solidFill>
+          <a:schemeClr val="tx1">
+            <a:lumMod val="15000"/>
+            <a:lumOff val="85000"/>
+          </a:schemeClr>
+        </a:solidFill>
+        <a:round/>
+      </a:ln>
+    </cs:spPr>
+    <cs:defRPr sz="1000" kern="1200"/>
+  </cs:chartArea>
+  <cs:dataLabel>
+    <cs:lnRef idx="0"/>
+    <cs:fillRef idx="0"/>
+    <cs:effectRef idx="0"/>
+    <cs:fontRef idx="minor">
+      <a:schemeClr val="tx1">
+        <a:lumMod val="75000"/>
+        <a:lumOff val="25000"/>
+      </a:schemeClr>
+    </cs:fontRef>
+    <cs:defRPr sz="900" kern="1200"/>
+  </cs:dataLabel>
+  <cs:dataLabelCallout>
+    <cs:lnRef idx="0"/>
+    <cs:fillRef idx="0"/>
+    <cs:effectRef idx="0"/>
+    <cs:fontRef idx="minor">
+      <a:schemeClr val="dk1">
+        <a:lumMod val="65000"/>
+        <a:lumOff val="35000"/>
+      </a:schemeClr>
+    </cs:fontRef>
+    <cs:spPr>
+      <a:solidFill>
+        <a:schemeClr val="lt1"/>
+      </a:solidFill>
+      <a:ln>
+        <a:solidFill>
+          <a:schemeClr val="dk1">
+            <a:lumMod val="25000"/>
+            <a:lumOff val="75000"/>
+          </a:schemeClr>
+        </a:solidFill>
+      </a:ln>
+    </cs:spPr>
+    <cs:defRPr sz="900" kern="1200"/>
+    <cs:bodyPr rot="0" spcFirstLastPara="1" vertOverflow="clip" horzOverflow="clip" vert="horz" wrap="square" lIns="36576" tIns="18288" rIns="36576" bIns="18288" anchor="ctr" anchorCtr="1">
+      <a:spAutoFit/>
+    </cs:bodyPr>
+  </cs:dataLabelCallout>
+  <cs:dataPoint>
+    <cs:lnRef idx="0"/>
+    <cs:fillRef idx="1">
+      <cs:styleClr val="auto"/>
+    </cs:fillRef>
+    <cs:effectRef idx="0"/>
+    <cs:fontRef idx="minor">
+      <a:schemeClr val="tx1"/>
+    </cs:fontRef>
+  </cs:dataPoint>
+  <cs:dataPoint3D>
+    <cs:lnRef idx="0"/>
+    <cs:fillRef idx="1">
+      <cs:styleClr val="auto"/>
+    </cs:fillRef>
+    <cs:effectRef idx="0"/>
+    <cs:fontRef idx="minor">
+      <a:schemeClr val="tx1"/>
+    </cs:fontRef>
+  </cs:dataPoint3D>
+  <cs:dataPointLine>
+    <cs:lnRef idx="0">
+      <cs:styleClr val="auto"/>
+    </cs:lnRef>
+    <cs:fillRef idx="1"/>
+    <cs:effectRef idx="0"/>
+    <cs:fontRef idx="minor">
+      <a:schemeClr val="tx1"/>
+    </cs:fontRef>
+    <cs:spPr>
+      <a:ln w="28575" cap="rnd">
+        <a:solidFill>
+          <a:schemeClr val="phClr"/>
+        </a:solidFill>
+        <a:round/>
+      </a:ln>
+    </cs:spPr>
+  </cs:dataPointLine>
+  <cs:dataPointMarker>
+    <cs:lnRef idx="0">
+      <cs:styleClr val="auto"/>
+    </cs:lnRef>
+    <cs:fillRef idx="1">
+      <cs:styleClr val="auto"/>
+    </cs:fillRef>
+    <cs:effectRef idx="0"/>
+    <cs:fontRef idx="minor">
+      <a:schemeClr val="tx1"/>
+    </cs:fontRef>
+    <cs:spPr>
+      <a:ln w="9525">
+        <a:solidFill>
+          <a:schemeClr val="phClr"/>
+        </a:solidFill>
+      </a:ln>
+    </cs:spPr>
+  </cs:dataPointMarker>
+  <cs:dataPointMarkerLayout symbol="circle" size="5"/>
+  <cs:dataPointWireframe>
+    <cs:lnRef idx="0">
+      <cs:styleClr val="auto"/>
+    </cs:lnRef>
+    <cs:fillRef idx="1"/>
+    <cs:effectRef idx="0"/>
+    <cs:fontRef idx="minor">
+      <a:schemeClr val="tx1"/>
+    </cs:fontRef>
+    <cs:spPr>
+      <a:ln w="9525" cap="rnd">
+        <a:solidFill>
+          <a:schemeClr val="phClr"/>
+        </a:solidFill>
+        <a:round/>
+      </a:ln>
+    </cs:spPr>
+  </cs:dataPointWireframe>
+  <cs:dataTable>
+    <cs:lnRef idx="0"/>
+    <cs:fillRef idx="0"/>
+    <cs:effectRef idx="0"/>
+    <cs:fontRef idx="minor">
+      <a:schemeClr val="tx1">
+        <a:lumMod val="65000"/>
+        <a:lumOff val="35000"/>
+      </a:schemeClr>
+    </cs:fontRef>
+    <cs:spPr>
+      <a:noFill/>
+      <a:ln w="9525" cap="flat" cmpd="sng" algn="ctr">
+        <a:solidFill>
+          <a:schemeClr val="tx1">
+            <a:lumMod val="15000"/>
+            <a:lumOff val="85000"/>
+          </a:schemeClr>
+        </a:solidFill>
+        <a:round/>
+      </a:ln>
+    </cs:spPr>
+    <cs:defRPr sz="900" kern="1200"/>
+  </cs:dataTable>
+  <cs:downBar>
+    <cs:lnRef idx="0"/>
+    <cs:fillRef idx="0"/>
+    <cs:effectRef idx="0"/>
+    <cs:fontRef idx="minor">
+      <a:schemeClr val="dk1"/>
+    </cs:fontRef>
+    <cs:spPr>
+      <a:solidFill>
+        <a:schemeClr val="dk1">
+          <a:lumMod val="65000"/>
+          <a:lumOff val="35000"/>
+        </a:schemeClr>
+      </a:solidFill>
+      <a:ln w="9525">
+        <a:solidFill>
+          <a:schemeClr val="tx1">
+            <a:lumMod val="65000"/>
+            <a:lumOff val="35000"/>
+          </a:schemeClr>
+        </a:solidFill>
+      </a:ln>
+    </cs:spPr>
+  </cs:downBar>
+  <cs:dropLine>
+    <cs:lnRef idx="0"/>
+    <cs:fillRef idx="0"/>
+    <cs:effectRef idx="0"/>
+    <cs:fontRef idx="minor">
+      <a:schemeClr val="tx1"/>
+    </cs:fontRef>
+    <cs:spPr>
+      <a:ln w="9525" cap="flat" cmpd="sng" algn="ctr">
+        <a:solidFill>
+          <a:schemeClr val="tx1">
+            <a:lumMod val="35000"/>
+            <a:lumOff val="65000"/>
+          </a:schemeClr>
+        </a:solidFill>
+        <a:round/>
+      </a:ln>
+    </cs:spPr>
+  </cs:dropLine>
+  <cs:errorBar>
+    <cs:lnRef idx="0"/>
+    <cs:fillRef idx="0"/>
+    <cs:effectRef idx="0"/>
+    <cs:fontRef idx="minor">
+      <a:schemeClr val="tx1"/>
+    </cs:fontRef>
+    <cs:spPr>
+      <a:ln w="9525" cap="flat" cmpd="sng" algn="ctr">
+        <a:solidFill>
+          <a:schemeClr val="tx1">
+            <a:lumMod val="65000"/>
+            <a:lumOff val="35000"/>
+          </a:schemeClr>
+        </a:solidFill>
+        <a:round/>
+      </a:ln>
+    </cs:spPr>
+  </cs:errorBar>
+  <cs:floor>
+    <cs:lnRef idx="0"/>
+    <cs:fillRef idx="0"/>
+    <cs:effectRef idx="0"/>
+    <cs:fontRef idx="minor">
+      <a:schemeClr val="tx1"/>
+    </cs:fontRef>
+    <cs:spPr>
+      <a:noFill/>
+      <a:ln>
+        <a:noFill/>
+      </a:ln>
+    </cs:spPr>
+  </cs:floor>
+  <cs:gridlineMajor>
+    <cs:lnRef idx="0"/>
+    <cs:fillRef idx="0"/>
+    <cs:effectRef idx="0"/>
+    <cs:fontRef idx="minor">
+      <a:schemeClr val="tx1"/>
+    </cs:fontRef>
+    <cs:spPr>
+      <a:ln w="9525" cap="flat" cmpd="sng" algn="ctr">
+        <a:solidFill>
+          <a:schemeClr val="tx1">
+            <a:lumMod val="15000"/>
+            <a:lumOff val="85000"/>
+          </a:schemeClr>
+        </a:solidFill>
+        <a:round/>
+      </a:ln>
+    </cs:spPr>
+  </cs:gridlineMajor>
+  <cs:gridlineMinor>
+    <cs:lnRef idx="0"/>
+    <cs:fillRef idx="0"/>
+    <cs:effectRef idx="0"/>
+    <cs:fontRef idx="minor">
+      <a:schemeClr val="tx1"/>
+    </cs:fontRef>
+    <cs:spPr>
+      <a:ln w="9525" cap="flat" cmpd="sng" algn="ctr">
+        <a:solidFill>
+          <a:schemeClr val="tx1">
+            <a:lumMod val="5000"/>
+            <a:lumOff val="95000"/>
+          </a:schemeClr>
+        </a:solidFill>
+        <a:round/>
+      </a:ln>
+    </cs:spPr>
+  </cs:gridlineMinor>
+  <cs:hiLoLine>
+    <cs:lnRef idx="0"/>
+    <cs:fillRef idx="0"/>
+    <cs:effectRef idx="0"/>
+    <cs:fontRef idx="minor">
+      <a:schemeClr val="tx1"/>
+    </cs:fontRef>
+    <cs:spPr>
+      <a:ln w="9525" cap="flat" cmpd="sng" algn="ctr">
+        <a:solidFill>
+          <a:schemeClr val="tx1">
+            <a:lumMod val="75000"/>
+            <a:lumOff val="25000"/>
+          </a:schemeClr>
+        </a:solidFill>
+        <a:round/>
+      </a:ln>
+    </cs:spPr>
+  </cs:hiLoLine>
+  <cs:leaderLine>
+    <cs:lnRef idx="0"/>
+    <cs:fillRef idx="0"/>
+    <cs:effectRef idx="0"/>
+    <cs:fontRef idx="minor">
+      <a:schemeClr val="tx1"/>
+    </cs:fontRef>
+    <cs:spPr>
+      <a:ln w="9525" cap="flat" cmpd="sng" algn="ctr">
+        <a:solidFill>
+          <a:schemeClr val="tx1">
+            <a:lumMod val="35000"/>
+            <a:lumOff val="65000"/>
+          </a:schemeClr>
+        </a:solidFill>
+        <a:round/>
+      </a:ln>
+    </cs:spPr>
+  </cs:leaderLine>
+  <cs:legend>
+    <cs:lnRef idx="0"/>
+    <cs:fillRef idx="0"/>
+    <cs:effectRef idx="0"/>
+    <cs:fontRef idx="minor">
+      <a:schemeClr val="tx1">
+        <a:lumMod val="65000"/>
+        <a:lumOff val="35000"/>
+      </a:schemeClr>
+    </cs:fontRef>
+    <cs:defRPr sz="900" kern="1200"/>
+  </cs:legend>
+  <cs:plotArea mods="allowNoFillOverride allowNoLineOverride">
+    <cs:lnRef idx="0"/>
+    <cs:fillRef idx="0"/>
+    <cs:effectRef idx="0"/>
+    <cs:fontRef idx="minor">
+      <a:schemeClr val="tx1"/>
+    </cs:fontRef>
+  </cs:plotArea>
+  <cs:plotArea3D mods="allowNoFillOverride allowNoLineOverride">
+    <cs:lnRef idx="0"/>
+    <cs:fillRef idx="0"/>
+    <cs:effectRef idx="0"/>
+    <cs:fontRef idx="minor">
+      <a:schemeClr val="tx1"/>
+    </cs:fontRef>
+  </cs:plotArea3D>
+  <cs:seriesAxis>
+    <cs:lnRef idx="0"/>
+    <cs:fillRef idx="0"/>
+    <cs:effectRef idx="0"/>
+    <cs:fontRef idx="minor">
+      <a:schemeClr val="tx1">
+        <a:lumMod val="65000"/>
+        <a:lumOff val="35000"/>
+      </a:schemeClr>
+    </cs:fontRef>
+    <cs:defRPr sz="900" kern="1200"/>
+  </cs:seriesAxis>
+  <cs:seriesLine>
+    <cs:lnRef idx="0"/>
+    <cs:fillRef idx="0"/>
+    <cs:effectRef idx="0"/>
+    <cs:fontRef idx="minor">
+      <a:schemeClr val="tx1"/>
+    </cs:fontRef>
+    <cs:spPr>
+      <a:ln w="9525" cap="flat" cmpd="sng" algn="ctr">
+        <a:solidFill>
+          <a:schemeClr val="tx1">
+            <a:lumMod val="35000"/>
+            <a:lumOff val="65000"/>
+          </a:schemeClr>
+        </a:solidFill>
+        <a:round/>
+      </a:ln>
+    </cs:spPr>
+  </cs:seriesLine>
+  <cs:title>
+    <cs:lnRef idx="0"/>
+    <cs:fillRef idx="0"/>
+    <cs:effectRef idx="0"/>
+    <cs:fontRef idx="minor">
+      <a:schemeClr val="tx1">
+        <a:lumMod val="65000"/>
+        <a:lumOff val="35000"/>
+      </a:schemeClr>
+    </cs:fontRef>
+    <cs:defRPr sz="1400" b="0" kern="1200" spc="0" baseline="0"/>
+  </cs:title>
+  <cs:trendline>
+    <cs:lnRef idx="0">
+      <cs:styleClr val="auto"/>
+    </cs:lnRef>
+    <cs:fillRef idx="0"/>
+    <cs:effectRef idx="0"/>
+    <cs:fontRef idx="minor">
+      <a:schemeClr val="tx1"/>
+    </cs:fontRef>
+    <cs:spPr>
+      <a:ln w="19050" cap="rnd">
+        <a:solidFill>
+          <a:schemeClr val="phClr"/>
+        </a:solidFill>
+        <a:prstDash val="sysDot"/>
+      </a:ln>
+    </cs:spPr>
+  </cs:trendline>
+  <cs:trendlineLabel>
+    <cs:lnRef idx="0"/>
+    <cs:fillRef idx="0"/>
+    <cs:effectRef idx="0"/>
+    <cs:fontRef idx="minor">
+      <a:schemeClr val="tx1">
+        <a:lumMod val="65000"/>
+        <a:lumOff val="35000"/>
+      </a:schemeClr>
+    </cs:fontRef>
+    <cs:defRPr sz="900" kern="1200"/>
+  </cs:trendlineLabel>
+  <cs:upBar>
+    <cs:lnRef idx="0"/>
+    <cs:fillRef idx="0"/>
+    <cs:effectRef idx="0"/>
+    <cs:fontRef idx="minor">
+      <a:schemeClr val="dk1"/>
+    </cs:fontRef>
+    <cs:spPr>
+      <a:solidFill>
+        <a:schemeClr val="lt1"/>
+      </a:solidFill>
+      <a:ln w="9525">
+        <a:solidFill>
+          <a:schemeClr val="tx1">
+            <a:lumMod val="15000"/>
+            <a:lumOff val="85000"/>
+          </a:schemeClr>
+        </a:solidFill>
+      </a:ln>
+    </cs:spPr>
+  </cs:upBar>
+  <cs:valueAxis>
+    <cs:lnRef idx="0"/>
+    <cs:fillRef idx="0"/>
+    <cs:effectRef idx="0"/>
+    <cs:fontRef idx="minor">
+      <a:schemeClr val="tx1">
+        <a:lumMod val="65000"/>
+        <a:lumOff val="35000"/>
+      </a:schemeClr>
+    </cs:fontRef>
+    <cs:defRPr sz="900" kern="1200"/>
+  </cs:valueAxis>
+  <cs:wall>
+    <cs:lnRef idx="0"/>
+    <cs:fillRef idx="0"/>
+    <cs:effectRef idx="0"/>
+    <cs:fontRef idx="minor">
+      <a:schemeClr val="tx1"/>
+    </cs:fontRef>
+    <cs:spPr>
+      <a:noFill/>
+      <a:ln>
+        <a:noFill/>
+      </a:ln>
+    </cs:spPr>
+  </cs:wall>
+</cs:chartStyle>
+</file>
+
+<file path=ppt/charts/style2.xml><?xml version="1.0" encoding="utf-8"?>
+<cs:chartStyle xmlns:cs="http://schemas.microsoft.com/office/drawing/2012/chartStyle" xmlns:a="http://schemas.openxmlformats.org/drawingml/2006/main" id="201">
+  <cs:axisTitle>
+    <cs:lnRef idx="0"/>
+    <cs:fillRef idx="0"/>
+    <cs:effectRef idx="0"/>
+    <cs:fontRef idx="minor">
+      <a:schemeClr val="tx1">
+        <a:lumMod val="65000"/>
+        <a:lumOff val="35000"/>
+      </a:schemeClr>
+    </cs:fontRef>
+    <cs:defRPr sz="1000" kern="1200"/>
+  </cs:axisTitle>
+  <cs:categoryAxis>
+    <cs:lnRef idx="0"/>
+    <cs:fillRef idx="0"/>
+    <cs:effectRef idx="0"/>
+    <cs:fontRef idx="minor">
+      <a:schemeClr val="tx1">
+        <a:lumMod val="65000"/>
+        <a:lumOff val="35000"/>
+      </a:schemeClr>
+    </cs:fontRef>
+    <cs:spPr>
+      <a:ln w="9525" cap="flat" cmpd="sng" algn="ctr">
+        <a:solidFill>
+          <a:schemeClr val="tx1">
+            <a:lumMod val="15000"/>
+            <a:lumOff val="85000"/>
+          </a:schemeClr>
+        </a:solidFill>
+        <a:round/>
+      </a:ln>
+    </cs:spPr>
+    <cs:defRPr sz="900" kern="1200"/>
+  </cs:categoryAxis>
+  <cs:chartArea mods="allowNoFillOverride allowNoLineOverride">
+    <cs:lnRef idx="0"/>
+    <cs:fillRef idx="0"/>
+    <cs:effectRef idx="0"/>
+    <cs:fontRef idx="minor">
+      <a:schemeClr val="tx1"/>
+    </cs:fontRef>
+    <cs:spPr>
+      <a:solidFill>
+        <a:schemeClr val="bg1"/>
+      </a:solidFill>
+      <a:ln w="9525" cap="flat" cmpd="sng" algn="ctr">
+        <a:solidFill>
+          <a:schemeClr val="tx1">
+            <a:lumMod val="15000"/>
+            <a:lumOff val="85000"/>
+          </a:schemeClr>
+        </a:solidFill>
+        <a:round/>
+      </a:ln>
+    </cs:spPr>
+    <cs:defRPr sz="1000" kern="1200"/>
+  </cs:chartArea>
+  <cs:dataLabel>
+    <cs:lnRef idx="0"/>
+    <cs:fillRef idx="0"/>
+    <cs:effectRef idx="0"/>
+    <cs:fontRef idx="minor">
+      <a:schemeClr val="tx1">
+        <a:lumMod val="75000"/>
+        <a:lumOff val="25000"/>
+      </a:schemeClr>
+    </cs:fontRef>
+    <cs:defRPr sz="900" kern="1200"/>
+  </cs:dataLabel>
+  <cs:dataLabelCallout>
+    <cs:lnRef idx="0"/>
+    <cs:fillRef idx="0"/>
+    <cs:effectRef idx="0"/>
+    <cs:fontRef idx="minor">
+      <a:schemeClr val="dk1">
+        <a:lumMod val="65000"/>
+        <a:lumOff val="35000"/>
+      </a:schemeClr>
+    </cs:fontRef>
+    <cs:spPr>
+      <a:solidFill>
+        <a:schemeClr val="lt1"/>
+      </a:solidFill>
+      <a:ln>
+        <a:solidFill>
+          <a:schemeClr val="dk1">
+            <a:lumMod val="25000"/>
+            <a:lumOff val="75000"/>
+          </a:schemeClr>
+        </a:solidFill>
+      </a:ln>
+    </cs:spPr>
+    <cs:defRPr sz="900" kern="1200"/>
+    <cs:bodyPr rot="0" spcFirstLastPara="1" vertOverflow="clip" horzOverflow="clip" vert="horz" wrap="square" lIns="36576" tIns="18288" rIns="36576" bIns="18288" anchor="ctr" anchorCtr="1">
+      <a:spAutoFit/>
+    </cs:bodyPr>
+  </cs:dataLabelCallout>
+  <cs:dataPoint>
+    <cs:lnRef idx="0"/>
+    <cs:fillRef idx="1">
+      <cs:styleClr val="auto"/>
+    </cs:fillRef>
+    <cs:effectRef idx="0"/>
+    <cs:fontRef idx="minor">
+      <a:schemeClr val="tx1"/>
+    </cs:fontRef>
+  </cs:dataPoint>
+  <cs:dataPoint3D>
+    <cs:lnRef idx="0"/>
+    <cs:fillRef idx="1">
+      <cs:styleClr val="auto"/>
+    </cs:fillRef>
+    <cs:effectRef idx="0"/>
+    <cs:fontRef idx="minor">
+      <a:schemeClr val="tx1"/>
+    </cs:fontRef>
+  </cs:dataPoint3D>
+  <cs:dataPointLine>
+    <cs:lnRef idx="0">
+      <cs:styleClr val="auto"/>
+    </cs:lnRef>
+    <cs:fillRef idx="1"/>
+    <cs:effectRef idx="0"/>
+    <cs:fontRef idx="minor">
+      <a:schemeClr val="tx1"/>
+    </cs:fontRef>
+    <cs:spPr>
+      <a:ln w="28575" cap="rnd">
+        <a:solidFill>
+          <a:schemeClr val="phClr"/>
+        </a:solidFill>
+        <a:round/>
+      </a:ln>
+    </cs:spPr>
+  </cs:dataPointLine>
+  <cs:dataPointMarker>
+    <cs:lnRef idx="0">
+      <cs:styleClr val="auto"/>
+    </cs:lnRef>
+    <cs:fillRef idx="1">
+      <cs:styleClr val="auto"/>
+    </cs:fillRef>
+    <cs:effectRef idx="0"/>
+    <cs:fontRef idx="minor">
+      <a:schemeClr val="tx1"/>
+    </cs:fontRef>
+    <cs:spPr>
+      <a:ln w="9525">
+        <a:solidFill>
+          <a:schemeClr val="phClr"/>
+        </a:solidFill>
+      </a:ln>
+    </cs:spPr>
+  </cs:dataPointMarker>
+  <cs:dataPointMarkerLayout symbol="circle" size="5"/>
+  <cs:dataPointWireframe>
+    <cs:lnRef idx="0">
+      <cs:styleClr val="auto"/>
+    </cs:lnRef>
+    <cs:fillRef idx="1"/>
+    <cs:effectRef idx="0"/>
+    <cs:fontRef idx="minor">
+      <a:schemeClr val="tx1"/>
+    </cs:fontRef>
+    <cs:spPr>
+      <a:ln w="9525" cap="rnd">
+        <a:solidFill>
+          <a:schemeClr val="phClr"/>
+        </a:solidFill>
+        <a:round/>
+      </a:ln>
+    </cs:spPr>
+  </cs:dataPointWireframe>
+  <cs:dataTable>
+    <cs:lnRef idx="0"/>
+    <cs:fillRef idx="0"/>
+    <cs:effectRef idx="0"/>
+    <cs:fontRef idx="minor">
+      <a:schemeClr val="tx1">
+        <a:lumMod val="65000"/>
+        <a:lumOff val="35000"/>
+      </a:schemeClr>
+    </cs:fontRef>
+    <cs:spPr>
+      <a:noFill/>
+      <a:ln w="9525" cap="flat" cmpd="sng" algn="ctr">
+        <a:solidFill>
+          <a:schemeClr val="tx1">
+            <a:lumMod val="15000"/>
+            <a:lumOff val="85000"/>
+          </a:schemeClr>
+        </a:solidFill>
+        <a:round/>
+      </a:ln>
+    </cs:spPr>
+    <cs:defRPr sz="900" kern="1200"/>
+  </cs:dataTable>
+  <cs:downBar>
+    <cs:lnRef idx="0"/>
+    <cs:fillRef idx="0"/>
+    <cs:effectRef idx="0"/>
+    <cs:fontRef idx="minor">
+      <a:schemeClr val="dk1"/>
+    </cs:fontRef>
+    <cs:spPr>
+      <a:solidFill>
+        <a:schemeClr val="dk1">
+          <a:lumMod val="65000"/>
+          <a:lumOff val="35000"/>
+        </a:schemeClr>
+      </a:solidFill>
+      <a:ln w="9525">
+        <a:solidFill>
+          <a:schemeClr val="tx1">
+            <a:lumMod val="65000"/>
+            <a:lumOff val="35000"/>
+          </a:schemeClr>
+        </a:solidFill>
+      </a:ln>
+    </cs:spPr>
+  </cs:downBar>
+  <cs:dropLine>
+    <cs:lnRef idx="0"/>
+    <cs:fillRef idx="0"/>
+    <cs:effectRef idx="0"/>
+    <cs:fontRef idx="minor">
+      <a:schemeClr val="tx1"/>
+    </cs:fontRef>
+    <cs:spPr>
+      <a:ln w="9525" cap="flat" cmpd="sng" algn="ctr">
+        <a:solidFill>
+          <a:schemeClr val="tx1">
+            <a:lumMod val="35000"/>
+            <a:lumOff val="65000"/>
+          </a:schemeClr>
+        </a:solidFill>
+        <a:round/>
+      </a:ln>
+    </cs:spPr>
+  </cs:dropLine>
+  <cs:errorBar>
+    <cs:lnRef idx="0"/>
+    <cs:fillRef idx="0"/>
+    <cs:effectRef idx="0"/>
+    <cs:fontRef idx="minor">
+      <a:schemeClr val="tx1"/>
+    </cs:fontRef>
+    <cs:spPr>
+      <a:ln w="9525" cap="flat" cmpd="sng" algn="ctr">
+        <a:solidFill>
+          <a:schemeClr val="tx1">
+            <a:lumMod val="65000"/>
+            <a:lumOff val="35000"/>
+          </a:schemeClr>
+        </a:solidFill>
+        <a:round/>
+      </a:ln>
+    </cs:spPr>
+  </cs:errorBar>
+  <cs:floor>
+    <cs:lnRef idx="0"/>
+    <cs:fillRef idx="0"/>
+    <cs:effectRef idx="0"/>
+    <cs:fontRef idx="minor">
+      <a:schemeClr val="tx1"/>
+    </cs:fontRef>
+    <cs:spPr>
+      <a:noFill/>
+      <a:ln>
+        <a:noFill/>
+      </a:ln>
+    </cs:spPr>
+  </cs:floor>
+  <cs:gridlineMajor>
+    <cs:lnRef idx="0"/>
+    <cs:fillRef idx="0"/>
+    <cs:effectRef idx="0"/>
+    <cs:fontRef idx="minor">
+      <a:schemeClr val="tx1"/>
+    </cs:fontRef>
+    <cs:spPr>
+      <a:ln w="9525" cap="flat" cmpd="sng" algn="ctr">
+        <a:solidFill>
+          <a:schemeClr val="tx1">
+            <a:lumMod val="15000"/>
+            <a:lumOff val="85000"/>
+          </a:schemeClr>
+        </a:solidFill>
+        <a:round/>
+      </a:ln>
+    </cs:spPr>
+  </cs:gridlineMajor>
+  <cs:gridlineMinor>
+    <cs:lnRef idx="0"/>
+    <cs:fillRef idx="0"/>
+    <cs:effectRef idx="0"/>
+    <cs:fontRef idx="minor">
+      <a:schemeClr val="tx1"/>
+    </cs:fontRef>
+    <cs:spPr>
+      <a:ln w="9525" cap="flat" cmpd="sng" algn="ctr">
+        <a:solidFill>
+          <a:schemeClr val="tx1">
+            <a:lumMod val="5000"/>
+            <a:lumOff val="95000"/>
+          </a:schemeClr>
+        </a:solidFill>
+        <a:round/>
+      </a:ln>
+    </cs:spPr>
+  </cs:gridlineMinor>
+  <cs:hiLoLine>
+    <cs:lnRef idx="0"/>
+    <cs:fillRef idx="0"/>
+    <cs:effectRef idx="0"/>
+    <cs:fontRef idx="minor">
+      <a:schemeClr val="tx1"/>
+    </cs:fontRef>
+    <cs:spPr>
+      <a:ln w="9525" cap="flat" cmpd="sng" algn="ctr">
+        <a:solidFill>
+          <a:schemeClr val="tx1">
+            <a:lumMod val="75000"/>
+            <a:lumOff val="25000"/>
+          </a:schemeClr>
+        </a:solidFill>
+        <a:round/>
+      </a:ln>
+    </cs:spPr>
+  </cs:hiLoLine>
+  <cs:leaderLine>
+    <cs:lnRef idx="0"/>
+    <cs:fillRef idx="0"/>
+    <cs:effectRef idx="0"/>
+    <cs:fontRef idx="minor">
+      <a:schemeClr val="tx1"/>
+    </cs:fontRef>
+    <cs:spPr>
+      <a:ln w="9525" cap="flat" cmpd="sng" algn="ctr">
+        <a:solidFill>
+          <a:schemeClr val="tx1">
+            <a:lumMod val="35000"/>
+            <a:lumOff val="65000"/>
+          </a:schemeClr>
+        </a:solidFill>
+        <a:round/>
+      </a:ln>
+    </cs:spPr>
+  </cs:leaderLine>
+  <cs:legend>
+    <cs:lnRef idx="0"/>
+    <cs:fillRef idx="0"/>
+    <cs:effectRef idx="0"/>
+    <cs:fontRef idx="minor">
+      <a:schemeClr val="tx1">
+        <a:lumMod val="65000"/>
+        <a:lumOff val="35000"/>
+      </a:schemeClr>
+    </cs:fontRef>
+    <cs:defRPr sz="900" kern="1200"/>
+  </cs:legend>
+  <cs:plotArea mods="allowNoFillOverride allowNoLineOverride">
+    <cs:lnRef idx="0"/>
+    <cs:fillRef idx="0"/>
+    <cs:effectRef idx="0"/>
+    <cs:fontRef idx="minor">
+      <a:schemeClr val="tx1"/>
+    </cs:fontRef>
+  </cs:plotArea>
+  <cs:plotArea3D mods="allowNoFillOverride allowNoLineOverride">
+    <cs:lnRef idx="0"/>
+    <cs:fillRef idx="0"/>
+    <cs:effectRef idx="0"/>
+    <cs:fontRef idx="minor">
+      <a:schemeClr val="tx1"/>
+    </cs:fontRef>
+  </cs:plotArea3D>
+  <cs:seriesAxis>
+    <cs:lnRef idx="0"/>
+    <cs:fillRef idx="0"/>
+    <cs:effectRef idx="0"/>
+    <cs:fontRef idx="minor">
+      <a:schemeClr val="tx1">
+        <a:lumMod val="65000"/>
+        <a:lumOff val="35000"/>
+      </a:schemeClr>
+    </cs:fontRef>
+    <cs:defRPr sz="900" kern="1200"/>
+  </cs:seriesAxis>
+  <cs:seriesLine>
+    <cs:lnRef idx="0"/>
+    <cs:fillRef idx="0"/>
+    <cs:effectRef idx="0"/>
+    <cs:fontRef idx="minor">
+      <a:schemeClr val="tx1"/>
+    </cs:fontRef>
+    <cs:spPr>
+      <a:ln w="9525" cap="flat" cmpd="sng" algn="ctr">
+        <a:solidFill>
+          <a:schemeClr val="tx1">
+            <a:lumMod val="35000"/>
+            <a:lumOff val="65000"/>
+          </a:schemeClr>
+        </a:solidFill>
+        <a:round/>
+      </a:ln>
+    </cs:spPr>
+  </cs:seriesLine>
+  <cs:title>
+    <cs:lnRef idx="0"/>
+    <cs:fillRef idx="0"/>
+    <cs:effectRef idx="0"/>
+    <cs:fontRef idx="minor">
+      <a:schemeClr val="tx1">
+        <a:lumMod val="65000"/>
+        <a:lumOff val="35000"/>
+      </a:schemeClr>
+    </cs:fontRef>
+    <cs:defRPr sz="1400" b="0" kern="1200" spc="0" baseline="0"/>
+  </cs:title>
+  <cs:trendline>
+    <cs:lnRef idx="0">
+      <cs:styleClr val="auto"/>
+    </cs:lnRef>
+    <cs:fillRef idx="0"/>
+    <cs:effectRef idx="0"/>
+    <cs:fontRef idx="minor">
+      <a:schemeClr val="tx1"/>
+    </cs:fontRef>
+    <cs:spPr>
+      <a:ln w="19050" cap="rnd">
+        <a:solidFill>
+          <a:schemeClr val="phClr"/>
+        </a:solidFill>
+        <a:prstDash val="sysDot"/>
+      </a:ln>
+    </cs:spPr>
+  </cs:trendline>
+  <cs:trendlineLabel>
+    <cs:lnRef idx="0"/>
+    <cs:fillRef idx="0"/>
+    <cs:effectRef idx="0"/>
+    <cs:fontRef idx="minor">
+      <a:schemeClr val="tx1">
+        <a:lumMod val="65000"/>
+        <a:lumOff val="35000"/>
+      </a:schemeClr>
+    </cs:fontRef>
+    <cs:defRPr sz="900" kern="1200"/>
+  </cs:trendlineLabel>
+  <cs:upBar>
+    <cs:lnRef idx="0"/>
+    <cs:fillRef idx="0"/>
+    <cs:effectRef idx="0"/>
+    <cs:fontRef idx="minor">
+      <a:schemeClr val="dk1"/>
+    </cs:fontRef>
+    <cs:spPr>
+      <a:solidFill>
+        <a:schemeClr val="lt1"/>
+      </a:solidFill>
+      <a:ln w="9525">
+        <a:solidFill>
+          <a:schemeClr val="tx1">
+            <a:lumMod val="15000"/>
+            <a:lumOff val="85000"/>
+          </a:schemeClr>
+        </a:solidFill>
+      </a:ln>
+    </cs:spPr>
+  </cs:upBar>
+  <cs:valueAxis>
+    <cs:lnRef idx="0"/>
+    <cs:fillRef idx="0"/>
+    <cs:effectRef idx="0"/>
+    <cs:fontRef idx="minor">
+      <a:schemeClr val="tx1">
+        <a:lumMod val="65000"/>
+        <a:lumOff val="35000"/>
+      </a:schemeClr>
+    </cs:fontRef>
+    <cs:defRPr sz="900" kern="1200"/>
+  </cs:valueAxis>
+  <cs:wall>
+    <cs:lnRef idx="0"/>
+    <cs:fillRef idx="0"/>
+    <cs:effectRef idx="0"/>
+    <cs:fontRef idx="minor">
+      <a:schemeClr val="tx1"/>
+    </cs:fontRef>
+    <cs:spPr>
+      <a:noFill/>
+      <a:ln>
+        <a:noFill/>
+      </a:ln>
+    </cs:spPr>
+  </cs:wall>
+</cs:chartStyle>
 </file>
 
 <file path=ppt/slideLayouts/slideLayout1.xml><?xml version="1.0" encoding="utf-8"?>
@@ -3710,6 +6887,1280 @@
 </p:sld>
 </file>
 
+<file path=ppt/slides/slide11.xml><?xml version="1.0" encoding="utf-8"?>
+<p:sld xmlns:a="http://schemas.openxmlformats.org/drawingml/2006/main" xmlns:r="http://schemas.openxmlformats.org/officeDocument/2006/relationships" xmlns:p="http://schemas.openxmlformats.org/presentationml/2006/main">
+  <p:cSld>
+    <p:spTree>
+      <p:nvGrpSpPr>
+        <p:cNvPr id="1" name=""/>
+        <p:cNvGrpSpPr/>
+        <p:nvPr/>
+      </p:nvGrpSpPr>
+      <p:grpSpPr>
+        <a:xfrm>
+          <a:off x="0" y="0"/>
+          <a:ext cx="0" cy="0"/>
+          <a:chOff x="0" y="0"/>
+          <a:chExt cx="0" cy="0"/>
+        </a:xfrm>
+      </p:grpSpPr>
+      <p:sp>
+        <p:nvSpPr>
+          <p:cNvPr id="2" name="Title 1">
+            <a:extLst>
+              <a:ext uri="{FF2B5EF4-FFF2-40B4-BE49-F238E27FC236}">
+                <a16:creationId xmlns:a16="http://schemas.microsoft.com/office/drawing/2014/main" id="{6CEE6274-F0D1-6C42-A052-E82D63002660}"/>
+              </a:ext>
+            </a:extLst>
+          </p:cNvPr>
+          <p:cNvSpPr>
+            <a:spLocks noGrp="1"/>
+          </p:cNvSpPr>
+          <p:nvPr>
+            <p:ph type="title"/>
+          </p:nvPr>
+        </p:nvSpPr>
+        <p:spPr/>
+        <p:txBody>
+          <a:bodyPr/>
+          <a:lstStyle/>
+          <a:p>
+            <a:r>
+              <a:rPr lang="en-US" dirty="0"/>
+              <a:t>Overfitting Countermeasures</a:t>
+            </a:r>
+          </a:p>
+        </p:txBody>
+      </p:sp>
+      <p:sp>
+        <p:nvSpPr>
+          <p:cNvPr id="3" name="Content Placeholder 2">
+            <a:extLst>
+              <a:ext uri="{FF2B5EF4-FFF2-40B4-BE49-F238E27FC236}">
+                <a16:creationId xmlns:a16="http://schemas.microsoft.com/office/drawing/2014/main" id="{6969EEAF-92CE-1044-A60C-51A18E435EA1}"/>
+              </a:ext>
+            </a:extLst>
+          </p:cNvPr>
+          <p:cNvSpPr>
+            <a:spLocks noGrp="1"/>
+          </p:cNvSpPr>
+          <p:nvPr>
+            <p:ph idx="1"/>
+          </p:nvPr>
+        </p:nvSpPr>
+        <p:spPr>
+          <a:xfrm>
+            <a:off x="838200" y="1608757"/>
+            <a:ext cx="10515600" cy="1266553"/>
+          </a:xfrm>
+        </p:spPr>
+        <p:txBody>
+          <a:bodyPr>
+            <a:normAutofit/>
+          </a:bodyPr>
+          <a:lstStyle/>
+          <a:p>
+            <a:r>
+              <a:rPr lang="en-US" sz="2400" dirty="0"/>
+              <a:t>Used dropout at 50%</a:t>
+            </a:r>
+          </a:p>
+          <a:p>
+            <a:r>
+              <a:rPr lang="en-US" sz="2400" dirty="0"/>
+              <a:t>Monitored performance metrics over epochs to look for tell-tale loss decreasing while validation accuracy increasing</a:t>
+            </a:r>
+          </a:p>
+          <a:p>
+            <a:endParaRPr lang="en-US" dirty="0"/>
+          </a:p>
+        </p:txBody>
+      </p:sp>
+      <p:sp>
+        <p:nvSpPr>
+          <p:cNvPr id="4" name="Title 1">
+            <a:extLst>
+              <a:ext uri="{FF2B5EF4-FFF2-40B4-BE49-F238E27FC236}">
+                <a16:creationId xmlns:a16="http://schemas.microsoft.com/office/drawing/2014/main" id="{2DB7483F-36A5-7C4B-81D7-DB3E013FD294}"/>
+              </a:ext>
+            </a:extLst>
+          </p:cNvPr>
+          <p:cNvSpPr txBox="1">
+            <a:spLocks/>
+          </p:cNvSpPr>
+          <p:nvPr/>
+        </p:nvSpPr>
+        <p:spPr>
+          <a:xfrm>
+            <a:off x="602293" y="3092178"/>
+            <a:ext cx="10515600" cy="916151"/>
+          </a:xfrm>
+          <a:prstGeom prst="rect">
+            <a:avLst/>
+          </a:prstGeom>
+        </p:spPr>
+        <p:txBody>
+          <a:bodyPr vert="horz" lIns="91440" tIns="45720" rIns="91440" bIns="45720" rtlCol="0" anchor="ctr">
+            <a:normAutofit/>
+          </a:bodyPr>
+          <a:lstStyle>
+            <a:lvl1pPr algn="l" defTabSz="914400" rtl="0" eaLnBrk="1" latinLnBrk="0" hangingPunct="1">
+              <a:lnSpc>
+                <a:spcPct val="90000"/>
+              </a:lnSpc>
+              <a:spcBef>
+                <a:spcPct val="0"/>
+              </a:spcBef>
+              <a:buNone/>
+              <a:defRPr sz="4400" kern="1200">
+                <a:solidFill>
+                  <a:schemeClr val="tx1"/>
+                </a:solidFill>
+                <a:latin typeface="+mj-lt"/>
+                <a:ea typeface="+mj-ea"/>
+                <a:cs typeface="+mj-cs"/>
+              </a:defRPr>
+            </a:lvl1pPr>
+          </a:lstStyle>
+          <a:p>
+            <a:r>
+              <a:rPr lang="en-US" dirty="0"/>
+              <a:t>Batch Size</a:t>
+            </a:r>
+          </a:p>
+        </p:txBody>
+      </p:sp>
+      <p:sp>
+        <p:nvSpPr>
+          <p:cNvPr id="6" name="TextBox 5">
+            <a:extLst>
+              <a:ext uri="{FF2B5EF4-FFF2-40B4-BE49-F238E27FC236}">
+                <a16:creationId xmlns:a16="http://schemas.microsoft.com/office/drawing/2014/main" id="{C634F879-6978-B042-AA2F-0986406E0400}"/>
+              </a:ext>
+            </a:extLst>
+          </p:cNvPr>
+          <p:cNvSpPr txBox="1"/>
+          <p:nvPr/>
+        </p:nvSpPr>
+        <p:spPr>
+          <a:xfrm>
+            <a:off x="838200" y="4026932"/>
+            <a:ext cx="8443586" cy="1200329"/>
+          </a:xfrm>
+          <a:prstGeom prst="rect">
+            <a:avLst/>
+          </a:prstGeom>
+          <a:noFill/>
+        </p:spPr>
+        <p:txBody>
+          <a:bodyPr wrap="square" rtlCol="0">
+            <a:spAutoFit/>
+          </a:bodyPr>
+          <a:lstStyle/>
+          <a:p>
+            <a:pPr marL="285750" indent="-285750">
+              <a:buFont typeface="Arial" panose="020B0604020202020204" pitchFamily="34" charset="0"/>
+              <a:buChar char="•"/>
+            </a:pPr>
+            <a:r>
+              <a:rPr lang="en-US" sz="2400" dirty="0"/>
+              <a:t>Used a small batch size of 32 to get frequent weight updates</a:t>
+            </a:r>
+          </a:p>
+          <a:p>
+            <a:pPr marL="285750" indent="-285750">
+              <a:buFont typeface="Arial" panose="020B0604020202020204" pitchFamily="34" charset="0"/>
+              <a:buChar char="•"/>
+            </a:pPr>
+            <a:r>
+              <a:rPr lang="en-US" sz="2400" dirty="0"/>
+              <a:t>Performed as well as 16</a:t>
+            </a:r>
+          </a:p>
+          <a:p>
+            <a:pPr marL="285750" indent="-285750">
+              <a:buFont typeface="Arial" panose="020B0604020202020204" pitchFamily="34" charset="0"/>
+              <a:buChar char="•"/>
+            </a:pPr>
+            <a:r>
+              <a:rPr lang="en-US" sz="2400" dirty="0"/>
+              <a:t>Larger batch sizes ran faster, did not perform as well</a:t>
+            </a:r>
+          </a:p>
+        </p:txBody>
+      </p:sp>
+    </p:spTree>
+    <p:extLst>
+      <p:ext uri="{BB962C8B-B14F-4D97-AF65-F5344CB8AC3E}">
+        <p14:creationId xmlns:p14="http://schemas.microsoft.com/office/powerpoint/2010/main" val="3637643086"/>
+      </p:ext>
+    </p:extLst>
+  </p:cSld>
+  <p:clrMapOvr>
+    <a:masterClrMapping/>
+  </p:clrMapOvr>
+</p:sld>
+</file>
+
+<file path=ppt/slides/slide12.xml><?xml version="1.0" encoding="utf-8"?>
+<p:sld xmlns:a="http://schemas.openxmlformats.org/drawingml/2006/main" xmlns:r="http://schemas.openxmlformats.org/officeDocument/2006/relationships" xmlns:p="http://schemas.openxmlformats.org/presentationml/2006/main">
+  <p:cSld>
+    <p:spTree>
+      <p:nvGrpSpPr>
+        <p:cNvPr id="1" name=""/>
+        <p:cNvGrpSpPr/>
+        <p:nvPr/>
+      </p:nvGrpSpPr>
+      <p:grpSpPr>
+        <a:xfrm>
+          <a:off x="0" y="0"/>
+          <a:ext cx="0" cy="0"/>
+          <a:chOff x="0" y="0"/>
+          <a:chExt cx="0" cy="0"/>
+        </a:xfrm>
+      </p:grpSpPr>
+      <p:sp>
+        <p:nvSpPr>
+          <p:cNvPr id="2" name="Title 1">
+            <a:extLst>
+              <a:ext uri="{FF2B5EF4-FFF2-40B4-BE49-F238E27FC236}">
+                <a16:creationId xmlns:a16="http://schemas.microsoft.com/office/drawing/2014/main" id="{E969D05D-CC2E-5941-8F01-69108CE29EF9}"/>
+              </a:ext>
+            </a:extLst>
+          </p:cNvPr>
+          <p:cNvSpPr>
+            <a:spLocks noGrp="1"/>
+          </p:cNvSpPr>
+          <p:nvPr>
+            <p:ph type="title"/>
+          </p:nvPr>
+        </p:nvSpPr>
+        <p:spPr/>
+        <p:txBody>
+          <a:bodyPr/>
+          <a:lstStyle/>
+          <a:p>
+            <a:r>
+              <a:rPr lang="en-US" dirty="0"/>
+              <a:t>Results</a:t>
+            </a:r>
+          </a:p>
+        </p:txBody>
+      </p:sp>
+      <p:sp>
+        <p:nvSpPr>
+          <p:cNvPr id="3" name="Content Placeholder 2">
+            <a:extLst>
+              <a:ext uri="{FF2B5EF4-FFF2-40B4-BE49-F238E27FC236}">
+                <a16:creationId xmlns:a16="http://schemas.microsoft.com/office/drawing/2014/main" id="{63E069A6-60B6-1D46-82A0-B029A0AC7394}"/>
+              </a:ext>
+            </a:extLst>
+          </p:cNvPr>
+          <p:cNvSpPr>
+            <a:spLocks noGrp="1"/>
+          </p:cNvSpPr>
+          <p:nvPr>
+            <p:ph idx="1"/>
+          </p:nvPr>
+        </p:nvSpPr>
+        <p:spPr>
+          <a:xfrm>
+            <a:off x="2963333" y="674158"/>
+            <a:ext cx="8915400" cy="1561042"/>
+          </a:xfrm>
+        </p:spPr>
+        <p:txBody>
+          <a:bodyPr/>
+          <a:lstStyle/>
+          <a:p>
+            <a:r>
+              <a:rPr lang="en-US" dirty="0"/>
+              <a:t>Accuracy is the performance metric (target .90)</a:t>
+            </a:r>
+          </a:p>
+          <a:p>
+            <a:r>
+              <a:rPr lang="en-US" dirty="0"/>
+              <a:t>Achieved 91.6% on the test data</a:t>
+            </a:r>
+          </a:p>
+          <a:p>
+            <a:r>
+              <a:rPr lang="en-US" dirty="0"/>
+              <a:t>(Need to try 5x5 kernels w/ Dropout)</a:t>
+            </a:r>
+          </a:p>
+          <a:p>
+            <a:endParaRPr lang="en-US" dirty="0"/>
+          </a:p>
+        </p:txBody>
+      </p:sp>
+      <p:pic>
+        <p:nvPicPr>
+          <p:cNvPr id="4" name="Picture 3">
+            <a:extLst>
+              <a:ext uri="{FF2B5EF4-FFF2-40B4-BE49-F238E27FC236}">
+                <a16:creationId xmlns:a16="http://schemas.microsoft.com/office/drawing/2014/main" id="{B0D2EEED-B5BA-A747-806F-CA1FC9AEE02F}"/>
+              </a:ext>
+            </a:extLst>
+          </p:cNvPr>
+          <p:cNvPicPr/>
+          <p:nvPr/>
+        </p:nvPicPr>
+        <p:blipFill>
+          <a:blip r:embed="rId2"/>
+          <a:stretch>
+            <a:fillRect/>
+          </a:stretch>
+        </p:blipFill>
+        <p:spPr>
+          <a:xfrm>
+            <a:off x="7840134" y="2235200"/>
+            <a:ext cx="3822521" cy="4029339"/>
+          </a:xfrm>
+          <a:prstGeom prst="rect">
+            <a:avLst/>
+          </a:prstGeom>
+        </p:spPr>
+      </p:pic>
+      <p:pic>
+        <p:nvPicPr>
+          <p:cNvPr id="6" name="Picture 5">
+            <a:extLst>
+              <a:ext uri="{FF2B5EF4-FFF2-40B4-BE49-F238E27FC236}">
+                <a16:creationId xmlns:a16="http://schemas.microsoft.com/office/drawing/2014/main" id="{91906E08-9A2D-954F-9FF2-317F7C4753BE}"/>
+              </a:ext>
+            </a:extLst>
+          </p:cNvPr>
+          <p:cNvPicPr>
+            <a:picLocks noChangeAspect="1"/>
+          </p:cNvPicPr>
+          <p:nvPr/>
+        </p:nvPicPr>
+        <p:blipFill>
+          <a:blip r:embed="rId3"/>
+          <a:stretch>
+            <a:fillRect/>
+          </a:stretch>
+        </p:blipFill>
+        <p:spPr>
+          <a:xfrm>
+            <a:off x="838200" y="3252919"/>
+            <a:ext cx="5994400" cy="1993900"/>
+          </a:xfrm>
+          <a:prstGeom prst="rect">
+            <a:avLst/>
+          </a:prstGeom>
+        </p:spPr>
+      </p:pic>
+    </p:spTree>
+    <p:extLst>
+      <p:ext uri="{BB962C8B-B14F-4D97-AF65-F5344CB8AC3E}">
+        <p14:creationId xmlns:p14="http://schemas.microsoft.com/office/powerpoint/2010/main" val="1103345939"/>
+      </p:ext>
+    </p:extLst>
+  </p:cSld>
+  <p:clrMapOvr>
+    <a:masterClrMapping/>
+  </p:clrMapOvr>
+</p:sld>
+</file>
+
+<file path=ppt/slides/slide13.xml><?xml version="1.0" encoding="utf-8"?>
+<p:sld xmlns:a="http://schemas.openxmlformats.org/drawingml/2006/main" xmlns:r="http://schemas.openxmlformats.org/officeDocument/2006/relationships" xmlns:p="http://schemas.openxmlformats.org/presentationml/2006/main">
+  <p:cSld>
+    <p:spTree>
+      <p:nvGrpSpPr>
+        <p:cNvPr id="1" name=""/>
+        <p:cNvGrpSpPr/>
+        <p:nvPr/>
+      </p:nvGrpSpPr>
+      <p:grpSpPr>
+        <a:xfrm>
+          <a:off x="0" y="0"/>
+          <a:ext cx="0" cy="0"/>
+          <a:chOff x="0" y="0"/>
+          <a:chExt cx="0" cy="0"/>
+        </a:xfrm>
+      </p:grpSpPr>
+      <p:sp>
+        <p:nvSpPr>
+          <p:cNvPr id="2" name="Title 1">
+            <a:extLst>
+              <a:ext uri="{FF2B5EF4-FFF2-40B4-BE49-F238E27FC236}">
+                <a16:creationId xmlns:a16="http://schemas.microsoft.com/office/drawing/2014/main" id="{36DA23B6-2AD9-2F40-8DBD-6407230661FF}"/>
+              </a:ext>
+            </a:extLst>
+          </p:cNvPr>
+          <p:cNvSpPr>
+            <a:spLocks noGrp="1"/>
+          </p:cNvSpPr>
+          <p:nvPr>
+            <p:ph type="title"/>
+          </p:nvPr>
+        </p:nvSpPr>
+        <p:spPr>
+          <a:xfrm>
+            <a:off x="838200" y="296862"/>
+            <a:ext cx="10515600" cy="1325563"/>
+          </a:xfrm>
+        </p:spPr>
+        <p:txBody>
+          <a:bodyPr/>
+          <a:lstStyle/>
+          <a:p>
+            <a:r>
+              <a:rPr lang="en-US" dirty="0"/>
+              <a:t>Monitored Metrics</a:t>
+            </a:r>
+          </a:p>
+        </p:txBody>
+      </p:sp>
+      <p:graphicFrame>
+        <p:nvGraphicFramePr>
+          <p:cNvPr id="4" name="Chart 3">
+            <a:extLst>
+              <a:ext uri="{FF2B5EF4-FFF2-40B4-BE49-F238E27FC236}">
+                <a16:creationId xmlns:a16="http://schemas.microsoft.com/office/drawing/2014/main" id="{7EA0316D-858C-41A0-8FE3-9B16DB1D0A55}"/>
+              </a:ext>
+            </a:extLst>
+          </p:cNvPr>
+          <p:cNvGraphicFramePr/>
+          <p:nvPr>
+            <p:extLst>
+              <p:ext uri="{D42A27DB-BD31-4B8C-83A1-F6EECF244321}">
+                <p14:modId xmlns:p14="http://schemas.microsoft.com/office/powerpoint/2010/main" val="129640349"/>
+              </p:ext>
+            </p:extLst>
+          </p:nvPr>
+        </p:nvGraphicFramePr>
+        <p:xfrm>
+          <a:off x="838200" y="2108200"/>
+          <a:ext cx="4572000" cy="2743200"/>
+        </p:xfrm>
+        <a:graphic>
+          <a:graphicData uri="http://schemas.openxmlformats.org/drawingml/2006/chart">
+            <c:chart xmlns:c="http://schemas.openxmlformats.org/drawingml/2006/chart" xmlns:r="http://schemas.openxmlformats.org/officeDocument/2006/relationships" r:id="rId2"/>
+          </a:graphicData>
+        </a:graphic>
+      </p:graphicFrame>
+      <p:graphicFrame>
+        <p:nvGraphicFramePr>
+          <p:cNvPr id="5" name="Chart 4">
+            <a:extLst>
+              <a:ext uri="{FF2B5EF4-FFF2-40B4-BE49-F238E27FC236}">
+                <a16:creationId xmlns:a16="http://schemas.microsoft.com/office/drawing/2014/main" id="{0645AD58-48FC-4713-A0CA-5D800C9B581C}"/>
+              </a:ext>
+            </a:extLst>
+          </p:cNvPr>
+          <p:cNvGraphicFramePr/>
+          <p:nvPr>
+            <p:extLst>
+              <p:ext uri="{D42A27DB-BD31-4B8C-83A1-F6EECF244321}">
+                <p14:modId xmlns:p14="http://schemas.microsoft.com/office/powerpoint/2010/main" val="3472652196"/>
+              </p:ext>
+            </p:extLst>
+          </p:nvPr>
+        </p:nvGraphicFramePr>
+        <p:xfrm>
+          <a:off x="5658045" y="1941512"/>
+          <a:ext cx="4733925" cy="3076575"/>
+        </p:xfrm>
+        <a:graphic>
+          <a:graphicData uri="http://schemas.openxmlformats.org/drawingml/2006/chart">
+            <c:chart xmlns:c="http://schemas.openxmlformats.org/drawingml/2006/chart" xmlns:r="http://schemas.openxmlformats.org/officeDocument/2006/relationships" r:id="rId3"/>
+          </a:graphicData>
+        </a:graphic>
+      </p:graphicFrame>
+      <p:sp>
+        <p:nvSpPr>
+          <p:cNvPr id="6" name="TextBox 5">
+            <a:extLst>
+              <a:ext uri="{FF2B5EF4-FFF2-40B4-BE49-F238E27FC236}">
+                <a16:creationId xmlns:a16="http://schemas.microsoft.com/office/drawing/2014/main" id="{4C418AFA-2893-6A4C-8D02-D9E3D2E40EC9}"/>
+              </a:ext>
+            </a:extLst>
+          </p:cNvPr>
+          <p:cNvSpPr txBox="1"/>
+          <p:nvPr/>
+        </p:nvSpPr>
+        <p:spPr>
+          <a:xfrm>
+            <a:off x="3803736" y="5180696"/>
+            <a:ext cx="4221271" cy="646331"/>
+          </a:xfrm>
+          <a:prstGeom prst="rect">
+            <a:avLst/>
+          </a:prstGeom>
+          <a:noFill/>
+        </p:spPr>
+        <p:txBody>
+          <a:bodyPr wrap="square" rtlCol="0">
+            <a:spAutoFit/>
+          </a:bodyPr>
+          <a:lstStyle/>
+          <a:p>
+            <a:r>
+              <a:rPr lang="en-US" dirty="0"/>
+              <a:t>“Winning” network did not show overfitting signs but runner-up did</a:t>
+            </a:r>
+          </a:p>
+        </p:txBody>
+      </p:sp>
+    </p:spTree>
+    <p:extLst>
+      <p:ext uri="{BB962C8B-B14F-4D97-AF65-F5344CB8AC3E}">
+        <p14:creationId xmlns:p14="http://schemas.microsoft.com/office/powerpoint/2010/main" val="3351401594"/>
+      </p:ext>
+    </p:extLst>
+  </p:cSld>
+  <p:clrMapOvr>
+    <a:masterClrMapping/>
+  </p:clrMapOvr>
+</p:sld>
+</file>
+
+<file path=ppt/slides/slide14.xml><?xml version="1.0" encoding="utf-8"?>
+<p:sld xmlns:a="http://schemas.openxmlformats.org/drawingml/2006/main" xmlns:r="http://schemas.openxmlformats.org/officeDocument/2006/relationships" xmlns:p="http://schemas.openxmlformats.org/presentationml/2006/main">
+  <p:cSld>
+    <p:spTree>
+      <p:nvGrpSpPr>
+        <p:cNvPr id="1" name=""/>
+        <p:cNvGrpSpPr/>
+        <p:nvPr/>
+      </p:nvGrpSpPr>
+      <p:grpSpPr>
+        <a:xfrm>
+          <a:off x="0" y="0"/>
+          <a:ext cx="0" cy="0"/>
+          <a:chOff x="0" y="0"/>
+          <a:chExt cx="0" cy="0"/>
+        </a:xfrm>
+      </p:grpSpPr>
+      <p:sp>
+        <p:nvSpPr>
+          <p:cNvPr id="2" name="Title 1">
+            <a:extLst>
+              <a:ext uri="{FF2B5EF4-FFF2-40B4-BE49-F238E27FC236}">
+                <a16:creationId xmlns:a16="http://schemas.microsoft.com/office/drawing/2014/main" id="{9378ED27-6D4D-B74C-B94E-64456DD50AF3}"/>
+              </a:ext>
+            </a:extLst>
+          </p:cNvPr>
+          <p:cNvSpPr>
+            <a:spLocks noGrp="1"/>
+          </p:cNvSpPr>
+          <p:nvPr>
+            <p:ph type="title"/>
+          </p:nvPr>
+        </p:nvSpPr>
+        <p:spPr>
+          <a:xfrm>
+            <a:off x="838200" y="365125"/>
+            <a:ext cx="10515600" cy="1460500"/>
+          </a:xfrm>
+        </p:spPr>
+        <p:txBody>
+          <a:bodyPr/>
+          <a:lstStyle/>
+          <a:p>
+            <a:r>
+              <a:rPr lang="en-US" b="1" dirty="0"/>
+              <a:t>Unsupervised Digit Removal from Images</a:t>
+            </a:r>
+            <a:br>
+              <a:rPr lang="en-US" b="1" dirty="0"/>
+            </a:br>
+            <a:endParaRPr lang="en-US" dirty="0"/>
+          </a:p>
+        </p:txBody>
+      </p:sp>
+      <p:sp>
+        <p:nvSpPr>
+          <p:cNvPr id="3" name="Content Placeholder 2">
+            <a:extLst>
+              <a:ext uri="{FF2B5EF4-FFF2-40B4-BE49-F238E27FC236}">
+                <a16:creationId xmlns:a16="http://schemas.microsoft.com/office/drawing/2014/main" id="{C941130F-BAD8-9948-BDE9-39710E4794E2}"/>
+              </a:ext>
+            </a:extLst>
+          </p:cNvPr>
+          <p:cNvSpPr>
+            <a:spLocks noGrp="1"/>
+          </p:cNvSpPr>
+          <p:nvPr>
+            <p:ph idx="1"/>
+          </p:nvPr>
+        </p:nvSpPr>
+        <p:spPr>
+          <a:xfrm>
+            <a:off x="711200" y="1300691"/>
+            <a:ext cx="10642600" cy="4625976"/>
+          </a:xfrm>
+        </p:spPr>
+        <p:txBody>
+          <a:bodyPr>
+            <a:normAutofit fontScale="92500" lnSpcReduction="10000"/>
+          </a:bodyPr>
+          <a:lstStyle/>
+          <a:p>
+            <a:pPr marL="0" indent="0">
+              <a:buNone/>
+            </a:pPr>
+            <a:r>
+              <a:rPr lang="en-US" dirty="0"/>
+              <a:t>Not supervised: No labeled training data</a:t>
+            </a:r>
+            <a:br>
+              <a:rPr lang="en-US" dirty="0"/>
+            </a:br>
+            <a:endParaRPr lang="en-US" dirty="0"/>
+          </a:p>
+          <a:p>
+            <a:pPr marL="0" indent="0">
+              <a:buNone/>
+            </a:pPr>
+            <a:r>
+              <a:rPr lang="en-US" dirty="0"/>
+              <a:t>Approach:</a:t>
+            </a:r>
+          </a:p>
+          <a:p>
+            <a:r>
+              <a:rPr lang="en-US" dirty="0"/>
+              <a:t>Train a model in </a:t>
+            </a:r>
+            <a:r>
+              <a:rPr lang="en-US" dirty="0" err="1"/>
+              <a:t>PyTorch</a:t>
+            </a:r>
+            <a:r>
+              <a:rPr lang="en-US" dirty="0"/>
+              <a:t> to classify digit images</a:t>
+            </a:r>
+          </a:p>
+          <a:p>
+            <a:r>
+              <a:rPr lang="en-US" dirty="0"/>
+              <a:t>Use by-products of the model to identify key pixels for an image </a:t>
+            </a:r>
+          </a:p>
+          <a:p>
+            <a:pPr lvl="1"/>
+            <a:r>
+              <a:rPr lang="en-US" dirty="0"/>
+              <a:t>Key Pixel: represents the background without the digit</a:t>
+            </a:r>
+          </a:p>
+          <a:p>
+            <a:r>
+              <a:rPr lang="en-US" dirty="0"/>
+              <a:t>Create a Generalized Regression NN, trained with the key pixels, to generate an image</a:t>
+            </a:r>
+          </a:p>
+          <a:p>
+            <a:endParaRPr lang="en-US" dirty="0"/>
+          </a:p>
+          <a:p>
+            <a:pPr marL="0" indent="0">
+              <a:buNone/>
+            </a:pPr>
+            <a:r>
+              <a:rPr lang="en-US" dirty="0"/>
+              <a:t>Goal is when the generated image is returned to the parent, a photorealistic image without the digit results</a:t>
+            </a:r>
+          </a:p>
+        </p:txBody>
+      </p:sp>
+    </p:spTree>
+    <p:extLst>
+      <p:ext uri="{BB962C8B-B14F-4D97-AF65-F5344CB8AC3E}">
+        <p14:creationId xmlns:p14="http://schemas.microsoft.com/office/powerpoint/2010/main" val="763814295"/>
+      </p:ext>
+    </p:extLst>
+  </p:cSld>
+  <p:clrMapOvr>
+    <a:masterClrMapping/>
+  </p:clrMapOvr>
+</p:sld>
+</file>
+
+<file path=ppt/slides/slide15.xml><?xml version="1.0" encoding="utf-8"?>
+<p:sld xmlns:a="http://schemas.openxmlformats.org/drawingml/2006/main" xmlns:r="http://schemas.openxmlformats.org/officeDocument/2006/relationships" xmlns:p="http://schemas.openxmlformats.org/presentationml/2006/main">
+  <p:cSld>
+    <p:spTree>
+      <p:nvGrpSpPr>
+        <p:cNvPr id="1" name=""/>
+        <p:cNvGrpSpPr/>
+        <p:nvPr/>
+      </p:nvGrpSpPr>
+      <p:grpSpPr>
+        <a:xfrm>
+          <a:off x="0" y="0"/>
+          <a:ext cx="0" cy="0"/>
+          <a:chOff x="0" y="0"/>
+          <a:chExt cx="0" cy="0"/>
+        </a:xfrm>
+      </p:grpSpPr>
+      <p:sp>
+        <p:nvSpPr>
+          <p:cNvPr id="2" name="Title 1">
+            <a:extLst>
+              <a:ext uri="{FF2B5EF4-FFF2-40B4-BE49-F238E27FC236}">
+                <a16:creationId xmlns:a16="http://schemas.microsoft.com/office/drawing/2014/main" id="{E60CA5BB-4FF9-0C42-9118-7DD4FC5D103A}"/>
+              </a:ext>
+            </a:extLst>
+          </p:cNvPr>
+          <p:cNvSpPr>
+            <a:spLocks noGrp="1"/>
+          </p:cNvSpPr>
+          <p:nvPr>
+            <p:ph type="title"/>
+          </p:nvPr>
+        </p:nvSpPr>
+        <p:spPr/>
+        <p:txBody>
+          <a:bodyPr/>
+          <a:lstStyle/>
+          <a:p>
+            <a:r>
+              <a:rPr lang="en-US" dirty="0"/>
+              <a:t>Identifying Key Pixels</a:t>
+            </a:r>
+          </a:p>
+        </p:txBody>
+      </p:sp>
+      <p:sp>
+        <p:nvSpPr>
+          <p:cNvPr id="3" name="Content Placeholder 2">
+            <a:extLst>
+              <a:ext uri="{FF2B5EF4-FFF2-40B4-BE49-F238E27FC236}">
+                <a16:creationId xmlns:a16="http://schemas.microsoft.com/office/drawing/2014/main" id="{073DB995-4B5E-F64E-A519-A57F1D1F1070}"/>
+              </a:ext>
+            </a:extLst>
+          </p:cNvPr>
+          <p:cNvSpPr>
+            <a:spLocks noGrp="1"/>
+          </p:cNvSpPr>
+          <p:nvPr>
+            <p:ph idx="1"/>
+          </p:nvPr>
+        </p:nvSpPr>
+        <p:spPr>
+          <a:xfrm>
+            <a:off x="838201" y="1825625"/>
+            <a:ext cx="4902200" cy="4351338"/>
+          </a:xfrm>
+        </p:spPr>
+        <p:txBody>
+          <a:bodyPr/>
+          <a:lstStyle/>
+          <a:p>
+            <a:r>
+              <a:rPr lang="en-US" dirty="0"/>
+              <a:t>First thought, gradients</a:t>
+            </a:r>
+          </a:p>
+          <a:p>
+            <a:r>
+              <a:rPr lang="en-US" dirty="0"/>
+              <a:t>Very noisy</a:t>
+            </a:r>
+          </a:p>
+          <a:p>
+            <a:r>
+              <a:rPr lang="en-US" dirty="0"/>
+              <a:t>Promising, perhaps better suited to a supervised approach</a:t>
+            </a:r>
+          </a:p>
+          <a:p>
+            <a:endParaRPr lang="en-US" dirty="0"/>
+          </a:p>
+          <a:p>
+            <a:endParaRPr lang="en-US" dirty="0"/>
+          </a:p>
+        </p:txBody>
+      </p:sp>
+      <p:pic>
+        <p:nvPicPr>
+          <p:cNvPr id="6" name="Picture 5">
+            <a:extLst>
+              <a:ext uri="{FF2B5EF4-FFF2-40B4-BE49-F238E27FC236}">
+                <a16:creationId xmlns:a16="http://schemas.microsoft.com/office/drawing/2014/main" id="{DC4CBA7C-4E3D-E245-8015-5C8A9BA5F8C5}"/>
+              </a:ext>
+            </a:extLst>
+          </p:cNvPr>
+          <p:cNvPicPr>
+            <a:picLocks noChangeAspect="1"/>
+          </p:cNvPicPr>
+          <p:nvPr/>
+        </p:nvPicPr>
+        <p:blipFill>
+          <a:blip r:embed="rId2"/>
+          <a:stretch>
+            <a:fillRect/>
+          </a:stretch>
+        </p:blipFill>
+        <p:spPr>
+          <a:xfrm>
+            <a:off x="5900618" y="876830"/>
+            <a:ext cx="5589758" cy="5300133"/>
+          </a:xfrm>
+          <a:prstGeom prst="rect">
+            <a:avLst/>
+          </a:prstGeom>
+        </p:spPr>
+      </p:pic>
+    </p:spTree>
+    <p:extLst>
+      <p:ext uri="{BB962C8B-B14F-4D97-AF65-F5344CB8AC3E}">
+        <p14:creationId xmlns:p14="http://schemas.microsoft.com/office/powerpoint/2010/main" val="3446795538"/>
+      </p:ext>
+    </p:extLst>
+  </p:cSld>
+  <p:clrMapOvr>
+    <a:masterClrMapping/>
+  </p:clrMapOvr>
+</p:sld>
+</file>
+
+<file path=ppt/slides/slide16.xml><?xml version="1.0" encoding="utf-8"?>
+<p:sld xmlns:a="http://schemas.openxmlformats.org/drawingml/2006/main" xmlns:r="http://schemas.openxmlformats.org/officeDocument/2006/relationships" xmlns:p="http://schemas.openxmlformats.org/presentationml/2006/main">
+  <p:cSld>
+    <p:spTree>
+      <p:nvGrpSpPr>
+        <p:cNvPr id="1" name=""/>
+        <p:cNvGrpSpPr/>
+        <p:nvPr/>
+      </p:nvGrpSpPr>
+      <p:grpSpPr>
+        <a:xfrm>
+          <a:off x="0" y="0"/>
+          <a:ext cx="0" cy="0"/>
+          <a:chOff x="0" y="0"/>
+          <a:chExt cx="0" cy="0"/>
+        </a:xfrm>
+      </p:grpSpPr>
+      <p:sp>
+        <p:nvSpPr>
+          <p:cNvPr id="2" name="Title 1">
+            <a:extLst>
+              <a:ext uri="{FF2B5EF4-FFF2-40B4-BE49-F238E27FC236}">
+                <a16:creationId xmlns:a16="http://schemas.microsoft.com/office/drawing/2014/main" id="{E8824BF6-18BE-2A41-8E0D-1379A7D8F49F}"/>
+              </a:ext>
+            </a:extLst>
+          </p:cNvPr>
+          <p:cNvSpPr>
+            <a:spLocks noGrp="1"/>
+          </p:cNvSpPr>
+          <p:nvPr>
+            <p:ph type="title"/>
+          </p:nvPr>
+        </p:nvSpPr>
+        <p:spPr>
+          <a:xfrm>
+            <a:off x="838200" y="365126"/>
+            <a:ext cx="10515600" cy="1192742"/>
+          </a:xfrm>
+        </p:spPr>
+        <p:txBody>
+          <a:bodyPr/>
+          <a:lstStyle/>
+          <a:p>
+            <a:r>
+              <a:rPr lang="en-US" dirty="0"/>
+              <a:t>Next Try: Feature Maps from first Conv Layer</a:t>
+            </a:r>
+          </a:p>
+        </p:txBody>
+      </p:sp>
+      <p:sp>
+        <p:nvSpPr>
+          <p:cNvPr id="3" name="Content Placeholder 2">
+            <a:extLst>
+              <a:ext uri="{FF2B5EF4-FFF2-40B4-BE49-F238E27FC236}">
+                <a16:creationId xmlns:a16="http://schemas.microsoft.com/office/drawing/2014/main" id="{3F4A0CE5-5E29-9243-A456-AC7B1EBE5E79}"/>
+              </a:ext>
+            </a:extLst>
+          </p:cNvPr>
+          <p:cNvSpPr>
+            <a:spLocks noGrp="1"/>
+          </p:cNvSpPr>
+          <p:nvPr>
+            <p:ph idx="1"/>
+          </p:nvPr>
+        </p:nvSpPr>
+        <p:spPr>
+          <a:xfrm>
+            <a:off x="838200" y="1557868"/>
+            <a:ext cx="10515600" cy="4351338"/>
+          </a:xfrm>
+        </p:spPr>
+        <p:txBody>
+          <a:bodyPr/>
+          <a:lstStyle/>
+          <a:p>
+            <a:r>
+              <a:rPr lang="en-US" dirty="0"/>
+              <a:t>First layer set up with stride, padding to have same Feature Map size as the image</a:t>
+            </a:r>
+          </a:p>
+          <a:p>
+            <a:r>
+              <a:rPr lang="en-US" dirty="0"/>
+              <a:t>48 Feature Maps from the first layer, reduced using mean() and </a:t>
+            </a:r>
+            <a:r>
+              <a:rPr lang="en-US" dirty="0" err="1"/>
+              <a:t>std</a:t>
+            </a:r>
+            <a:r>
+              <a:rPr lang="en-US" dirty="0"/>
+              <a:t>() across the pixel dimension – results in a tensor dimensioned the same as the image</a:t>
+            </a:r>
+          </a:p>
+          <a:p>
+            <a:endParaRPr lang="en-US" dirty="0"/>
+          </a:p>
+          <a:p>
+            <a:endParaRPr lang="en-US" dirty="0"/>
+          </a:p>
+          <a:p>
+            <a:endParaRPr lang="en-US" dirty="0"/>
+          </a:p>
+        </p:txBody>
+      </p:sp>
+      <p:pic>
+        <p:nvPicPr>
+          <p:cNvPr id="5" name="Picture 4">
+            <a:extLst>
+              <a:ext uri="{FF2B5EF4-FFF2-40B4-BE49-F238E27FC236}">
+                <a16:creationId xmlns:a16="http://schemas.microsoft.com/office/drawing/2014/main" id="{8DBF66ED-7354-7E4E-84B0-E3AC0947A53B}"/>
+              </a:ext>
+            </a:extLst>
+          </p:cNvPr>
+          <p:cNvPicPr>
+            <a:picLocks noChangeAspect="1"/>
+          </p:cNvPicPr>
+          <p:nvPr/>
+        </p:nvPicPr>
+        <p:blipFill>
+          <a:blip r:embed="rId2"/>
+          <a:stretch>
+            <a:fillRect/>
+          </a:stretch>
+        </p:blipFill>
+        <p:spPr>
+          <a:xfrm>
+            <a:off x="4159800" y="3893874"/>
+            <a:ext cx="5486400" cy="2476500"/>
+          </a:xfrm>
+          <a:prstGeom prst="rect">
+            <a:avLst/>
+          </a:prstGeom>
+        </p:spPr>
+      </p:pic>
+    </p:spTree>
+    <p:extLst>
+      <p:ext uri="{BB962C8B-B14F-4D97-AF65-F5344CB8AC3E}">
+        <p14:creationId xmlns:p14="http://schemas.microsoft.com/office/powerpoint/2010/main" val="340752849"/>
+      </p:ext>
+    </p:extLst>
+  </p:cSld>
+  <p:clrMapOvr>
+    <a:masterClrMapping/>
+  </p:clrMapOvr>
+</p:sld>
+</file>
+
+<file path=ppt/slides/slide17.xml><?xml version="1.0" encoding="utf-8"?>
+<p:sld xmlns:a="http://schemas.openxmlformats.org/drawingml/2006/main" xmlns:r="http://schemas.openxmlformats.org/officeDocument/2006/relationships" xmlns:p="http://schemas.openxmlformats.org/presentationml/2006/main">
+  <p:cSld>
+    <p:spTree>
+      <p:nvGrpSpPr>
+        <p:cNvPr id="1" name=""/>
+        <p:cNvGrpSpPr/>
+        <p:nvPr/>
+      </p:nvGrpSpPr>
+      <p:grpSpPr>
+        <a:xfrm>
+          <a:off x="0" y="0"/>
+          <a:ext cx="0" cy="0"/>
+          <a:chOff x="0" y="0"/>
+          <a:chExt cx="0" cy="0"/>
+        </a:xfrm>
+      </p:grpSpPr>
+      <p:sp>
+        <p:nvSpPr>
+          <p:cNvPr id="2" name="Title 1">
+            <a:extLst>
+              <a:ext uri="{FF2B5EF4-FFF2-40B4-BE49-F238E27FC236}">
+                <a16:creationId xmlns:a16="http://schemas.microsoft.com/office/drawing/2014/main" id="{2D7AFE69-D396-BD4B-8A19-141919B49DE2}"/>
+              </a:ext>
+            </a:extLst>
+          </p:cNvPr>
+          <p:cNvSpPr>
+            <a:spLocks noGrp="1"/>
+          </p:cNvSpPr>
+          <p:nvPr>
+            <p:ph type="title"/>
+          </p:nvPr>
+        </p:nvSpPr>
+        <p:spPr/>
+        <p:txBody>
+          <a:bodyPr/>
+          <a:lstStyle/>
+          <a:p>
+            <a:r>
+              <a:rPr lang="en-US" dirty="0"/>
+              <a:t>Feature Map for the first digit . . .</a:t>
+            </a:r>
+          </a:p>
+        </p:txBody>
+      </p:sp>
+      <p:pic>
+        <p:nvPicPr>
+          <p:cNvPr id="5" name="Content Placeholder 4">
+            <a:extLst>
+              <a:ext uri="{FF2B5EF4-FFF2-40B4-BE49-F238E27FC236}">
+                <a16:creationId xmlns:a16="http://schemas.microsoft.com/office/drawing/2014/main" id="{5430DAA5-6F95-1348-8FA0-5DB925C9DA9D}"/>
+              </a:ext>
+            </a:extLst>
+          </p:cNvPr>
+          <p:cNvPicPr>
+            <a:picLocks noGrp="1" noChangeAspect="1"/>
+          </p:cNvPicPr>
+          <p:nvPr>
+            <p:ph idx="1"/>
+          </p:nvPr>
+        </p:nvPicPr>
+        <p:blipFill>
+          <a:blip r:embed="rId2"/>
+          <a:stretch>
+            <a:fillRect/>
+          </a:stretch>
+        </p:blipFill>
+        <p:spPr>
+          <a:xfrm>
+            <a:off x="2103602" y="1825626"/>
+            <a:ext cx="7984796" cy="4759706"/>
+          </a:xfrm>
+        </p:spPr>
+      </p:pic>
+    </p:spTree>
+    <p:extLst>
+      <p:ext uri="{BB962C8B-B14F-4D97-AF65-F5344CB8AC3E}">
+        <p14:creationId xmlns:p14="http://schemas.microsoft.com/office/powerpoint/2010/main" val="1030643212"/>
+      </p:ext>
+    </p:extLst>
+  </p:cSld>
+  <p:clrMapOvr>
+    <a:masterClrMapping/>
+  </p:clrMapOvr>
+</p:sld>
+</file>
+
+<file path=ppt/slides/slide18.xml><?xml version="1.0" encoding="utf-8"?>
+<p:sld xmlns:a="http://schemas.openxmlformats.org/drawingml/2006/main" xmlns:r="http://schemas.openxmlformats.org/officeDocument/2006/relationships" xmlns:p="http://schemas.openxmlformats.org/presentationml/2006/main">
+  <p:cSld>
+    <p:spTree>
+      <p:nvGrpSpPr>
+        <p:cNvPr id="1" name=""/>
+        <p:cNvGrpSpPr/>
+        <p:nvPr/>
+      </p:nvGrpSpPr>
+      <p:grpSpPr>
+        <a:xfrm>
+          <a:off x="0" y="0"/>
+          <a:ext cx="0" cy="0"/>
+          <a:chOff x="0" y="0"/>
+          <a:chExt cx="0" cy="0"/>
+        </a:xfrm>
+      </p:grpSpPr>
+      <p:sp>
+        <p:nvSpPr>
+          <p:cNvPr id="2" name="Title 1">
+            <a:extLst>
+              <a:ext uri="{FF2B5EF4-FFF2-40B4-BE49-F238E27FC236}">
+                <a16:creationId xmlns:a16="http://schemas.microsoft.com/office/drawing/2014/main" id="{11001224-E1A9-1345-B841-7CCF09DE5F9E}"/>
+              </a:ext>
+            </a:extLst>
+          </p:cNvPr>
+          <p:cNvSpPr>
+            <a:spLocks noGrp="1"/>
+          </p:cNvSpPr>
+          <p:nvPr>
+            <p:ph type="title"/>
+          </p:nvPr>
+        </p:nvSpPr>
+        <p:spPr/>
+        <p:txBody>
+          <a:bodyPr/>
+          <a:lstStyle/>
+          <a:p>
+            <a:r>
+              <a:rPr lang="en-US" dirty="0"/>
+              <a:t>. . .And the second</a:t>
+            </a:r>
+          </a:p>
+        </p:txBody>
+      </p:sp>
+      <p:pic>
+        <p:nvPicPr>
+          <p:cNvPr id="5" name="Content Placeholder 4">
+            <a:extLst>
+              <a:ext uri="{FF2B5EF4-FFF2-40B4-BE49-F238E27FC236}">
+                <a16:creationId xmlns:a16="http://schemas.microsoft.com/office/drawing/2014/main" id="{C64BB849-C702-9342-9476-BE4A77C69790}"/>
+              </a:ext>
+            </a:extLst>
+          </p:cNvPr>
+          <p:cNvPicPr>
+            <a:picLocks noGrp="1" noChangeAspect="1"/>
+          </p:cNvPicPr>
+          <p:nvPr>
+            <p:ph idx="1"/>
+          </p:nvPr>
+        </p:nvPicPr>
+        <p:blipFill>
+          <a:blip r:embed="rId2"/>
+          <a:stretch>
+            <a:fillRect/>
+          </a:stretch>
+        </p:blipFill>
+        <p:spPr>
+          <a:xfrm>
+            <a:off x="2065867" y="1528290"/>
+            <a:ext cx="7798529" cy="4648673"/>
+          </a:xfrm>
+        </p:spPr>
+      </p:pic>
+    </p:spTree>
+    <p:extLst>
+      <p:ext uri="{BB962C8B-B14F-4D97-AF65-F5344CB8AC3E}">
+        <p14:creationId xmlns:p14="http://schemas.microsoft.com/office/powerpoint/2010/main" val="2721937259"/>
+      </p:ext>
+    </p:extLst>
+  </p:cSld>
+  <p:clrMapOvr>
+    <a:masterClrMapping/>
+  </p:clrMapOvr>
+</p:sld>
+</file>
+
+<file path=ppt/slides/slide19.xml><?xml version="1.0" encoding="utf-8"?>
+<p:sld xmlns:a="http://schemas.openxmlformats.org/drawingml/2006/main" xmlns:r="http://schemas.openxmlformats.org/officeDocument/2006/relationships" xmlns:p="http://schemas.openxmlformats.org/presentationml/2006/main">
+  <p:cSld>
+    <p:spTree>
+      <p:nvGrpSpPr>
+        <p:cNvPr id="1" name=""/>
+        <p:cNvGrpSpPr/>
+        <p:nvPr/>
+      </p:nvGrpSpPr>
+      <p:grpSpPr>
+        <a:xfrm>
+          <a:off x="0" y="0"/>
+          <a:ext cx="0" cy="0"/>
+          <a:chOff x="0" y="0"/>
+          <a:chExt cx="0" cy="0"/>
+        </a:xfrm>
+      </p:grpSpPr>
+      <p:sp>
+        <p:nvSpPr>
+          <p:cNvPr id="2" name="Title 1">
+            <a:extLst>
+              <a:ext uri="{FF2B5EF4-FFF2-40B4-BE49-F238E27FC236}">
+                <a16:creationId xmlns:a16="http://schemas.microsoft.com/office/drawing/2014/main" id="{7CAAAF9C-27E0-244F-889B-A05AC980F558}"/>
+              </a:ext>
+            </a:extLst>
+          </p:cNvPr>
+          <p:cNvSpPr>
+            <a:spLocks noGrp="1"/>
+          </p:cNvSpPr>
+          <p:nvPr>
+            <p:ph type="title"/>
+          </p:nvPr>
+        </p:nvSpPr>
+        <p:spPr/>
+        <p:txBody>
+          <a:bodyPr/>
+          <a:lstStyle/>
+          <a:p>
+            <a:r>
+              <a:rPr lang="en-US" dirty="0"/>
+              <a:t>Feature Map Reductions</a:t>
+            </a:r>
+          </a:p>
+        </p:txBody>
+      </p:sp>
+      <p:pic>
+        <p:nvPicPr>
+          <p:cNvPr id="13" name="Picture 12">
+            <a:extLst>
+              <a:ext uri="{FF2B5EF4-FFF2-40B4-BE49-F238E27FC236}">
+                <a16:creationId xmlns:a16="http://schemas.microsoft.com/office/drawing/2014/main" id="{4CB0E378-3BC7-0A41-812F-54ABF8687740}"/>
+              </a:ext>
+            </a:extLst>
+          </p:cNvPr>
+          <p:cNvPicPr>
+            <a:picLocks noChangeAspect="1"/>
+          </p:cNvPicPr>
+          <p:nvPr/>
+        </p:nvPicPr>
+        <p:blipFill>
+          <a:blip r:embed="rId2"/>
+          <a:stretch>
+            <a:fillRect/>
+          </a:stretch>
+        </p:blipFill>
+        <p:spPr>
+          <a:xfrm>
+            <a:off x="338667" y="1690688"/>
+            <a:ext cx="5249333" cy="3400976"/>
+          </a:xfrm>
+          <a:prstGeom prst="rect">
+            <a:avLst/>
+          </a:prstGeom>
+        </p:spPr>
+      </p:pic>
+      <p:pic>
+        <p:nvPicPr>
+          <p:cNvPr id="18" name="Picture 17">
+            <a:extLst>
+              <a:ext uri="{FF2B5EF4-FFF2-40B4-BE49-F238E27FC236}">
+                <a16:creationId xmlns:a16="http://schemas.microsoft.com/office/drawing/2014/main" id="{AE0639ED-D552-D24B-8B94-742D8DA2F700}"/>
+              </a:ext>
+            </a:extLst>
+          </p:cNvPr>
+          <p:cNvPicPr/>
+          <p:nvPr/>
+        </p:nvPicPr>
+        <p:blipFill>
+          <a:blip r:embed="rId3"/>
+          <a:stretch>
+            <a:fillRect/>
+          </a:stretch>
+        </p:blipFill>
+        <p:spPr>
+          <a:xfrm>
+            <a:off x="5909733" y="1690688"/>
+            <a:ext cx="5943600" cy="3850640"/>
+          </a:xfrm>
+          <a:prstGeom prst="rect">
+            <a:avLst/>
+          </a:prstGeom>
+        </p:spPr>
+      </p:pic>
+    </p:spTree>
+    <p:extLst>
+      <p:ext uri="{BB962C8B-B14F-4D97-AF65-F5344CB8AC3E}">
+        <p14:creationId xmlns:p14="http://schemas.microsoft.com/office/powerpoint/2010/main" val="3530723081"/>
+      </p:ext>
+    </p:extLst>
+  </p:cSld>
+  <p:clrMapOvr>
+    <a:masterClrMapping/>
+  </p:clrMapOvr>
+</p:sld>
+</file>
+
 <file path=ppt/slides/slide2.xml><?xml version="1.0" encoding="utf-8"?>
 <p:sld xmlns:a="http://schemas.openxmlformats.org/drawingml/2006/main" xmlns:r="http://schemas.openxmlformats.org/officeDocument/2006/relationships" xmlns:p="http://schemas.openxmlformats.org/presentationml/2006/main">
   <p:cSld>
@@ -3812,6 +8263,1124 @@
     <p:extLst>
       <p:ext uri="{BB962C8B-B14F-4D97-AF65-F5344CB8AC3E}">
         <p14:creationId xmlns:p14="http://schemas.microsoft.com/office/powerpoint/2010/main" val="1363068846"/>
+      </p:ext>
+    </p:extLst>
+  </p:cSld>
+  <p:clrMapOvr>
+    <a:masterClrMapping/>
+  </p:clrMapOvr>
+</p:sld>
+</file>
+
+<file path=ppt/slides/slide20.xml><?xml version="1.0" encoding="utf-8"?>
+<p:sld xmlns:a="http://schemas.openxmlformats.org/drawingml/2006/main" xmlns:r="http://schemas.openxmlformats.org/officeDocument/2006/relationships" xmlns:p="http://schemas.openxmlformats.org/presentationml/2006/main">
+  <p:cSld>
+    <p:spTree>
+      <p:nvGrpSpPr>
+        <p:cNvPr id="1" name=""/>
+        <p:cNvGrpSpPr/>
+        <p:nvPr/>
+      </p:nvGrpSpPr>
+      <p:grpSpPr>
+        <a:xfrm>
+          <a:off x="0" y="0"/>
+          <a:ext cx="0" cy="0"/>
+          <a:chOff x="0" y="0"/>
+          <a:chExt cx="0" cy="0"/>
+        </a:xfrm>
+      </p:grpSpPr>
+      <p:sp>
+        <p:nvSpPr>
+          <p:cNvPr id="2" name="Title 1">
+            <a:extLst>
+              <a:ext uri="{FF2B5EF4-FFF2-40B4-BE49-F238E27FC236}">
+                <a16:creationId xmlns:a16="http://schemas.microsoft.com/office/drawing/2014/main" id="{65BB6501-D5D9-AD46-945E-1E235148627D}"/>
+              </a:ext>
+            </a:extLst>
+          </p:cNvPr>
+          <p:cNvSpPr>
+            <a:spLocks noGrp="1"/>
+          </p:cNvSpPr>
+          <p:nvPr>
+            <p:ph type="title"/>
+          </p:nvPr>
+        </p:nvSpPr>
+        <p:spPr/>
+        <p:txBody>
+          <a:bodyPr/>
+          <a:lstStyle/>
+          <a:p>
+            <a:r>
+              <a:rPr lang="en-US" dirty="0"/>
+              <a:t>Key Pixel Identification</a:t>
+            </a:r>
+          </a:p>
+        </p:txBody>
+      </p:sp>
+      <p:pic>
+        <p:nvPicPr>
+          <p:cNvPr id="5" name="Content Placeholder 4">
+            <a:extLst>
+              <a:ext uri="{FF2B5EF4-FFF2-40B4-BE49-F238E27FC236}">
+                <a16:creationId xmlns:a16="http://schemas.microsoft.com/office/drawing/2014/main" id="{70D61EF8-CD46-6B49-9A48-E9EE690F8A8D}"/>
+              </a:ext>
+            </a:extLst>
+          </p:cNvPr>
+          <p:cNvPicPr>
+            <a:picLocks noGrp="1" noChangeAspect="1"/>
+          </p:cNvPicPr>
+          <p:nvPr>
+            <p:ph idx="1"/>
+          </p:nvPr>
+        </p:nvPicPr>
+        <p:blipFill>
+          <a:blip r:embed="rId2"/>
+          <a:stretch>
+            <a:fillRect/>
+          </a:stretch>
+        </p:blipFill>
+        <p:spPr>
+          <a:xfrm>
+            <a:off x="1075267" y="2034910"/>
+            <a:ext cx="4021666" cy="3894219"/>
+          </a:xfrm>
+        </p:spPr>
+      </p:pic>
+      <p:pic>
+        <p:nvPicPr>
+          <p:cNvPr id="7" name="Picture 6">
+            <a:extLst>
+              <a:ext uri="{FF2B5EF4-FFF2-40B4-BE49-F238E27FC236}">
+                <a16:creationId xmlns:a16="http://schemas.microsoft.com/office/drawing/2014/main" id="{7E15718E-56E0-6F4E-9896-9607F4913551}"/>
+              </a:ext>
+            </a:extLst>
+          </p:cNvPr>
+          <p:cNvPicPr>
+            <a:picLocks noChangeAspect="1"/>
+          </p:cNvPicPr>
+          <p:nvPr/>
+        </p:nvPicPr>
+        <p:blipFill>
+          <a:blip r:embed="rId3"/>
+          <a:stretch>
+            <a:fillRect/>
+          </a:stretch>
+        </p:blipFill>
+        <p:spPr>
+          <a:xfrm>
+            <a:off x="5604933" y="2034911"/>
+            <a:ext cx="5283200" cy="3999089"/>
+          </a:xfrm>
+          <a:prstGeom prst="rect">
+            <a:avLst/>
+          </a:prstGeom>
+        </p:spPr>
+      </p:pic>
+    </p:spTree>
+    <p:extLst>
+      <p:ext uri="{BB962C8B-B14F-4D97-AF65-F5344CB8AC3E}">
+        <p14:creationId xmlns:p14="http://schemas.microsoft.com/office/powerpoint/2010/main" val="3878659453"/>
+      </p:ext>
+    </p:extLst>
+  </p:cSld>
+  <p:clrMapOvr>
+    <a:masterClrMapping/>
+  </p:clrMapOvr>
+</p:sld>
+</file>
+
+<file path=ppt/slides/slide21.xml><?xml version="1.0" encoding="utf-8"?>
+<p:sld xmlns:a="http://schemas.openxmlformats.org/drawingml/2006/main" xmlns:r="http://schemas.openxmlformats.org/officeDocument/2006/relationships" xmlns:p="http://schemas.openxmlformats.org/presentationml/2006/main">
+  <p:cSld>
+    <p:spTree>
+      <p:nvGrpSpPr>
+        <p:cNvPr id="1" name=""/>
+        <p:cNvGrpSpPr/>
+        <p:nvPr/>
+      </p:nvGrpSpPr>
+      <p:grpSpPr>
+        <a:xfrm>
+          <a:off x="0" y="0"/>
+          <a:ext cx="0" cy="0"/>
+          <a:chOff x="0" y="0"/>
+          <a:chExt cx="0" cy="0"/>
+        </a:xfrm>
+      </p:grpSpPr>
+      <p:sp>
+        <p:nvSpPr>
+          <p:cNvPr id="2" name="Title 1">
+            <a:extLst>
+              <a:ext uri="{FF2B5EF4-FFF2-40B4-BE49-F238E27FC236}">
+                <a16:creationId xmlns:a16="http://schemas.microsoft.com/office/drawing/2014/main" id="{63E95438-8E5F-C049-8593-98F05D312B82}"/>
+              </a:ext>
+            </a:extLst>
+          </p:cNvPr>
+          <p:cNvSpPr>
+            <a:spLocks noGrp="1"/>
+          </p:cNvSpPr>
+          <p:nvPr>
+            <p:ph type="title"/>
+          </p:nvPr>
+        </p:nvSpPr>
+        <p:spPr/>
+        <p:txBody>
+          <a:bodyPr/>
+          <a:lstStyle/>
+          <a:p>
+            <a:r>
+              <a:rPr lang="en-US" dirty="0"/>
+              <a:t>Network to Generate an Image</a:t>
+            </a:r>
+          </a:p>
+        </p:txBody>
+      </p:sp>
+      <p:sp>
+        <p:nvSpPr>
+          <p:cNvPr id="3" name="Content Placeholder 2">
+            <a:extLst>
+              <a:ext uri="{FF2B5EF4-FFF2-40B4-BE49-F238E27FC236}">
+                <a16:creationId xmlns:a16="http://schemas.microsoft.com/office/drawing/2014/main" id="{6890DD64-506F-7D46-AA35-9B4865CAF647}"/>
+              </a:ext>
+            </a:extLst>
+          </p:cNvPr>
+          <p:cNvSpPr>
+            <a:spLocks noGrp="1"/>
+          </p:cNvSpPr>
+          <p:nvPr>
+            <p:ph idx="1"/>
+          </p:nvPr>
+        </p:nvSpPr>
+        <p:spPr/>
+        <p:txBody>
+          <a:bodyPr/>
+          <a:lstStyle/>
+          <a:p>
+            <a:r>
+              <a:rPr lang="en-US" dirty="0"/>
+              <a:t>Based on a paper about image infill after removing overlays:</a:t>
+            </a:r>
+          </a:p>
+          <a:p>
+            <a:pPr marL="0" indent="0">
+              <a:buNone/>
+            </a:pPr>
+            <a:endParaRPr lang="en-US" dirty="0"/>
+          </a:p>
+          <a:p>
+            <a:pPr marL="0" indent="0">
+              <a:buNone/>
+            </a:pPr>
+            <a:r>
+              <a:rPr lang="en-US" dirty="0" err="1"/>
+              <a:t>Alilou</a:t>
+            </a:r>
+            <a:r>
+              <a:rPr lang="en-US" dirty="0"/>
+              <a:t>, V., &amp; </a:t>
+            </a:r>
+            <a:r>
+              <a:rPr lang="en-US" dirty="0" err="1"/>
+              <a:t>Yaghmaee</a:t>
+            </a:r>
+            <a:r>
+              <a:rPr lang="en-US" dirty="0"/>
+              <a:t>, F. (2015). Application of GRNN neural network in non-texture image inpainting and restoration. </a:t>
+            </a:r>
+            <a:r>
+              <a:rPr lang="en-US" i="1" dirty="0"/>
+              <a:t>Pattern Recognition Letters</a:t>
+            </a:r>
+            <a:r>
+              <a:rPr lang="en-US" dirty="0"/>
+              <a:t>, 24-31.</a:t>
+            </a:r>
+          </a:p>
+          <a:p>
+            <a:endParaRPr lang="en-US" dirty="0"/>
+          </a:p>
+        </p:txBody>
+      </p:sp>
+    </p:spTree>
+    <p:extLst>
+      <p:ext uri="{BB962C8B-B14F-4D97-AF65-F5344CB8AC3E}">
+        <p14:creationId xmlns:p14="http://schemas.microsoft.com/office/powerpoint/2010/main" val="1446819162"/>
+      </p:ext>
+    </p:extLst>
+  </p:cSld>
+  <p:clrMapOvr>
+    <a:masterClrMapping/>
+  </p:clrMapOvr>
+</p:sld>
+</file>
+
+<file path=ppt/slides/slide22.xml><?xml version="1.0" encoding="utf-8"?>
+<p:sld xmlns:a="http://schemas.openxmlformats.org/drawingml/2006/main" xmlns:r="http://schemas.openxmlformats.org/officeDocument/2006/relationships" xmlns:p="http://schemas.openxmlformats.org/presentationml/2006/main">
+  <p:cSld>
+    <p:spTree>
+      <p:nvGrpSpPr>
+        <p:cNvPr id="1" name=""/>
+        <p:cNvGrpSpPr/>
+        <p:nvPr/>
+      </p:nvGrpSpPr>
+      <p:grpSpPr>
+        <a:xfrm>
+          <a:off x="0" y="0"/>
+          <a:ext cx="0" cy="0"/>
+          <a:chOff x="0" y="0"/>
+          <a:chExt cx="0" cy="0"/>
+        </a:xfrm>
+      </p:grpSpPr>
+      <p:sp>
+        <p:nvSpPr>
+          <p:cNvPr id="2" name="Title 1">
+            <a:extLst>
+              <a:ext uri="{FF2B5EF4-FFF2-40B4-BE49-F238E27FC236}">
+                <a16:creationId xmlns:a16="http://schemas.microsoft.com/office/drawing/2014/main" id="{53A5DEDD-50B1-C94B-AE7B-A42D6790E7E7}"/>
+              </a:ext>
+            </a:extLst>
+          </p:cNvPr>
+          <p:cNvSpPr>
+            <a:spLocks noGrp="1"/>
+          </p:cNvSpPr>
+          <p:nvPr>
+            <p:ph type="title"/>
+          </p:nvPr>
+        </p:nvSpPr>
+        <p:spPr/>
+        <p:txBody>
+          <a:bodyPr/>
+          <a:lstStyle/>
+          <a:p>
+            <a:r>
+              <a:rPr lang="en-US" dirty="0"/>
+              <a:t>Architecture</a:t>
+            </a:r>
+          </a:p>
+        </p:txBody>
+      </p:sp>
+      <p:pic>
+        <p:nvPicPr>
+          <p:cNvPr id="4" name="Content Placeholder 3">
+            <a:extLst>
+              <a:ext uri="{FF2B5EF4-FFF2-40B4-BE49-F238E27FC236}">
+                <a16:creationId xmlns:a16="http://schemas.microsoft.com/office/drawing/2014/main" id="{97D59F66-9598-DC4E-8F22-1151FB496AC8}"/>
+              </a:ext>
+            </a:extLst>
+          </p:cNvPr>
+          <p:cNvPicPr>
+            <a:picLocks noGrp="1"/>
+          </p:cNvPicPr>
+          <p:nvPr>
+            <p:ph idx="1"/>
+          </p:nvPr>
+        </p:nvPicPr>
+        <p:blipFill>
+          <a:blip r:embed="rId2"/>
+          <a:stretch>
+            <a:fillRect/>
+          </a:stretch>
+        </p:blipFill>
+        <p:spPr>
+          <a:xfrm>
+            <a:off x="4762500" y="1027906"/>
+            <a:ext cx="7035800" cy="4051300"/>
+          </a:xfrm>
+          <a:prstGeom prst="rect">
+            <a:avLst/>
+          </a:prstGeom>
+        </p:spPr>
+      </p:pic>
+      <p:sp>
+        <p:nvSpPr>
+          <p:cNvPr id="5" name="TextBox 4">
+            <a:extLst>
+              <a:ext uri="{FF2B5EF4-FFF2-40B4-BE49-F238E27FC236}">
+                <a16:creationId xmlns:a16="http://schemas.microsoft.com/office/drawing/2014/main" id="{944109EE-F01B-714D-ADAA-E44D47CC0E49}"/>
+              </a:ext>
+            </a:extLst>
+          </p:cNvPr>
+          <p:cNvSpPr txBox="1"/>
+          <p:nvPr/>
+        </p:nvSpPr>
+        <p:spPr>
+          <a:xfrm>
+            <a:off x="886883" y="1690688"/>
+            <a:ext cx="3160184" cy="3970318"/>
+          </a:xfrm>
+          <a:prstGeom prst="rect">
+            <a:avLst/>
+          </a:prstGeom>
+          <a:noFill/>
+        </p:spPr>
+        <p:txBody>
+          <a:bodyPr wrap="square" rtlCol="0">
+            <a:spAutoFit/>
+          </a:bodyPr>
+          <a:lstStyle/>
+          <a:p>
+            <a:pPr marL="285750" indent="-285750">
+              <a:buFont typeface="Arial" panose="020B0604020202020204" pitchFamily="34" charset="0"/>
+              <a:buChar char="•"/>
+            </a:pPr>
+            <a:r>
+              <a:rPr lang="en-US" dirty="0"/>
+              <a:t>Input: </a:t>
+            </a:r>
+            <a:r>
+              <a:rPr lang="en-US" dirty="0" err="1"/>
+              <a:t>x,y</a:t>
+            </a:r>
+            <a:r>
+              <a:rPr lang="en-US" dirty="0"/>
+              <a:t> co-ordinate</a:t>
+            </a:r>
+          </a:p>
+          <a:p>
+            <a:pPr marL="285750" indent="-285750">
+              <a:buFont typeface="Arial" panose="020B0604020202020204" pitchFamily="34" charset="0"/>
+              <a:buChar char="•"/>
+            </a:pPr>
+            <a:r>
+              <a:rPr lang="en-US" dirty="0"/>
+              <a:t>Output: Pixel value ( range[0..1])</a:t>
+            </a:r>
+          </a:p>
+          <a:p>
+            <a:pPr marL="285750" indent="-285750">
+              <a:buFont typeface="Arial" panose="020B0604020202020204" pitchFamily="34" charset="0"/>
+              <a:buChar char="•"/>
+            </a:pPr>
+            <a:r>
+              <a:rPr lang="en-US" dirty="0"/>
+              <a:t>Pattern layer outputs distance from input X to every node to itself</a:t>
+            </a:r>
+          </a:p>
+          <a:p>
+            <a:pPr marL="285750" indent="-285750">
+              <a:buFont typeface="Arial" panose="020B0604020202020204" pitchFamily="34" charset="0"/>
+              <a:buChar char="•"/>
+            </a:pPr>
+            <a:r>
+              <a:rPr lang="en-US" dirty="0"/>
+              <a:t>Weights between pattern layer nodes and top summation layer are learned</a:t>
+            </a:r>
+          </a:p>
+          <a:p>
+            <a:pPr marL="285750" indent="-285750">
+              <a:buFont typeface="Arial" panose="020B0604020202020204" pitchFamily="34" charset="0"/>
+              <a:buChar char="•"/>
+            </a:pPr>
+            <a:r>
+              <a:rPr lang="en-US" dirty="0"/>
+              <a:t>Weights to bottom note in summation layer always 1</a:t>
+            </a:r>
+          </a:p>
+          <a:p>
+            <a:pPr marL="285750" indent="-285750">
+              <a:buFont typeface="Arial" panose="020B0604020202020204" pitchFamily="34" charset="0"/>
+              <a:buChar char="•"/>
+            </a:pPr>
+            <a:r>
+              <a:rPr lang="en-US" dirty="0"/>
+              <a:t>Output layer transfer function is a radial basis function</a:t>
+            </a:r>
+          </a:p>
+        </p:txBody>
+      </p:sp>
+    </p:spTree>
+    <p:extLst>
+      <p:ext uri="{BB962C8B-B14F-4D97-AF65-F5344CB8AC3E}">
+        <p14:creationId xmlns:p14="http://schemas.microsoft.com/office/powerpoint/2010/main" val="946931493"/>
+      </p:ext>
+    </p:extLst>
+  </p:cSld>
+  <p:clrMapOvr>
+    <a:masterClrMapping/>
+  </p:clrMapOvr>
+</p:sld>
+</file>
+
+<file path=ppt/slides/slide23.xml><?xml version="1.0" encoding="utf-8"?>
+<p:sld xmlns:a="http://schemas.openxmlformats.org/drawingml/2006/main" xmlns:r="http://schemas.openxmlformats.org/officeDocument/2006/relationships" xmlns:p="http://schemas.openxmlformats.org/presentationml/2006/main">
+  <p:cSld>
+    <p:spTree>
+      <p:nvGrpSpPr>
+        <p:cNvPr id="1" name=""/>
+        <p:cNvGrpSpPr/>
+        <p:nvPr/>
+      </p:nvGrpSpPr>
+      <p:grpSpPr>
+        <a:xfrm>
+          <a:off x="0" y="0"/>
+          <a:ext cx="0" cy="0"/>
+          <a:chOff x="0" y="0"/>
+          <a:chExt cx="0" cy="0"/>
+        </a:xfrm>
+      </p:grpSpPr>
+      <p:sp>
+        <p:nvSpPr>
+          <p:cNvPr id="2" name="Title 1">
+            <a:extLst>
+              <a:ext uri="{FF2B5EF4-FFF2-40B4-BE49-F238E27FC236}">
+                <a16:creationId xmlns:a16="http://schemas.microsoft.com/office/drawing/2014/main" id="{782CFD0D-2602-0145-96F3-05EBC0B34089}"/>
+              </a:ext>
+            </a:extLst>
+          </p:cNvPr>
+          <p:cNvSpPr>
+            <a:spLocks noGrp="1"/>
+          </p:cNvSpPr>
+          <p:nvPr>
+            <p:ph type="title"/>
+          </p:nvPr>
+        </p:nvSpPr>
+        <p:spPr/>
+        <p:txBody>
+          <a:bodyPr/>
+          <a:lstStyle/>
+          <a:p>
+            <a:r>
+              <a:rPr lang="en-US" dirty="0"/>
+              <a:t>Radial Basis Function for summation and output layers</a:t>
+            </a:r>
+          </a:p>
+        </p:txBody>
+      </p:sp>
+      <p:pic>
+        <p:nvPicPr>
+          <p:cNvPr id="4" name="Content Placeholder 3">
+            <a:extLst>
+              <a:ext uri="{FF2B5EF4-FFF2-40B4-BE49-F238E27FC236}">
+                <a16:creationId xmlns:a16="http://schemas.microsoft.com/office/drawing/2014/main" id="{601E3707-DE87-8A4A-AC2D-917B568CA3DE}"/>
+              </a:ext>
+            </a:extLst>
+          </p:cNvPr>
+          <p:cNvPicPr>
+            <a:picLocks noGrp="1"/>
+          </p:cNvPicPr>
+          <p:nvPr>
+            <p:ph idx="1"/>
+          </p:nvPr>
+        </p:nvPicPr>
+        <p:blipFill>
+          <a:blip r:embed="rId2"/>
+          <a:stretch>
+            <a:fillRect/>
+          </a:stretch>
+        </p:blipFill>
+        <p:spPr>
+          <a:xfrm>
+            <a:off x="4150783" y="1965060"/>
+            <a:ext cx="4330700" cy="1600200"/>
+          </a:xfrm>
+          <a:prstGeom prst="rect">
+            <a:avLst/>
+          </a:prstGeom>
+        </p:spPr>
+      </p:pic>
+      <p:sp>
+        <p:nvSpPr>
+          <p:cNvPr id="5" name="TextBox 4">
+            <a:extLst>
+              <a:ext uri="{FF2B5EF4-FFF2-40B4-BE49-F238E27FC236}">
+                <a16:creationId xmlns:a16="http://schemas.microsoft.com/office/drawing/2014/main" id="{7A05FD09-EB5D-8E49-B258-2635B016C5F7}"/>
+              </a:ext>
+            </a:extLst>
+          </p:cNvPr>
+          <p:cNvSpPr txBox="1"/>
+          <p:nvPr/>
+        </p:nvSpPr>
+        <p:spPr>
+          <a:xfrm>
+            <a:off x="1086566" y="3938508"/>
+            <a:ext cx="9284985" cy="1323439"/>
+          </a:xfrm>
+          <a:prstGeom prst="rect">
+            <a:avLst/>
+          </a:prstGeom>
+          <a:noFill/>
+        </p:spPr>
+        <p:txBody>
+          <a:bodyPr wrap="square" rtlCol="0">
+            <a:spAutoFit/>
+          </a:bodyPr>
+          <a:lstStyle/>
+          <a:p>
+            <a:pPr marL="285750" indent="-285750">
+              <a:buFont typeface="Arial" panose="020B0604020202020204" pitchFamily="34" charset="0"/>
+              <a:buChar char="•"/>
+            </a:pPr>
+            <a:r>
+              <a:rPr lang="en-US" sz="2000" dirty="0" err="1"/>
+              <a:t>Gaussain</a:t>
+            </a:r>
+            <a:r>
+              <a:rPr lang="en-US" sz="2000" dirty="0"/>
+              <a:t>: Nearby pattern nodes have greater influence than distant one on predicted X</a:t>
+            </a:r>
+          </a:p>
+          <a:p>
+            <a:pPr marL="285750" indent="-285750">
+              <a:buFont typeface="Arial" panose="020B0604020202020204" pitchFamily="34" charset="0"/>
+              <a:buChar char="•"/>
+            </a:pPr>
+            <a:r>
+              <a:rPr lang="en-US" sz="2000" dirty="0"/>
+              <a:t>Sigma – “spread” or “bias: determines how quickly the influence of a pattern node diminishes with distance</a:t>
+            </a:r>
+          </a:p>
+        </p:txBody>
+      </p:sp>
+    </p:spTree>
+    <p:extLst>
+      <p:ext uri="{BB962C8B-B14F-4D97-AF65-F5344CB8AC3E}">
+        <p14:creationId xmlns:p14="http://schemas.microsoft.com/office/powerpoint/2010/main" val="471296433"/>
+      </p:ext>
+    </p:extLst>
+  </p:cSld>
+  <p:clrMapOvr>
+    <a:masterClrMapping/>
+  </p:clrMapOvr>
+</p:sld>
+</file>
+
+<file path=ppt/slides/slide24.xml><?xml version="1.0" encoding="utf-8"?>
+<p:sld xmlns:a="http://schemas.openxmlformats.org/drawingml/2006/main" xmlns:r="http://schemas.openxmlformats.org/officeDocument/2006/relationships" xmlns:p="http://schemas.openxmlformats.org/presentationml/2006/main">
+  <p:cSld>
+    <p:spTree>
+      <p:nvGrpSpPr>
+        <p:cNvPr id="1" name=""/>
+        <p:cNvGrpSpPr/>
+        <p:nvPr/>
+      </p:nvGrpSpPr>
+      <p:grpSpPr>
+        <a:xfrm>
+          <a:off x="0" y="0"/>
+          <a:ext cx="0" cy="0"/>
+          <a:chOff x="0" y="0"/>
+          <a:chExt cx="0" cy="0"/>
+        </a:xfrm>
+      </p:grpSpPr>
+      <p:sp>
+        <p:nvSpPr>
+          <p:cNvPr id="2" name="Title 1">
+            <a:extLst>
+              <a:ext uri="{FF2B5EF4-FFF2-40B4-BE49-F238E27FC236}">
+                <a16:creationId xmlns:a16="http://schemas.microsoft.com/office/drawing/2014/main" id="{1C2E432F-2F47-5D4C-AE0F-0CCE94553434}"/>
+              </a:ext>
+            </a:extLst>
+          </p:cNvPr>
+          <p:cNvSpPr>
+            <a:spLocks noGrp="1"/>
+          </p:cNvSpPr>
+          <p:nvPr>
+            <p:ph type="title"/>
+          </p:nvPr>
+        </p:nvSpPr>
+        <p:spPr/>
+        <p:txBody>
+          <a:bodyPr/>
+          <a:lstStyle/>
+          <a:p>
+            <a:r>
+              <a:rPr lang="en-US" dirty="0" err="1"/>
+              <a:t>PyTorch</a:t>
+            </a:r>
+            <a:r>
+              <a:rPr lang="en-US" dirty="0"/>
+              <a:t> Module (excerpt)</a:t>
+            </a:r>
+          </a:p>
+        </p:txBody>
+      </p:sp>
+      <p:pic>
+        <p:nvPicPr>
+          <p:cNvPr id="9" name="Picture 8">
+            <a:extLst>
+              <a:ext uri="{FF2B5EF4-FFF2-40B4-BE49-F238E27FC236}">
+                <a16:creationId xmlns:a16="http://schemas.microsoft.com/office/drawing/2014/main" id="{B09726FE-CA81-DB4E-BAFB-F5220304F6EF}"/>
+              </a:ext>
+            </a:extLst>
+          </p:cNvPr>
+          <p:cNvPicPr>
+            <a:picLocks noChangeAspect="1"/>
+          </p:cNvPicPr>
+          <p:nvPr/>
+        </p:nvPicPr>
+        <p:blipFill>
+          <a:blip r:embed="rId2"/>
+          <a:stretch>
+            <a:fillRect/>
+          </a:stretch>
+        </p:blipFill>
+        <p:spPr>
+          <a:xfrm>
+            <a:off x="410634" y="1889655"/>
+            <a:ext cx="11099800" cy="4508500"/>
+          </a:xfrm>
+          <a:prstGeom prst="rect">
+            <a:avLst/>
+          </a:prstGeom>
+        </p:spPr>
+      </p:pic>
+    </p:spTree>
+    <p:extLst>
+      <p:ext uri="{BB962C8B-B14F-4D97-AF65-F5344CB8AC3E}">
+        <p14:creationId xmlns:p14="http://schemas.microsoft.com/office/powerpoint/2010/main" val="185467372"/>
+      </p:ext>
+    </p:extLst>
+  </p:cSld>
+  <p:clrMapOvr>
+    <a:masterClrMapping/>
+  </p:clrMapOvr>
+</p:sld>
+</file>
+
+<file path=ppt/slides/slide25.xml><?xml version="1.0" encoding="utf-8"?>
+<p:sld xmlns:a="http://schemas.openxmlformats.org/drawingml/2006/main" xmlns:r="http://schemas.openxmlformats.org/officeDocument/2006/relationships" xmlns:p="http://schemas.openxmlformats.org/presentationml/2006/main">
+  <p:cSld>
+    <p:spTree>
+      <p:nvGrpSpPr>
+        <p:cNvPr id="1" name=""/>
+        <p:cNvGrpSpPr/>
+        <p:nvPr/>
+      </p:nvGrpSpPr>
+      <p:grpSpPr>
+        <a:xfrm>
+          <a:off x="0" y="0"/>
+          <a:ext cx="0" cy="0"/>
+          <a:chOff x="0" y="0"/>
+          <a:chExt cx="0" cy="0"/>
+        </a:xfrm>
+      </p:grpSpPr>
+      <p:sp>
+        <p:nvSpPr>
+          <p:cNvPr id="2" name="Title 1">
+            <a:extLst>
+              <a:ext uri="{FF2B5EF4-FFF2-40B4-BE49-F238E27FC236}">
+                <a16:creationId xmlns:a16="http://schemas.microsoft.com/office/drawing/2014/main" id="{8A0E9C1A-E11F-FD49-B8D4-02F5D5708A49}"/>
+              </a:ext>
+            </a:extLst>
+          </p:cNvPr>
+          <p:cNvSpPr>
+            <a:spLocks noGrp="1"/>
+          </p:cNvSpPr>
+          <p:nvPr>
+            <p:ph type="title"/>
+          </p:nvPr>
+        </p:nvSpPr>
+        <p:spPr>
+          <a:xfrm>
+            <a:off x="838200" y="365126"/>
+            <a:ext cx="10515600" cy="769408"/>
+          </a:xfrm>
+        </p:spPr>
+        <p:txBody>
+          <a:bodyPr/>
+          <a:lstStyle/>
+          <a:p>
+            <a:r>
+              <a:rPr lang="en-US" dirty="0"/>
+              <a:t>Results</a:t>
+            </a:r>
+          </a:p>
+        </p:txBody>
+      </p:sp>
+      <p:pic>
+        <p:nvPicPr>
+          <p:cNvPr id="5" name="Content Placeholder 4">
+            <a:extLst>
+              <a:ext uri="{FF2B5EF4-FFF2-40B4-BE49-F238E27FC236}">
+                <a16:creationId xmlns:a16="http://schemas.microsoft.com/office/drawing/2014/main" id="{8BBBCD2A-667E-1E48-9D01-669CEA0516C4}"/>
+              </a:ext>
+            </a:extLst>
+          </p:cNvPr>
+          <p:cNvPicPr>
+            <a:picLocks noGrp="1" noChangeAspect="1"/>
+          </p:cNvPicPr>
+          <p:nvPr>
+            <p:ph idx="1"/>
+          </p:nvPr>
+        </p:nvPicPr>
+        <p:blipFill>
+          <a:blip r:embed="rId2"/>
+          <a:stretch>
+            <a:fillRect/>
+          </a:stretch>
+        </p:blipFill>
+        <p:spPr>
+          <a:xfrm>
+            <a:off x="330728" y="1486958"/>
+            <a:ext cx="5366338" cy="4050242"/>
+          </a:xfrm>
+        </p:spPr>
+      </p:pic>
+      <p:pic>
+        <p:nvPicPr>
+          <p:cNvPr id="7" name="Picture 6">
+            <a:extLst>
+              <a:ext uri="{FF2B5EF4-FFF2-40B4-BE49-F238E27FC236}">
+                <a16:creationId xmlns:a16="http://schemas.microsoft.com/office/drawing/2014/main" id="{E63F8D9C-898F-EF4F-8D48-F31AB641CDC3}"/>
+              </a:ext>
+            </a:extLst>
+          </p:cNvPr>
+          <p:cNvPicPr>
+            <a:picLocks noChangeAspect="1"/>
+          </p:cNvPicPr>
+          <p:nvPr/>
+        </p:nvPicPr>
+        <p:blipFill>
+          <a:blip r:embed="rId3"/>
+          <a:stretch>
+            <a:fillRect/>
+          </a:stretch>
+        </p:blipFill>
+        <p:spPr>
+          <a:xfrm>
+            <a:off x="5904736" y="1486958"/>
+            <a:ext cx="6103114" cy="4195232"/>
+          </a:xfrm>
+          <a:prstGeom prst="rect">
+            <a:avLst/>
+          </a:prstGeom>
+        </p:spPr>
+      </p:pic>
+    </p:spTree>
+    <p:extLst>
+      <p:ext uri="{BB962C8B-B14F-4D97-AF65-F5344CB8AC3E}">
+        <p14:creationId xmlns:p14="http://schemas.microsoft.com/office/powerpoint/2010/main" val="2407709130"/>
+      </p:ext>
+    </p:extLst>
+  </p:cSld>
+  <p:clrMapOvr>
+    <a:masterClrMapping/>
+  </p:clrMapOvr>
+</p:sld>
+</file>
+
+<file path=ppt/slides/slide26.xml><?xml version="1.0" encoding="utf-8"?>
+<p:sld xmlns:a="http://schemas.openxmlformats.org/drawingml/2006/main" xmlns:r="http://schemas.openxmlformats.org/officeDocument/2006/relationships" xmlns:p="http://schemas.openxmlformats.org/presentationml/2006/main">
+  <p:cSld>
+    <p:spTree>
+      <p:nvGrpSpPr>
+        <p:cNvPr id="1" name=""/>
+        <p:cNvGrpSpPr/>
+        <p:nvPr/>
+      </p:nvGrpSpPr>
+      <p:grpSpPr>
+        <a:xfrm>
+          <a:off x="0" y="0"/>
+          <a:ext cx="0" cy="0"/>
+          <a:chOff x="0" y="0"/>
+          <a:chExt cx="0" cy="0"/>
+        </a:xfrm>
+      </p:grpSpPr>
+      <p:sp>
+        <p:nvSpPr>
+          <p:cNvPr id="2" name="Title 1">
+            <a:extLst>
+              <a:ext uri="{FF2B5EF4-FFF2-40B4-BE49-F238E27FC236}">
+                <a16:creationId xmlns:a16="http://schemas.microsoft.com/office/drawing/2014/main" id="{797568E7-4771-344E-B98C-929A5CDC2349}"/>
+              </a:ext>
+            </a:extLst>
+          </p:cNvPr>
+          <p:cNvSpPr>
+            <a:spLocks noGrp="1"/>
+          </p:cNvSpPr>
+          <p:nvPr>
+            <p:ph type="title"/>
+          </p:nvPr>
+        </p:nvSpPr>
+        <p:spPr/>
+        <p:txBody>
+          <a:bodyPr/>
+          <a:lstStyle/>
+          <a:p>
+            <a:r>
+              <a:rPr lang="en-US" dirty="0"/>
+              <a:t>Final Results</a:t>
+            </a:r>
+          </a:p>
+        </p:txBody>
+      </p:sp>
+      <p:pic>
+        <p:nvPicPr>
+          <p:cNvPr id="4" name="Content Placeholder 3">
+            <a:extLst>
+              <a:ext uri="{FF2B5EF4-FFF2-40B4-BE49-F238E27FC236}">
+                <a16:creationId xmlns:a16="http://schemas.microsoft.com/office/drawing/2014/main" id="{E579B349-0DEA-F24B-924C-BF72C2770E35}"/>
+              </a:ext>
+            </a:extLst>
+          </p:cNvPr>
+          <p:cNvPicPr>
+            <a:picLocks noGrp="1"/>
+          </p:cNvPicPr>
+          <p:nvPr>
+            <p:ph idx="1"/>
+          </p:nvPr>
+        </p:nvPicPr>
+        <p:blipFill>
+          <a:blip r:embed="rId2"/>
+          <a:stretch>
+            <a:fillRect/>
+          </a:stretch>
+        </p:blipFill>
+        <p:spPr>
+          <a:xfrm>
+            <a:off x="2233083" y="2147888"/>
+            <a:ext cx="7353300" cy="2387600"/>
+          </a:xfrm>
+          <a:prstGeom prst="rect">
+            <a:avLst/>
+          </a:prstGeom>
+        </p:spPr>
+      </p:pic>
+    </p:spTree>
+    <p:extLst>
+      <p:ext uri="{BB962C8B-B14F-4D97-AF65-F5344CB8AC3E}">
+        <p14:creationId xmlns:p14="http://schemas.microsoft.com/office/powerpoint/2010/main" val="2483990678"/>
+      </p:ext>
+    </p:extLst>
+  </p:cSld>
+  <p:clrMapOvr>
+    <a:masterClrMapping/>
+  </p:clrMapOvr>
+</p:sld>
+</file>
+
+<file path=ppt/slides/slide27.xml><?xml version="1.0" encoding="utf-8"?>
+<p:sld xmlns:a="http://schemas.openxmlformats.org/drawingml/2006/main" xmlns:r="http://schemas.openxmlformats.org/officeDocument/2006/relationships" xmlns:p="http://schemas.openxmlformats.org/presentationml/2006/main">
+  <p:cSld>
+    <p:spTree>
+      <p:nvGrpSpPr>
+        <p:cNvPr id="1" name=""/>
+        <p:cNvGrpSpPr/>
+        <p:nvPr/>
+      </p:nvGrpSpPr>
+      <p:grpSpPr>
+        <a:xfrm>
+          <a:off x="0" y="0"/>
+          <a:ext cx="0" cy="0"/>
+          <a:chOff x="0" y="0"/>
+          <a:chExt cx="0" cy="0"/>
+        </a:xfrm>
+      </p:grpSpPr>
+      <p:sp>
+        <p:nvSpPr>
+          <p:cNvPr id="2" name="Title 1">
+            <a:extLst>
+              <a:ext uri="{FF2B5EF4-FFF2-40B4-BE49-F238E27FC236}">
+                <a16:creationId xmlns:a16="http://schemas.microsoft.com/office/drawing/2014/main" id="{E38DC62F-DC61-0746-933C-708CCBFF3393}"/>
+              </a:ext>
+            </a:extLst>
+          </p:cNvPr>
+          <p:cNvSpPr>
+            <a:spLocks noGrp="1"/>
+          </p:cNvSpPr>
+          <p:nvPr>
+            <p:ph type="title"/>
+          </p:nvPr>
+        </p:nvSpPr>
+        <p:spPr/>
+        <p:txBody>
+          <a:bodyPr/>
+          <a:lstStyle/>
+          <a:p>
+            <a:r>
+              <a:rPr lang="en-US" dirty="0"/>
+              <a:t>Hits and Misses</a:t>
+            </a:r>
+          </a:p>
+        </p:txBody>
+      </p:sp>
+      <p:pic>
+        <p:nvPicPr>
+          <p:cNvPr id="4" name="Content Placeholder 3">
+            <a:extLst>
+              <a:ext uri="{FF2B5EF4-FFF2-40B4-BE49-F238E27FC236}">
+                <a16:creationId xmlns:a16="http://schemas.microsoft.com/office/drawing/2014/main" id="{D972E355-C7B6-FE4C-818E-AF6502910D1E}"/>
+              </a:ext>
+            </a:extLst>
+          </p:cNvPr>
+          <p:cNvPicPr>
+            <a:picLocks noGrp="1"/>
+          </p:cNvPicPr>
+          <p:nvPr>
+            <p:ph idx="1"/>
+          </p:nvPr>
+        </p:nvPicPr>
+        <p:blipFill>
+          <a:blip r:embed="rId2"/>
+          <a:stretch>
+            <a:fillRect/>
+          </a:stretch>
+        </p:blipFill>
+        <p:spPr>
+          <a:xfrm>
+            <a:off x="838200" y="1690688"/>
+            <a:ext cx="7353300" cy="2400300"/>
+          </a:xfrm>
+          <a:prstGeom prst="rect">
+            <a:avLst/>
+          </a:prstGeom>
+        </p:spPr>
+      </p:pic>
+      <p:pic>
+        <p:nvPicPr>
+          <p:cNvPr id="5" name="Picture 4">
+            <a:extLst>
+              <a:ext uri="{FF2B5EF4-FFF2-40B4-BE49-F238E27FC236}">
+                <a16:creationId xmlns:a16="http://schemas.microsoft.com/office/drawing/2014/main" id="{F376B4EF-E69D-4549-9469-62038ABEF605}"/>
+              </a:ext>
+            </a:extLst>
+          </p:cNvPr>
+          <p:cNvPicPr/>
+          <p:nvPr/>
+        </p:nvPicPr>
+        <p:blipFill>
+          <a:blip r:embed="rId3"/>
+          <a:stretch>
+            <a:fillRect/>
+          </a:stretch>
+        </p:blipFill>
+        <p:spPr>
+          <a:xfrm>
+            <a:off x="838200" y="4204759"/>
+            <a:ext cx="7353300" cy="2179108"/>
+          </a:xfrm>
+          <a:prstGeom prst="rect">
+            <a:avLst/>
+          </a:prstGeom>
+        </p:spPr>
+      </p:pic>
+    </p:spTree>
+    <p:extLst>
+      <p:ext uri="{BB962C8B-B14F-4D97-AF65-F5344CB8AC3E}">
+        <p14:creationId xmlns:p14="http://schemas.microsoft.com/office/powerpoint/2010/main" val="1537772627"/>
+      </p:ext>
+    </p:extLst>
+  </p:cSld>
+  <p:clrMapOvr>
+    <a:masterClrMapping/>
+  </p:clrMapOvr>
+</p:sld>
+</file>
+
+<file path=ppt/slides/slide28.xml><?xml version="1.0" encoding="utf-8"?>
+<p:sld xmlns:a="http://schemas.openxmlformats.org/drawingml/2006/main" xmlns:r="http://schemas.openxmlformats.org/officeDocument/2006/relationships" xmlns:p="http://schemas.openxmlformats.org/presentationml/2006/main">
+  <p:cSld>
+    <p:spTree>
+      <p:nvGrpSpPr>
+        <p:cNvPr id="1" name=""/>
+        <p:cNvGrpSpPr/>
+        <p:nvPr/>
+      </p:nvGrpSpPr>
+      <p:grpSpPr>
+        <a:xfrm>
+          <a:off x="0" y="0"/>
+          <a:ext cx="0" cy="0"/>
+          <a:chOff x="0" y="0"/>
+          <a:chExt cx="0" cy="0"/>
+        </a:xfrm>
+      </p:grpSpPr>
+      <p:sp>
+        <p:nvSpPr>
+          <p:cNvPr id="2" name="Title 1">
+            <a:extLst>
+              <a:ext uri="{FF2B5EF4-FFF2-40B4-BE49-F238E27FC236}">
+                <a16:creationId xmlns:a16="http://schemas.microsoft.com/office/drawing/2014/main" id="{62C80879-470E-6B41-B515-6ED53DBE904C}"/>
+              </a:ext>
+            </a:extLst>
+          </p:cNvPr>
+          <p:cNvSpPr>
+            <a:spLocks noGrp="1"/>
+          </p:cNvSpPr>
+          <p:nvPr>
+            <p:ph type="title"/>
+          </p:nvPr>
+        </p:nvSpPr>
+        <p:spPr/>
+        <p:txBody>
+          <a:bodyPr/>
+          <a:lstStyle/>
+          <a:p>
+            <a:r>
+              <a:rPr lang="en-US" dirty="0"/>
+              <a:t>Hits and Misses (cont’d)</a:t>
+            </a:r>
+          </a:p>
+        </p:txBody>
+      </p:sp>
+      <p:pic>
+        <p:nvPicPr>
+          <p:cNvPr id="4" name="Content Placeholder 3">
+            <a:extLst>
+              <a:ext uri="{FF2B5EF4-FFF2-40B4-BE49-F238E27FC236}">
+                <a16:creationId xmlns:a16="http://schemas.microsoft.com/office/drawing/2014/main" id="{9B596243-EBF7-9F45-9420-CEB913A70FE0}"/>
+              </a:ext>
+            </a:extLst>
+          </p:cNvPr>
+          <p:cNvPicPr>
+            <a:picLocks noGrp="1"/>
+          </p:cNvPicPr>
+          <p:nvPr>
+            <p:ph idx="1"/>
+          </p:nvPr>
+        </p:nvPicPr>
+        <p:blipFill>
+          <a:blip r:embed="rId2">
+            <a:extLst>
+              <a:ext uri="{28A0092B-C50C-407E-A947-70E740481C1C}">
+                <a14:useLocalDpi xmlns:a14="http://schemas.microsoft.com/office/drawing/2010/main" val="0"/>
+              </a:ext>
+            </a:extLst>
+          </a:blip>
+          <a:stretch>
+            <a:fillRect/>
+          </a:stretch>
+        </p:blipFill>
+        <p:spPr bwMode="auto">
+          <a:xfrm>
+            <a:off x="715434" y="1905794"/>
+            <a:ext cx="5511800" cy="1752600"/>
+          </a:xfrm>
+          <a:prstGeom prst="rect">
+            <a:avLst/>
+          </a:prstGeom>
+          <a:noFill/>
+        </p:spPr>
+      </p:pic>
+      <p:pic>
+        <p:nvPicPr>
+          <p:cNvPr id="5" name="Picture 4">
+            <a:extLst>
+              <a:ext uri="{FF2B5EF4-FFF2-40B4-BE49-F238E27FC236}">
+                <a16:creationId xmlns:a16="http://schemas.microsoft.com/office/drawing/2014/main" id="{422F026D-A58B-9F4A-9D14-19D8440A6C31}"/>
+              </a:ext>
+            </a:extLst>
+          </p:cNvPr>
+          <p:cNvPicPr/>
+          <p:nvPr/>
+        </p:nvPicPr>
+        <p:blipFill>
+          <a:blip r:embed="rId3"/>
+          <a:stretch>
+            <a:fillRect/>
+          </a:stretch>
+        </p:blipFill>
+        <p:spPr>
+          <a:xfrm>
+            <a:off x="2429933" y="3980127"/>
+            <a:ext cx="5943600" cy="1918970"/>
+          </a:xfrm>
+          <a:prstGeom prst="rect">
+            <a:avLst/>
+          </a:prstGeom>
+        </p:spPr>
+      </p:pic>
+    </p:spTree>
+    <p:extLst>
+      <p:ext uri="{BB962C8B-B14F-4D97-AF65-F5344CB8AC3E}">
+        <p14:creationId xmlns:p14="http://schemas.microsoft.com/office/powerpoint/2010/main" val="2624879269"/>
       </p:ext>
     </p:extLst>
   </p:cSld>
@@ -4487,8 +10056,30 @@
         </p:nvSpPr>
         <p:spPr/>
         <p:txBody>
-          <a:bodyPr/>
+          <a:bodyPr>
+            <a:normAutofit fontScale="92500" lnSpcReduction="20000"/>
+          </a:bodyPr>
           <a:lstStyle/>
+          <a:p>
+            <a:r>
+              <a:rPr lang="en-US" dirty="0"/>
+              <a:t>Preprocessing:</a:t>
+            </a:r>
+          </a:p>
+          <a:p>
+            <a:pPr lvl="1"/>
+            <a:r>
+              <a:rPr lang="en-US" dirty="0"/>
+              <a:t>Resize to 40 x 40 </a:t>
+            </a:r>
+          </a:p>
+          <a:p>
+            <a:pPr lvl="1"/>
+            <a:r>
+              <a:rPr lang="en-US" dirty="0"/>
+              <a:t>Grayscale</a:t>
+            </a:r>
+          </a:p>
           <a:p>
             <a:r>
               <a:rPr lang="en-US" dirty="0"/>
@@ -4522,13 +10113,8 @@
             <a:pPr lvl="1"/>
             <a:r>
               <a:rPr lang="en-US" dirty="0"/>
-              <a:t>Kernel </a:t>
-            </a:r>
-            <a:r>
-              <a:rPr lang="en-US"/>
-              <a:t>size 3x3</a:t>
-            </a:r>
-            <a:endParaRPr lang="en-US" dirty="0"/>
+              <a:t>Kernel size 3x3</a:t>
+            </a:r>
           </a:p>
           <a:p>
             <a:pPr lvl="1"/>
@@ -4981,4 +10567,290 @@
     </a:ext>
   </a:extLst>
 </a:theme>
+</file>
+
+<file path=ppt/theme/themeOverride1.xml><?xml version="1.0" encoding="utf-8"?>
+<a:themeOverride xmlns:a="http://schemas.openxmlformats.org/drawingml/2006/main">
+  <a:clrScheme name="Office">
+    <a:dk1>
+      <a:sysClr val="windowText" lastClr="000000"/>
+    </a:dk1>
+    <a:lt1>
+      <a:sysClr val="window" lastClr="FFFFFF"/>
+    </a:lt1>
+    <a:dk2>
+      <a:srgbClr val="44546A"/>
+    </a:dk2>
+    <a:lt2>
+      <a:srgbClr val="E7E6E6"/>
+    </a:lt2>
+    <a:accent1>
+      <a:srgbClr val="4472C4"/>
+    </a:accent1>
+    <a:accent2>
+      <a:srgbClr val="ED7D31"/>
+    </a:accent2>
+    <a:accent3>
+      <a:srgbClr val="A5A5A5"/>
+    </a:accent3>
+    <a:accent4>
+      <a:srgbClr val="FFC000"/>
+    </a:accent4>
+    <a:accent5>
+      <a:srgbClr val="5B9BD5"/>
+    </a:accent5>
+    <a:accent6>
+      <a:srgbClr val="70AD47"/>
+    </a:accent6>
+    <a:hlink>
+      <a:srgbClr val="0563C1"/>
+    </a:hlink>
+    <a:folHlink>
+      <a:srgbClr val="954F72"/>
+    </a:folHlink>
+  </a:clrScheme>
+  <a:fontScheme name="Office">
+    <a:majorFont>
+      <a:latin typeface="Calibri Light" panose="020F0302020204030204"/>
+      <a:ea typeface=""/>
+      <a:cs typeface=""/>
+      <a:font script="Jpan" typeface="游ゴシック Light"/>
+      <a:font script="Hang" typeface="맑은 고딕"/>
+      <a:font script="Hans" typeface="等线 Light"/>
+      <a:font script="Hant" typeface="新細明體"/>
+      <a:font script="Arab" typeface="Times New Roman"/>
+      <a:font script="Hebr" typeface="Times New Roman"/>
+      <a:font script="Thai" typeface="Tahoma"/>
+      <a:font script="Ethi" typeface="Nyala"/>
+      <a:font script="Beng" typeface="Vrinda"/>
+      <a:font script="Gujr" typeface="Shruti"/>
+      <a:font script="Khmr" typeface="MoolBoran"/>
+      <a:font script="Knda" typeface="Tunga"/>
+      <a:font script="Guru" typeface="Raavi"/>
+      <a:font script="Cans" typeface="Euphemia"/>
+      <a:font script="Cher" typeface="Plantagenet Cherokee"/>
+      <a:font script="Yiii" typeface="Microsoft Yi Baiti"/>
+      <a:font script="Tibt" typeface="Microsoft Himalaya"/>
+      <a:font script="Thaa" typeface="MV Boli"/>
+      <a:font script="Deva" typeface="Mangal"/>
+      <a:font script="Telu" typeface="Gautami"/>
+      <a:font script="Taml" typeface="Latha"/>
+      <a:font script="Syrc" typeface="Estrangelo Edessa"/>
+      <a:font script="Orya" typeface="Kalinga"/>
+      <a:font script="Mlym" typeface="Kartika"/>
+      <a:font script="Laoo" typeface="DokChampa"/>
+      <a:font script="Sinh" typeface="Iskoola Pota"/>
+      <a:font script="Mong" typeface="Mongolian Baiti"/>
+      <a:font script="Viet" typeface="Times New Roman"/>
+      <a:font script="Uigh" typeface="Microsoft Uighur"/>
+      <a:font script="Geor" typeface="Sylfaen"/>
+      <a:font script="Armn" typeface="Arial"/>
+      <a:font script="Bugi" typeface="Leelawadee UI"/>
+      <a:font script="Bopo" typeface="Microsoft JhengHei"/>
+      <a:font script="Java" typeface="Javanese Text"/>
+      <a:font script="Lisu" typeface="Segoe UI"/>
+      <a:font script="Mymr" typeface="Myanmar Text"/>
+      <a:font script="Nkoo" typeface="Ebrima"/>
+      <a:font script="Olck" typeface="Nirmala UI"/>
+      <a:font script="Osma" typeface="Ebrima"/>
+      <a:font script="Phag" typeface="Phagspa"/>
+      <a:font script="Syrn" typeface="Estrangelo Edessa"/>
+      <a:font script="Syrj" typeface="Estrangelo Edessa"/>
+      <a:font script="Syre" typeface="Estrangelo Edessa"/>
+      <a:font script="Sora" typeface="Nirmala UI"/>
+      <a:font script="Tale" typeface="Microsoft Tai Le"/>
+      <a:font script="Talu" typeface="Microsoft New Tai Lue"/>
+      <a:font script="Tfng" typeface="Ebrima"/>
+    </a:majorFont>
+    <a:minorFont>
+      <a:latin typeface="Calibri" panose="020F0502020204030204"/>
+      <a:ea typeface=""/>
+      <a:cs typeface=""/>
+      <a:font script="Jpan" typeface="游ゴシック"/>
+      <a:font script="Hang" typeface="맑은 고딕"/>
+      <a:font script="Hans" typeface="等线"/>
+      <a:font script="Hant" typeface="新細明體"/>
+      <a:font script="Arab" typeface="Arial"/>
+      <a:font script="Hebr" typeface="Arial"/>
+      <a:font script="Thai" typeface="Tahoma"/>
+      <a:font script="Ethi" typeface="Nyala"/>
+      <a:font script="Beng" typeface="Vrinda"/>
+      <a:font script="Gujr" typeface="Shruti"/>
+      <a:font script="Khmr" typeface="DaunPenh"/>
+      <a:font script="Knda" typeface="Tunga"/>
+      <a:font script="Guru" typeface="Raavi"/>
+      <a:font script="Cans" typeface="Euphemia"/>
+      <a:font script="Cher" typeface="Plantagenet Cherokee"/>
+      <a:font script="Yiii" typeface="Microsoft Yi Baiti"/>
+      <a:font script="Tibt" typeface="Microsoft Himalaya"/>
+      <a:font script="Thaa" typeface="MV Boli"/>
+      <a:font script="Deva" typeface="Mangal"/>
+      <a:font script="Telu" typeface="Gautami"/>
+      <a:font script="Taml" typeface="Latha"/>
+      <a:font script="Syrc" typeface="Estrangelo Edessa"/>
+      <a:font script="Orya" typeface="Kalinga"/>
+      <a:font script="Mlym" typeface="Kartika"/>
+      <a:font script="Laoo" typeface="DokChampa"/>
+      <a:font script="Sinh" typeface="Iskoola Pota"/>
+      <a:font script="Mong" typeface="Mongolian Baiti"/>
+      <a:font script="Viet" typeface="Arial"/>
+      <a:font script="Uigh" typeface="Microsoft Uighur"/>
+      <a:font script="Geor" typeface="Sylfaen"/>
+      <a:font script="Armn" typeface="Arial"/>
+      <a:font script="Bugi" typeface="Leelawadee UI"/>
+      <a:font script="Bopo" typeface="Microsoft JhengHei"/>
+      <a:font script="Java" typeface="Javanese Text"/>
+      <a:font script="Lisu" typeface="Segoe UI"/>
+      <a:font script="Mymr" typeface="Myanmar Text"/>
+      <a:font script="Nkoo" typeface="Ebrima"/>
+      <a:font script="Olck" typeface="Nirmala UI"/>
+      <a:font script="Osma" typeface="Ebrima"/>
+      <a:font script="Phag" typeface="Phagspa"/>
+      <a:font script="Syrn" typeface="Estrangelo Edessa"/>
+      <a:font script="Syrj" typeface="Estrangelo Edessa"/>
+      <a:font script="Syre" typeface="Estrangelo Edessa"/>
+      <a:font script="Sora" typeface="Nirmala UI"/>
+      <a:font script="Tale" typeface="Microsoft Tai Le"/>
+      <a:font script="Talu" typeface="Microsoft New Tai Lue"/>
+      <a:font script="Tfng" typeface="Ebrima"/>
+    </a:minorFont>
+  </a:fontScheme>
+  <a:fmtScheme name="Office">
+    <a:fillStyleLst>
+      <a:solidFill>
+        <a:schemeClr val="phClr"/>
+      </a:solidFill>
+      <a:gradFill rotWithShape="1">
+        <a:gsLst>
+          <a:gs pos="0">
+            <a:schemeClr val="phClr">
+              <a:lumMod val="110000"/>
+              <a:satMod val="105000"/>
+              <a:tint val="67000"/>
+            </a:schemeClr>
+          </a:gs>
+          <a:gs pos="50000">
+            <a:schemeClr val="phClr">
+              <a:lumMod val="105000"/>
+              <a:satMod val="103000"/>
+              <a:tint val="73000"/>
+            </a:schemeClr>
+          </a:gs>
+          <a:gs pos="100000">
+            <a:schemeClr val="phClr">
+              <a:lumMod val="105000"/>
+              <a:satMod val="109000"/>
+              <a:tint val="81000"/>
+            </a:schemeClr>
+          </a:gs>
+        </a:gsLst>
+        <a:lin ang="5400000" scaled="0"/>
+      </a:gradFill>
+      <a:gradFill rotWithShape="1">
+        <a:gsLst>
+          <a:gs pos="0">
+            <a:schemeClr val="phClr">
+              <a:satMod val="103000"/>
+              <a:lumMod val="102000"/>
+              <a:tint val="94000"/>
+            </a:schemeClr>
+          </a:gs>
+          <a:gs pos="50000">
+            <a:schemeClr val="phClr">
+              <a:satMod val="110000"/>
+              <a:lumMod val="100000"/>
+              <a:shade val="100000"/>
+            </a:schemeClr>
+          </a:gs>
+          <a:gs pos="100000">
+            <a:schemeClr val="phClr">
+              <a:lumMod val="99000"/>
+              <a:satMod val="120000"/>
+              <a:shade val="78000"/>
+            </a:schemeClr>
+          </a:gs>
+        </a:gsLst>
+        <a:lin ang="5400000" scaled="0"/>
+      </a:gradFill>
+    </a:fillStyleLst>
+    <a:lnStyleLst>
+      <a:ln w="6350" cap="flat" cmpd="sng" algn="ctr">
+        <a:solidFill>
+          <a:schemeClr val="phClr"/>
+        </a:solidFill>
+        <a:prstDash val="solid"/>
+        <a:miter lim="800000"/>
+      </a:ln>
+      <a:ln w="12700" cap="flat" cmpd="sng" algn="ctr">
+        <a:solidFill>
+          <a:schemeClr val="phClr"/>
+        </a:solidFill>
+        <a:prstDash val="solid"/>
+        <a:miter lim="800000"/>
+      </a:ln>
+      <a:ln w="19050" cap="flat" cmpd="sng" algn="ctr">
+        <a:solidFill>
+          <a:schemeClr val="phClr"/>
+        </a:solidFill>
+        <a:prstDash val="solid"/>
+        <a:miter lim="800000"/>
+      </a:ln>
+    </a:lnStyleLst>
+    <a:effectStyleLst>
+      <a:effectStyle>
+        <a:effectLst/>
+      </a:effectStyle>
+      <a:effectStyle>
+        <a:effectLst/>
+      </a:effectStyle>
+      <a:effectStyle>
+        <a:effectLst>
+          <a:outerShdw blurRad="57150" dist="19050" dir="5400000" algn="ctr" rotWithShape="0">
+            <a:srgbClr val="000000">
+              <a:alpha val="63000"/>
+            </a:srgbClr>
+          </a:outerShdw>
+        </a:effectLst>
+      </a:effectStyle>
+    </a:effectStyleLst>
+    <a:bgFillStyleLst>
+      <a:solidFill>
+        <a:schemeClr val="phClr"/>
+      </a:solidFill>
+      <a:solidFill>
+        <a:schemeClr val="phClr">
+          <a:tint val="95000"/>
+          <a:satMod val="170000"/>
+        </a:schemeClr>
+      </a:solidFill>
+      <a:gradFill rotWithShape="1">
+        <a:gsLst>
+          <a:gs pos="0">
+            <a:schemeClr val="phClr">
+              <a:tint val="93000"/>
+              <a:satMod val="150000"/>
+              <a:shade val="98000"/>
+              <a:lumMod val="102000"/>
+            </a:schemeClr>
+          </a:gs>
+          <a:gs pos="50000">
+            <a:schemeClr val="phClr">
+              <a:tint val="98000"/>
+              <a:satMod val="130000"/>
+              <a:shade val="90000"/>
+              <a:lumMod val="103000"/>
+            </a:schemeClr>
+          </a:gs>
+          <a:gs pos="100000">
+            <a:schemeClr val="phClr">
+              <a:shade val="63000"/>
+              <a:satMod val="120000"/>
+            </a:schemeClr>
+          </a:gs>
+        </a:gsLst>
+        <a:lin ang="5400000" scaled="0"/>
+      </a:gradFill>
+    </a:bgFillStyleLst>
+  </a:fmtScheme>
+</a:themeOverride>
 </file>
--- a/Final-Group-Presentation/Group7.pptx
+++ b/Final-Group-Presentation/Group7.pptx
@@ -10,29 +10,43 @@
     <p:sldId id="258" r:id="rId4"/>
     <p:sldId id="259" r:id="rId5"/>
     <p:sldId id="260" r:id="rId6"/>
-    <p:sldId id="261" r:id="rId7"/>
-    <p:sldId id="262" r:id="rId8"/>
-    <p:sldId id="264" r:id="rId9"/>
-    <p:sldId id="263" r:id="rId10"/>
-    <p:sldId id="265" r:id="rId11"/>
-    <p:sldId id="266" r:id="rId12"/>
-    <p:sldId id="267" r:id="rId13"/>
-    <p:sldId id="268" r:id="rId14"/>
-    <p:sldId id="269" r:id="rId15"/>
-    <p:sldId id="270" r:id="rId16"/>
-    <p:sldId id="271" r:id="rId17"/>
-    <p:sldId id="272" r:id="rId18"/>
-    <p:sldId id="273" r:id="rId19"/>
-    <p:sldId id="274" r:id="rId20"/>
-    <p:sldId id="275" r:id="rId21"/>
-    <p:sldId id="276" r:id="rId22"/>
-    <p:sldId id="277" r:id="rId23"/>
-    <p:sldId id="278" r:id="rId24"/>
-    <p:sldId id="279" r:id="rId25"/>
-    <p:sldId id="280" r:id="rId26"/>
-    <p:sldId id="281" r:id="rId27"/>
-    <p:sldId id="282" r:id="rId28"/>
-    <p:sldId id="283" r:id="rId29"/>
+    <p:sldId id="290" r:id="rId7"/>
+    <p:sldId id="292" r:id="rId8"/>
+    <p:sldId id="293" r:id="rId9"/>
+    <p:sldId id="294" r:id="rId10"/>
+    <p:sldId id="262" r:id="rId11"/>
+    <p:sldId id="295" r:id="rId12"/>
+    <p:sldId id="296" r:id="rId13"/>
+    <p:sldId id="297" r:id="rId14"/>
+    <p:sldId id="298" r:id="rId15"/>
+    <p:sldId id="299" r:id="rId16"/>
+    <p:sldId id="284" r:id="rId17"/>
+    <p:sldId id="285" r:id="rId18"/>
+    <p:sldId id="286" r:id="rId19"/>
+    <p:sldId id="287" r:id="rId20"/>
+    <p:sldId id="288" r:id="rId21"/>
+    <p:sldId id="289" r:id="rId22"/>
+    <p:sldId id="264" r:id="rId23"/>
+    <p:sldId id="263" r:id="rId24"/>
+    <p:sldId id="265" r:id="rId25"/>
+    <p:sldId id="266" r:id="rId26"/>
+    <p:sldId id="267" r:id="rId27"/>
+    <p:sldId id="268" r:id="rId28"/>
+    <p:sldId id="269" r:id="rId29"/>
+    <p:sldId id="270" r:id="rId30"/>
+    <p:sldId id="271" r:id="rId31"/>
+    <p:sldId id="272" r:id="rId32"/>
+    <p:sldId id="273" r:id="rId33"/>
+    <p:sldId id="274" r:id="rId34"/>
+    <p:sldId id="275" r:id="rId35"/>
+    <p:sldId id="276" r:id="rId36"/>
+    <p:sldId id="277" r:id="rId37"/>
+    <p:sldId id="278" r:id="rId38"/>
+    <p:sldId id="279" r:id="rId39"/>
+    <p:sldId id="280" r:id="rId40"/>
+    <p:sldId id="281" r:id="rId41"/>
+    <p:sldId id="282" r:id="rId42"/>
+    <p:sldId id="283" r:id="rId43"/>
   </p:sldIdLst>
   <p:sldSz cx="12192000" cy="6858000"/>
   <p:notesSz cx="6858000" cy="9144000"/>
@@ -6679,7 +6693,7 @@
           <p:cNvPr id="2" name="Title 1">
             <a:extLst>
               <a:ext uri="{FF2B5EF4-FFF2-40B4-BE49-F238E27FC236}">
-                <a16:creationId xmlns:a16="http://schemas.microsoft.com/office/drawing/2014/main" id="{3AA0B488-A1EF-F541-B294-C16C9522FF04}"/>
+                <a16:creationId xmlns:a16="http://schemas.microsoft.com/office/drawing/2014/main" id="{F4C387A8-B0A9-48DC-8BFD-5AB64B664274}"/>
               </a:ext>
             </a:extLst>
           </p:cNvPr>
@@ -6690,194 +6704,58 @@
             <p:ph type="title"/>
           </p:nvPr>
         </p:nvSpPr>
-        <p:spPr>
-          <a:xfrm>
-            <a:off x="838200" y="365126"/>
-            <a:ext cx="10515600" cy="975160"/>
-          </a:xfrm>
-        </p:spPr>
+        <p:spPr/>
         <p:txBody>
           <a:bodyPr/>
           <a:lstStyle/>
           <a:p>
             <a:r>
+              <a:rPr lang="en-US" b="1" dirty="0"/>
+              <a:t>                   MODEL ARCHITECTURE</a:t>
+            </a:r>
+            <a:br>
               <a:rPr lang="en-US" dirty="0"/>
-              <a:t>Experimental Approach</a:t>
-            </a:r>
-          </a:p>
-        </p:txBody>
-      </p:sp>
-      <p:sp>
-        <p:nvSpPr>
-          <p:cNvPr id="3" name="Content Placeholder 2">
-            <a:extLst>
-              <a:ext uri="{FF2B5EF4-FFF2-40B4-BE49-F238E27FC236}">
-                <a16:creationId xmlns:a16="http://schemas.microsoft.com/office/drawing/2014/main" id="{B7E38889-3407-174C-BD50-56CF6E95F731}"/>
-              </a:ext>
-            </a:extLst>
-          </p:cNvPr>
-          <p:cNvSpPr>
-            <a:spLocks noGrp="1"/>
-          </p:cNvSpPr>
-          <p:nvPr>
-            <p:ph idx="1"/>
-          </p:nvPr>
-        </p:nvSpPr>
-        <p:spPr>
-          <a:xfrm>
-            <a:off x="838200" y="1483519"/>
-            <a:ext cx="10879667" cy="1053042"/>
-          </a:xfrm>
-        </p:spPr>
-        <p:txBody>
-          <a:bodyPr>
-            <a:normAutofit fontScale="85000" lnSpcReduction="20000"/>
-          </a:bodyPr>
-          <a:lstStyle/>
-          <a:p>
-            <a:r>
-              <a:rPr lang="en-US" dirty="0"/>
-              <a:t>Main python code accepted command line arguments to select different network architectures and hyper-parameters</a:t>
-            </a:r>
-          </a:p>
-          <a:p>
-            <a:r>
-              <a:rPr lang="en-US" dirty="0"/>
-              <a:t>Each run results run written file</a:t>
-            </a:r>
-          </a:p>
-          <a:p>
+            </a:br>
             <a:endParaRPr lang="en-US" dirty="0"/>
           </a:p>
         </p:txBody>
       </p:sp>
       <p:pic>
         <p:nvPicPr>
-          <p:cNvPr id="4" name="Picture 3">
-            <a:extLst>
-              <a:ext uri="{FF2B5EF4-FFF2-40B4-BE49-F238E27FC236}">
-                <a16:creationId xmlns:a16="http://schemas.microsoft.com/office/drawing/2014/main" id="{F714CFC0-7D38-1D4A-BE8C-4FE192ED65DA}"/>
-              </a:ext>
-            </a:extLst>
-          </p:cNvPr>
-          <p:cNvPicPr/>
-          <p:nvPr/>
+          <p:cNvPr id="4" name="Content Placeholder 3">
+            <a:extLst>
+              <a:ext uri="{FF2B5EF4-FFF2-40B4-BE49-F238E27FC236}">
+                <a16:creationId xmlns:a16="http://schemas.microsoft.com/office/drawing/2014/main" id="{F2667203-5B6E-4B2C-9C3E-6E6E19F564F8}"/>
+              </a:ext>
+            </a:extLst>
+          </p:cNvPr>
+          <p:cNvPicPr>
+            <a:picLocks noGrp="1"/>
+          </p:cNvPicPr>
+          <p:nvPr>
+            <p:ph idx="1"/>
+          </p:nvPr>
         </p:nvPicPr>
         <p:blipFill>
-          <a:blip r:embed="rId2">
-            <a:extLst>
-              <a:ext uri="{28A0092B-C50C-407E-A947-70E740481C1C}">
-                <a14:useLocalDpi xmlns:a14="http://schemas.microsoft.com/office/drawing/2010/main" val="0"/>
-              </a:ext>
-            </a:extLst>
-          </a:blip>
+          <a:blip r:embed="rId2"/>
           <a:stretch>
             <a:fillRect/>
           </a:stretch>
         </p:blipFill>
         <p:spPr>
           <a:xfrm>
-            <a:off x="5147733" y="3382435"/>
-            <a:ext cx="6790267" cy="2929465"/>
+            <a:off x="838200" y="1267905"/>
+            <a:ext cx="10515600" cy="5000920"/>
           </a:xfrm>
           <a:prstGeom prst="rect">
             <a:avLst/>
           </a:prstGeom>
         </p:spPr>
       </p:pic>
-      <p:sp>
-        <p:nvSpPr>
-          <p:cNvPr id="5" name="TextBox 4">
-            <a:extLst>
-              <a:ext uri="{FF2B5EF4-FFF2-40B4-BE49-F238E27FC236}">
-                <a16:creationId xmlns:a16="http://schemas.microsoft.com/office/drawing/2014/main" id="{9F8D1BD4-CD38-DD44-A2B8-AC80391E8247}"/>
-              </a:ext>
-            </a:extLst>
-          </p:cNvPr>
-          <p:cNvSpPr txBox="1"/>
-          <p:nvPr/>
-        </p:nvSpPr>
-        <p:spPr>
-          <a:xfrm>
-            <a:off x="838200" y="2536561"/>
-            <a:ext cx="3564467" cy="4154984"/>
-          </a:xfrm>
-          <a:prstGeom prst="rect">
-            <a:avLst/>
-          </a:prstGeom>
-          <a:noFill/>
-        </p:spPr>
-        <p:txBody>
-          <a:bodyPr wrap="square" rtlCol="0">
-            <a:spAutoFit/>
-          </a:bodyPr>
-          <a:lstStyle/>
-          <a:p>
-            <a:pPr marL="285750" indent="-285750">
-              <a:buFont typeface="Arial" panose="020B0604020202020204" pitchFamily="34" charset="0"/>
-              <a:buChar char="•"/>
-            </a:pPr>
-            <a:r>
-              <a:rPr lang="en-US" sz="2400" dirty="0"/>
-              <a:t>Bash scripts to kick off runs in the background</a:t>
-            </a:r>
-          </a:p>
-          <a:p>
-            <a:pPr marL="285750" indent="-285750">
-              <a:buFont typeface="Arial" panose="020B0604020202020204" pitchFamily="34" charset="0"/>
-              <a:buChar char="•"/>
-            </a:pPr>
-            <a:r>
-              <a:rPr lang="en-US" sz="2400" dirty="0"/>
-              <a:t>Used cloud GPU – way too slow on a CPU-only machine</a:t>
-            </a:r>
-          </a:p>
-          <a:p>
-            <a:pPr marL="285750" indent="-285750">
-              <a:buFont typeface="Arial" panose="020B0604020202020204" pitchFamily="34" charset="0"/>
-              <a:buChar char="•"/>
-            </a:pPr>
-            <a:r>
-              <a:rPr lang="en-US" sz="2400" dirty="0"/>
-              <a:t>Performance measures collected each epoch:</a:t>
-            </a:r>
-          </a:p>
-          <a:p>
-            <a:pPr marL="742950" lvl="1" indent="-285750">
-              <a:buFont typeface="Arial" panose="020B0604020202020204" pitchFamily="34" charset="0"/>
-              <a:buChar char="•"/>
-            </a:pPr>
-            <a:r>
-              <a:rPr lang="en-US" sz="2400" dirty="0"/>
-              <a:t>Loss</a:t>
-            </a:r>
-          </a:p>
-          <a:p>
-            <a:pPr marL="742950" lvl="1" indent="-285750">
-              <a:buFont typeface="Arial" panose="020B0604020202020204" pitchFamily="34" charset="0"/>
-              <a:buChar char="•"/>
-            </a:pPr>
-            <a:r>
-              <a:rPr lang="en-US" sz="2400" dirty="0"/>
-              <a:t>Val Accuracy</a:t>
-            </a:r>
-          </a:p>
-          <a:p>
-            <a:pPr marL="285750" indent="-285750">
-              <a:buFont typeface="Arial" panose="020B0604020202020204" pitchFamily="34" charset="0"/>
-              <a:buChar char="•"/>
-            </a:pPr>
-            <a:r>
-              <a:rPr lang="en-US" sz="2400" dirty="0"/>
-              <a:t>Weights saved for later visualization</a:t>
-            </a:r>
-          </a:p>
-        </p:txBody>
-      </p:sp>
     </p:spTree>
     <p:extLst>
       <p:ext uri="{BB962C8B-B14F-4D97-AF65-F5344CB8AC3E}">
-        <p14:creationId xmlns:p14="http://schemas.microsoft.com/office/powerpoint/2010/main" val="2904194048"/>
+        <p14:creationId xmlns:p14="http://schemas.microsoft.com/office/powerpoint/2010/main" val="4002527641"/>
       </p:ext>
     </p:extLst>
   </p:cSld>
@@ -6909,6 +6787,2615 @@
           <p:cNvPr id="2" name="Title 1">
             <a:extLst>
               <a:ext uri="{FF2B5EF4-FFF2-40B4-BE49-F238E27FC236}">
+                <a16:creationId xmlns:a16="http://schemas.microsoft.com/office/drawing/2014/main" id="{FE786DA1-0815-4559-9392-C1D4E2145E0B}"/>
+              </a:ext>
+            </a:extLst>
+          </p:cNvPr>
+          <p:cNvSpPr>
+            <a:spLocks noGrp="1"/>
+          </p:cNvSpPr>
+          <p:nvPr>
+            <p:ph type="title"/>
+          </p:nvPr>
+        </p:nvSpPr>
+        <p:spPr/>
+        <p:txBody>
+          <a:bodyPr/>
+          <a:lstStyle/>
+          <a:p>
+            <a:r>
+              <a:rPr lang="en-US" dirty="0"/>
+              <a:t>                                 </a:t>
+            </a:r>
+            <a:r>
+              <a:rPr lang="en-US" b="1" dirty="0"/>
+              <a:t>Bit Info…</a:t>
+            </a:r>
+          </a:p>
+        </p:txBody>
+      </p:sp>
+      <p:sp>
+        <p:nvSpPr>
+          <p:cNvPr id="3" name="Content Placeholder 2">
+            <a:extLst>
+              <a:ext uri="{FF2B5EF4-FFF2-40B4-BE49-F238E27FC236}">
+                <a16:creationId xmlns:a16="http://schemas.microsoft.com/office/drawing/2014/main" id="{4269090B-6C4A-460F-AB57-CF13F8BBBFD9}"/>
+              </a:ext>
+            </a:extLst>
+          </p:cNvPr>
+          <p:cNvSpPr>
+            <a:spLocks noGrp="1"/>
+          </p:cNvSpPr>
+          <p:nvPr>
+            <p:ph idx="1"/>
+          </p:nvPr>
+        </p:nvSpPr>
+        <p:spPr/>
+        <p:txBody>
+          <a:bodyPr>
+            <a:normAutofit lnSpcReduction="10000"/>
+          </a:bodyPr>
+          <a:lstStyle/>
+          <a:p>
+            <a:r>
+              <a:rPr lang="en-US" sz="2200" b="1" i="1" dirty="0" err="1"/>
+              <a:t>Softmax</a:t>
+            </a:r>
+            <a:endParaRPr lang="en-US" sz="2200" b="1" i="1" dirty="0"/>
+          </a:p>
+          <a:p>
+            <a:pPr marL="0" indent="0">
+              <a:buNone/>
+            </a:pPr>
+            <a:r>
+              <a:rPr lang="en-US" sz="1900" dirty="0"/>
+              <a:t>The second fully-connected layer estimates how likely it is that the input image belongs to each of the 10 classes. However, these estimates are a bit rough and difficult to interpret because the numbers may be very small or large, so we want to normalize them so that each element is limited between zero and one and the 10 elements sum to one. This is calculated using the so-called </a:t>
+            </a:r>
+            <a:r>
+              <a:rPr lang="en-US" sz="1900" dirty="0" err="1"/>
+              <a:t>softmax</a:t>
+            </a:r>
+            <a:r>
+              <a:rPr lang="en-US" sz="1900" dirty="0"/>
+              <a:t> function and the result is stored in </a:t>
+            </a:r>
+            <a:r>
+              <a:rPr lang="en-US" sz="1900" dirty="0" err="1"/>
+              <a:t>y_pred</a:t>
+            </a:r>
+            <a:r>
+              <a:rPr lang="en-US" sz="1900" dirty="0"/>
+              <a:t>.</a:t>
+            </a:r>
+          </a:p>
+          <a:p>
+            <a:r>
+              <a:rPr lang="en-US" sz="2200" b="1" i="1" dirty="0"/>
+              <a:t>Calculate Cross-entropy</a:t>
+            </a:r>
+          </a:p>
+          <a:p>
+            <a:pPr marL="0" indent="0">
+              <a:buNone/>
+            </a:pPr>
+            <a:r>
+              <a:rPr lang="en-US" sz="2100" dirty="0"/>
+              <a:t>To make the model better at classifying the input images, we must somehow change the variables for all the network layers. Comparing the predicted output of the model </a:t>
+            </a:r>
+            <a:r>
+              <a:rPr lang="en-US" sz="2100" dirty="0" err="1"/>
+              <a:t>y_pred</a:t>
+            </a:r>
+            <a:r>
+              <a:rPr lang="en-US" sz="2100" dirty="0"/>
+              <a:t> to the desired output </a:t>
+            </a:r>
+            <a:r>
+              <a:rPr lang="en-US" sz="2100" dirty="0" err="1"/>
+              <a:t>y_true</a:t>
+            </a:r>
+            <a:r>
+              <a:rPr lang="en-US" sz="2100" dirty="0"/>
+              <a:t>.</a:t>
+            </a:r>
+          </a:p>
+          <a:p>
+            <a:r>
+              <a:rPr lang="en-US" sz="2200" b="1" i="1" dirty="0"/>
+              <a:t>Optimization Method: Adam</a:t>
+            </a:r>
+          </a:p>
+          <a:p>
+            <a:pPr marL="0" indent="0">
+              <a:buNone/>
+            </a:pPr>
+            <a:r>
+              <a:rPr lang="en-US" sz="2300" dirty="0"/>
+              <a:t>Through experimentation we found out Adam outperformed other optimizers for this problem in terms of convergence speed.</a:t>
+            </a:r>
+          </a:p>
+          <a:p>
+            <a:pPr marL="0" indent="0">
+              <a:buNone/>
+            </a:pPr>
+            <a:endParaRPr lang="en-US" dirty="0"/>
+          </a:p>
+          <a:p>
+            <a:endParaRPr lang="en-US" dirty="0"/>
+          </a:p>
+        </p:txBody>
+      </p:sp>
+    </p:spTree>
+    <p:extLst>
+      <p:ext uri="{BB962C8B-B14F-4D97-AF65-F5344CB8AC3E}">
+        <p14:creationId xmlns:p14="http://schemas.microsoft.com/office/powerpoint/2010/main" val="3382405384"/>
+      </p:ext>
+    </p:extLst>
+  </p:cSld>
+  <p:clrMapOvr>
+    <a:masterClrMapping/>
+  </p:clrMapOvr>
+</p:sld>
+</file>
+
+<file path=ppt/slides/slide12.xml><?xml version="1.0" encoding="utf-8"?>
+<p:sld xmlns:a="http://schemas.openxmlformats.org/drawingml/2006/main" xmlns:r="http://schemas.openxmlformats.org/officeDocument/2006/relationships" xmlns:p="http://schemas.openxmlformats.org/presentationml/2006/main">
+  <p:cSld>
+    <p:spTree>
+      <p:nvGrpSpPr>
+        <p:cNvPr id="1" name=""/>
+        <p:cNvGrpSpPr/>
+        <p:nvPr/>
+      </p:nvGrpSpPr>
+      <p:grpSpPr>
+        <a:xfrm>
+          <a:off x="0" y="0"/>
+          <a:ext cx="0" cy="0"/>
+          <a:chOff x="0" y="0"/>
+          <a:chExt cx="0" cy="0"/>
+        </a:xfrm>
+      </p:grpSpPr>
+      <p:sp>
+        <p:nvSpPr>
+          <p:cNvPr id="2" name="Title 1">
+            <a:extLst>
+              <a:ext uri="{FF2B5EF4-FFF2-40B4-BE49-F238E27FC236}">
+                <a16:creationId xmlns:a16="http://schemas.microsoft.com/office/drawing/2014/main" id="{7E63ACC6-6CB1-4C37-B5F5-F1DE514E0A2A}"/>
+              </a:ext>
+            </a:extLst>
+          </p:cNvPr>
+          <p:cNvSpPr>
+            <a:spLocks noGrp="1"/>
+          </p:cNvSpPr>
+          <p:nvPr>
+            <p:ph type="title"/>
+          </p:nvPr>
+        </p:nvSpPr>
+        <p:spPr/>
+        <p:txBody>
+          <a:bodyPr/>
+          <a:lstStyle/>
+          <a:p>
+            <a:r>
+              <a:rPr lang="en-US" dirty="0"/>
+              <a:t>                              </a:t>
+            </a:r>
+            <a:r>
+              <a:rPr lang="en-US" b="1" dirty="0"/>
+              <a:t>Parameters</a:t>
+            </a:r>
+          </a:p>
+        </p:txBody>
+      </p:sp>
+      <p:pic>
+        <p:nvPicPr>
+          <p:cNvPr id="6" name="Content Placeholder 5">
+            <a:extLst>
+              <a:ext uri="{FF2B5EF4-FFF2-40B4-BE49-F238E27FC236}">
+                <a16:creationId xmlns:a16="http://schemas.microsoft.com/office/drawing/2014/main" id="{2A138579-C709-4618-95D9-FC99E6086E47}"/>
+              </a:ext>
+            </a:extLst>
+          </p:cNvPr>
+          <p:cNvPicPr>
+            <a:picLocks noGrp="1" noChangeAspect="1"/>
+          </p:cNvPicPr>
+          <p:nvPr>
+            <p:ph idx="1"/>
+          </p:nvPr>
+        </p:nvPicPr>
+        <p:blipFill>
+          <a:blip r:embed="rId2"/>
+          <a:stretch>
+            <a:fillRect/>
+          </a:stretch>
+        </p:blipFill>
+        <p:spPr>
+          <a:xfrm>
+            <a:off x="838200" y="1875428"/>
+            <a:ext cx="10515600" cy="4251731"/>
+          </a:xfrm>
+          <a:prstGeom prst="rect">
+            <a:avLst/>
+          </a:prstGeom>
+        </p:spPr>
+      </p:pic>
+    </p:spTree>
+    <p:extLst>
+      <p:ext uri="{BB962C8B-B14F-4D97-AF65-F5344CB8AC3E}">
+        <p14:creationId xmlns:p14="http://schemas.microsoft.com/office/powerpoint/2010/main" val="2754743395"/>
+      </p:ext>
+    </p:extLst>
+  </p:cSld>
+  <p:clrMapOvr>
+    <a:masterClrMapping/>
+  </p:clrMapOvr>
+</p:sld>
+</file>
+
+<file path=ppt/slides/slide13.xml><?xml version="1.0" encoding="utf-8"?>
+<p:sld xmlns:a="http://schemas.openxmlformats.org/drawingml/2006/main" xmlns:r="http://schemas.openxmlformats.org/officeDocument/2006/relationships" xmlns:p="http://schemas.openxmlformats.org/presentationml/2006/main">
+  <p:cSld>
+    <p:spTree>
+      <p:nvGrpSpPr>
+        <p:cNvPr id="1" name=""/>
+        <p:cNvGrpSpPr/>
+        <p:nvPr/>
+      </p:nvGrpSpPr>
+      <p:grpSpPr>
+        <a:xfrm>
+          <a:off x="0" y="0"/>
+          <a:ext cx="0" cy="0"/>
+          <a:chOff x="0" y="0"/>
+          <a:chExt cx="0" cy="0"/>
+        </a:xfrm>
+      </p:grpSpPr>
+      <p:sp>
+        <p:nvSpPr>
+          <p:cNvPr id="2" name="Title 1">
+            <a:extLst>
+              <a:ext uri="{FF2B5EF4-FFF2-40B4-BE49-F238E27FC236}">
+                <a16:creationId xmlns:a16="http://schemas.microsoft.com/office/drawing/2014/main" id="{8724275D-F6EC-4396-93DA-98331C372654}"/>
+              </a:ext>
+            </a:extLst>
+          </p:cNvPr>
+          <p:cNvSpPr>
+            <a:spLocks noGrp="1"/>
+          </p:cNvSpPr>
+          <p:nvPr>
+            <p:ph type="title"/>
+          </p:nvPr>
+        </p:nvSpPr>
+        <p:spPr>
+          <a:xfrm>
+            <a:off x="838200" y="365125"/>
+            <a:ext cx="10515600" cy="925793"/>
+          </a:xfrm>
+        </p:spPr>
+        <p:txBody>
+          <a:bodyPr>
+            <a:normAutofit fontScale="90000"/>
+          </a:bodyPr>
+          <a:lstStyle/>
+          <a:p>
+            <a:r>
+              <a:rPr lang="en-US" sz="2800" b="1" dirty="0"/>
+              <a:t>                                          FRAMEWORK WORKFLOW</a:t>
+            </a:r>
+            <a:br>
+              <a:rPr lang="en-US" dirty="0"/>
+            </a:br>
+            <a:endParaRPr lang="en-US" dirty="0"/>
+          </a:p>
+        </p:txBody>
+      </p:sp>
+      <p:sp>
+        <p:nvSpPr>
+          <p:cNvPr id="3" name="Content Placeholder 2">
+            <a:extLst>
+              <a:ext uri="{FF2B5EF4-FFF2-40B4-BE49-F238E27FC236}">
+                <a16:creationId xmlns:a16="http://schemas.microsoft.com/office/drawing/2014/main" id="{FDCF0CB2-CB91-4D4D-B66F-1A4CF26AE59F}"/>
+              </a:ext>
+            </a:extLst>
+          </p:cNvPr>
+          <p:cNvSpPr>
+            <a:spLocks noGrp="1"/>
+          </p:cNvSpPr>
+          <p:nvPr>
+            <p:ph idx="1"/>
+          </p:nvPr>
+        </p:nvSpPr>
+        <p:spPr>
+          <a:xfrm>
+            <a:off x="838200" y="1290918"/>
+            <a:ext cx="10515600" cy="4886045"/>
+          </a:xfrm>
+        </p:spPr>
+        <p:txBody>
+          <a:bodyPr>
+            <a:normAutofit/>
+          </a:bodyPr>
+          <a:lstStyle/>
+          <a:p>
+            <a:endParaRPr lang="en-US" sz="1800" dirty="0"/>
+          </a:p>
+          <a:p>
+            <a:endParaRPr lang="en-US" sz="1800" dirty="0"/>
+          </a:p>
+          <a:p>
+            <a:r>
+              <a:rPr lang="en-US" sz="1800" dirty="0"/>
+              <a:t>write functions for creating new TF variables</a:t>
+            </a:r>
+          </a:p>
+          <a:p>
+            <a:pPr marL="0" indent="0">
+              <a:buNone/>
+            </a:pPr>
+            <a:endParaRPr lang="en-US" sz="1800" dirty="0"/>
+          </a:p>
+          <a:p>
+            <a:r>
+              <a:rPr lang="en-US" sz="1800" dirty="0"/>
+              <a:t>define Placeholder Variables. They serve as the input to the graph </a:t>
+            </a:r>
+          </a:p>
+          <a:p>
+            <a:pPr marL="0" indent="0">
+              <a:buNone/>
+            </a:pPr>
+            <a:r>
+              <a:rPr lang="en-US" sz="1800" dirty="0"/>
+              <a:t>    that we may change each time we execute the graph</a:t>
+            </a:r>
+          </a:p>
+          <a:p>
+            <a:pPr marL="0" indent="0">
+              <a:buNone/>
+            </a:pPr>
+            <a:endParaRPr lang="en-US" sz="1800" dirty="0"/>
+          </a:p>
+          <a:p>
+            <a:r>
+              <a:rPr lang="en-US" sz="1800" dirty="0"/>
+              <a:t>In order to save the variables of the neural network created saver object</a:t>
+            </a:r>
+          </a:p>
+          <a:p>
+            <a:pPr marL="0" indent="0">
+              <a:buNone/>
+            </a:pPr>
+            <a:r>
+              <a:rPr lang="en-US" sz="1800" dirty="0"/>
+              <a:t>    which is used for storing and retrieving all the variables of the  </a:t>
+            </a:r>
+          </a:p>
+          <a:p>
+            <a:pPr marL="0" indent="0">
+              <a:buNone/>
+            </a:pPr>
+            <a:r>
+              <a:rPr lang="en-US" sz="1800" dirty="0"/>
+              <a:t>    TensorFlow graph. The saved files are often called checkpoints</a:t>
+            </a:r>
+          </a:p>
+        </p:txBody>
+      </p:sp>
+      <p:pic>
+        <p:nvPicPr>
+          <p:cNvPr id="6" name="Picture 5">
+            <a:extLst>
+              <a:ext uri="{FF2B5EF4-FFF2-40B4-BE49-F238E27FC236}">
+                <a16:creationId xmlns:a16="http://schemas.microsoft.com/office/drawing/2014/main" id="{0E88F753-06FE-4577-9824-8962C1E17DDB}"/>
+              </a:ext>
+            </a:extLst>
+          </p:cNvPr>
+          <p:cNvPicPr/>
+          <p:nvPr/>
+        </p:nvPicPr>
+        <p:blipFill>
+          <a:blip r:embed="rId2"/>
+          <a:stretch>
+            <a:fillRect/>
+          </a:stretch>
+        </p:blipFill>
+        <p:spPr>
+          <a:xfrm>
+            <a:off x="8363747" y="510988"/>
+            <a:ext cx="3469065" cy="5601927"/>
+          </a:xfrm>
+          <a:prstGeom prst="rect">
+            <a:avLst/>
+          </a:prstGeom>
+        </p:spPr>
+      </p:pic>
+    </p:spTree>
+    <p:extLst>
+      <p:ext uri="{BB962C8B-B14F-4D97-AF65-F5344CB8AC3E}">
+        <p14:creationId xmlns:p14="http://schemas.microsoft.com/office/powerpoint/2010/main" val="2981332391"/>
+      </p:ext>
+    </p:extLst>
+  </p:cSld>
+  <p:clrMapOvr>
+    <a:masterClrMapping/>
+  </p:clrMapOvr>
+</p:sld>
+</file>
+
+<file path=ppt/slides/slide14.xml><?xml version="1.0" encoding="utf-8"?>
+<p:sld xmlns:a="http://schemas.openxmlformats.org/drawingml/2006/main" xmlns:r="http://schemas.openxmlformats.org/officeDocument/2006/relationships" xmlns:p="http://schemas.openxmlformats.org/presentationml/2006/main">
+  <p:cSld>
+    <p:spTree>
+      <p:nvGrpSpPr>
+        <p:cNvPr id="1" name=""/>
+        <p:cNvGrpSpPr/>
+        <p:nvPr/>
+      </p:nvGrpSpPr>
+      <p:grpSpPr>
+        <a:xfrm>
+          <a:off x="0" y="0"/>
+          <a:ext cx="0" cy="0"/>
+          <a:chOff x="0" y="0"/>
+          <a:chExt cx="0" cy="0"/>
+        </a:xfrm>
+      </p:grpSpPr>
+      <p:sp>
+        <p:nvSpPr>
+          <p:cNvPr id="2" name="Title 1">
+            <a:extLst>
+              <a:ext uri="{FF2B5EF4-FFF2-40B4-BE49-F238E27FC236}">
+                <a16:creationId xmlns:a16="http://schemas.microsoft.com/office/drawing/2014/main" id="{5E643403-A36B-47ED-9684-9E373E500B67}"/>
+              </a:ext>
+            </a:extLst>
+          </p:cNvPr>
+          <p:cNvSpPr>
+            <a:spLocks noGrp="1"/>
+          </p:cNvSpPr>
+          <p:nvPr>
+            <p:ph type="title"/>
+          </p:nvPr>
+        </p:nvSpPr>
+        <p:spPr/>
+        <p:txBody>
+          <a:bodyPr/>
+          <a:lstStyle/>
+          <a:p>
+            <a:r>
+              <a:rPr lang="en-US" dirty="0"/>
+              <a:t>                               RESULTS</a:t>
+            </a:r>
+          </a:p>
+        </p:txBody>
+      </p:sp>
+      <p:sp>
+        <p:nvSpPr>
+          <p:cNvPr id="3" name="Content Placeholder 2">
+            <a:extLst>
+              <a:ext uri="{FF2B5EF4-FFF2-40B4-BE49-F238E27FC236}">
+                <a16:creationId xmlns:a16="http://schemas.microsoft.com/office/drawing/2014/main" id="{06B1C8FF-657D-499A-A668-9F99F048B593}"/>
+              </a:ext>
+            </a:extLst>
+          </p:cNvPr>
+          <p:cNvSpPr>
+            <a:spLocks noGrp="1"/>
+          </p:cNvSpPr>
+          <p:nvPr>
+            <p:ph idx="1"/>
+          </p:nvPr>
+        </p:nvSpPr>
+        <p:spPr/>
+        <p:txBody>
+          <a:bodyPr/>
+          <a:lstStyle/>
+          <a:p>
+            <a:r>
+              <a:rPr lang="en-US" sz="1800" dirty="0"/>
+              <a:t>With the mentioned Architecture I got Test accuracy of </a:t>
+            </a:r>
+            <a:r>
+              <a:rPr lang="en-US" sz="1800" b="1" dirty="0"/>
+              <a:t>92.96 %</a:t>
+            </a:r>
+            <a:r>
+              <a:rPr lang="en-US" sz="1800" dirty="0"/>
+              <a:t> at 50000 iterations.</a:t>
+            </a:r>
+          </a:p>
+          <a:p>
+            <a:r>
+              <a:rPr lang="en-US" sz="1800" dirty="0"/>
+              <a:t>I had some of the misclassified images which I found so I dig in deeper to see how good the model works</a:t>
+            </a:r>
+          </a:p>
+          <a:p>
+            <a:endParaRPr lang="en-US" dirty="0"/>
+          </a:p>
+          <a:p>
+            <a:endParaRPr lang="en-US" dirty="0"/>
+          </a:p>
+        </p:txBody>
+      </p:sp>
+      <p:pic>
+        <p:nvPicPr>
+          <p:cNvPr id="4" name="Picture 3">
+            <a:extLst>
+              <a:ext uri="{FF2B5EF4-FFF2-40B4-BE49-F238E27FC236}">
+                <a16:creationId xmlns:a16="http://schemas.microsoft.com/office/drawing/2014/main" id="{8F26E74C-F9BA-40D0-9B55-7125A40B1081}"/>
+              </a:ext>
+            </a:extLst>
+          </p:cNvPr>
+          <p:cNvPicPr/>
+          <p:nvPr/>
+        </p:nvPicPr>
+        <p:blipFill>
+          <a:blip r:embed="rId2"/>
+          <a:stretch>
+            <a:fillRect/>
+          </a:stretch>
+        </p:blipFill>
+        <p:spPr>
+          <a:xfrm>
+            <a:off x="1976716" y="2762054"/>
+            <a:ext cx="7864867" cy="2659315"/>
+          </a:xfrm>
+          <a:prstGeom prst="rect">
+            <a:avLst/>
+          </a:prstGeom>
+        </p:spPr>
+      </p:pic>
+    </p:spTree>
+    <p:extLst>
+      <p:ext uri="{BB962C8B-B14F-4D97-AF65-F5344CB8AC3E}">
+        <p14:creationId xmlns:p14="http://schemas.microsoft.com/office/powerpoint/2010/main" val="861077445"/>
+      </p:ext>
+    </p:extLst>
+  </p:cSld>
+  <p:clrMapOvr>
+    <a:masterClrMapping/>
+  </p:clrMapOvr>
+</p:sld>
+</file>
+
+<file path=ppt/slides/slide15.xml><?xml version="1.0" encoding="utf-8"?>
+<p:sld xmlns:a="http://schemas.openxmlformats.org/drawingml/2006/main" xmlns:r="http://schemas.openxmlformats.org/officeDocument/2006/relationships" xmlns:p="http://schemas.openxmlformats.org/presentationml/2006/main">
+  <p:cSld>
+    <p:spTree>
+      <p:nvGrpSpPr>
+        <p:cNvPr id="1" name=""/>
+        <p:cNvGrpSpPr/>
+        <p:nvPr/>
+      </p:nvGrpSpPr>
+      <p:grpSpPr>
+        <a:xfrm>
+          <a:off x="0" y="0"/>
+          <a:ext cx="0" cy="0"/>
+          <a:chOff x="0" y="0"/>
+          <a:chExt cx="0" cy="0"/>
+        </a:xfrm>
+      </p:grpSpPr>
+      <p:sp>
+        <p:nvSpPr>
+          <p:cNvPr id="2" name="Title 1">
+            <a:extLst>
+              <a:ext uri="{FF2B5EF4-FFF2-40B4-BE49-F238E27FC236}">
+                <a16:creationId xmlns:a16="http://schemas.microsoft.com/office/drawing/2014/main" id="{C7AEBE19-1FA8-4A5B-A26E-BE365FA9397E}"/>
+              </a:ext>
+            </a:extLst>
+          </p:cNvPr>
+          <p:cNvSpPr>
+            <a:spLocks noGrp="1"/>
+          </p:cNvSpPr>
+          <p:nvPr>
+            <p:ph type="title"/>
+          </p:nvPr>
+        </p:nvSpPr>
+        <p:spPr/>
+        <p:txBody>
+          <a:bodyPr/>
+          <a:lstStyle/>
+          <a:p>
+            <a:r>
+              <a:rPr lang="en-US" dirty="0"/>
+              <a:t>                 CONFUSION MATRIX</a:t>
+            </a:r>
+          </a:p>
+        </p:txBody>
+      </p:sp>
+      <p:sp>
+        <p:nvSpPr>
+          <p:cNvPr id="5" name="Content Placeholder 4">
+            <a:extLst>
+              <a:ext uri="{FF2B5EF4-FFF2-40B4-BE49-F238E27FC236}">
+                <a16:creationId xmlns:a16="http://schemas.microsoft.com/office/drawing/2014/main" id="{BECD742C-87F7-465F-ACFE-9168C60B62EB}"/>
+              </a:ext>
+            </a:extLst>
+          </p:cNvPr>
+          <p:cNvSpPr>
+            <a:spLocks noGrp="1"/>
+          </p:cNvSpPr>
+          <p:nvPr>
+            <p:ph idx="1"/>
+          </p:nvPr>
+        </p:nvSpPr>
+        <p:spPr/>
+        <p:txBody>
+          <a:bodyPr>
+            <a:normAutofit/>
+          </a:bodyPr>
+          <a:lstStyle/>
+          <a:p>
+            <a:r>
+              <a:rPr lang="en-US" sz="1800" dirty="0"/>
+              <a:t>All digits have accuracy &gt; 90%</a:t>
+            </a:r>
+          </a:p>
+          <a:p>
+            <a:r>
+              <a:rPr lang="en-US" sz="1800" dirty="0"/>
+              <a:t>Can say the model does good Classification.</a:t>
+            </a:r>
+          </a:p>
+        </p:txBody>
+      </p:sp>
+      <p:pic>
+        <p:nvPicPr>
+          <p:cNvPr id="6" name="Content Placeholder 3">
+            <a:extLst>
+              <a:ext uri="{FF2B5EF4-FFF2-40B4-BE49-F238E27FC236}">
+                <a16:creationId xmlns:a16="http://schemas.microsoft.com/office/drawing/2014/main" id="{263BD955-BA87-497C-A1EC-625F7E7F4224}"/>
+              </a:ext>
+            </a:extLst>
+          </p:cNvPr>
+          <p:cNvPicPr>
+            <a:picLocks/>
+          </p:cNvPicPr>
+          <p:nvPr/>
+        </p:nvPicPr>
+        <p:blipFill>
+          <a:blip r:embed="rId2"/>
+          <a:stretch>
+            <a:fillRect/>
+          </a:stretch>
+        </p:blipFill>
+        <p:spPr>
+          <a:xfrm>
+            <a:off x="5684644" y="1825625"/>
+            <a:ext cx="5049156" cy="4351338"/>
+          </a:xfrm>
+          <a:prstGeom prst="rect">
+            <a:avLst/>
+          </a:prstGeom>
+        </p:spPr>
+      </p:pic>
+    </p:spTree>
+    <p:extLst>
+      <p:ext uri="{BB962C8B-B14F-4D97-AF65-F5344CB8AC3E}">
+        <p14:creationId xmlns:p14="http://schemas.microsoft.com/office/powerpoint/2010/main" val="1794604455"/>
+      </p:ext>
+    </p:extLst>
+  </p:cSld>
+  <p:clrMapOvr>
+    <a:masterClrMapping/>
+  </p:clrMapOvr>
+</p:sld>
+</file>
+
+<file path=ppt/slides/slide16.xml><?xml version="1.0" encoding="utf-8"?>
+<p:sld xmlns:a="http://schemas.openxmlformats.org/drawingml/2006/main" xmlns:r="http://schemas.openxmlformats.org/officeDocument/2006/relationships" xmlns:p="http://schemas.openxmlformats.org/presentationml/2006/main">
+  <p:cSld>
+    <p:spTree>
+      <p:nvGrpSpPr>
+        <p:cNvPr id="1" name=""/>
+        <p:cNvGrpSpPr/>
+        <p:nvPr/>
+      </p:nvGrpSpPr>
+      <p:grpSpPr>
+        <a:xfrm>
+          <a:off x="0" y="0"/>
+          <a:ext cx="0" cy="0"/>
+          <a:chOff x="0" y="0"/>
+          <a:chExt cx="0" cy="0"/>
+        </a:xfrm>
+      </p:grpSpPr>
+      <p:pic>
+        <p:nvPicPr>
+          <p:cNvPr id="4" name="Picture 4">
+            <a:extLst>
+              <a:ext uri="{FF2B5EF4-FFF2-40B4-BE49-F238E27FC236}">
+                <a16:creationId xmlns:a16="http://schemas.microsoft.com/office/drawing/2014/main" id="{4DBF71D8-8955-4781-AB45-4ED0DEC39974}"/>
+              </a:ext>
+            </a:extLst>
+          </p:cNvPr>
+          <p:cNvPicPr>
+            <a:picLocks noChangeAspect="1"/>
+          </p:cNvPicPr>
+          <p:nvPr/>
+        </p:nvPicPr>
+        <p:blipFill>
+          <a:blip r:embed="rId2"/>
+          <a:stretch>
+            <a:fillRect/>
+          </a:stretch>
+        </p:blipFill>
+        <p:spPr>
+          <a:xfrm>
+            <a:off x="2213723" y="643466"/>
+            <a:ext cx="7764553" cy="5571067"/>
+          </a:xfrm>
+          <a:prstGeom prst="rect">
+            <a:avLst/>
+          </a:prstGeom>
+        </p:spPr>
+      </p:pic>
+    </p:spTree>
+    <p:extLst>
+      <p:ext uri="{BB962C8B-B14F-4D97-AF65-F5344CB8AC3E}">
+        <p14:creationId xmlns:p14="http://schemas.microsoft.com/office/powerpoint/2010/main" val="1813909416"/>
+      </p:ext>
+    </p:extLst>
+  </p:cSld>
+  <p:clrMapOvr>
+    <a:masterClrMapping/>
+  </p:clrMapOvr>
+</p:sld>
+</file>
+
+<file path=ppt/slides/slide17.xml><?xml version="1.0" encoding="utf-8"?>
+<p:sld xmlns:a="http://schemas.openxmlformats.org/drawingml/2006/main" xmlns:r="http://schemas.openxmlformats.org/officeDocument/2006/relationships" xmlns:p="http://schemas.openxmlformats.org/presentationml/2006/main">
+  <p:cSld>
+    <p:spTree>
+      <p:nvGrpSpPr>
+        <p:cNvPr id="1" name=""/>
+        <p:cNvGrpSpPr/>
+        <p:nvPr/>
+      </p:nvGrpSpPr>
+      <p:grpSpPr>
+        <a:xfrm>
+          <a:off x="0" y="0"/>
+          <a:ext cx="0" cy="0"/>
+          <a:chOff x="0" y="0"/>
+          <a:chExt cx="0" cy="0"/>
+        </a:xfrm>
+      </p:grpSpPr>
+      <p:sp>
+        <p:nvSpPr>
+          <p:cNvPr id="2" name="Title 1">
+            <a:extLst>
+              <a:ext uri="{FF2B5EF4-FFF2-40B4-BE49-F238E27FC236}">
+                <a16:creationId xmlns:a16="http://schemas.microsoft.com/office/drawing/2014/main" id="{FEE18AD3-4197-403B-84B1-E8FF6BC2C719}"/>
+              </a:ext>
+            </a:extLst>
+          </p:cNvPr>
+          <p:cNvSpPr>
+            <a:spLocks noGrp="1"/>
+          </p:cNvSpPr>
+          <p:nvPr>
+            <p:ph type="title"/>
+          </p:nvPr>
+        </p:nvSpPr>
+        <p:spPr>
+          <a:xfrm>
+            <a:off x="838200" y="365125"/>
+            <a:ext cx="10515600" cy="968677"/>
+          </a:xfrm>
+        </p:spPr>
+        <p:txBody>
+          <a:bodyPr/>
+          <a:lstStyle/>
+          <a:p>
+            <a:r>
+              <a:rPr lang="en-US" dirty="0">
+                <a:cs typeface="Calibri Light"/>
+              </a:rPr>
+              <a:t>Data Preprocessing</a:t>
+            </a:r>
+            <a:endParaRPr lang="en-US" dirty="0"/>
+          </a:p>
+        </p:txBody>
+      </p:sp>
+      <p:sp>
+        <p:nvSpPr>
+          <p:cNvPr id="3" name="Content Placeholder 2">
+            <a:extLst>
+              <a:ext uri="{FF2B5EF4-FFF2-40B4-BE49-F238E27FC236}">
+                <a16:creationId xmlns:a16="http://schemas.microsoft.com/office/drawing/2014/main" id="{57C0D575-35BC-4BD3-AAC9-A4F2E9D3E7A4}"/>
+              </a:ext>
+            </a:extLst>
+          </p:cNvPr>
+          <p:cNvSpPr>
+            <a:spLocks noGrp="1"/>
+          </p:cNvSpPr>
+          <p:nvPr>
+            <p:ph idx="1"/>
+          </p:nvPr>
+        </p:nvSpPr>
+        <p:spPr>
+          <a:xfrm>
+            <a:off x="838200" y="1825625"/>
+            <a:ext cx="10515600" cy="4650350"/>
+          </a:xfrm>
+        </p:spPr>
+        <p:txBody>
+          <a:bodyPr vert="horz" lIns="91440" tIns="45720" rIns="91440" bIns="45720" rtlCol="0" anchor="t">
+            <a:normAutofit/>
+          </a:bodyPr>
+          <a:lstStyle/>
+          <a:p>
+            <a:r>
+              <a:rPr lang="en-US" dirty="0">
+                <a:cs typeface="Calibri"/>
+              </a:rPr>
+              <a:t>Caffe works on Lightning Memory-Mapped Database in the back end.</a:t>
+            </a:r>
+          </a:p>
+          <a:p>
+            <a:r>
+              <a:rPr lang="en-US" dirty="0">
+                <a:cs typeface="Calibri"/>
+              </a:rPr>
+              <a:t>Data was available in .mat file.</a:t>
+            </a:r>
+          </a:p>
+          <a:p>
+            <a:r>
+              <a:rPr lang="en-US" dirty="0">
+                <a:cs typeface="Calibri"/>
+              </a:rPr>
+              <a:t>I used </a:t>
+            </a:r>
+            <a:r>
+              <a:rPr lang="en-US" dirty="0" err="1">
+                <a:cs typeface="Calibri"/>
+              </a:rPr>
+              <a:t>scipy</a:t>
+            </a:r>
+            <a:r>
+              <a:rPr lang="en-US" dirty="0">
+                <a:cs typeface="Calibri"/>
+              </a:rPr>
+              <a:t> to read the data from mat file</a:t>
+            </a:r>
+          </a:p>
+          <a:p>
+            <a:r>
+              <a:rPr lang="en-US" dirty="0">
+                <a:cs typeface="Calibri"/>
+              </a:rPr>
+              <a:t>Data in the form of 4D array:</a:t>
+            </a:r>
+          </a:p>
+          <a:p>
+            <a:pPr marL="0" indent="0">
+              <a:buNone/>
+            </a:pPr>
+            <a:r>
+              <a:rPr lang="en-US" dirty="0">
+                <a:cs typeface="Calibri"/>
+              </a:rPr>
+              <a:t>   </a:t>
+            </a:r>
+          </a:p>
+        </p:txBody>
+      </p:sp>
+      <p:sp>
+        <p:nvSpPr>
+          <p:cNvPr id="4" name="Arrow: Up-Down 3">
+            <a:extLst>
+              <a:ext uri="{FF2B5EF4-FFF2-40B4-BE49-F238E27FC236}">
+                <a16:creationId xmlns:a16="http://schemas.microsoft.com/office/drawing/2014/main" id="{95F55376-9186-4541-9DB9-4532E3A1D5E6}"/>
+              </a:ext>
+            </a:extLst>
+          </p:cNvPr>
+          <p:cNvSpPr/>
+          <p:nvPr/>
+        </p:nvSpPr>
+        <p:spPr>
+          <a:xfrm>
+            <a:off x="3654493" y="4745215"/>
+            <a:ext cx="484632" cy="859267"/>
+          </a:xfrm>
+          <a:prstGeom prst="upDownArrow">
+            <a:avLst/>
+          </a:prstGeom>
+        </p:spPr>
+        <p:style>
+          <a:lnRef idx="2">
+            <a:schemeClr val="accent1">
+              <a:shade val="50000"/>
+            </a:schemeClr>
+          </a:lnRef>
+          <a:fillRef idx="1">
+            <a:schemeClr val="accent1"/>
+          </a:fillRef>
+          <a:effectRef idx="0">
+            <a:schemeClr val="accent1"/>
+          </a:effectRef>
+          <a:fontRef idx="minor">
+            <a:schemeClr val="lt1"/>
+          </a:fontRef>
+        </p:style>
+        <p:txBody>
+          <a:bodyPr rtlCol="0" anchor="ctr"/>
+          <a:lstStyle/>
+          <a:p>
+            <a:pPr algn="ctr"/>
+            <a:endParaRPr lang="en-US"/>
+          </a:p>
+        </p:txBody>
+      </p:sp>
+      <p:sp>
+        <p:nvSpPr>
+          <p:cNvPr id="5" name="Rectangle: Rounded Corners 4">
+            <a:extLst>
+              <a:ext uri="{FF2B5EF4-FFF2-40B4-BE49-F238E27FC236}">
+                <a16:creationId xmlns:a16="http://schemas.microsoft.com/office/drawing/2014/main" id="{D0E1FD7E-B72E-4E69-93E3-54E351D63912}"/>
+              </a:ext>
+            </a:extLst>
+          </p:cNvPr>
+          <p:cNvSpPr/>
+          <p:nvPr/>
+        </p:nvSpPr>
+        <p:spPr>
+          <a:xfrm>
+            <a:off x="1076444" y="4230545"/>
+            <a:ext cx="6209817" cy="518933"/>
+          </a:xfrm>
+          <a:prstGeom prst="roundRect">
+            <a:avLst/>
+          </a:prstGeom>
+        </p:spPr>
+        <p:style>
+          <a:lnRef idx="2">
+            <a:schemeClr val="accent1">
+              <a:shade val="50000"/>
+            </a:schemeClr>
+          </a:lnRef>
+          <a:fillRef idx="1">
+            <a:schemeClr val="accent1"/>
+          </a:fillRef>
+          <a:effectRef idx="0">
+            <a:schemeClr val="accent1"/>
+          </a:effectRef>
+          <a:fontRef idx="minor">
+            <a:schemeClr val="lt1"/>
+          </a:fontRef>
+        </p:style>
+        <p:txBody>
+          <a:bodyPr rtlCol="0" anchor="ctr"/>
+          <a:lstStyle/>
+          <a:p>
+            <a:pPr algn="ctr"/>
+            <a:r>
+              <a:rPr lang="en-US" dirty="0">
+                <a:cs typeface="Calibri"/>
+              </a:rPr>
+              <a:t>(Width, Height, Channels, </a:t>
+            </a:r>
+            <a:r>
+              <a:rPr lang="en-US" dirty="0" err="1">
+                <a:cs typeface="Calibri"/>
+              </a:rPr>
+              <a:t>Total_Number</a:t>
+            </a:r>
+            <a:r>
+              <a:rPr lang="en-US" dirty="0">
+                <a:cs typeface="Calibri"/>
+              </a:rPr>
+              <a:t>)</a:t>
+            </a:r>
+            <a:endParaRPr lang="en-US" dirty="0"/>
+          </a:p>
+        </p:txBody>
+      </p:sp>
+      <p:sp>
+        <p:nvSpPr>
+          <p:cNvPr id="6" name="Rectangle: Rounded Corners 5">
+            <a:extLst>
+              <a:ext uri="{FF2B5EF4-FFF2-40B4-BE49-F238E27FC236}">
+                <a16:creationId xmlns:a16="http://schemas.microsoft.com/office/drawing/2014/main" id="{951B61A2-9F0C-452C-BFEE-45CC20775E92}"/>
+              </a:ext>
+            </a:extLst>
+          </p:cNvPr>
+          <p:cNvSpPr/>
+          <p:nvPr/>
+        </p:nvSpPr>
+        <p:spPr>
+          <a:xfrm>
+            <a:off x="1076445" y="5638799"/>
+            <a:ext cx="6209817" cy="547869"/>
+          </a:xfrm>
+          <a:prstGeom prst="roundRect">
+            <a:avLst/>
+          </a:prstGeom>
+        </p:spPr>
+        <p:style>
+          <a:lnRef idx="2">
+            <a:schemeClr val="accent1">
+              <a:shade val="50000"/>
+            </a:schemeClr>
+          </a:lnRef>
+          <a:fillRef idx="1">
+            <a:schemeClr val="accent1"/>
+          </a:fillRef>
+          <a:effectRef idx="0">
+            <a:schemeClr val="accent1"/>
+          </a:effectRef>
+          <a:fontRef idx="minor">
+            <a:schemeClr val="lt1"/>
+          </a:fontRef>
+        </p:style>
+        <p:txBody>
+          <a:bodyPr rtlCol="0" anchor="ctr"/>
+          <a:lstStyle/>
+          <a:p>
+            <a:pPr algn="ctr"/>
+            <a:r>
+              <a:rPr lang="en-US" dirty="0">
+                <a:cs typeface="Calibri"/>
+              </a:rPr>
+              <a:t>(</a:t>
+            </a:r>
+            <a:r>
+              <a:rPr lang="en-US" dirty="0" err="1">
+                <a:cs typeface="Calibri"/>
+              </a:rPr>
+              <a:t>Total_Number</a:t>
+            </a:r>
+            <a:r>
+              <a:rPr lang="en-US" dirty="0">
+                <a:cs typeface="Calibri"/>
+              </a:rPr>
+              <a:t>, Channels, Width, Height)</a:t>
+            </a:r>
+            <a:endParaRPr lang="en-US" dirty="0"/>
+          </a:p>
+        </p:txBody>
+      </p:sp>
+      <p:pic>
+        <p:nvPicPr>
+          <p:cNvPr id="7" name="Picture 7" descr="A picture containing scene, room&#10;&#10;Description generated with high confidence">
+            <a:extLst>
+              <a:ext uri="{FF2B5EF4-FFF2-40B4-BE49-F238E27FC236}">
+                <a16:creationId xmlns:a16="http://schemas.microsoft.com/office/drawing/2014/main" id="{3FEC81F0-D12B-417B-8659-0C12EA5D65BB}"/>
+              </a:ext>
+            </a:extLst>
+          </p:cNvPr>
+          <p:cNvPicPr>
+            <a:picLocks noChangeAspect="1"/>
+          </p:cNvPicPr>
+          <p:nvPr/>
+        </p:nvPicPr>
+        <p:blipFill>
+          <a:blip r:embed="rId2"/>
+          <a:stretch>
+            <a:fillRect/>
+          </a:stretch>
+        </p:blipFill>
+        <p:spPr>
+          <a:xfrm>
+            <a:off x="8167868" y="2757773"/>
+            <a:ext cx="3071149" cy="3155821"/>
+          </a:xfrm>
+          <a:prstGeom prst="rect">
+            <a:avLst/>
+          </a:prstGeom>
+        </p:spPr>
+      </p:pic>
+    </p:spTree>
+    <p:extLst>
+      <p:ext uri="{BB962C8B-B14F-4D97-AF65-F5344CB8AC3E}">
+        <p14:creationId xmlns:p14="http://schemas.microsoft.com/office/powerpoint/2010/main" val="184510315"/>
+      </p:ext>
+    </p:extLst>
+  </p:cSld>
+  <p:clrMapOvr>
+    <a:masterClrMapping/>
+  </p:clrMapOvr>
+</p:sld>
+</file>
+
+<file path=ppt/slides/slide18.xml><?xml version="1.0" encoding="utf-8"?>
+<p:sld xmlns:a="http://schemas.openxmlformats.org/drawingml/2006/main" xmlns:r="http://schemas.openxmlformats.org/officeDocument/2006/relationships" xmlns:p="http://schemas.openxmlformats.org/presentationml/2006/main">
+  <p:cSld>
+    <p:spTree>
+      <p:nvGrpSpPr>
+        <p:cNvPr id="1" name=""/>
+        <p:cNvGrpSpPr/>
+        <p:nvPr/>
+      </p:nvGrpSpPr>
+      <p:grpSpPr>
+        <a:xfrm>
+          <a:off x="0" y="0"/>
+          <a:ext cx="0" cy="0"/>
+          <a:chOff x="0" y="0"/>
+          <a:chExt cx="0" cy="0"/>
+        </a:xfrm>
+      </p:grpSpPr>
+      <p:sp>
+        <p:nvSpPr>
+          <p:cNvPr id="2" name="Title 1">
+            <a:extLst>
+              <a:ext uri="{FF2B5EF4-FFF2-40B4-BE49-F238E27FC236}">
+                <a16:creationId xmlns:a16="http://schemas.microsoft.com/office/drawing/2014/main" id="{EF825BA8-C017-426B-B700-A1625807B390}"/>
+              </a:ext>
+            </a:extLst>
+          </p:cNvPr>
+          <p:cNvSpPr>
+            <a:spLocks noGrp="1"/>
+          </p:cNvSpPr>
+          <p:nvPr>
+            <p:ph type="title"/>
+          </p:nvPr>
+        </p:nvSpPr>
+        <p:spPr>
+          <a:xfrm>
+            <a:off x="838200" y="365125"/>
+            <a:ext cx="10515600" cy="717893"/>
+          </a:xfrm>
+        </p:spPr>
+        <p:txBody>
+          <a:bodyPr/>
+          <a:lstStyle/>
+          <a:p>
+            <a:r>
+              <a:rPr lang="en-US" dirty="0">
+                <a:cs typeface="Calibri Light"/>
+              </a:rPr>
+              <a:t>Data Preprocessing</a:t>
+            </a:r>
+            <a:endParaRPr lang="en-US" dirty="0"/>
+          </a:p>
+        </p:txBody>
+      </p:sp>
+      <p:sp>
+        <p:nvSpPr>
+          <p:cNvPr id="3" name="Content Placeholder 2">
+            <a:extLst>
+              <a:ext uri="{FF2B5EF4-FFF2-40B4-BE49-F238E27FC236}">
+                <a16:creationId xmlns:a16="http://schemas.microsoft.com/office/drawing/2014/main" id="{426B9621-7667-44B1-B0AF-CC087190991E}"/>
+              </a:ext>
+            </a:extLst>
+          </p:cNvPr>
+          <p:cNvSpPr>
+            <a:spLocks noGrp="1"/>
+          </p:cNvSpPr>
+          <p:nvPr>
+            <p:ph idx="1"/>
+          </p:nvPr>
+        </p:nvSpPr>
+        <p:spPr>
+          <a:xfrm>
+            <a:off x="838200" y="1324056"/>
+            <a:ext cx="10515600" cy="4852907"/>
+          </a:xfrm>
+        </p:spPr>
+        <p:txBody>
+          <a:bodyPr vert="horz" lIns="91440" tIns="45720" rIns="91440" bIns="45720" rtlCol="0" anchor="t">
+            <a:normAutofit/>
+          </a:bodyPr>
+          <a:lstStyle/>
+          <a:p>
+            <a:r>
+              <a:rPr lang="en-US" dirty="0">
+                <a:cs typeface="Calibri"/>
+              </a:rPr>
+              <a:t>Digit "0" was labeled as "10"</a:t>
+            </a:r>
+            <a:endParaRPr lang="en-US">
+              <a:cs typeface="Calibri"/>
+            </a:endParaRPr>
+          </a:p>
+        </p:txBody>
+      </p:sp>
+      <p:cxnSp>
+        <p:nvCxnSpPr>
+          <p:cNvPr id="4" name="Straight Arrow Connector 3">
+            <a:extLst>
+              <a:ext uri="{FF2B5EF4-FFF2-40B4-BE49-F238E27FC236}">
+                <a16:creationId xmlns:a16="http://schemas.microsoft.com/office/drawing/2014/main" id="{7D76DBAC-9F9D-4872-B0D8-E84515252382}"/>
+              </a:ext>
+            </a:extLst>
+          </p:cNvPr>
+          <p:cNvCxnSpPr/>
+          <p:nvPr/>
+        </p:nvCxnSpPr>
+        <p:spPr>
+          <a:xfrm>
+            <a:off x="4307709" y="2774066"/>
+            <a:ext cx="7717" cy="538223"/>
+          </a:xfrm>
+          <a:prstGeom prst="straightConnector1">
+            <a:avLst/>
+          </a:prstGeom>
+          <a:ln>
+            <a:tailEnd type="triangle"/>
+          </a:ln>
+        </p:spPr>
+        <p:style>
+          <a:lnRef idx="1">
+            <a:schemeClr val="accent1"/>
+          </a:lnRef>
+          <a:fillRef idx="0">
+            <a:schemeClr val="accent1"/>
+          </a:fillRef>
+          <a:effectRef idx="0">
+            <a:schemeClr val="accent1"/>
+          </a:effectRef>
+          <a:fontRef idx="minor">
+            <a:schemeClr val="tx1"/>
+          </a:fontRef>
+        </p:style>
+      </p:cxnSp>
+      <p:sp>
+        <p:nvSpPr>
+          <p:cNvPr id="5" name="Rectangle: Rounded Corners 4">
+            <a:extLst>
+              <a:ext uri="{FF2B5EF4-FFF2-40B4-BE49-F238E27FC236}">
+                <a16:creationId xmlns:a16="http://schemas.microsoft.com/office/drawing/2014/main" id="{71DF5EB2-3178-4D47-AAB2-640118D85AF5}"/>
+              </a:ext>
+            </a:extLst>
+          </p:cNvPr>
+          <p:cNvSpPr/>
+          <p:nvPr/>
+        </p:nvSpPr>
+        <p:spPr>
+          <a:xfrm>
+            <a:off x="1954191" y="2127812"/>
+            <a:ext cx="4801564" cy="653970"/>
+          </a:xfrm>
+          <a:prstGeom prst="roundRect">
+            <a:avLst/>
+          </a:prstGeom>
+        </p:spPr>
+        <p:style>
+          <a:lnRef idx="2">
+            <a:schemeClr val="accent1">
+              <a:shade val="50000"/>
+            </a:schemeClr>
+          </a:lnRef>
+          <a:fillRef idx="1">
+            <a:schemeClr val="accent1"/>
+          </a:fillRef>
+          <a:effectRef idx="0">
+            <a:schemeClr val="accent1"/>
+          </a:effectRef>
+          <a:fontRef idx="minor">
+            <a:schemeClr val="lt1"/>
+          </a:fontRef>
+        </p:style>
+        <p:txBody>
+          <a:bodyPr rtlCol="0" anchor="ctr"/>
+          <a:lstStyle/>
+          <a:p>
+            <a:pPr algn="ctr"/>
+            <a:r>
+              <a:rPr lang="en-US" dirty="0">
+                <a:cs typeface="Calibri"/>
+              </a:rPr>
+              <a:t>Normalization</a:t>
+            </a:r>
+            <a:endParaRPr lang="en-US" dirty="0"/>
+          </a:p>
+        </p:txBody>
+      </p:sp>
+      <p:sp>
+        <p:nvSpPr>
+          <p:cNvPr id="6" name="Rectangle: Rounded Corners 5">
+            <a:extLst>
+              <a:ext uri="{FF2B5EF4-FFF2-40B4-BE49-F238E27FC236}">
+                <a16:creationId xmlns:a16="http://schemas.microsoft.com/office/drawing/2014/main" id="{011ED005-D3D8-4F75-A97D-3EC6C6F33C32}"/>
+              </a:ext>
+            </a:extLst>
+          </p:cNvPr>
+          <p:cNvSpPr/>
+          <p:nvPr/>
+        </p:nvSpPr>
+        <p:spPr>
+          <a:xfrm>
+            <a:off x="1954192" y="3343154"/>
+            <a:ext cx="4801565" cy="634679"/>
+          </a:xfrm>
+          <a:prstGeom prst="roundRect">
+            <a:avLst/>
+          </a:prstGeom>
+        </p:spPr>
+        <p:style>
+          <a:lnRef idx="2">
+            <a:schemeClr val="accent1">
+              <a:shade val="50000"/>
+            </a:schemeClr>
+          </a:lnRef>
+          <a:fillRef idx="1">
+            <a:schemeClr val="accent1"/>
+          </a:fillRef>
+          <a:effectRef idx="0">
+            <a:schemeClr val="accent1"/>
+          </a:effectRef>
+          <a:fontRef idx="minor">
+            <a:schemeClr val="lt1"/>
+          </a:fontRef>
+        </p:style>
+        <p:txBody>
+          <a:bodyPr rtlCol="0" anchor="ctr"/>
+          <a:lstStyle/>
+          <a:p>
+            <a:pPr algn="ctr"/>
+            <a:r>
+              <a:rPr lang="en-US" dirty="0">
+                <a:cs typeface="Calibri"/>
+              </a:rPr>
+              <a:t>Generates </a:t>
+            </a:r>
+            <a:r>
+              <a:rPr lang="en-US" dirty="0" err="1">
+                <a:cs typeface="Calibri"/>
+              </a:rPr>
+              <a:t>mean.binaryproto</a:t>
+            </a:r>
+            <a:r>
+              <a:rPr lang="en-US" dirty="0">
+                <a:cs typeface="Calibri"/>
+              </a:rPr>
+              <a:t> file</a:t>
+            </a:r>
+            <a:endParaRPr lang="en-US" dirty="0"/>
+          </a:p>
+        </p:txBody>
+      </p:sp>
+      <p:cxnSp>
+        <p:nvCxnSpPr>
+          <p:cNvPr id="7" name="Straight Arrow Connector 6">
+            <a:extLst>
+              <a:ext uri="{FF2B5EF4-FFF2-40B4-BE49-F238E27FC236}">
+                <a16:creationId xmlns:a16="http://schemas.microsoft.com/office/drawing/2014/main" id="{BB3FC46F-D714-44DE-A811-A3DF754AABF5}"/>
+              </a:ext>
+            </a:extLst>
+          </p:cNvPr>
+          <p:cNvCxnSpPr/>
+          <p:nvPr/>
+        </p:nvCxnSpPr>
+        <p:spPr>
+          <a:xfrm>
+            <a:off x="4346294" y="3970116"/>
+            <a:ext cx="7717" cy="576805"/>
+          </a:xfrm>
+          <a:prstGeom prst="straightConnector1">
+            <a:avLst/>
+          </a:prstGeom>
+          <a:ln>
+            <a:tailEnd type="triangle"/>
+          </a:ln>
+        </p:spPr>
+        <p:style>
+          <a:lnRef idx="1">
+            <a:schemeClr val="accent1"/>
+          </a:lnRef>
+          <a:fillRef idx="0">
+            <a:schemeClr val="accent1"/>
+          </a:fillRef>
+          <a:effectRef idx="0">
+            <a:schemeClr val="accent1"/>
+          </a:effectRef>
+          <a:fontRef idx="minor">
+            <a:schemeClr val="tx1"/>
+          </a:fontRef>
+        </p:style>
+      </p:cxnSp>
+      <p:sp>
+        <p:nvSpPr>
+          <p:cNvPr id="9" name="Rectangle: Rounded Corners 8">
+            <a:extLst>
+              <a:ext uri="{FF2B5EF4-FFF2-40B4-BE49-F238E27FC236}">
+                <a16:creationId xmlns:a16="http://schemas.microsoft.com/office/drawing/2014/main" id="{6841DA62-CB29-4E0B-AE3E-3F0EB5DB04BD}"/>
+              </a:ext>
+            </a:extLst>
+          </p:cNvPr>
+          <p:cNvSpPr/>
+          <p:nvPr/>
+        </p:nvSpPr>
+        <p:spPr>
+          <a:xfrm>
+            <a:off x="1954192" y="4539205"/>
+            <a:ext cx="4801564" cy="673261"/>
+          </a:xfrm>
+          <a:prstGeom prst="roundRect">
+            <a:avLst/>
+          </a:prstGeom>
+        </p:spPr>
+        <p:style>
+          <a:lnRef idx="2">
+            <a:schemeClr val="accent1">
+              <a:shade val="50000"/>
+            </a:schemeClr>
+          </a:lnRef>
+          <a:fillRef idx="1">
+            <a:schemeClr val="accent1"/>
+          </a:fillRef>
+          <a:effectRef idx="0">
+            <a:schemeClr val="accent1"/>
+          </a:effectRef>
+          <a:fontRef idx="minor">
+            <a:schemeClr val="lt1"/>
+          </a:fontRef>
+        </p:style>
+        <p:txBody>
+          <a:bodyPr rtlCol="0" anchor="ctr"/>
+          <a:lstStyle/>
+          <a:p>
+            <a:pPr algn="ctr"/>
+            <a:r>
+              <a:rPr lang="en-US" dirty="0">
+                <a:cs typeface="Calibri"/>
+              </a:rPr>
+              <a:t>Goes under </a:t>
+            </a:r>
+            <a:r>
+              <a:rPr lang="en-US" dirty="0" err="1">
+                <a:cs typeface="Calibri"/>
+              </a:rPr>
+              <a:t>transform_param</a:t>
+            </a:r>
+            <a:r>
+              <a:rPr lang="en-US" dirty="0">
+                <a:cs typeface="Calibri"/>
+              </a:rPr>
+              <a:t> in the data layer.</a:t>
+            </a:r>
+            <a:endParaRPr lang="en-US" dirty="0"/>
+          </a:p>
+        </p:txBody>
+      </p:sp>
+      <p:pic>
+        <p:nvPicPr>
+          <p:cNvPr id="10" name="Picture 10" descr="A picture containing scene, room&#10;&#10;Description generated with high confidence">
+            <a:extLst>
+              <a:ext uri="{FF2B5EF4-FFF2-40B4-BE49-F238E27FC236}">
+                <a16:creationId xmlns:a16="http://schemas.microsoft.com/office/drawing/2014/main" id="{6F5C16AB-E6F8-4D88-9AFC-20A0C2BECF66}"/>
+              </a:ext>
+            </a:extLst>
+          </p:cNvPr>
+          <p:cNvPicPr>
+            <a:picLocks noChangeAspect="1"/>
+          </p:cNvPicPr>
+          <p:nvPr/>
+        </p:nvPicPr>
+        <p:blipFill>
+          <a:blip r:embed="rId2"/>
+          <a:stretch>
+            <a:fillRect/>
+          </a:stretch>
+        </p:blipFill>
+        <p:spPr>
+          <a:xfrm>
+            <a:off x="7155083" y="1880025"/>
+            <a:ext cx="4305782" cy="3107593"/>
+          </a:xfrm>
+          <a:prstGeom prst="rect">
+            <a:avLst/>
+          </a:prstGeom>
+        </p:spPr>
+      </p:pic>
+    </p:spTree>
+    <p:extLst>
+      <p:ext uri="{BB962C8B-B14F-4D97-AF65-F5344CB8AC3E}">
+        <p14:creationId xmlns:p14="http://schemas.microsoft.com/office/powerpoint/2010/main" val="449664214"/>
+      </p:ext>
+    </p:extLst>
+  </p:cSld>
+  <p:clrMapOvr>
+    <a:masterClrMapping/>
+  </p:clrMapOvr>
+</p:sld>
+</file>
+
+<file path=ppt/slides/slide19.xml><?xml version="1.0" encoding="utf-8"?>
+<p:sld xmlns:a="http://schemas.openxmlformats.org/drawingml/2006/main" xmlns:r="http://schemas.openxmlformats.org/officeDocument/2006/relationships" xmlns:p="http://schemas.openxmlformats.org/presentationml/2006/main">
+  <p:cSld>
+    <p:spTree>
+      <p:nvGrpSpPr>
+        <p:cNvPr id="1" name=""/>
+        <p:cNvGrpSpPr/>
+        <p:nvPr/>
+      </p:nvGrpSpPr>
+      <p:grpSpPr>
+        <a:xfrm>
+          <a:off x="0" y="0"/>
+          <a:ext cx="0" cy="0"/>
+          <a:chOff x="0" y="0"/>
+          <a:chExt cx="0" cy="0"/>
+        </a:xfrm>
+      </p:grpSpPr>
+      <p:sp>
+        <p:nvSpPr>
+          <p:cNvPr id="2" name="Title 1">
+            <a:extLst>
+              <a:ext uri="{FF2B5EF4-FFF2-40B4-BE49-F238E27FC236}">
+                <a16:creationId xmlns:a16="http://schemas.microsoft.com/office/drawing/2014/main" id="{0B8E4CB5-D26C-4A1A-B10E-6CB91F461ADB}"/>
+              </a:ext>
+            </a:extLst>
+          </p:cNvPr>
+          <p:cNvSpPr>
+            <a:spLocks noGrp="1"/>
+          </p:cNvSpPr>
+          <p:nvPr>
+            <p:ph type="title"/>
+          </p:nvPr>
+        </p:nvSpPr>
+        <p:spPr>
+          <a:xfrm>
+            <a:off x="838200" y="365125"/>
+            <a:ext cx="10515600" cy="1045842"/>
+          </a:xfrm>
+        </p:spPr>
+        <p:txBody>
+          <a:bodyPr/>
+          <a:lstStyle/>
+          <a:p>
+            <a:r>
+              <a:rPr lang="en-US" dirty="0">
+                <a:cs typeface="Calibri Light"/>
+              </a:rPr>
+              <a:t>CNN Architecture</a:t>
+            </a:r>
+            <a:endParaRPr lang="en-US" dirty="0"/>
+          </a:p>
+        </p:txBody>
+      </p:sp>
+      <p:sp>
+        <p:nvSpPr>
+          <p:cNvPr id="3" name="Content Placeholder 2">
+            <a:extLst>
+              <a:ext uri="{FF2B5EF4-FFF2-40B4-BE49-F238E27FC236}">
+                <a16:creationId xmlns:a16="http://schemas.microsoft.com/office/drawing/2014/main" id="{746AD211-EB11-4E76-A92C-E65A0D111F4B}"/>
+              </a:ext>
+            </a:extLst>
+          </p:cNvPr>
+          <p:cNvSpPr>
+            <a:spLocks noGrp="1"/>
+          </p:cNvSpPr>
+          <p:nvPr>
+            <p:ph idx="1"/>
+          </p:nvPr>
+        </p:nvSpPr>
+        <p:spPr/>
+        <p:txBody>
+          <a:bodyPr vert="horz" lIns="91440" tIns="45720" rIns="91440" bIns="45720" rtlCol="0" anchor="t">
+            <a:normAutofit/>
+          </a:bodyPr>
+          <a:lstStyle/>
+          <a:p>
+            <a:r>
+              <a:rPr lang="en-US" dirty="0">
+                <a:cs typeface="Calibri"/>
+              </a:rPr>
+              <a:t>The architecture comprises of two conv-</a:t>
+            </a:r>
+            <a:r>
+              <a:rPr lang="en-US" dirty="0" err="1">
+                <a:cs typeface="Calibri"/>
+              </a:rPr>
+              <a:t>relu</a:t>
+            </a:r>
+            <a:r>
+              <a:rPr lang="en-US" dirty="0">
+                <a:cs typeface="Calibri"/>
+              </a:rPr>
+              <a:t>-pooling-BN layers. The third layer is conv-</a:t>
+            </a:r>
+            <a:r>
+              <a:rPr lang="en-US" dirty="0" err="1">
+                <a:cs typeface="Calibri"/>
+              </a:rPr>
+              <a:t>relu</a:t>
+            </a:r>
+            <a:r>
+              <a:rPr lang="en-US" dirty="0">
+                <a:cs typeface="Calibri"/>
+              </a:rPr>
+              <a:t>-pooling. It is further connected to a fully connected layer with dropout.</a:t>
+            </a:r>
+          </a:p>
+          <a:p>
+            <a:r>
+              <a:rPr lang="en-US" dirty="0">
+                <a:cs typeface="Calibri"/>
+              </a:rPr>
+              <a:t>Network parameters:</a:t>
+            </a:r>
+          </a:p>
+          <a:p>
+            <a:pPr marL="0" indent="0">
+              <a:buNone/>
+            </a:pPr>
+            <a:r>
+              <a:rPr lang="en-US" dirty="0">
+                <a:cs typeface="Calibri"/>
+              </a:rPr>
+              <a:t>   The architecture is a 32-32-64 architecture.</a:t>
+            </a:r>
+          </a:p>
+          <a:p>
+            <a:pPr marL="0" indent="0">
+              <a:buNone/>
+            </a:pPr>
+            <a:r>
+              <a:rPr lang="en-US" dirty="0">
+                <a:cs typeface="Calibri"/>
+              </a:rPr>
+              <a:t>    Kernel size: 5</a:t>
+            </a:r>
+          </a:p>
+          <a:p>
+            <a:pPr marL="0" indent="0">
+              <a:buNone/>
+            </a:pPr>
+            <a:r>
+              <a:rPr lang="en-US" dirty="0">
+                <a:cs typeface="Calibri"/>
+              </a:rPr>
+              <a:t>    </a:t>
+            </a:r>
+            <a:r>
+              <a:rPr lang="en-US" dirty="0" err="1">
+                <a:cs typeface="Calibri"/>
+              </a:rPr>
+              <a:t>Batch_size</a:t>
+            </a:r>
+            <a:r>
+              <a:rPr lang="en-US" dirty="0">
+                <a:cs typeface="Calibri"/>
+              </a:rPr>
+              <a:t>: 48</a:t>
+            </a:r>
+          </a:p>
+          <a:p>
+            <a:pPr marL="0" indent="0">
+              <a:buNone/>
+            </a:pPr>
+            <a:r>
+              <a:rPr lang="en-US" dirty="0">
+                <a:cs typeface="Calibri"/>
+              </a:rPr>
+              <a:t>    Dropout: 0.5</a:t>
+            </a:r>
+          </a:p>
+          <a:p>
+            <a:pPr marL="0" indent="0">
+              <a:buNone/>
+            </a:pPr>
+            <a:r>
+              <a:rPr lang="en-US" dirty="0">
+                <a:cs typeface="Calibri"/>
+              </a:rPr>
+              <a:t>    Optimizer: Adam</a:t>
+            </a:r>
+          </a:p>
+        </p:txBody>
+      </p:sp>
+    </p:spTree>
+    <p:extLst>
+      <p:ext uri="{BB962C8B-B14F-4D97-AF65-F5344CB8AC3E}">
+        <p14:creationId xmlns:p14="http://schemas.microsoft.com/office/powerpoint/2010/main" val="3145295775"/>
+      </p:ext>
+    </p:extLst>
+  </p:cSld>
+  <p:clrMapOvr>
+    <a:masterClrMapping/>
+  </p:clrMapOvr>
+</p:sld>
+</file>
+
+<file path=ppt/slides/slide2.xml><?xml version="1.0" encoding="utf-8"?>
+<p:sld xmlns:a="http://schemas.openxmlformats.org/drawingml/2006/main" xmlns:r="http://schemas.openxmlformats.org/officeDocument/2006/relationships" xmlns:p="http://schemas.openxmlformats.org/presentationml/2006/main">
+  <p:cSld>
+    <p:spTree>
+      <p:nvGrpSpPr>
+        <p:cNvPr id="1" name=""/>
+        <p:cNvGrpSpPr/>
+        <p:nvPr/>
+      </p:nvGrpSpPr>
+      <p:grpSpPr>
+        <a:xfrm>
+          <a:off x="0" y="0"/>
+          <a:ext cx="0" cy="0"/>
+          <a:chOff x="0" y="0"/>
+          <a:chExt cx="0" cy="0"/>
+        </a:xfrm>
+      </p:grpSpPr>
+      <p:sp>
+        <p:nvSpPr>
+          <p:cNvPr id="2" name="Title 1">
+            <a:extLst>
+              <a:ext uri="{FF2B5EF4-FFF2-40B4-BE49-F238E27FC236}">
+                <a16:creationId xmlns:a16="http://schemas.microsoft.com/office/drawing/2014/main" id="{E951BFF1-B8CC-9849-A5CA-CB54215F3922}"/>
+              </a:ext>
+            </a:extLst>
+          </p:cNvPr>
+          <p:cNvSpPr>
+            <a:spLocks noGrp="1"/>
+          </p:cNvSpPr>
+          <p:nvPr>
+            <p:ph type="title"/>
+          </p:nvPr>
+        </p:nvSpPr>
+        <p:spPr/>
+        <p:txBody>
+          <a:bodyPr/>
+          <a:lstStyle/>
+          <a:p>
+            <a:r>
+              <a:rPr lang="en-US" dirty="0"/>
+              <a:t>The Project</a:t>
+            </a:r>
+          </a:p>
+        </p:txBody>
+      </p:sp>
+      <p:sp>
+        <p:nvSpPr>
+          <p:cNvPr id="3" name="Content Placeholder 2">
+            <a:extLst>
+              <a:ext uri="{FF2B5EF4-FFF2-40B4-BE49-F238E27FC236}">
+                <a16:creationId xmlns:a16="http://schemas.microsoft.com/office/drawing/2014/main" id="{91A39111-334F-9D43-80F5-F46E2D50DF17}"/>
+              </a:ext>
+            </a:extLst>
+          </p:cNvPr>
+          <p:cNvSpPr>
+            <a:spLocks noGrp="1"/>
+          </p:cNvSpPr>
+          <p:nvPr>
+            <p:ph idx="1"/>
+          </p:nvPr>
+        </p:nvSpPr>
+        <p:spPr/>
+        <p:txBody>
+          <a:bodyPr/>
+          <a:lstStyle/>
+          <a:p>
+            <a:endParaRPr lang="en-US" dirty="0"/>
+          </a:p>
+          <a:p>
+            <a:pPr marL="514350" indent="-514350">
+              <a:buFont typeface="+mj-lt"/>
+              <a:buAutoNum type="arabicPeriod"/>
+            </a:pPr>
+            <a:r>
+              <a:rPr lang="en-US" dirty="0"/>
+              <a:t>Use the Street View House Numbers dataset to classify images from the Street View House Numbers dataset</a:t>
+            </a:r>
+          </a:p>
+          <a:p>
+            <a:pPr marL="514350" indent="-514350">
+              <a:buFont typeface="+mj-lt"/>
+              <a:buAutoNum type="arabicPeriod"/>
+            </a:pPr>
+            <a:r>
+              <a:rPr lang="en-US" dirty="0"/>
+              <a:t>Explore using </a:t>
+            </a:r>
+            <a:r>
+              <a:rPr lang="en-US" dirty="0" err="1"/>
+              <a:t>PyTorch</a:t>
+            </a:r>
+            <a:r>
+              <a:rPr lang="en-US" dirty="0"/>
+              <a:t> and the by-products of an image classification network to remove digits from the test data used in 1)</a:t>
+            </a:r>
+          </a:p>
+        </p:txBody>
+      </p:sp>
+    </p:spTree>
+    <p:extLst>
+      <p:ext uri="{BB962C8B-B14F-4D97-AF65-F5344CB8AC3E}">
+        <p14:creationId xmlns:p14="http://schemas.microsoft.com/office/powerpoint/2010/main" val="1363068846"/>
+      </p:ext>
+    </p:extLst>
+  </p:cSld>
+  <p:clrMapOvr>
+    <a:masterClrMapping/>
+  </p:clrMapOvr>
+</p:sld>
+</file>
+
+<file path=ppt/slides/slide20.xml><?xml version="1.0" encoding="utf-8"?>
+<p:sld xmlns:a="http://schemas.openxmlformats.org/drawingml/2006/main" xmlns:r="http://schemas.openxmlformats.org/officeDocument/2006/relationships" xmlns:p="http://schemas.openxmlformats.org/presentationml/2006/main">
+  <p:cSld>
+    <p:spTree>
+      <p:nvGrpSpPr>
+        <p:cNvPr id="1" name=""/>
+        <p:cNvGrpSpPr/>
+        <p:nvPr/>
+      </p:nvGrpSpPr>
+      <p:grpSpPr>
+        <a:xfrm>
+          <a:off x="0" y="0"/>
+          <a:ext cx="0" cy="0"/>
+          <a:chOff x="0" y="0"/>
+          <a:chExt cx="0" cy="0"/>
+        </a:xfrm>
+      </p:grpSpPr>
+      <p:sp>
+        <p:nvSpPr>
+          <p:cNvPr id="2" name="Title 1">
+            <a:extLst>
+              <a:ext uri="{FF2B5EF4-FFF2-40B4-BE49-F238E27FC236}">
+                <a16:creationId xmlns:a16="http://schemas.microsoft.com/office/drawing/2014/main" id="{399C7560-3F5B-4F7D-AFAA-274187E7E16B}"/>
+              </a:ext>
+            </a:extLst>
+          </p:cNvPr>
+          <p:cNvSpPr>
+            <a:spLocks noGrp="1"/>
+          </p:cNvSpPr>
+          <p:nvPr>
+            <p:ph type="title"/>
+          </p:nvPr>
+        </p:nvSpPr>
+        <p:spPr>
+          <a:xfrm>
+            <a:off x="838200" y="365125"/>
+            <a:ext cx="10515600" cy="881867"/>
+          </a:xfrm>
+        </p:spPr>
+        <p:txBody>
+          <a:bodyPr/>
+          <a:lstStyle/>
+          <a:p>
+            <a:r>
+              <a:rPr lang="en-US" dirty="0">
+                <a:cs typeface="Calibri Light"/>
+              </a:rPr>
+              <a:t>CNN Architecture</a:t>
+            </a:r>
+            <a:endParaRPr lang="en-US" dirty="0"/>
+          </a:p>
+        </p:txBody>
+      </p:sp>
+      <p:pic>
+        <p:nvPicPr>
+          <p:cNvPr id="4" name="Picture 4" descr="A picture containing screenshot&#10;&#10;Description generated with very high confidence">
+            <a:extLst>
+              <a:ext uri="{FF2B5EF4-FFF2-40B4-BE49-F238E27FC236}">
+                <a16:creationId xmlns:a16="http://schemas.microsoft.com/office/drawing/2014/main" id="{34FF62D6-9958-444E-ACC4-892BD760EDA9}"/>
+              </a:ext>
+            </a:extLst>
+          </p:cNvPr>
+          <p:cNvPicPr>
+            <a:picLocks noChangeAspect="1"/>
+          </p:cNvPicPr>
+          <p:nvPr/>
+        </p:nvPicPr>
+        <p:blipFill>
+          <a:blip r:embed="rId2"/>
+          <a:stretch>
+            <a:fillRect/>
+          </a:stretch>
+        </p:blipFill>
+        <p:spPr>
+          <a:xfrm>
+            <a:off x="2496274" y="1374924"/>
+            <a:ext cx="6649655" cy="4571140"/>
+          </a:xfrm>
+          <a:prstGeom prst="rect">
+            <a:avLst/>
+          </a:prstGeom>
+        </p:spPr>
+      </p:pic>
+    </p:spTree>
+    <p:extLst>
+      <p:ext uri="{BB962C8B-B14F-4D97-AF65-F5344CB8AC3E}">
+        <p14:creationId xmlns:p14="http://schemas.microsoft.com/office/powerpoint/2010/main" val="3212938983"/>
+      </p:ext>
+    </p:extLst>
+  </p:cSld>
+  <p:clrMapOvr>
+    <a:masterClrMapping/>
+  </p:clrMapOvr>
+</p:sld>
+</file>
+
+<file path=ppt/slides/slide21.xml><?xml version="1.0" encoding="utf-8"?>
+<p:sld xmlns:a="http://schemas.openxmlformats.org/drawingml/2006/main" xmlns:r="http://schemas.openxmlformats.org/officeDocument/2006/relationships" xmlns:p="http://schemas.openxmlformats.org/presentationml/2006/main">
+  <p:cSld>
+    <p:spTree>
+      <p:nvGrpSpPr>
+        <p:cNvPr id="1" name=""/>
+        <p:cNvGrpSpPr/>
+        <p:nvPr/>
+      </p:nvGrpSpPr>
+      <p:grpSpPr>
+        <a:xfrm>
+          <a:off x="0" y="0"/>
+          <a:ext cx="0" cy="0"/>
+          <a:chOff x="0" y="0"/>
+          <a:chExt cx="0" cy="0"/>
+        </a:xfrm>
+      </p:grpSpPr>
+      <p:sp>
+        <p:nvSpPr>
+          <p:cNvPr id="2" name="Title 1">
+            <a:extLst>
+              <a:ext uri="{FF2B5EF4-FFF2-40B4-BE49-F238E27FC236}">
+                <a16:creationId xmlns:a16="http://schemas.microsoft.com/office/drawing/2014/main" id="{3F111B8D-B275-406D-B291-39BB7DF1B456}"/>
+              </a:ext>
+            </a:extLst>
+          </p:cNvPr>
+          <p:cNvSpPr>
+            <a:spLocks noGrp="1"/>
+          </p:cNvSpPr>
+          <p:nvPr>
+            <p:ph type="title"/>
+          </p:nvPr>
+        </p:nvSpPr>
+        <p:spPr>
+          <a:xfrm>
+            <a:off x="838200" y="365125"/>
+            <a:ext cx="10515600" cy="843285"/>
+          </a:xfrm>
+        </p:spPr>
+        <p:txBody>
+          <a:bodyPr/>
+          <a:lstStyle/>
+          <a:p>
+            <a:r>
+              <a:rPr lang="en-US" dirty="0">
+                <a:cs typeface="Calibri Light"/>
+              </a:rPr>
+              <a:t>Results</a:t>
+            </a:r>
+            <a:endParaRPr lang="en-US" dirty="0"/>
+          </a:p>
+        </p:txBody>
+      </p:sp>
+      <p:pic>
+        <p:nvPicPr>
+          <p:cNvPr id="4" name="Picture 4" descr="A picture containing screenshot&#10;&#10;Description generated with very high confidence">
+            <a:extLst>
+              <a:ext uri="{FF2B5EF4-FFF2-40B4-BE49-F238E27FC236}">
+                <a16:creationId xmlns:a16="http://schemas.microsoft.com/office/drawing/2014/main" id="{5661C85C-7716-4178-A114-5311EFB004D8}"/>
+              </a:ext>
+            </a:extLst>
+          </p:cNvPr>
+          <p:cNvPicPr>
+            <a:picLocks noGrp="1" noChangeAspect="1"/>
+          </p:cNvPicPr>
+          <p:nvPr>
+            <p:ph idx="1"/>
+          </p:nvPr>
+        </p:nvPicPr>
+        <p:blipFill>
+          <a:blip r:embed="rId2"/>
+          <a:stretch>
+            <a:fillRect/>
+          </a:stretch>
+        </p:blipFill>
+        <p:spPr>
+          <a:xfrm>
+            <a:off x="1167958" y="1521780"/>
+            <a:ext cx="4705350" cy="3714750"/>
+          </a:xfrm>
+          <a:prstGeom prst="rect">
+            <a:avLst/>
+          </a:prstGeom>
+        </p:spPr>
+      </p:pic>
+      <p:pic>
+        <p:nvPicPr>
+          <p:cNvPr id="6" name="Picture 6" descr="A screenshot of a social media post&#10;&#10;Description generated with very high confidence">
+            <a:extLst>
+              <a:ext uri="{FF2B5EF4-FFF2-40B4-BE49-F238E27FC236}">
+                <a16:creationId xmlns:a16="http://schemas.microsoft.com/office/drawing/2014/main" id="{4AED4E68-2D95-47F3-9DB9-92C588186131}"/>
+              </a:ext>
+            </a:extLst>
+          </p:cNvPr>
+          <p:cNvPicPr>
+            <a:picLocks noChangeAspect="1"/>
+          </p:cNvPicPr>
+          <p:nvPr/>
+        </p:nvPicPr>
+        <p:blipFill>
+          <a:blip r:embed="rId3"/>
+          <a:stretch>
+            <a:fillRect/>
+          </a:stretch>
+        </p:blipFill>
+        <p:spPr>
+          <a:xfrm>
+            <a:off x="7029692" y="1523652"/>
+            <a:ext cx="4662667" cy="3714239"/>
+          </a:xfrm>
+          <a:prstGeom prst="rect">
+            <a:avLst/>
+          </a:prstGeom>
+        </p:spPr>
+      </p:pic>
+      <p:sp>
+        <p:nvSpPr>
+          <p:cNvPr id="8" name="TextBox 7">
+            <a:extLst>
+              <a:ext uri="{FF2B5EF4-FFF2-40B4-BE49-F238E27FC236}">
+                <a16:creationId xmlns:a16="http://schemas.microsoft.com/office/drawing/2014/main" id="{5A789BD8-DF91-4921-A29D-DBA6B8699ED9}"/>
+              </a:ext>
+            </a:extLst>
+          </p:cNvPr>
+          <p:cNvSpPr txBox="1"/>
+          <p:nvPr/>
+        </p:nvSpPr>
+        <p:spPr>
+          <a:xfrm>
+            <a:off x="1165184" y="5510514"/>
+            <a:ext cx="9302187" cy="369332"/>
+          </a:xfrm>
+          <a:prstGeom prst="rect">
+            <a:avLst/>
+          </a:prstGeom>
+        </p:spPr>
+        <p:txBody>
+          <a:bodyPr rot="0" spcFirstLastPara="0" vertOverflow="overflow" horzOverflow="overflow" vert="horz" wrap="square" lIns="91440" tIns="45720" rIns="91440" bIns="45720" numCol="1" spcCol="0" rtlCol="0" fromWordArt="0" anchor="t" anchorCtr="0" forceAA="0" compatLnSpc="1">
+            <a:prstTxWarp prst="textNoShape">
+              <a:avLst/>
+            </a:prstTxWarp>
+            <a:spAutoFit/>
+          </a:bodyPr>
+          <a:lstStyle/>
+          <a:p>
+            <a:r>
+              <a:rPr lang="en-US" dirty="0">
+                <a:cs typeface="Calibri"/>
+              </a:rPr>
+              <a:t>The model achieved the accuracy of 91%.</a:t>
+            </a:r>
+          </a:p>
+        </p:txBody>
+      </p:sp>
+    </p:spTree>
+    <p:extLst>
+      <p:ext uri="{BB962C8B-B14F-4D97-AF65-F5344CB8AC3E}">
+        <p14:creationId xmlns:p14="http://schemas.microsoft.com/office/powerpoint/2010/main" val="326705986"/>
+      </p:ext>
+    </p:extLst>
+  </p:cSld>
+  <p:clrMapOvr>
+    <a:masterClrMapping/>
+  </p:clrMapOvr>
+</p:sld>
+</file>
+
+<file path=ppt/slides/slide22.xml><?xml version="1.0" encoding="utf-8"?>
+<p:sld xmlns:a="http://schemas.openxmlformats.org/drawingml/2006/main" xmlns:r="http://schemas.openxmlformats.org/officeDocument/2006/relationships" xmlns:p="http://schemas.openxmlformats.org/presentationml/2006/main">
+  <p:cSld>
+    <p:spTree>
+      <p:nvGrpSpPr>
+        <p:cNvPr id="1" name=""/>
+        <p:cNvGrpSpPr/>
+        <p:nvPr/>
+      </p:nvGrpSpPr>
+      <p:grpSpPr>
+        <a:xfrm>
+          <a:off x="0" y="0"/>
+          <a:ext cx="0" cy="0"/>
+          <a:chOff x="0" y="0"/>
+          <a:chExt cx="0" cy="0"/>
+        </a:xfrm>
+      </p:grpSpPr>
+      <p:sp>
+        <p:nvSpPr>
+          <p:cNvPr id="2" name="Title 1">
+            <a:extLst>
+              <a:ext uri="{FF2B5EF4-FFF2-40B4-BE49-F238E27FC236}">
+                <a16:creationId xmlns:a16="http://schemas.microsoft.com/office/drawing/2014/main" id="{E9CF7272-45E9-9A41-A75B-63BA73500A59}"/>
+              </a:ext>
+            </a:extLst>
+          </p:cNvPr>
+          <p:cNvSpPr>
+            <a:spLocks noGrp="1"/>
+          </p:cNvSpPr>
+          <p:nvPr>
+            <p:ph type="title"/>
+          </p:nvPr>
+        </p:nvSpPr>
+        <p:spPr/>
+        <p:txBody>
+          <a:bodyPr/>
+          <a:lstStyle/>
+          <a:p>
+            <a:r>
+              <a:rPr lang="en-US" dirty="0"/>
+              <a:t>Image Classification with </a:t>
+            </a:r>
+            <a:r>
+              <a:rPr lang="en-US" dirty="0" err="1"/>
+              <a:t>PyTorch</a:t>
+            </a:r>
+            <a:endParaRPr lang="en-US" dirty="0"/>
+          </a:p>
+        </p:txBody>
+      </p:sp>
+      <p:sp>
+        <p:nvSpPr>
+          <p:cNvPr id="3" name="Content Placeholder 2">
+            <a:extLst>
+              <a:ext uri="{FF2B5EF4-FFF2-40B4-BE49-F238E27FC236}">
+                <a16:creationId xmlns:a16="http://schemas.microsoft.com/office/drawing/2014/main" id="{C69E5F14-3F33-9245-B953-ADFB77433CCD}"/>
+              </a:ext>
+            </a:extLst>
+          </p:cNvPr>
+          <p:cNvSpPr>
+            <a:spLocks noGrp="1"/>
+          </p:cNvSpPr>
+          <p:nvPr>
+            <p:ph idx="1"/>
+          </p:nvPr>
+        </p:nvSpPr>
+        <p:spPr/>
+        <p:txBody>
+          <a:bodyPr>
+            <a:normAutofit fontScale="92500" lnSpcReduction="20000"/>
+          </a:bodyPr>
+          <a:lstStyle/>
+          <a:p>
+            <a:r>
+              <a:rPr lang="en-US" dirty="0"/>
+              <a:t>Preprocessing:</a:t>
+            </a:r>
+          </a:p>
+          <a:p>
+            <a:pPr lvl="1"/>
+            <a:r>
+              <a:rPr lang="en-US" dirty="0"/>
+              <a:t>Resize to 40 x 40 </a:t>
+            </a:r>
+          </a:p>
+          <a:p>
+            <a:pPr lvl="1"/>
+            <a:r>
+              <a:rPr lang="en-US" dirty="0"/>
+              <a:t>Grayscale</a:t>
+            </a:r>
+          </a:p>
+          <a:p>
+            <a:r>
+              <a:rPr lang="en-US" dirty="0"/>
+              <a:t>Algorithm:</a:t>
+            </a:r>
+          </a:p>
+          <a:p>
+            <a:pPr lvl="1"/>
+            <a:r>
+              <a:rPr lang="en-US" dirty="0"/>
+              <a:t>Convolutional Neural Network with 3 Convolution-</a:t>
+            </a:r>
+            <a:r>
+              <a:rPr lang="en-US" dirty="0" err="1"/>
+              <a:t>BatchNorm</a:t>
+            </a:r>
+            <a:r>
+              <a:rPr lang="en-US" dirty="0"/>
+              <a:t>-</a:t>
+            </a:r>
+            <a:r>
+              <a:rPr lang="en-US" dirty="0" err="1"/>
+              <a:t>Relu-Maxpool</a:t>
+            </a:r>
+            <a:r>
+              <a:rPr lang="en-US" dirty="0"/>
+              <a:t>, layers,  Dropout, and Fully Connected Layer</a:t>
+            </a:r>
+          </a:p>
+          <a:p>
+            <a:pPr lvl="1"/>
+            <a:r>
+              <a:rPr lang="en-US" dirty="0"/>
+              <a:t>Kernel size 3x3</a:t>
+            </a:r>
+          </a:p>
+          <a:p>
+            <a:pPr lvl="1"/>
+            <a:r>
+              <a:rPr lang="en-US" dirty="0"/>
+              <a:t>Number of kernels: 48 – 64 – 32</a:t>
+            </a:r>
+          </a:p>
+          <a:p>
+            <a:pPr lvl="1"/>
+            <a:r>
+              <a:rPr lang="en-US" dirty="0"/>
+              <a:t>Dropout p=0.50</a:t>
+            </a:r>
+          </a:p>
+          <a:p>
+            <a:r>
+              <a:rPr lang="en-US" dirty="0"/>
+              <a:t>Optimizer: SGD</a:t>
+            </a:r>
+          </a:p>
+          <a:p>
+            <a:r>
+              <a:rPr lang="en-US" dirty="0"/>
+              <a:t>Batch Size: 32</a:t>
+            </a:r>
+          </a:p>
+          <a:p>
+            <a:r>
+              <a:rPr lang="en-US" dirty="0"/>
+              <a:t>Learning rate: 0.005</a:t>
+            </a:r>
+          </a:p>
+          <a:p>
+            <a:pPr marL="0" indent="0">
+              <a:buNone/>
+            </a:pPr>
+            <a:endParaRPr lang="en-US" dirty="0"/>
+          </a:p>
+          <a:p>
+            <a:pPr lvl="1"/>
+            <a:endParaRPr lang="en-US" dirty="0"/>
+          </a:p>
+        </p:txBody>
+      </p:sp>
+    </p:spTree>
+    <p:extLst>
+      <p:ext uri="{BB962C8B-B14F-4D97-AF65-F5344CB8AC3E}">
+        <p14:creationId xmlns:p14="http://schemas.microsoft.com/office/powerpoint/2010/main" val="1196567675"/>
+      </p:ext>
+    </p:extLst>
+  </p:cSld>
+  <p:clrMapOvr>
+    <a:masterClrMapping/>
+  </p:clrMapOvr>
+</p:sld>
+</file>
+
+<file path=ppt/slides/slide23.xml><?xml version="1.0" encoding="utf-8"?>
+<p:sld xmlns:a="http://schemas.openxmlformats.org/drawingml/2006/main" xmlns:r="http://schemas.openxmlformats.org/officeDocument/2006/relationships" xmlns:p="http://schemas.openxmlformats.org/presentationml/2006/main">
+  <p:cSld>
+    <p:spTree>
+      <p:nvGrpSpPr>
+        <p:cNvPr id="1" name=""/>
+        <p:cNvGrpSpPr/>
+        <p:nvPr/>
+      </p:nvGrpSpPr>
+      <p:grpSpPr>
+        <a:xfrm>
+          <a:off x="0" y="0"/>
+          <a:ext cx="0" cy="0"/>
+          <a:chOff x="0" y="0"/>
+          <a:chExt cx="0" cy="0"/>
+        </a:xfrm>
+      </p:grpSpPr>
+      <p:sp>
+        <p:nvSpPr>
+          <p:cNvPr id="2" name="Title 1">
+            <a:extLst>
+              <a:ext uri="{FF2B5EF4-FFF2-40B4-BE49-F238E27FC236}">
+                <a16:creationId xmlns:a16="http://schemas.microsoft.com/office/drawing/2014/main" id="{5998E694-B97F-7A43-A126-6AA77E63E10E}"/>
+              </a:ext>
+            </a:extLst>
+          </p:cNvPr>
+          <p:cNvSpPr>
+            <a:spLocks noGrp="1"/>
+          </p:cNvSpPr>
+          <p:nvPr>
+            <p:ph type="title"/>
+          </p:nvPr>
+        </p:nvSpPr>
+        <p:spPr>
+          <a:xfrm>
+            <a:off x="838200" y="365126"/>
+            <a:ext cx="10515600" cy="921808"/>
+          </a:xfrm>
+        </p:spPr>
+        <p:txBody>
+          <a:bodyPr/>
+          <a:lstStyle/>
+          <a:p>
+            <a:r>
+              <a:rPr lang="en-US" dirty="0"/>
+              <a:t>The </a:t>
+            </a:r>
+            <a:r>
+              <a:rPr lang="en-US" dirty="0" err="1"/>
+              <a:t>PyTorch</a:t>
+            </a:r>
+            <a:r>
+              <a:rPr lang="en-US" dirty="0"/>
+              <a:t> Model</a:t>
+            </a:r>
+          </a:p>
+        </p:txBody>
+      </p:sp>
+      <p:pic>
+        <p:nvPicPr>
+          <p:cNvPr id="7" name="Picture 6">
+            <a:extLst>
+              <a:ext uri="{FF2B5EF4-FFF2-40B4-BE49-F238E27FC236}">
+                <a16:creationId xmlns:a16="http://schemas.microsoft.com/office/drawing/2014/main" id="{CDAF9D3D-3555-2343-B09D-40C07E73FD49}"/>
+              </a:ext>
+            </a:extLst>
+          </p:cNvPr>
+          <p:cNvPicPr>
+            <a:picLocks noChangeAspect="1"/>
+          </p:cNvPicPr>
+          <p:nvPr/>
+        </p:nvPicPr>
+        <p:blipFill>
+          <a:blip r:embed="rId2"/>
+          <a:stretch>
+            <a:fillRect/>
+          </a:stretch>
+        </p:blipFill>
+        <p:spPr>
+          <a:xfrm>
+            <a:off x="1016000" y="1476022"/>
+            <a:ext cx="7507817" cy="5005211"/>
+          </a:xfrm>
+          <a:prstGeom prst="rect">
+            <a:avLst/>
+          </a:prstGeom>
+        </p:spPr>
+      </p:pic>
+    </p:spTree>
+    <p:extLst>
+      <p:ext uri="{BB962C8B-B14F-4D97-AF65-F5344CB8AC3E}">
+        <p14:creationId xmlns:p14="http://schemas.microsoft.com/office/powerpoint/2010/main" val="3954673419"/>
+      </p:ext>
+    </p:extLst>
+  </p:cSld>
+  <p:clrMapOvr>
+    <a:masterClrMapping/>
+  </p:clrMapOvr>
+</p:sld>
+</file>
+
+<file path=ppt/slides/slide24.xml><?xml version="1.0" encoding="utf-8"?>
+<p:sld xmlns:a="http://schemas.openxmlformats.org/drawingml/2006/main" xmlns:r="http://schemas.openxmlformats.org/officeDocument/2006/relationships" xmlns:p="http://schemas.openxmlformats.org/presentationml/2006/main">
+  <p:cSld>
+    <p:spTree>
+      <p:nvGrpSpPr>
+        <p:cNvPr id="1" name=""/>
+        <p:cNvGrpSpPr/>
+        <p:nvPr/>
+      </p:nvGrpSpPr>
+      <p:grpSpPr>
+        <a:xfrm>
+          <a:off x="0" y="0"/>
+          <a:ext cx="0" cy="0"/>
+          <a:chOff x="0" y="0"/>
+          <a:chExt cx="0" cy="0"/>
+        </a:xfrm>
+      </p:grpSpPr>
+      <p:sp>
+        <p:nvSpPr>
+          <p:cNvPr id="2" name="Title 1">
+            <a:extLst>
+              <a:ext uri="{FF2B5EF4-FFF2-40B4-BE49-F238E27FC236}">
+                <a16:creationId xmlns:a16="http://schemas.microsoft.com/office/drawing/2014/main" id="{3AA0B488-A1EF-F541-B294-C16C9522FF04}"/>
+              </a:ext>
+            </a:extLst>
+          </p:cNvPr>
+          <p:cNvSpPr>
+            <a:spLocks noGrp="1"/>
+          </p:cNvSpPr>
+          <p:nvPr>
+            <p:ph type="title"/>
+          </p:nvPr>
+        </p:nvSpPr>
+        <p:spPr>
+          <a:xfrm>
+            <a:off x="838200" y="365126"/>
+            <a:ext cx="10515600" cy="975160"/>
+          </a:xfrm>
+        </p:spPr>
+        <p:txBody>
+          <a:bodyPr/>
+          <a:lstStyle/>
+          <a:p>
+            <a:r>
+              <a:rPr lang="en-US" dirty="0"/>
+              <a:t>Experimental Approach</a:t>
+            </a:r>
+          </a:p>
+        </p:txBody>
+      </p:sp>
+      <p:sp>
+        <p:nvSpPr>
+          <p:cNvPr id="3" name="Content Placeholder 2">
+            <a:extLst>
+              <a:ext uri="{FF2B5EF4-FFF2-40B4-BE49-F238E27FC236}">
+                <a16:creationId xmlns:a16="http://schemas.microsoft.com/office/drawing/2014/main" id="{B7E38889-3407-174C-BD50-56CF6E95F731}"/>
+              </a:ext>
+            </a:extLst>
+          </p:cNvPr>
+          <p:cNvSpPr>
+            <a:spLocks noGrp="1"/>
+          </p:cNvSpPr>
+          <p:nvPr>
+            <p:ph idx="1"/>
+          </p:nvPr>
+        </p:nvSpPr>
+        <p:spPr>
+          <a:xfrm>
+            <a:off x="838200" y="1483519"/>
+            <a:ext cx="10879667" cy="1053042"/>
+          </a:xfrm>
+        </p:spPr>
+        <p:txBody>
+          <a:bodyPr>
+            <a:normAutofit fontScale="85000" lnSpcReduction="20000"/>
+          </a:bodyPr>
+          <a:lstStyle/>
+          <a:p>
+            <a:r>
+              <a:rPr lang="en-US" dirty="0"/>
+              <a:t>Main python code accepted command line arguments to select different network architectures and hyper-parameters</a:t>
+            </a:r>
+          </a:p>
+          <a:p>
+            <a:r>
+              <a:rPr lang="en-US" dirty="0"/>
+              <a:t>Each run results run written file</a:t>
+            </a:r>
+          </a:p>
+          <a:p>
+            <a:endParaRPr lang="en-US" dirty="0"/>
+          </a:p>
+        </p:txBody>
+      </p:sp>
+      <p:pic>
+        <p:nvPicPr>
+          <p:cNvPr id="4" name="Picture 3">
+            <a:extLst>
+              <a:ext uri="{FF2B5EF4-FFF2-40B4-BE49-F238E27FC236}">
+                <a16:creationId xmlns:a16="http://schemas.microsoft.com/office/drawing/2014/main" id="{F714CFC0-7D38-1D4A-BE8C-4FE192ED65DA}"/>
+              </a:ext>
+            </a:extLst>
+          </p:cNvPr>
+          <p:cNvPicPr/>
+          <p:nvPr/>
+        </p:nvPicPr>
+        <p:blipFill>
+          <a:blip r:embed="rId2">
+            <a:extLst>
+              <a:ext uri="{28A0092B-C50C-407E-A947-70E740481C1C}">
+                <a14:useLocalDpi xmlns:a14="http://schemas.microsoft.com/office/drawing/2010/main" val="0"/>
+              </a:ext>
+            </a:extLst>
+          </a:blip>
+          <a:stretch>
+            <a:fillRect/>
+          </a:stretch>
+        </p:blipFill>
+        <p:spPr>
+          <a:xfrm>
+            <a:off x="5147733" y="3382435"/>
+            <a:ext cx="6790267" cy="2929465"/>
+          </a:xfrm>
+          <a:prstGeom prst="rect">
+            <a:avLst/>
+          </a:prstGeom>
+        </p:spPr>
+      </p:pic>
+      <p:sp>
+        <p:nvSpPr>
+          <p:cNvPr id="5" name="TextBox 4">
+            <a:extLst>
+              <a:ext uri="{FF2B5EF4-FFF2-40B4-BE49-F238E27FC236}">
+                <a16:creationId xmlns:a16="http://schemas.microsoft.com/office/drawing/2014/main" id="{9F8D1BD4-CD38-DD44-A2B8-AC80391E8247}"/>
+              </a:ext>
+            </a:extLst>
+          </p:cNvPr>
+          <p:cNvSpPr txBox="1"/>
+          <p:nvPr/>
+        </p:nvSpPr>
+        <p:spPr>
+          <a:xfrm>
+            <a:off x="838200" y="2536561"/>
+            <a:ext cx="3564467" cy="4154984"/>
+          </a:xfrm>
+          <a:prstGeom prst="rect">
+            <a:avLst/>
+          </a:prstGeom>
+          <a:noFill/>
+        </p:spPr>
+        <p:txBody>
+          <a:bodyPr wrap="square" rtlCol="0">
+            <a:spAutoFit/>
+          </a:bodyPr>
+          <a:lstStyle/>
+          <a:p>
+            <a:pPr marL="285750" indent="-285750">
+              <a:buFont typeface="Arial" panose="020B0604020202020204" pitchFamily="34" charset="0"/>
+              <a:buChar char="•"/>
+            </a:pPr>
+            <a:r>
+              <a:rPr lang="en-US" sz="2400" dirty="0"/>
+              <a:t>Bash scripts to kick off runs in the background</a:t>
+            </a:r>
+          </a:p>
+          <a:p>
+            <a:pPr marL="285750" indent="-285750">
+              <a:buFont typeface="Arial" panose="020B0604020202020204" pitchFamily="34" charset="0"/>
+              <a:buChar char="•"/>
+            </a:pPr>
+            <a:r>
+              <a:rPr lang="en-US" sz="2400" dirty="0"/>
+              <a:t>Used cloud GPU – way too slow on a CPU-only machine</a:t>
+            </a:r>
+          </a:p>
+          <a:p>
+            <a:pPr marL="285750" indent="-285750">
+              <a:buFont typeface="Arial" panose="020B0604020202020204" pitchFamily="34" charset="0"/>
+              <a:buChar char="•"/>
+            </a:pPr>
+            <a:r>
+              <a:rPr lang="en-US" sz="2400" dirty="0"/>
+              <a:t>Performance measures collected each epoch:</a:t>
+            </a:r>
+          </a:p>
+          <a:p>
+            <a:pPr marL="742950" lvl="1" indent="-285750">
+              <a:buFont typeface="Arial" panose="020B0604020202020204" pitchFamily="34" charset="0"/>
+              <a:buChar char="•"/>
+            </a:pPr>
+            <a:r>
+              <a:rPr lang="en-US" sz="2400" dirty="0"/>
+              <a:t>Loss</a:t>
+            </a:r>
+          </a:p>
+          <a:p>
+            <a:pPr marL="742950" lvl="1" indent="-285750">
+              <a:buFont typeface="Arial" panose="020B0604020202020204" pitchFamily="34" charset="0"/>
+              <a:buChar char="•"/>
+            </a:pPr>
+            <a:r>
+              <a:rPr lang="en-US" sz="2400" dirty="0"/>
+              <a:t>Val Accuracy</a:t>
+            </a:r>
+          </a:p>
+          <a:p>
+            <a:pPr marL="285750" indent="-285750">
+              <a:buFont typeface="Arial" panose="020B0604020202020204" pitchFamily="34" charset="0"/>
+              <a:buChar char="•"/>
+            </a:pPr>
+            <a:r>
+              <a:rPr lang="en-US" sz="2400" dirty="0"/>
+              <a:t>Weights saved for later visualization</a:t>
+            </a:r>
+          </a:p>
+        </p:txBody>
+      </p:sp>
+    </p:spTree>
+    <p:extLst>
+      <p:ext uri="{BB962C8B-B14F-4D97-AF65-F5344CB8AC3E}">
+        <p14:creationId xmlns:p14="http://schemas.microsoft.com/office/powerpoint/2010/main" val="2904194048"/>
+      </p:ext>
+    </p:extLst>
+  </p:cSld>
+  <p:clrMapOvr>
+    <a:masterClrMapping/>
+  </p:clrMapOvr>
+</p:sld>
+</file>
+
+<file path=ppt/slides/slide25.xml><?xml version="1.0" encoding="utf-8"?>
+<p:sld xmlns:a="http://schemas.openxmlformats.org/drawingml/2006/main" xmlns:r="http://schemas.openxmlformats.org/officeDocument/2006/relationships" xmlns:p="http://schemas.openxmlformats.org/presentationml/2006/main">
+  <p:cSld>
+    <p:spTree>
+      <p:nvGrpSpPr>
+        <p:cNvPr id="1" name=""/>
+        <p:cNvGrpSpPr/>
+        <p:nvPr/>
+      </p:nvGrpSpPr>
+      <p:grpSpPr>
+        <a:xfrm>
+          <a:off x="0" y="0"/>
+          <a:ext cx="0" cy="0"/>
+          <a:chOff x="0" y="0"/>
+          <a:chExt cx="0" cy="0"/>
+        </a:xfrm>
+      </p:grpSpPr>
+      <p:sp>
+        <p:nvSpPr>
+          <p:cNvPr id="2" name="Title 1">
+            <a:extLst>
+              <a:ext uri="{FF2B5EF4-FFF2-40B4-BE49-F238E27FC236}">
                 <a16:creationId xmlns:a16="http://schemas.microsoft.com/office/drawing/2014/main" id="{6CEE6274-F0D1-6C42-A052-E82D63002660}"/>
               </a:ext>
             </a:extLst>
@@ -7102,7 +9589,7 @@
 </p:sld>
 </file>
 
-<file path=ppt/slides/slide12.xml><?xml version="1.0" encoding="utf-8"?>
+<file path=ppt/slides/slide26.xml><?xml version="1.0" encoding="utf-8"?>
 <p:sld xmlns:a="http://schemas.openxmlformats.org/drawingml/2006/main" xmlns:r="http://schemas.openxmlformats.org/officeDocument/2006/relationships" xmlns:p="http://schemas.openxmlformats.org/presentationml/2006/main">
   <p:cSld>
     <p:spTree>
@@ -7266,7 +9753,7 @@
 </p:sld>
 </file>
 
-<file path=ppt/slides/slide13.xml><?xml version="1.0" encoding="utf-8"?>
+<file path=ppt/slides/slide27.xml><?xml version="1.0" encoding="utf-8"?>
 <p:sld xmlns:a="http://schemas.openxmlformats.org/drawingml/2006/main" xmlns:r="http://schemas.openxmlformats.org/officeDocument/2006/relationships" xmlns:p="http://schemas.openxmlformats.org/presentationml/2006/main">
   <p:cSld>
     <p:spTree>
@@ -7420,7 +9907,7 @@
 </p:sld>
 </file>
 
-<file path=ppt/slides/slide14.xml><?xml version="1.0" encoding="utf-8"?>
+<file path=ppt/slides/slide28.xml><?xml version="1.0" encoding="utf-8"?>
 <p:sld xmlns:a="http://schemas.openxmlformats.org/drawingml/2006/main" xmlns:r="http://schemas.openxmlformats.org/officeDocument/2006/relationships" xmlns:p="http://schemas.openxmlformats.org/presentationml/2006/main">
   <p:cSld>
     <p:spTree>
@@ -7583,7 +10070,7 @@
 </p:sld>
 </file>
 
-<file path=ppt/slides/slide15.xml><?xml version="1.0" encoding="utf-8"?>
+<file path=ppt/slides/slide29.xml><?xml version="1.0" encoding="utf-8"?>
 <p:sld xmlns:a="http://schemas.openxmlformats.org/drawingml/2006/main" xmlns:r="http://schemas.openxmlformats.org/officeDocument/2006/relationships" xmlns:p="http://schemas.openxmlformats.org/presentationml/2006/main">
   <p:cSld>
     <p:spTree>
@@ -7722,7 +10209,129 @@
 </p:sld>
 </file>
 
-<file path=ppt/slides/slide16.xml><?xml version="1.0" encoding="utf-8"?>
+<file path=ppt/slides/slide3.xml><?xml version="1.0" encoding="utf-8"?>
+<p:sld xmlns:a="http://schemas.openxmlformats.org/drawingml/2006/main" xmlns:r="http://schemas.openxmlformats.org/officeDocument/2006/relationships" xmlns:p="http://schemas.openxmlformats.org/presentationml/2006/main">
+  <p:cSld>
+    <p:spTree>
+      <p:nvGrpSpPr>
+        <p:cNvPr id="1" name=""/>
+        <p:cNvGrpSpPr/>
+        <p:nvPr/>
+      </p:nvGrpSpPr>
+      <p:grpSpPr>
+        <a:xfrm>
+          <a:off x="0" y="0"/>
+          <a:ext cx="0" cy="0"/>
+          <a:chOff x="0" y="0"/>
+          <a:chExt cx="0" cy="0"/>
+        </a:xfrm>
+      </p:grpSpPr>
+      <p:sp>
+        <p:nvSpPr>
+          <p:cNvPr id="2" name="Title 1">
+            <a:extLst>
+              <a:ext uri="{FF2B5EF4-FFF2-40B4-BE49-F238E27FC236}">
+                <a16:creationId xmlns:a16="http://schemas.microsoft.com/office/drawing/2014/main" id="{DBAC227D-73A6-2549-B02B-CD01E7CE215C}"/>
+              </a:ext>
+            </a:extLst>
+          </p:cNvPr>
+          <p:cNvSpPr>
+            <a:spLocks noGrp="1"/>
+          </p:cNvSpPr>
+          <p:nvPr>
+            <p:ph type="title"/>
+          </p:nvPr>
+        </p:nvSpPr>
+        <p:spPr/>
+        <p:txBody>
+          <a:bodyPr/>
+          <a:lstStyle/>
+          <a:p>
+            <a:r>
+              <a:rPr lang="en-US" dirty="0"/>
+              <a:t>The Data</a:t>
+            </a:r>
+          </a:p>
+        </p:txBody>
+      </p:sp>
+      <p:pic>
+        <p:nvPicPr>
+          <p:cNvPr id="5" name="Content Placeholder 4">
+            <a:extLst>
+              <a:ext uri="{FF2B5EF4-FFF2-40B4-BE49-F238E27FC236}">
+                <a16:creationId xmlns:a16="http://schemas.microsoft.com/office/drawing/2014/main" id="{74C39717-0618-684D-9199-A04C68DADD2B}"/>
+              </a:ext>
+            </a:extLst>
+          </p:cNvPr>
+          <p:cNvPicPr>
+            <a:picLocks noGrp="1" noChangeAspect="1"/>
+          </p:cNvPicPr>
+          <p:nvPr>
+            <p:ph idx="1"/>
+          </p:nvPr>
+        </p:nvPicPr>
+        <p:blipFill>
+          <a:blip r:embed="rId2"/>
+          <a:stretch>
+            <a:fillRect/>
+          </a:stretch>
+        </p:blipFill>
+        <p:spPr>
+          <a:xfrm>
+            <a:off x="1943312" y="2150533"/>
+            <a:ext cx="8877089" cy="4026430"/>
+          </a:xfrm>
+        </p:spPr>
+      </p:pic>
+      <p:sp>
+        <p:nvSpPr>
+          <p:cNvPr id="6" name="TextBox 5">
+            <a:extLst>
+              <a:ext uri="{FF2B5EF4-FFF2-40B4-BE49-F238E27FC236}">
+                <a16:creationId xmlns:a16="http://schemas.microsoft.com/office/drawing/2014/main" id="{496BE8AB-FD5A-6D41-B6FB-F545FAE4FBB6}"/>
+              </a:ext>
+            </a:extLst>
+          </p:cNvPr>
+          <p:cNvSpPr txBox="1"/>
+          <p:nvPr/>
+        </p:nvSpPr>
+        <p:spPr>
+          <a:xfrm>
+            <a:off x="694267" y="1506022"/>
+            <a:ext cx="4954433" cy="369332"/>
+          </a:xfrm>
+          <a:prstGeom prst="rect">
+            <a:avLst/>
+          </a:prstGeom>
+          <a:noFill/>
+        </p:spPr>
+        <p:txBody>
+          <a:bodyPr wrap="none" rtlCol="0">
+            <a:spAutoFit/>
+          </a:bodyPr>
+          <a:lstStyle/>
+          <a:p>
+            <a:r>
+              <a:rPr lang="en-US" dirty="0"/>
+              <a:t>Images from Google Street View that contain digits</a:t>
+            </a:r>
+          </a:p>
+        </p:txBody>
+      </p:sp>
+    </p:spTree>
+    <p:extLst>
+      <p:ext uri="{BB962C8B-B14F-4D97-AF65-F5344CB8AC3E}">
+        <p14:creationId xmlns:p14="http://schemas.microsoft.com/office/powerpoint/2010/main" val="1754611962"/>
+      </p:ext>
+    </p:extLst>
+  </p:cSld>
+  <p:clrMapOvr>
+    <a:masterClrMapping/>
+  </p:clrMapOvr>
+</p:sld>
+</file>
+
+<file path=ppt/slides/slide30.xml><?xml version="1.0" encoding="utf-8"?>
 <p:sld xmlns:a="http://schemas.openxmlformats.org/drawingml/2006/main" xmlns:r="http://schemas.openxmlformats.org/officeDocument/2006/relationships" xmlns:p="http://schemas.openxmlformats.org/presentationml/2006/main">
   <p:cSld>
     <p:spTree>
@@ -7871,7 +10480,7 @@
 </p:sld>
 </file>
 
-<file path=ppt/slides/slide17.xml><?xml version="1.0" encoding="utf-8"?>
+<file path=ppt/slides/slide31.xml><?xml version="1.0" encoding="utf-8"?>
 <p:sld xmlns:a="http://schemas.openxmlformats.org/drawingml/2006/main" xmlns:r="http://schemas.openxmlformats.org/officeDocument/2006/relationships" xmlns:p="http://schemas.openxmlformats.org/presentationml/2006/main">
   <p:cSld>
     <p:spTree>
@@ -7958,7 +10567,7 @@
 </p:sld>
 </file>
 
-<file path=ppt/slides/slide18.xml><?xml version="1.0" encoding="utf-8"?>
+<file path=ppt/slides/slide32.xml><?xml version="1.0" encoding="utf-8"?>
 <p:sld xmlns:a="http://schemas.openxmlformats.org/drawingml/2006/main" xmlns:r="http://schemas.openxmlformats.org/officeDocument/2006/relationships" xmlns:p="http://schemas.openxmlformats.org/presentationml/2006/main">
   <p:cSld>
     <p:spTree>
@@ -8045,7 +10654,7 @@
 </p:sld>
 </file>
 
-<file path=ppt/slides/slide19.xml><?xml version="1.0" encoding="utf-8"?>
+<file path=ppt/slides/slide33.xml><?xml version="1.0" encoding="utf-8"?>
 <p:sld xmlns:a="http://schemas.openxmlformats.org/drawingml/2006/main" xmlns:r="http://schemas.openxmlformats.org/officeDocument/2006/relationships" xmlns:p="http://schemas.openxmlformats.org/presentationml/2006/main">
   <p:cSld>
     <p:spTree>
@@ -8161,118 +10770,7 @@
 </p:sld>
 </file>
 
-<file path=ppt/slides/slide2.xml><?xml version="1.0" encoding="utf-8"?>
-<p:sld xmlns:a="http://schemas.openxmlformats.org/drawingml/2006/main" xmlns:r="http://schemas.openxmlformats.org/officeDocument/2006/relationships" xmlns:p="http://schemas.openxmlformats.org/presentationml/2006/main">
-  <p:cSld>
-    <p:spTree>
-      <p:nvGrpSpPr>
-        <p:cNvPr id="1" name=""/>
-        <p:cNvGrpSpPr/>
-        <p:nvPr/>
-      </p:nvGrpSpPr>
-      <p:grpSpPr>
-        <a:xfrm>
-          <a:off x="0" y="0"/>
-          <a:ext cx="0" cy="0"/>
-          <a:chOff x="0" y="0"/>
-          <a:chExt cx="0" cy="0"/>
-        </a:xfrm>
-      </p:grpSpPr>
-      <p:sp>
-        <p:nvSpPr>
-          <p:cNvPr id="2" name="Title 1">
-            <a:extLst>
-              <a:ext uri="{FF2B5EF4-FFF2-40B4-BE49-F238E27FC236}">
-                <a16:creationId xmlns:a16="http://schemas.microsoft.com/office/drawing/2014/main" id="{E951BFF1-B8CC-9849-A5CA-CB54215F3922}"/>
-              </a:ext>
-            </a:extLst>
-          </p:cNvPr>
-          <p:cNvSpPr>
-            <a:spLocks noGrp="1"/>
-          </p:cNvSpPr>
-          <p:nvPr>
-            <p:ph type="title"/>
-          </p:nvPr>
-        </p:nvSpPr>
-        <p:spPr/>
-        <p:txBody>
-          <a:bodyPr/>
-          <a:lstStyle/>
-          <a:p>
-            <a:r>
-              <a:rPr lang="en-US" dirty="0"/>
-              <a:t>The Project</a:t>
-            </a:r>
-          </a:p>
-        </p:txBody>
-      </p:sp>
-      <p:sp>
-        <p:nvSpPr>
-          <p:cNvPr id="3" name="Content Placeholder 2">
-            <a:extLst>
-              <a:ext uri="{FF2B5EF4-FFF2-40B4-BE49-F238E27FC236}">
-                <a16:creationId xmlns:a16="http://schemas.microsoft.com/office/drawing/2014/main" id="{91A39111-334F-9D43-80F5-F46E2D50DF17}"/>
-              </a:ext>
-            </a:extLst>
-          </p:cNvPr>
-          <p:cNvSpPr>
-            <a:spLocks noGrp="1"/>
-          </p:cNvSpPr>
-          <p:nvPr>
-            <p:ph idx="1"/>
-          </p:nvPr>
-        </p:nvSpPr>
-        <p:spPr/>
-        <p:txBody>
-          <a:bodyPr/>
-          <a:lstStyle/>
-          <a:p>
-            <a:endParaRPr lang="en-US" dirty="0"/>
-          </a:p>
-          <a:p>
-            <a:pPr marL="514350" indent="-514350">
-              <a:buFont typeface="+mj-lt"/>
-              <a:buAutoNum type="arabicPeriod"/>
-            </a:pPr>
-            <a:r>
-              <a:rPr lang="en-US" dirty="0"/>
-              <a:t>Use the Street View House Numbers dataset to classify images from the Street View House Numbers dataset</a:t>
-            </a:r>
-          </a:p>
-          <a:p>
-            <a:pPr marL="514350" indent="-514350">
-              <a:buFont typeface="+mj-lt"/>
-              <a:buAutoNum type="arabicPeriod"/>
-            </a:pPr>
-            <a:r>
-              <a:rPr lang="en-US" dirty="0"/>
-              <a:t>Explore using </a:t>
-            </a:r>
-            <a:r>
-              <a:rPr lang="en-US" dirty="0" err="1"/>
-              <a:t>PyTorch</a:t>
-            </a:r>
-            <a:r>
-              <a:rPr lang="en-US" dirty="0"/>
-              <a:t> and the by-products of an image classification network to remove digits from the test data used in 1)</a:t>
-            </a:r>
-          </a:p>
-        </p:txBody>
-      </p:sp>
-    </p:spTree>
-    <p:extLst>
-      <p:ext uri="{BB962C8B-B14F-4D97-AF65-F5344CB8AC3E}">
-        <p14:creationId xmlns:p14="http://schemas.microsoft.com/office/powerpoint/2010/main" val="1363068846"/>
-      </p:ext>
-    </p:extLst>
-  </p:cSld>
-  <p:clrMapOvr>
-    <a:masterClrMapping/>
-  </p:clrMapOvr>
-</p:sld>
-</file>
-
-<file path=ppt/slides/slide20.xml><?xml version="1.0" encoding="utf-8"?>
+<file path=ppt/slides/slide34.xml><?xml version="1.0" encoding="utf-8"?>
 <p:sld xmlns:a="http://schemas.openxmlformats.org/drawingml/2006/main" xmlns:r="http://schemas.openxmlformats.org/officeDocument/2006/relationships" xmlns:p="http://schemas.openxmlformats.org/presentationml/2006/main">
   <p:cSld>
     <p:spTree>
@@ -8389,7 +10887,7 @@
 </p:sld>
 </file>
 
-<file path=ppt/slides/slide21.xml><?xml version="1.0" encoding="utf-8"?>
+<file path=ppt/slides/slide35.xml><?xml version="1.0" encoding="utf-8"?>
 <p:sld xmlns:a="http://schemas.openxmlformats.org/drawingml/2006/main" xmlns:r="http://schemas.openxmlformats.org/officeDocument/2006/relationships" xmlns:p="http://schemas.openxmlformats.org/presentationml/2006/main">
   <p:cSld>
     <p:spTree>
@@ -8513,7 +11011,7 @@
 </p:sld>
 </file>
 
-<file path=ppt/slides/slide22.xml><?xml version="1.0" encoding="utf-8"?>
+<file path=ppt/slides/slide36.xml><?xml version="1.0" encoding="utf-8"?>
 <p:sld xmlns:a="http://schemas.openxmlformats.org/drawingml/2006/main" xmlns:r="http://schemas.openxmlformats.org/officeDocument/2006/relationships" xmlns:p="http://schemas.openxmlformats.org/presentationml/2006/main">
   <p:cSld>
     <p:spTree>
@@ -8700,7 +11198,7 @@
 </p:sld>
 </file>
 
-<file path=ppt/slides/slide23.xml><?xml version="1.0" encoding="utf-8"?>
+<file path=ppt/slides/slide37.xml><?xml version="1.0" encoding="utf-8"?>
 <p:sld xmlns:a="http://schemas.openxmlformats.org/drawingml/2006/main" xmlns:r="http://schemas.openxmlformats.org/officeDocument/2006/relationships" xmlns:p="http://schemas.openxmlformats.org/presentationml/2006/main">
   <p:cSld>
     <p:spTree>
@@ -8843,7 +11341,7 @@
 </p:sld>
 </file>
 
-<file path=ppt/slides/slide24.xml><?xml version="1.0" encoding="utf-8"?>
+<file path=ppt/slides/slide38.xml><?xml version="1.0" encoding="utf-8"?>
 <p:sld xmlns:a="http://schemas.openxmlformats.org/drawingml/2006/main" xmlns:r="http://schemas.openxmlformats.org/officeDocument/2006/relationships" xmlns:p="http://schemas.openxmlformats.org/presentationml/2006/main">
   <p:cSld>
     <p:spTree>
@@ -8935,7 +11433,7 @@
 </p:sld>
 </file>
 
-<file path=ppt/slides/slide25.xml><?xml version="1.0" encoding="utf-8"?>
+<file path=ppt/slides/slide39.xml><?xml version="1.0" encoding="utf-8"?>
 <p:sld xmlns:a="http://schemas.openxmlformats.org/drawingml/2006/main" xmlns:r="http://schemas.openxmlformats.org/officeDocument/2006/relationships" xmlns:p="http://schemas.openxmlformats.org/presentationml/2006/main">
   <p:cSld>
     <p:spTree>
@@ -9057,7 +11555,246 @@
 </p:sld>
 </file>
 
-<file path=ppt/slides/slide26.xml><?xml version="1.0" encoding="utf-8"?>
+<file path=ppt/slides/slide4.xml><?xml version="1.0" encoding="utf-8"?>
+<p:sld xmlns:a="http://schemas.openxmlformats.org/drawingml/2006/main" xmlns:r="http://schemas.openxmlformats.org/officeDocument/2006/relationships" xmlns:p="http://schemas.openxmlformats.org/presentationml/2006/main">
+  <p:cSld>
+    <p:spTree>
+      <p:nvGrpSpPr>
+        <p:cNvPr id="1" name=""/>
+        <p:cNvGrpSpPr/>
+        <p:nvPr/>
+      </p:nvGrpSpPr>
+      <p:grpSpPr>
+        <a:xfrm>
+          <a:off x="0" y="0"/>
+          <a:ext cx="0" cy="0"/>
+          <a:chOff x="0" y="0"/>
+          <a:chExt cx="0" cy="0"/>
+        </a:xfrm>
+      </p:grpSpPr>
+      <p:sp>
+        <p:nvSpPr>
+          <p:cNvPr id="2" name="Title 1">
+            <a:extLst>
+              <a:ext uri="{FF2B5EF4-FFF2-40B4-BE49-F238E27FC236}">
+                <a16:creationId xmlns:a16="http://schemas.microsoft.com/office/drawing/2014/main" id="{95D5ACCD-4022-2544-ACF9-E3554CFEF89E}"/>
+              </a:ext>
+            </a:extLst>
+          </p:cNvPr>
+          <p:cNvSpPr>
+            <a:spLocks noGrp="1"/>
+          </p:cNvSpPr>
+          <p:nvPr>
+            <p:ph type="title"/>
+          </p:nvPr>
+        </p:nvSpPr>
+        <p:spPr>
+          <a:xfrm>
+            <a:off x="838200" y="365126"/>
+            <a:ext cx="10515600" cy="938742"/>
+          </a:xfrm>
+        </p:spPr>
+        <p:txBody>
+          <a:bodyPr/>
+          <a:lstStyle/>
+          <a:p>
+            <a:r>
+              <a:rPr lang="en-US" dirty="0"/>
+              <a:t>Data Components</a:t>
+            </a:r>
+          </a:p>
+        </p:txBody>
+      </p:sp>
+      <p:pic>
+        <p:nvPicPr>
+          <p:cNvPr id="5" name="Content Placeholder 4">
+            <a:extLst>
+              <a:ext uri="{FF2B5EF4-FFF2-40B4-BE49-F238E27FC236}">
+                <a16:creationId xmlns:a16="http://schemas.microsoft.com/office/drawing/2014/main" id="{AAC34161-152A-6C49-94A2-694CC20334C6}"/>
+              </a:ext>
+            </a:extLst>
+          </p:cNvPr>
+          <p:cNvPicPr>
+            <a:picLocks noGrp="1" noChangeAspect="1"/>
+          </p:cNvPicPr>
+          <p:nvPr>
+            <p:ph idx="1"/>
+          </p:nvPr>
+        </p:nvPicPr>
+        <p:blipFill>
+          <a:blip r:embed="rId2"/>
+          <a:stretch>
+            <a:fillRect/>
+          </a:stretch>
+        </p:blipFill>
+        <p:spPr>
+          <a:xfrm>
+            <a:off x="4953005" y="1303868"/>
+            <a:ext cx="7238995" cy="2895599"/>
+          </a:xfrm>
+        </p:spPr>
+      </p:pic>
+      <p:pic>
+        <p:nvPicPr>
+          <p:cNvPr id="9" name="Picture 8">
+            <a:extLst>
+              <a:ext uri="{FF2B5EF4-FFF2-40B4-BE49-F238E27FC236}">
+                <a16:creationId xmlns:a16="http://schemas.microsoft.com/office/drawing/2014/main" id="{5647E242-2875-9444-A044-76A9BD284F14}"/>
+              </a:ext>
+            </a:extLst>
+          </p:cNvPr>
+          <p:cNvPicPr>
+            <a:picLocks noChangeAspect="1"/>
+          </p:cNvPicPr>
+          <p:nvPr/>
+        </p:nvPicPr>
+        <p:blipFill>
+          <a:blip r:embed="rId3"/>
+          <a:stretch>
+            <a:fillRect/>
+          </a:stretch>
+        </p:blipFill>
+        <p:spPr>
+          <a:xfrm>
+            <a:off x="626533" y="4055852"/>
+            <a:ext cx="6062133" cy="2424853"/>
+          </a:xfrm>
+          <a:prstGeom prst="rect">
+            <a:avLst/>
+          </a:prstGeom>
+        </p:spPr>
+      </p:pic>
+      <p:sp>
+        <p:nvSpPr>
+          <p:cNvPr id="10" name="TextBox 9">
+            <a:extLst>
+              <a:ext uri="{FF2B5EF4-FFF2-40B4-BE49-F238E27FC236}">
+                <a16:creationId xmlns:a16="http://schemas.microsoft.com/office/drawing/2014/main" id="{5D923685-FC59-7748-83F5-EE18C6FD61A2}"/>
+              </a:ext>
+            </a:extLst>
+          </p:cNvPr>
+          <p:cNvSpPr txBox="1"/>
+          <p:nvPr/>
+        </p:nvSpPr>
+        <p:spPr>
+          <a:xfrm>
+            <a:off x="551527" y="1913467"/>
+            <a:ext cx="4748606" cy="1477328"/>
+          </a:xfrm>
+          <a:prstGeom prst="rect">
+            <a:avLst/>
+          </a:prstGeom>
+          <a:noFill/>
+        </p:spPr>
+        <p:txBody>
+          <a:bodyPr wrap="square" rtlCol="0">
+            <a:spAutoFit/>
+          </a:bodyPr>
+          <a:lstStyle/>
+          <a:p>
+            <a:pPr marL="285750" indent="-285750">
+              <a:buFont typeface="Arial" panose="020B0604020202020204" pitchFamily="34" charset="0"/>
+              <a:buChar char="•"/>
+            </a:pPr>
+            <a:r>
+              <a:rPr lang="en-US" dirty="0"/>
+              <a:t>PNG file per parent image</a:t>
+            </a:r>
+          </a:p>
+          <a:p>
+            <a:pPr marL="285750" indent="-285750">
+              <a:buFont typeface="Arial" panose="020B0604020202020204" pitchFamily="34" charset="0"/>
+              <a:buChar char="•"/>
+            </a:pPr>
+            <a:r>
+              <a:rPr lang="en-US" dirty="0"/>
+              <a:t>Bounding Box co-ordinates to identify digits in parent image</a:t>
+            </a:r>
+          </a:p>
+          <a:p>
+            <a:pPr marL="285750" indent="-285750">
+              <a:buFont typeface="Arial" panose="020B0604020202020204" pitchFamily="34" charset="0"/>
+              <a:buChar char="•"/>
+            </a:pPr>
+            <a:r>
+              <a:rPr lang="en-US" dirty="0"/>
+              <a:t>Label (0..9)</a:t>
+            </a:r>
+          </a:p>
+          <a:p>
+            <a:pPr marL="285750" indent="-285750">
+              <a:buFont typeface="Arial" panose="020B0604020202020204" pitchFamily="34" charset="0"/>
+              <a:buChar char="•"/>
+            </a:pPr>
+            <a:endParaRPr lang="en-US" dirty="0"/>
+          </a:p>
+        </p:txBody>
+      </p:sp>
+      <p:sp>
+        <p:nvSpPr>
+          <p:cNvPr id="11" name="TextBox 10">
+            <a:extLst>
+              <a:ext uri="{FF2B5EF4-FFF2-40B4-BE49-F238E27FC236}">
+                <a16:creationId xmlns:a16="http://schemas.microsoft.com/office/drawing/2014/main" id="{2892460E-F08F-F744-A27E-054CC9BEE2DB}"/>
+              </a:ext>
+            </a:extLst>
+          </p:cNvPr>
+          <p:cNvSpPr txBox="1"/>
+          <p:nvPr/>
+        </p:nvSpPr>
+        <p:spPr>
+          <a:xfrm>
+            <a:off x="6137754" y="4199468"/>
+            <a:ext cx="5448822" cy="2031325"/>
+          </a:xfrm>
+          <a:prstGeom prst="rect">
+            <a:avLst/>
+          </a:prstGeom>
+          <a:noFill/>
+        </p:spPr>
+        <p:txBody>
+          <a:bodyPr wrap="square" rtlCol="0">
+            <a:spAutoFit/>
+          </a:bodyPr>
+          <a:lstStyle/>
+          <a:p>
+            <a:pPr lvl="0"/>
+            <a:r>
+              <a:rPr lang="en-US" dirty="0"/>
+              <a:t>Available in two different formats:</a:t>
+            </a:r>
+          </a:p>
+          <a:p>
+            <a:r>
+              <a:rPr lang="en-US" dirty="0"/>
+              <a:t>	Format 1: Original images with bounding box available for each character (may contain multiple 	characters in same images).</a:t>
+            </a:r>
+          </a:p>
+          <a:p>
+            <a:r>
+              <a:rPr lang="en-US" dirty="0"/>
+              <a:t>	Format 2: MNIST like 32x32 cropped images having single character in each image.</a:t>
+            </a:r>
+          </a:p>
+          <a:p>
+            <a:endParaRPr lang="en-US" dirty="0"/>
+          </a:p>
+        </p:txBody>
+      </p:sp>
+    </p:spTree>
+    <p:extLst>
+      <p:ext uri="{BB962C8B-B14F-4D97-AF65-F5344CB8AC3E}">
+        <p14:creationId xmlns:p14="http://schemas.microsoft.com/office/powerpoint/2010/main" val="3677226953"/>
+      </p:ext>
+    </p:extLst>
+  </p:cSld>
+  <p:clrMapOvr>
+    <a:masterClrMapping/>
+  </p:clrMapOvr>
+</p:sld>
+</file>
+
+<file path=ppt/slides/slide40.xml><?xml version="1.0" encoding="utf-8"?>
 <p:sld xmlns:a="http://schemas.openxmlformats.org/drawingml/2006/main" xmlns:r="http://schemas.openxmlformats.org/officeDocument/2006/relationships" xmlns:p="http://schemas.openxmlformats.org/presentationml/2006/main">
   <p:cSld>
     <p:spTree>
@@ -9147,7 +11884,7 @@
 </p:sld>
 </file>
 
-<file path=ppt/slides/slide27.xml><?xml version="1.0" encoding="utf-8"?>
+<file path=ppt/slides/slide41.xml><?xml version="1.0" encoding="utf-8"?>
 <p:sld xmlns:a="http://schemas.openxmlformats.org/drawingml/2006/main" xmlns:r="http://schemas.openxmlformats.org/officeDocument/2006/relationships" xmlns:p="http://schemas.openxmlformats.org/presentationml/2006/main">
   <p:cSld>
     <p:spTree>
@@ -9265,7 +12002,7 @@
 </p:sld>
 </file>
 
-<file path=ppt/slides/slide28.xml><?xml version="1.0" encoding="utf-8"?>
+<file path=ppt/slides/slide42.xml><?xml version="1.0" encoding="utf-8"?>
 <p:sld xmlns:a="http://schemas.openxmlformats.org/drawingml/2006/main" xmlns:r="http://schemas.openxmlformats.org/officeDocument/2006/relationships" xmlns:p="http://schemas.openxmlformats.org/presentationml/2006/main">
   <p:cSld>
     <p:spTree>
@@ -9390,316 +12127,6 @@
 </p:sld>
 </file>
 
-<file path=ppt/slides/slide3.xml><?xml version="1.0" encoding="utf-8"?>
-<p:sld xmlns:a="http://schemas.openxmlformats.org/drawingml/2006/main" xmlns:r="http://schemas.openxmlformats.org/officeDocument/2006/relationships" xmlns:p="http://schemas.openxmlformats.org/presentationml/2006/main">
-  <p:cSld>
-    <p:spTree>
-      <p:nvGrpSpPr>
-        <p:cNvPr id="1" name=""/>
-        <p:cNvGrpSpPr/>
-        <p:nvPr/>
-      </p:nvGrpSpPr>
-      <p:grpSpPr>
-        <a:xfrm>
-          <a:off x="0" y="0"/>
-          <a:ext cx="0" cy="0"/>
-          <a:chOff x="0" y="0"/>
-          <a:chExt cx="0" cy="0"/>
-        </a:xfrm>
-      </p:grpSpPr>
-      <p:sp>
-        <p:nvSpPr>
-          <p:cNvPr id="2" name="Title 1">
-            <a:extLst>
-              <a:ext uri="{FF2B5EF4-FFF2-40B4-BE49-F238E27FC236}">
-                <a16:creationId xmlns:a16="http://schemas.microsoft.com/office/drawing/2014/main" id="{DBAC227D-73A6-2549-B02B-CD01E7CE215C}"/>
-              </a:ext>
-            </a:extLst>
-          </p:cNvPr>
-          <p:cNvSpPr>
-            <a:spLocks noGrp="1"/>
-          </p:cNvSpPr>
-          <p:nvPr>
-            <p:ph type="title"/>
-          </p:nvPr>
-        </p:nvSpPr>
-        <p:spPr/>
-        <p:txBody>
-          <a:bodyPr/>
-          <a:lstStyle/>
-          <a:p>
-            <a:r>
-              <a:rPr lang="en-US" dirty="0"/>
-              <a:t>The Data</a:t>
-            </a:r>
-          </a:p>
-        </p:txBody>
-      </p:sp>
-      <p:pic>
-        <p:nvPicPr>
-          <p:cNvPr id="5" name="Content Placeholder 4">
-            <a:extLst>
-              <a:ext uri="{FF2B5EF4-FFF2-40B4-BE49-F238E27FC236}">
-                <a16:creationId xmlns:a16="http://schemas.microsoft.com/office/drawing/2014/main" id="{74C39717-0618-684D-9199-A04C68DADD2B}"/>
-              </a:ext>
-            </a:extLst>
-          </p:cNvPr>
-          <p:cNvPicPr>
-            <a:picLocks noGrp="1" noChangeAspect="1"/>
-          </p:cNvPicPr>
-          <p:nvPr>
-            <p:ph idx="1"/>
-          </p:nvPr>
-        </p:nvPicPr>
-        <p:blipFill>
-          <a:blip r:embed="rId2"/>
-          <a:stretch>
-            <a:fillRect/>
-          </a:stretch>
-        </p:blipFill>
-        <p:spPr>
-          <a:xfrm>
-            <a:off x="1943312" y="2150533"/>
-            <a:ext cx="8877089" cy="4026430"/>
-          </a:xfrm>
-        </p:spPr>
-      </p:pic>
-      <p:sp>
-        <p:nvSpPr>
-          <p:cNvPr id="6" name="TextBox 5">
-            <a:extLst>
-              <a:ext uri="{FF2B5EF4-FFF2-40B4-BE49-F238E27FC236}">
-                <a16:creationId xmlns:a16="http://schemas.microsoft.com/office/drawing/2014/main" id="{496BE8AB-FD5A-6D41-B6FB-F545FAE4FBB6}"/>
-              </a:ext>
-            </a:extLst>
-          </p:cNvPr>
-          <p:cNvSpPr txBox="1"/>
-          <p:nvPr/>
-        </p:nvSpPr>
-        <p:spPr>
-          <a:xfrm>
-            <a:off x="694267" y="1506022"/>
-            <a:ext cx="4954433" cy="369332"/>
-          </a:xfrm>
-          <a:prstGeom prst="rect">
-            <a:avLst/>
-          </a:prstGeom>
-          <a:noFill/>
-        </p:spPr>
-        <p:txBody>
-          <a:bodyPr wrap="none" rtlCol="0">
-            <a:spAutoFit/>
-          </a:bodyPr>
-          <a:lstStyle/>
-          <a:p>
-            <a:r>
-              <a:rPr lang="en-US" dirty="0"/>
-              <a:t>Images from Google Street View that contain digits</a:t>
-            </a:r>
-          </a:p>
-        </p:txBody>
-      </p:sp>
-    </p:spTree>
-    <p:extLst>
-      <p:ext uri="{BB962C8B-B14F-4D97-AF65-F5344CB8AC3E}">
-        <p14:creationId xmlns:p14="http://schemas.microsoft.com/office/powerpoint/2010/main" val="1754611962"/>
-      </p:ext>
-    </p:extLst>
-  </p:cSld>
-  <p:clrMapOvr>
-    <a:masterClrMapping/>
-  </p:clrMapOvr>
-</p:sld>
-</file>
-
-<file path=ppt/slides/slide4.xml><?xml version="1.0" encoding="utf-8"?>
-<p:sld xmlns:a="http://schemas.openxmlformats.org/drawingml/2006/main" xmlns:r="http://schemas.openxmlformats.org/officeDocument/2006/relationships" xmlns:p="http://schemas.openxmlformats.org/presentationml/2006/main">
-  <p:cSld>
-    <p:spTree>
-      <p:nvGrpSpPr>
-        <p:cNvPr id="1" name=""/>
-        <p:cNvGrpSpPr/>
-        <p:nvPr/>
-      </p:nvGrpSpPr>
-      <p:grpSpPr>
-        <a:xfrm>
-          <a:off x="0" y="0"/>
-          <a:ext cx="0" cy="0"/>
-          <a:chOff x="0" y="0"/>
-          <a:chExt cx="0" cy="0"/>
-        </a:xfrm>
-      </p:grpSpPr>
-      <p:sp>
-        <p:nvSpPr>
-          <p:cNvPr id="2" name="Title 1">
-            <a:extLst>
-              <a:ext uri="{FF2B5EF4-FFF2-40B4-BE49-F238E27FC236}">
-                <a16:creationId xmlns:a16="http://schemas.microsoft.com/office/drawing/2014/main" id="{95D5ACCD-4022-2544-ACF9-E3554CFEF89E}"/>
-              </a:ext>
-            </a:extLst>
-          </p:cNvPr>
-          <p:cNvSpPr>
-            <a:spLocks noGrp="1"/>
-          </p:cNvSpPr>
-          <p:nvPr>
-            <p:ph type="title"/>
-          </p:nvPr>
-        </p:nvSpPr>
-        <p:spPr>
-          <a:xfrm>
-            <a:off x="838200" y="365126"/>
-            <a:ext cx="10515600" cy="938742"/>
-          </a:xfrm>
-        </p:spPr>
-        <p:txBody>
-          <a:bodyPr/>
-          <a:lstStyle/>
-          <a:p>
-            <a:r>
-              <a:rPr lang="en-US" dirty="0"/>
-              <a:t>Data Components</a:t>
-            </a:r>
-          </a:p>
-        </p:txBody>
-      </p:sp>
-      <p:pic>
-        <p:nvPicPr>
-          <p:cNvPr id="5" name="Content Placeholder 4">
-            <a:extLst>
-              <a:ext uri="{FF2B5EF4-FFF2-40B4-BE49-F238E27FC236}">
-                <a16:creationId xmlns:a16="http://schemas.microsoft.com/office/drawing/2014/main" id="{AAC34161-152A-6C49-94A2-694CC20334C6}"/>
-              </a:ext>
-            </a:extLst>
-          </p:cNvPr>
-          <p:cNvPicPr>
-            <a:picLocks noGrp="1" noChangeAspect="1"/>
-          </p:cNvPicPr>
-          <p:nvPr>
-            <p:ph idx="1"/>
-          </p:nvPr>
-        </p:nvPicPr>
-        <p:blipFill>
-          <a:blip r:embed="rId2"/>
-          <a:stretch>
-            <a:fillRect/>
-          </a:stretch>
-        </p:blipFill>
-        <p:spPr>
-          <a:xfrm>
-            <a:off x="4953005" y="1303868"/>
-            <a:ext cx="7238995" cy="2895599"/>
-          </a:xfrm>
-        </p:spPr>
-      </p:pic>
-      <p:pic>
-        <p:nvPicPr>
-          <p:cNvPr id="9" name="Picture 8">
-            <a:extLst>
-              <a:ext uri="{FF2B5EF4-FFF2-40B4-BE49-F238E27FC236}">
-                <a16:creationId xmlns:a16="http://schemas.microsoft.com/office/drawing/2014/main" id="{5647E242-2875-9444-A044-76A9BD284F14}"/>
-              </a:ext>
-            </a:extLst>
-          </p:cNvPr>
-          <p:cNvPicPr>
-            <a:picLocks noChangeAspect="1"/>
-          </p:cNvPicPr>
-          <p:nvPr/>
-        </p:nvPicPr>
-        <p:blipFill>
-          <a:blip r:embed="rId3"/>
-          <a:stretch>
-            <a:fillRect/>
-          </a:stretch>
-        </p:blipFill>
-        <p:spPr>
-          <a:xfrm>
-            <a:off x="626533" y="4055852"/>
-            <a:ext cx="6062133" cy="2424853"/>
-          </a:xfrm>
-          <a:prstGeom prst="rect">
-            <a:avLst/>
-          </a:prstGeom>
-        </p:spPr>
-      </p:pic>
-      <p:sp>
-        <p:nvSpPr>
-          <p:cNvPr id="10" name="TextBox 9">
-            <a:extLst>
-              <a:ext uri="{FF2B5EF4-FFF2-40B4-BE49-F238E27FC236}">
-                <a16:creationId xmlns:a16="http://schemas.microsoft.com/office/drawing/2014/main" id="{5D923685-FC59-7748-83F5-EE18C6FD61A2}"/>
-              </a:ext>
-            </a:extLst>
-          </p:cNvPr>
-          <p:cNvSpPr txBox="1"/>
-          <p:nvPr/>
-        </p:nvSpPr>
-        <p:spPr>
-          <a:xfrm>
-            <a:off x="551527" y="1913467"/>
-            <a:ext cx="4748606" cy="1477328"/>
-          </a:xfrm>
-          <a:prstGeom prst="rect">
-            <a:avLst/>
-          </a:prstGeom>
-          <a:noFill/>
-        </p:spPr>
-        <p:txBody>
-          <a:bodyPr wrap="square" rtlCol="0">
-            <a:spAutoFit/>
-          </a:bodyPr>
-          <a:lstStyle/>
-          <a:p>
-            <a:pPr marL="285750" indent="-285750">
-              <a:buFont typeface="Arial" panose="020B0604020202020204" pitchFamily="34" charset="0"/>
-              <a:buChar char="•"/>
-            </a:pPr>
-            <a:r>
-              <a:rPr lang="en-US" dirty="0"/>
-              <a:t>PNG file per parent image</a:t>
-            </a:r>
-          </a:p>
-          <a:p>
-            <a:pPr marL="285750" indent="-285750">
-              <a:buFont typeface="Arial" panose="020B0604020202020204" pitchFamily="34" charset="0"/>
-              <a:buChar char="•"/>
-            </a:pPr>
-            <a:r>
-              <a:rPr lang="en-US" dirty="0"/>
-              <a:t>Bounding Box co-ordinates to identify digits in parent image</a:t>
-            </a:r>
-          </a:p>
-          <a:p>
-            <a:pPr marL="285750" indent="-285750">
-              <a:buFont typeface="Arial" panose="020B0604020202020204" pitchFamily="34" charset="0"/>
-              <a:buChar char="•"/>
-            </a:pPr>
-            <a:r>
-              <a:rPr lang="en-US" dirty="0"/>
-              <a:t>Label (0..9)</a:t>
-            </a:r>
-          </a:p>
-          <a:p>
-            <a:pPr marL="285750" indent="-285750">
-              <a:buFont typeface="Arial" panose="020B0604020202020204" pitchFamily="34" charset="0"/>
-              <a:buChar char="•"/>
-            </a:pPr>
-            <a:endParaRPr lang="en-US" dirty="0"/>
-          </a:p>
-        </p:txBody>
-      </p:sp>
-    </p:spTree>
-    <p:extLst>
-      <p:ext uri="{BB962C8B-B14F-4D97-AF65-F5344CB8AC3E}">
-        <p14:creationId xmlns:p14="http://schemas.microsoft.com/office/powerpoint/2010/main" val="3677226953"/>
-      </p:ext>
-    </p:extLst>
-  </p:cSld>
-  <p:clrMapOvr>
-    <a:masterClrMapping/>
-  </p:clrMapOvr>
-</p:sld>
-</file>
-
 <file path=ppt/slides/slide5.xml><?xml version="1.0" encoding="utf-8"?>
 <p:sld xmlns:a="http://schemas.openxmlformats.org/drawingml/2006/main" xmlns:r="http://schemas.openxmlformats.org/officeDocument/2006/relationships" xmlns:p="http://schemas.openxmlformats.org/presentationml/2006/main">
   <p:cSld>
@@ -9844,7 +12271,7 @@
           <p:cNvPr id="2" name="Title 1">
             <a:extLst>
               <a:ext uri="{FF2B5EF4-FFF2-40B4-BE49-F238E27FC236}">
-                <a16:creationId xmlns:a16="http://schemas.microsoft.com/office/drawing/2014/main" id="{E9CF7272-45E9-9A41-A75B-63BA73500A59}"/>
+                <a16:creationId xmlns:a16="http://schemas.microsoft.com/office/drawing/2014/main" id="{4CFD6665-D3D2-4DF8-8636-380AB274A8FB}"/>
               </a:ext>
             </a:extLst>
           </p:cNvPr>
@@ -9852,50 +12279,69 @@
             <a:spLocks noGrp="1"/>
           </p:cNvSpPr>
           <p:nvPr>
-            <p:ph type="title"/>
-          </p:nvPr>
-        </p:nvSpPr>
-        <p:spPr/>
-        <p:txBody>
-          <a:bodyPr/>
+            <p:ph type="ctrTitle"/>
+          </p:nvPr>
+        </p:nvSpPr>
+        <p:spPr>
+          <a:xfrm>
+            <a:off x="1322294" y="1044389"/>
+            <a:ext cx="9345706" cy="3572436"/>
+          </a:xfrm>
+        </p:spPr>
+        <p:txBody>
+          <a:bodyPr>
+            <a:normAutofit/>
+          </a:bodyPr>
           <a:lstStyle/>
           <a:p>
-            <a:r>
-              <a:rPr lang="en-US" dirty="0"/>
-              <a:t>Image Classification with TensorFlow</a:t>
-            </a:r>
-          </a:p>
-        </p:txBody>
-      </p:sp>
-      <p:sp>
-        <p:nvSpPr>
-          <p:cNvPr id="3" name="Content Placeholder 2">
-            <a:extLst>
-              <a:ext uri="{FF2B5EF4-FFF2-40B4-BE49-F238E27FC236}">
-                <a16:creationId xmlns:a16="http://schemas.microsoft.com/office/drawing/2014/main" id="{C69E5F14-3F33-9245-B953-ADFB77433CCD}"/>
-              </a:ext>
-            </a:extLst>
-          </p:cNvPr>
-          <p:cNvSpPr>
-            <a:spLocks noGrp="1"/>
-          </p:cNvSpPr>
-          <p:nvPr>
-            <p:ph idx="1"/>
-          </p:nvPr>
-        </p:nvSpPr>
-        <p:spPr/>
-        <p:txBody>
-          <a:bodyPr/>
-          <a:lstStyle/>
-          <a:p>
-            <a:endParaRPr lang="en-US" dirty="0"/>
-          </a:p>
-        </p:txBody>
-      </p:sp>
+            <a:endParaRPr lang="en-US" dirty="0">
+              <a:solidFill>
+                <a:srgbClr val="C00000"/>
+              </a:solidFill>
+            </a:endParaRPr>
+          </a:p>
+        </p:txBody>
+      </p:sp>
+      <p:pic>
+        <p:nvPicPr>
+          <p:cNvPr id="5" name="Picture 4" descr="A close up of a sign&#10;&#10;Description generated with high confidence">
+            <a:extLst>
+              <a:ext uri="{FF2B5EF4-FFF2-40B4-BE49-F238E27FC236}">
+                <a16:creationId xmlns:a16="http://schemas.microsoft.com/office/drawing/2014/main" id="{6C6EEA5A-2277-4408-8D4B-744600DD5296}"/>
+              </a:ext>
+            </a:extLst>
+          </p:cNvPr>
+          <p:cNvPicPr>
+            <a:picLocks noChangeAspect="1"/>
+          </p:cNvPicPr>
+          <p:nvPr/>
+        </p:nvPicPr>
+        <p:blipFill>
+          <a:blip r:embed="rId2">
+            <a:extLst>
+              <a:ext uri="{28A0092B-C50C-407E-A947-70E740481C1C}">
+                <a14:useLocalDpi xmlns:a14="http://schemas.microsoft.com/office/drawing/2010/main" val="0"/>
+              </a:ext>
+            </a:extLst>
+          </a:blip>
+          <a:stretch>
+            <a:fillRect/>
+          </a:stretch>
+        </p:blipFill>
+        <p:spPr>
+          <a:xfrm>
+            <a:off x="952500" y="0"/>
+            <a:ext cx="10287000" cy="6858000"/>
+          </a:xfrm>
+          <a:prstGeom prst="rect">
+            <a:avLst/>
+          </a:prstGeom>
+        </p:spPr>
+      </p:pic>
     </p:spTree>
     <p:extLst>
       <p:ext uri="{BB962C8B-B14F-4D97-AF65-F5344CB8AC3E}">
-        <p14:creationId xmlns:p14="http://schemas.microsoft.com/office/powerpoint/2010/main" val="508012680"/>
+        <p14:creationId xmlns:p14="http://schemas.microsoft.com/office/powerpoint/2010/main" val="2418402002"/>
       </p:ext>
     </p:extLst>
   </p:cSld>
@@ -9927,7 +12373,7 @@
           <p:cNvPr id="2" name="Title 1">
             <a:extLst>
               <a:ext uri="{FF2B5EF4-FFF2-40B4-BE49-F238E27FC236}">
-                <a16:creationId xmlns:a16="http://schemas.microsoft.com/office/drawing/2014/main" id="{E9CF7272-45E9-9A41-A75B-63BA73500A59}"/>
+                <a16:creationId xmlns:a16="http://schemas.microsoft.com/office/drawing/2014/main" id="{D650572B-C6AB-4722-B702-1BD100E4C5B1}"/>
               </a:ext>
             </a:extLst>
           </p:cNvPr>
@@ -9945,7 +12391,11 @@
           <a:p>
             <a:r>
               <a:rPr lang="en-US" dirty="0"/>
-              <a:t>Image Classification with Caffe</a:t>
+              <a:t>                      </a:t>
+            </a:r>
+            <a:r>
+              <a:rPr lang="en-US" b="1" dirty="0"/>
+              <a:t>About TensorFlow </a:t>
             </a:r>
           </a:p>
         </p:txBody>
@@ -9955,7 +12405,7 @@
           <p:cNvPr id="3" name="Content Placeholder 2">
             <a:extLst>
               <a:ext uri="{FF2B5EF4-FFF2-40B4-BE49-F238E27FC236}">
-                <a16:creationId xmlns:a16="http://schemas.microsoft.com/office/drawing/2014/main" id="{C69E5F14-3F33-9245-B953-ADFB77433CCD}"/>
+                <a16:creationId xmlns:a16="http://schemas.microsoft.com/office/drawing/2014/main" id="{5C49240C-77D5-4AB1-87DC-FE162F27FADD}"/>
               </a:ext>
             </a:extLst>
           </p:cNvPr>
@@ -9968,8 +12418,52 @@
         </p:nvSpPr>
         <p:spPr/>
         <p:txBody>
-          <a:bodyPr/>
+          <a:bodyPr>
+            <a:normAutofit/>
+          </a:bodyPr>
           <a:lstStyle/>
+          <a:p>
+            <a:endParaRPr lang="en-US" sz="1900" dirty="0"/>
+          </a:p>
+          <a:p>
+            <a:r>
+              <a:rPr lang="en-US" sz="1900" dirty="0"/>
+              <a:t>TensorFlow is an open source software library for numerical computation using dataflow graphs. Nodes in the graph represents mathematical operations, while graph edges represent multi-dimensional data arrays (aka tensors) communicated between them. </a:t>
+            </a:r>
+          </a:p>
+          <a:p>
+            <a:r>
+              <a:rPr lang="en-US" sz="1900" dirty="0"/>
+              <a:t>TensorFlow as nothing but numpy with a twist. A major difference between numpy and TensorFlow is that TensorFlow follows a lazy programming paradigm. The advantages of using TensorFlow are:</a:t>
+            </a:r>
+          </a:p>
+          <a:p>
+            <a:pPr marL="0" lvl="0" indent="0">
+              <a:buNone/>
+            </a:pPr>
+            <a:r>
+              <a:rPr lang="en-US" sz="1900" dirty="0"/>
+              <a:t>	It has an intuitive construct, because as the name suggests it has “flow of tensors”. You can 	easily visualize each part of the graph.</a:t>
+            </a:r>
+          </a:p>
+          <a:p>
+            <a:pPr marL="0" lvl="0" indent="0">
+              <a:buNone/>
+            </a:pPr>
+            <a:r>
+              <a:rPr lang="en-US" sz="1900" dirty="0"/>
+              <a:t>	Easily train on CPU/GPU for distributed computing</a:t>
+            </a:r>
+          </a:p>
+          <a:p>
+            <a:pPr marL="0" lvl="0" indent="0">
+              <a:buNone/>
+            </a:pPr>
+            <a:r>
+              <a:rPr lang="en-US" sz="1900" dirty="0"/>
+              <a:t>	Platform flexibility. You can run the models wherever you want, whether it is on mobile, server 	or PC.</a:t>
+            </a:r>
+          </a:p>
           <a:p>
             <a:endParaRPr lang="en-US" dirty="0"/>
           </a:p>
@@ -9978,7 +12472,7 @@
     </p:spTree>
     <p:extLst>
       <p:ext uri="{BB962C8B-B14F-4D97-AF65-F5344CB8AC3E}">
-        <p14:creationId xmlns:p14="http://schemas.microsoft.com/office/powerpoint/2010/main" val="3834422824"/>
+        <p14:creationId xmlns:p14="http://schemas.microsoft.com/office/powerpoint/2010/main" val="790417382"/>
       </p:ext>
     </p:extLst>
   </p:cSld>
@@ -10010,7 +12504,7 @@
           <p:cNvPr id="2" name="Title 1">
             <a:extLst>
               <a:ext uri="{FF2B5EF4-FFF2-40B4-BE49-F238E27FC236}">
-                <a16:creationId xmlns:a16="http://schemas.microsoft.com/office/drawing/2014/main" id="{E9CF7272-45E9-9A41-A75B-63BA73500A59}"/>
+                <a16:creationId xmlns:a16="http://schemas.microsoft.com/office/drawing/2014/main" id="{7663DA95-46D4-4176-B291-05EDCC0729A2}"/>
               </a:ext>
             </a:extLst>
           </p:cNvPr>
@@ -10021,19 +12515,32 @@
             <p:ph type="title"/>
           </p:nvPr>
         </p:nvSpPr>
-        <p:spPr/>
-        <p:txBody>
-          <a:bodyPr/>
+        <p:spPr>
+          <a:xfrm>
+            <a:off x="838200" y="365126"/>
+            <a:ext cx="10515600" cy="894416"/>
+          </a:xfrm>
+        </p:spPr>
+        <p:txBody>
+          <a:bodyPr>
+            <a:normAutofit fontScale="90000"/>
+          </a:bodyPr>
           <a:lstStyle/>
           <a:p>
             <a:r>
+              <a:rPr lang="en-US" b="1" dirty="0"/>
+              <a:t>                              </a:t>
+            </a:r>
+            <a:br>
+              <a:rPr lang="en-US" b="1" dirty="0"/>
+            </a:br>
+            <a:r>
+              <a:rPr lang="en-US" b="1" dirty="0"/>
+              <a:t>                              PREPROCESSING</a:t>
+            </a:r>
+            <a:br>
               <a:rPr lang="en-US" dirty="0"/>
-              <a:t>Image Classification with </a:t>
-            </a:r>
-            <a:r>
-              <a:rPr lang="en-US" dirty="0" err="1"/>
-              <a:t>PyTorch</a:t>
-            </a:r>
+            </a:br>
             <a:endParaRPr lang="en-US" dirty="0"/>
           </a:p>
         </p:txBody>
@@ -10043,7 +12550,7 @@
           <p:cNvPr id="3" name="Content Placeholder 2">
             <a:extLst>
               <a:ext uri="{FF2B5EF4-FFF2-40B4-BE49-F238E27FC236}">
-                <a16:creationId xmlns:a16="http://schemas.microsoft.com/office/drawing/2014/main" id="{C69E5F14-3F33-9245-B953-ADFB77433CCD}"/>
+                <a16:creationId xmlns:a16="http://schemas.microsoft.com/office/drawing/2014/main" id="{15556CEE-4B32-4FAE-A7F5-6297827DCA99}"/>
               </a:ext>
             </a:extLst>
           </p:cNvPr>
@@ -10054,99 +12561,102 @@
             <p:ph idx="1"/>
           </p:nvPr>
         </p:nvSpPr>
-        <p:spPr/>
-        <p:txBody>
-          <a:bodyPr>
-            <a:normAutofit fontScale="92500" lnSpcReduction="20000"/>
-          </a:bodyPr>
+        <p:spPr>
+          <a:xfrm>
+            <a:off x="838200" y="1290917"/>
+            <a:ext cx="10515600" cy="4886045"/>
+          </a:xfrm>
+        </p:spPr>
+        <p:txBody>
+          <a:bodyPr/>
           <a:lstStyle/>
           <a:p>
-            <a:r>
-              <a:rPr lang="en-US" dirty="0"/>
-              <a:t>Preprocessing:</a:t>
-            </a:r>
-          </a:p>
-          <a:p>
-            <a:pPr lvl="1"/>
-            <a:r>
-              <a:rPr lang="en-US" dirty="0"/>
-              <a:t>Resize to 40 x 40 </a:t>
-            </a:r>
-          </a:p>
-          <a:p>
-            <a:pPr lvl="1"/>
-            <a:r>
-              <a:rPr lang="en-US" dirty="0"/>
-              <a:t>Grayscale</a:t>
-            </a:r>
-          </a:p>
-          <a:p>
-            <a:r>
-              <a:rPr lang="en-US" dirty="0"/>
-              <a:t>Algorithm:</a:t>
-            </a:r>
-          </a:p>
-          <a:p>
-            <a:pPr lvl="1"/>
-            <a:r>
-              <a:rPr lang="en-US" dirty="0"/>
-              <a:t>Convolutional Neural Network with 3 Convolution-</a:t>
-            </a:r>
-            <a:r>
-              <a:rPr lang="en-US" dirty="0" err="1"/>
-              <a:t>BatchNorm</a:t>
-            </a:r>
-            <a:r>
-              <a:rPr lang="en-US" dirty="0"/>
-              <a:t>-</a:t>
-            </a:r>
-            <a:r>
-              <a:rPr lang="en-US" dirty="0" err="1"/>
-              <a:t>Relu-Maxpool</a:t>
-            </a:r>
-            <a:r>
-              <a:rPr lang="en-US" dirty="0"/>
-              <a:t>, layers,  Dropout, and Fully Connected Layer</a:t>
-            </a:r>
-          </a:p>
-          <a:p>
-            <a:pPr lvl="1"/>
-            <a:r>
-              <a:rPr lang="en-US" dirty="0"/>
-              <a:t>Kernel size 3x3</a:t>
-            </a:r>
-          </a:p>
-          <a:p>
-            <a:pPr lvl="1"/>
-            <a:r>
-              <a:rPr lang="en-US" dirty="0"/>
-              <a:t>Number of kernels: 48 – 64 – 32</a:t>
-            </a:r>
-          </a:p>
-          <a:p>
-            <a:pPr lvl="1"/>
-            <a:r>
-              <a:rPr lang="en-US" dirty="0"/>
-              <a:t>Dropout p=0.50</a:t>
-            </a:r>
-          </a:p>
-          <a:p>
-            <a:r>
-              <a:rPr lang="en-US" dirty="0"/>
-              <a:t>Optimizer: SGD</a:t>
-            </a:r>
-          </a:p>
-          <a:p>
-            <a:r>
-              <a:rPr lang="en-US" dirty="0"/>
-              <a:t>Batch Size: 32</a:t>
-            </a:r>
-          </a:p>
-          <a:p>
-            <a:r>
-              <a:rPr lang="en-US" dirty="0"/>
-              <a:t>Learning rate: 0.005</a:t>
-            </a:r>
+            <a:endParaRPr lang="en-US" sz="1800" dirty="0"/>
+          </a:p>
+          <a:p>
+            <a:r>
+              <a:rPr lang="en-US" sz="1800" dirty="0"/>
+              <a:t>In this dataset all digits have been resized to a fixed resolution of 32-by-32 pixels. </a:t>
+            </a:r>
+          </a:p>
+          <a:p>
+            <a:r>
+              <a:rPr lang="en-US" sz="1800" dirty="0"/>
+              <a:t>Initial Exploratory Analysis</a:t>
+            </a:r>
+          </a:p>
+          <a:p>
+            <a:pPr lvl="0"/>
+            <a:r>
+              <a:rPr lang="en-US" sz="1800" dirty="0"/>
+              <a:t>Created a Balanced (</a:t>
+            </a:r>
+            <a:r>
+              <a:rPr lang="en-US" sz="1800" dirty="0" err="1"/>
+              <a:t>Startified</a:t>
+            </a:r>
+            <a:r>
+              <a:rPr lang="en-US" sz="1800" dirty="0"/>
+              <a:t>) 13% of data in Validation Set.</a:t>
+            </a:r>
+          </a:p>
+          <a:p>
+            <a:pPr marL="0" indent="0">
+              <a:buNone/>
+            </a:pPr>
+            <a:r>
+              <a:rPr lang="en-US" sz="1800" dirty="0"/>
+              <a:t>	Splitting to 13% in Val Set as it gives around 9500 data having minimum of 800 instances of  	each class.</a:t>
+            </a:r>
+          </a:p>
+          <a:p>
+            <a:pPr lvl="0"/>
+            <a:r>
+              <a:rPr lang="en-US" sz="1800" dirty="0"/>
+              <a:t>Converting the Label 10's to 0’s</a:t>
+            </a:r>
+          </a:p>
+          <a:p>
+            <a:pPr marL="0" lvl="0" indent="0">
+              <a:buNone/>
+            </a:pPr>
+            <a:r>
+              <a:rPr lang="en-US" sz="1800" dirty="0"/>
+              <a:t>	So, we got a target label of [0 1 2 3 4 5 6 7 8 9]</a:t>
+            </a:r>
+          </a:p>
+          <a:p>
+            <a:r>
+              <a:rPr lang="en-US" sz="1800" dirty="0"/>
+              <a:t>RGB to Grayscale</a:t>
+            </a:r>
+          </a:p>
+          <a:p>
+            <a:pPr marL="0" indent="0">
+              <a:buNone/>
+            </a:pPr>
+            <a:r>
+              <a:rPr lang="en-US" sz="1800" dirty="0"/>
+              <a:t>	Since we are not concerned about the color of the image. Increase the computation</a:t>
+            </a:r>
+          </a:p>
+          <a:p>
+            <a:r>
+              <a:rPr lang="en-US" sz="1800" dirty="0"/>
+              <a:t>Normalization &amp; Storing to Disk </a:t>
+            </a:r>
+          </a:p>
+          <a:p>
+            <a:pPr marL="0" indent="0">
+              <a:buNone/>
+            </a:pPr>
+            <a:r>
+              <a:rPr lang="en-US" sz="1800" dirty="0"/>
+              <a:t>	Used h5py package to store the numerical data, so that it can be easily manipulated using NumPy.</a:t>
+            </a:r>
+          </a:p>
+          <a:p>
+            <a:endParaRPr lang="en-US" sz="1800" dirty="0"/>
           </a:p>
           <a:p>
             <a:pPr marL="0" indent="0">
@@ -10154,16 +12664,40 @@
             </a:pPr>
             <a:endParaRPr lang="en-US" dirty="0"/>
           </a:p>
-          <a:p>
-            <a:pPr lvl="1"/>
-            <a:endParaRPr lang="en-US" dirty="0"/>
-          </a:p>
-        </p:txBody>
-      </p:sp>
+        </p:txBody>
+      </p:sp>
+      <p:pic>
+        <p:nvPicPr>
+          <p:cNvPr id="5" name="Picture 4">
+            <a:extLst>
+              <a:ext uri="{FF2B5EF4-FFF2-40B4-BE49-F238E27FC236}">
+                <a16:creationId xmlns:a16="http://schemas.microsoft.com/office/drawing/2014/main" id="{01B52CCE-C510-45B9-B702-AC88DF966DF4}"/>
+              </a:ext>
+            </a:extLst>
+          </p:cNvPr>
+          <p:cNvPicPr/>
+          <p:nvPr/>
+        </p:nvPicPr>
+        <p:blipFill>
+          <a:blip r:embed="rId2"/>
+          <a:stretch>
+            <a:fillRect/>
+          </a:stretch>
+        </p:blipFill>
+        <p:spPr>
+          <a:xfrm>
+            <a:off x="7665414" y="3115907"/>
+            <a:ext cx="3238500" cy="765810"/>
+          </a:xfrm>
+          <a:prstGeom prst="rect">
+            <a:avLst/>
+          </a:prstGeom>
+        </p:spPr>
+      </p:pic>
     </p:spTree>
     <p:extLst>
       <p:ext uri="{BB962C8B-B14F-4D97-AF65-F5344CB8AC3E}">
-        <p14:creationId xmlns:p14="http://schemas.microsoft.com/office/powerpoint/2010/main" val="1196567675"/>
+        <p14:creationId xmlns:p14="http://schemas.microsoft.com/office/powerpoint/2010/main" val="3267748049"/>
       </p:ext>
     </p:extLst>
   </p:cSld>
@@ -10195,7 +12729,7 @@
           <p:cNvPr id="2" name="Title 1">
             <a:extLst>
               <a:ext uri="{FF2B5EF4-FFF2-40B4-BE49-F238E27FC236}">
-                <a16:creationId xmlns:a16="http://schemas.microsoft.com/office/drawing/2014/main" id="{5998E694-B97F-7A43-A126-6AA77E63E10E}"/>
+                <a16:creationId xmlns:a16="http://schemas.microsoft.com/office/drawing/2014/main" id="{B6498B3B-C81D-4C45-B907-D4FCE1BC1A14}"/>
               </a:ext>
             </a:extLst>
           </p:cNvPr>
@@ -10206,44 +12740,37 @@
             <p:ph type="title"/>
           </p:nvPr>
         </p:nvSpPr>
-        <p:spPr>
-          <a:xfrm>
-            <a:off x="838200" y="365126"/>
-            <a:ext cx="10515600" cy="921808"/>
-          </a:xfrm>
-        </p:spPr>
+        <p:spPr/>
         <p:txBody>
           <a:bodyPr/>
           <a:lstStyle/>
           <a:p>
             <a:r>
               <a:rPr lang="en-US" dirty="0"/>
-              <a:t>The </a:t>
-            </a:r>
-            <a:r>
-              <a:rPr lang="en-US" dirty="0" err="1"/>
-              <a:t>PyTorch</a:t>
-            </a:r>
-            <a:r>
-              <a:rPr lang="en-US" dirty="0"/>
-              <a:t> Model</a:t>
+              <a:t>                             </a:t>
+            </a:r>
+            <a:r>
+              <a:rPr lang="en-US" b="1" dirty="0"/>
+              <a:t>IMAGE SAMPLE</a:t>
             </a:r>
           </a:p>
         </p:txBody>
       </p:sp>
       <p:pic>
         <p:nvPicPr>
-          <p:cNvPr id="7" name="Picture 6">
-            <a:extLst>
-              <a:ext uri="{FF2B5EF4-FFF2-40B4-BE49-F238E27FC236}">
-                <a16:creationId xmlns:a16="http://schemas.microsoft.com/office/drawing/2014/main" id="{CDAF9D3D-3555-2343-B09D-40C07E73FD49}"/>
+          <p:cNvPr id="4" name="Content Placeholder 3">
+            <a:extLst>
+              <a:ext uri="{FF2B5EF4-FFF2-40B4-BE49-F238E27FC236}">
+                <a16:creationId xmlns:a16="http://schemas.microsoft.com/office/drawing/2014/main" id="{04C0C00E-5F74-4D85-996F-5F613F073303}"/>
               </a:ext>
             </a:extLst>
           </p:cNvPr>
           <p:cNvPicPr>
-            <a:picLocks noChangeAspect="1"/>
+            <a:picLocks noGrp="1"/>
           </p:cNvPicPr>
-          <p:nvPr/>
+          <p:nvPr>
+            <p:ph idx="1"/>
+          </p:nvPr>
         </p:nvPicPr>
         <p:blipFill>
           <a:blip r:embed="rId2"/>
@@ -10253,8 +12780,8 @@
         </p:blipFill>
         <p:spPr>
           <a:xfrm>
-            <a:off x="1016000" y="1476022"/>
-            <a:ext cx="7507817" cy="5005211"/>
+            <a:off x="838200" y="2553038"/>
+            <a:ext cx="10515600" cy="2896512"/>
           </a:xfrm>
           <a:prstGeom prst="rect">
             <a:avLst/>
@@ -10264,7 +12791,7 @@
     </p:spTree>
     <p:extLst>
       <p:ext uri="{BB962C8B-B14F-4D97-AF65-F5344CB8AC3E}">
-        <p14:creationId xmlns:p14="http://schemas.microsoft.com/office/powerpoint/2010/main" val="3954673419"/>
+        <p14:creationId xmlns:p14="http://schemas.microsoft.com/office/powerpoint/2010/main" val="796854068"/>
       </p:ext>
     </p:extLst>
   </p:cSld>
